--- a/documents/00_Sitzungen/Milestone_4/Meilenstein4.pptx
+++ b/documents/00_Sitzungen/Milestone_4/Meilenstein4.pptx
@@ -5,14 +5,15 @@
     <p:sldMasterId id="2147483648" r:id="rId1"/>
   </p:sldMasterIdLst>
   <p:sldIdLst>
-    <p:sldId id="256" r:id="rId2"/>
-    <p:sldId id="257" r:id="rId3"/>
-    <p:sldId id="258" r:id="rId4"/>
-    <p:sldId id="265" r:id="rId5"/>
-    <p:sldId id="267" r:id="rId6"/>
-    <p:sldId id="268" r:id="rId7"/>
-    <p:sldId id="263" r:id="rId8"/>
-    <p:sldId id="266" r:id="rId9"/>
+    <p:sldId id="269" r:id="rId2"/>
+    <p:sldId id="256" r:id="rId3"/>
+    <p:sldId id="257" r:id="rId4"/>
+    <p:sldId id="258" r:id="rId5"/>
+    <p:sldId id="265" r:id="rId6"/>
+    <p:sldId id="267" r:id="rId7"/>
+    <p:sldId id="268" r:id="rId8"/>
+    <p:sldId id="263" r:id="rId9"/>
+    <p:sldId id="266" r:id="rId10"/>
   </p:sldIdLst>
   <p:sldSz cx="12192000" cy="6858000"/>
   <p:notesSz cx="6858000" cy="9144000"/>
@@ -1229,7 +1230,7 @@
           <a:p>
             <a:fld id="{506EE3B9-BFD3-4836-85E3-38E3B5379BB2}" type="datetimeFigureOut">
               <a:rPr lang="de-CH" smtClean="0"/>
-              <a:t>26.04.2018</a:t>
+              <a:t>17.05.2018</a:t>
             </a:fld>
             <a:endParaRPr lang="de-CH"/>
           </a:p>
@@ -1432,7 +1433,7 @@
           <a:p>
             <a:fld id="{506EE3B9-BFD3-4836-85E3-38E3B5379BB2}" type="datetimeFigureOut">
               <a:rPr lang="de-CH" smtClean="0"/>
-              <a:t>26.04.2018</a:t>
+              <a:t>17.05.2018</a:t>
             </a:fld>
             <a:endParaRPr lang="de-CH"/>
           </a:p>
@@ -1645,7 +1646,7 @@
           <a:p>
             <a:fld id="{506EE3B9-BFD3-4836-85E3-38E3B5379BB2}" type="datetimeFigureOut">
               <a:rPr lang="de-CH" smtClean="0"/>
-              <a:t>26.04.2018</a:t>
+              <a:t>17.05.2018</a:t>
             </a:fld>
             <a:endParaRPr lang="de-CH"/>
           </a:p>
@@ -1848,7 +1849,7 @@
           <a:p>
             <a:fld id="{506EE3B9-BFD3-4836-85E3-38E3B5379BB2}" type="datetimeFigureOut">
               <a:rPr lang="de-CH" smtClean="0"/>
-              <a:t>26.04.2018</a:t>
+              <a:t>17.05.2018</a:t>
             </a:fld>
             <a:endParaRPr lang="de-CH"/>
           </a:p>
@@ -2127,7 +2128,7 @@
           <a:p>
             <a:fld id="{506EE3B9-BFD3-4836-85E3-38E3B5379BB2}" type="datetimeFigureOut">
               <a:rPr lang="de-CH" smtClean="0"/>
-              <a:t>26.04.2018</a:t>
+              <a:t>17.05.2018</a:t>
             </a:fld>
             <a:endParaRPr lang="de-CH"/>
           </a:p>
@@ -2398,7 +2399,7 @@
           <a:p>
             <a:fld id="{506EE3B9-BFD3-4836-85E3-38E3B5379BB2}" type="datetimeFigureOut">
               <a:rPr lang="de-CH" smtClean="0"/>
-              <a:t>26.04.2018</a:t>
+              <a:t>17.05.2018</a:t>
             </a:fld>
             <a:endParaRPr lang="de-CH"/>
           </a:p>
@@ -2816,7 +2817,7 @@
           <a:p>
             <a:fld id="{506EE3B9-BFD3-4836-85E3-38E3B5379BB2}" type="datetimeFigureOut">
               <a:rPr lang="de-CH" smtClean="0"/>
-              <a:t>26.04.2018</a:t>
+              <a:t>17.05.2018</a:t>
             </a:fld>
             <a:endParaRPr lang="de-CH"/>
           </a:p>
@@ -2961,7 +2962,7 @@
           <a:p>
             <a:fld id="{506EE3B9-BFD3-4836-85E3-38E3B5379BB2}" type="datetimeFigureOut">
               <a:rPr lang="de-CH" smtClean="0"/>
-              <a:t>26.04.2018</a:t>
+              <a:t>17.05.2018</a:t>
             </a:fld>
             <a:endParaRPr lang="de-CH"/>
           </a:p>
@@ -3077,7 +3078,7 @@
           <a:p>
             <a:fld id="{506EE3B9-BFD3-4836-85E3-38E3B5379BB2}" type="datetimeFigureOut">
               <a:rPr lang="de-CH" smtClean="0"/>
-              <a:t>26.04.2018</a:t>
+              <a:t>17.05.2018</a:t>
             </a:fld>
             <a:endParaRPr lang="de-CH"/>
           </a:p>
@@ -3393,7 +3394,7 @@
           <a:p>
             <a:fld id="{506EE3B9-BFD3-4836-85E3-38E3B5379BB2}" type="datetimeFigureOut">
               <a:rPr lang="de-CH" smtClean="0"/>
-              <a:t>26.04.2018</a:t>
+              <a:t>17.05.2018</a:t>
             </a:fld>
             <a:endParaRPr lang="de-CH"/>
           </a:p>
@@ -3685,7 +3686,7 @@
           <a:p>
             <a:fld id="{506EE3B9-BFD3-4836-85E3-38E3B5379BB2}" type="datetimeFigureOut">
               <a:rPr lang="de-CH" smtClean="0"/>
-              <a:t>26.04.2018</a:t>
+              <a:t>17.05.2018</a:t>
             </a:fld>
             <a:endParaRPr lang="de-CH"/>
           </a:p>
@@ -3931,7 +3932,7 @@
           <a:p>
             <a:fld id="{506EE3B9-BFD3-4836-85E3-38E3B5379BB2}" type="datetimeFigureOut">
               <a:rPr lang="de-CH" smtClean="0"/>
-              <a:t>26.04.2018</a:t>
+              <a:t>17.05.2018</a:t>
             </a:fld>
             <a:endParaRPr lang="de-CH"/>
           </a:p>
@@ -4361,1629 +4362,10 @@
       </p:grpSpPr>
       <p:sp>
         <p:nvSpPr>
-          <p:cNvPr id="2" name="Titel 1">
+          <p:cNvPr id="4" name="Inhaltsplatzhalter 2">
             <a:extLst>
               <a:ext uri="{FF2B5EF4-FFF2-40B4-BE49-F238E27FC236}">
-                <a16:creationId xmlns:a16="http://schemas.microsoft.com/office/drawing/2014/main" id="{A062B88F-7C0D-4D82-95F7-03B3368495D4}"/>
-              </a:ext>
-            </a:extLst>
-          </p:cNvPr>
-          <p:cNvSpPr>
-            <a:spLocks noGrp="1"/>
-          </p:cNvSpPr>
-          <p:nvPr>
-            <p:ph type="ctrTitle"/>
-          </p:nvPr>
-        </p:nvSpPr>
-        <p:spPr>
-          <a:xfrm>
-            <a:off x="508001" y="1122363"/>
-            <a:ext cx="11218332" cy="2387600"/>
-          </a:xfrm>
-        </p:spPr>
-        <p:txBody>
-          <a:bodyPr>
-            <a:normAutofit/>
-          </a:bodyPr>
-          <a:lstStyle/>
-          <a:p>
-            <a:r>
-              <a:rPr lang="de-CH" sz="9600" b="1" dirty="0">
-                <a:solidFill>
-                  <a:schemeClr val="bg1"/>
-                </a:solidFill>
-                <a:latin typeface="Myriad Pro" panose="020B0503030403020204" pitchFamily="34" charset="0"/>
-              </a:rPr>
-              <a:t> Meilenstein 3</a:t>
-            </a:r>
-          </a:p>
-        </p:txBody>
-      </p:sp>
-      <p:pic>
-        <p:nvPicPr>
-          <p:cNvPr id="7" name="Grafik 6">
-            <a:extLst>
-              <a:ext uri="{FF2B5EF4-FFF2-40B4-BE49-F238E27FC236}">
-                <a16:creationId xmlns:a16="http://schemas.microsoft.com/office/drawing/2014/main" id="{EF12A104-3A4B-4B58-8C7D-80197AEAD192}"/>
-              </a:ext>
-            </a:extLst>
-          </p:cNvPr>
-          <p:cNvPicPr>
-            <a:picLocks noChangeAspect="1"/>
-          </p:cNvPicPr>
-          <p:nvPr/>
-        </p:nvPicPr>
-        <p:blipFill>
-          <a:blip r:embed="rId2">
-            <a:extLst>
-              <a:ext uri="{28A0092B-C50C-407E-A947-70E740481C1C}">
-                <a14:useLocalDpi xmlns:a14="http://schemas.microsoft.com/office/drawing/2010/main" val="0"/>
-              </a:ext>
-            </a:extLst>
-          </a:blip>
-          <a:stretch>
-            <a:fillRect/>
-          </a:stretch>
-        </p:blipFill>
-        <p:spPr>
-          <a:xfrm>
-            <a:off x="8800626" y="4359719"/>
-            <a:ext cx="2053852" cy="1284446"/>
-          </a:xfrm>
-          <a:prstGeom prst="rect">
-            <a:avLst/>
-          </a:prstGeom>
-        </p:spPr>
-      </p:pic>
-      <p:sp>
-        <p:nvSpPr>
-          <p:cNvPr id="5" name="Subtitle 4">
-            <a:extLst>
-              <a:ext uri="{FF2B5EF4-FFF2-40B4-BE49-F238E27FC236}">
-                <a16:creationId xmlns:a16="http://schemas.microsoft.com/office/drawing/2014/main" id="{40B2F163-FC58-49FB-867B-DB898F05822D}"/>
-              </a:ext>
-            </a:extLst>
-          </p:cNvPr>
-          <p:cNvSpPr>
-            <a:spLocks noGrp="1"/>
-          </p:cNvSpPr>
-          <p:nvPr>
-            <p:ph type="subTitle" idx="1"/>
-          </p:nvPr>
-        </p:nvSpPr>
-        <p:spPr/>
-        <p:txBody>
-          <a:bodyPr/>
-          <a:lstStyle/>
-          <a:p>
-            <a:endParaRPr lang="en-US"/>
-          </a:p>
-        </p:txBody>
-      </p:sp>
-      <p:sp>
-        <p:nvSpPr>
-          <p:cNvPr id="8" name="Untertitel 2">
-            <a:extLst>
-              <a:ext uri="{FF2B5EF4-FFF2-40B4-BE49-F238E27FC236}">
-                <a16:creationId xmlns:a16="http://schemas.microsoft.com/office/drawing/2014/main" id="{6FDFA46A-20F7-4045-B2B5-D388C91CBE13}"/>
-              </a:ext>
-            </a:extLst>
-          </p:cNvPr>
-          <p:cNvSpPr txBox="1">
-            <a:spLocks/>
-          </p:cNvSpPr>
-          <p:nvPr/>
-        </p:nvSpPr>
-        <p:spPr>
-          <a:xfrm>
-            <a:off x="1416940" y="3602037"/>
-            <a:ext cx="9144000" cy="2883429"/>
-          </a:xfrm>
-          <a:prstGeom prst="rect">
-            <a:avLst/>
-          </a:prstGeom>
-        </p:spPr>
-        <p:txBody>
-          <a:bodyPr vert="horz" lIns="91440" tIns="45720" rIns="91440" bIns="45720" rtlCol="0">
-            <a:normAutofit/>
-          </a:bodyPr>
-          <a:lstStyle>
-            <a:lvl1pPr marL="0" indent="0" algn="ctr" defTabSz="914400" rtl="0" eaLnBrk="1" latinLnBrk="0" hangingPunct="1">
-              <a:lnSpc>
-                <a:spcPct val="90000"/>
-              </a:lnSpc>
-              <a:spcBef>
-                <a:spcPts val="1000"/>
-              </a:spcBef>
-              <a:buFont typeface="Arial" panose="020B0604020202020204" pitchFamily="34" charset="0"/>
-              <a:buNone/>
-              <a:defRPr sz="2400" kern="1200">
-                <a:solidFill>
-                  <a:schemeClr val="tx1"/>
-                </a:solidFill>
-                <a:latin typeface="+mn-lt"/>
-                <a:ea typeface="+mn-ea"/>
-                <a:cs typeface="+mn-cs"/>
-              </a:defRPr>
-            </a:lvl1pPr>
-            <a:lvl2pPr marL="457200" indent="0" algn="ctr" defTabSz="914400" rtl="0" eaLnBrk="1" latinLnBrk="0" hangingPunct="1">
-              <a:lnSpc>
-                <a:spcPct val="90000"/>
-              </a:lnSpc>
-              <a:spcBef>
-                <a:spcPts val="500"/>
-              </a:spcBef>
-              <a:buFont typeface="Arial" panose="020B0604020202020204" pitchFamily="34" charset="0"/>
-              <a:buNone/>
-              <a:defRPr sz="2000" kern="1200">
-                <a:solidFill>
-                  <a:schemeClr val="tx1"/>
-                </a:solidFill>
-                <a:latin typeface="+mn-lt"/>
-                <a:ea typeface="+mn-ea"/>
-                <a:cs typeface="+mn-cs"/>
-              </a:defRPr>
-            </a:lvl2pPr>
-            <a:lvl3pPr marL="914400" indent="0" algn="ctr" defTabSz="914400" rtl="0" eaLnBrk="1" latinLnBrk="0" hangingPunct="1">
-              <a:lnSpc>
-                <a:spcPct val="90000"/>
-              </a:lnSpc>
-              <a:spcBef>
-                <a:spcPts val="500"/>
-              </a:spcBef>
-              <a:buFont typeface="Arial" panose="020B0604020202020204" pitchFamily="34" charset="0"/>
-              <a:buNone/>
-              <a:defRPr sz="1800" kern="1200">
-                <a:solidFill>
-                  <a:schemeClr val="tx1"/>
-                </a:solidFill>
-                <a:latin typeface="+mn-lt"/>
-                <a:ea typeface="+mn-ea"/>
-                <a:cs typeface="+mn-cs"/>
-              </a:defRPr>
-            </a:lvl3pPr>
-            <a:lvl4pPr marL="1371600" indent="0" algn="ctr" defTabSz="914400" rtl="0" eaLnBrk="1" latinLnBrk="0" hangingPunct="1">
-              <a:lnSpc>
-                <a:spcPct val="90000"/>
-              </a:lnSpc>
-              <a:spcBef>
-                <a:spcPts val="500"/>
-              </a:spcBef>
-              <a:buFont typeface="Arial" panose="020B0604020202020204" pitchFamily="34" charset="0"/>
-              <a:buNone/>
-              <a:defRPr sz="1600" kern="1200">
-                <a:solidFill>
-                  <a:schemeClr val="tx1"/>
-                </a:solidFill>
-                <a:latin typeface="+mn-lt"/>
-                <a:ea typeface="+mn-ea"/>
-                <a:cs typeface="+mn-cs"/>
-              </a:defRPr>
-            </a:lvl4pPr>
-            <a:lvl5pPr marL="1828800" indent="0" algn="ctr" defTabSz="914400" rtl="0" eaLnBrk="1" latinLnBrk="0" hangingPunct="1">
-              <a:lnSpc>
-                <a:spcPct val="90000"/>
-              </a:lnSpc>
-              <a:spcBef>
-                <a:spcPts val="500"/>
-              </a:spcBef>
-              <a:buFont typeface="Arial" panose="020B0604020202020204" pitchFamily="34" charset="0"/>
-              <a:buNone/>
-              <a:defRPr sz="1600" kern="1200">
-                <a:solidFill>
-                  <a:schemeClr val="tx1"/>
-                </a:solidFill>
-                <a:latin typeface="+mn-lt"/>
-                <a:ea typeface="+mn-ea"/>
-                <a:cs typeface="+mn-cs"/>
-              </a:defRPr>
-            </a:lvl5pPr>
-            <a:lvl6pPr marL="2286000" indent="0" algn="ctr" defTabSz="914400" rtl="0" eaLnBrk="1" latinLnBrk="0" hangingPunct="1">
-              <a:lnSpc>
-                <a:spcPct val="90000"/>
-              </a:lnSpc>
-              <a:spcBef>
-                <a:spcPts val="500"/>
-              </a:spcBef>
-              <a:buFont typeface="Arial" panose="020B0604020202020204" pitchFamily="34" charset="0"/>
-              <a:buNone/>
-              <a:defRPr sz="1600" kern="1200">
-                <a:solidFill>
-                  <a:schemeClr val="tx1"/>
-                </a:solidFill>
-                <a:latin typeface="+mn-lt"/>
-                <a:ea typeface="+mn-ea"/>
-                <a:cs typeface="+mn-cs"/>
-              </a:defRPr>
-            </a:lvl6pPr>
-            <a:lvl7pPr marL="2743200" indent="0" algn="ctr" defTabSz="914400" rtl="0" eaLnBrk="1" latinLnBrk="0" hangingPunct="1">
-              <a:lnSpc>
-                <a:spcPct val="90000"/>
-              </a:lnSpc>
-              <a:spcBef>
-                <a:spcPts val="500"/>
-              </a:spcBef>
-              <a:buFont typeface="Arial" panose="020B0604020202020204" pitchFamily="34" charset="0"/>
-              <a:buNone/>
-              <a:defRPr sz="1600" kern="1200">
-                <a:solidFill>
-                  <a:schemeClr val="tx1"/>
-                </a:solidFill>
-                <a:latin typeface="+mn-lt"/>
-                <a:ea typeface="+mn-ea"/>
-                <a:cs typeface="+mn-cs"/>
-              </a:defRPr>
-            </a:lvl7pPr>
-            <a:lvl8pPr marL="3200400" indent="0" algn="ctr" defTabSz="914400" rtl="0" eaLnBrk="1" latinLnBrk="0" hangingPunct="1">
-              <a:lnSpc>
-                <a:spcPct val="90000"/>
-              </a:lnSpc>
-              <a:spcBef>
-                <a:spcPts val="500"/>
-              </a:spcBef>
-              <a:buFont typeface="Arial" panose="020B0604020202020204" pitchFamily="34" charset="0"/>
-              <a:buNone/>
-              <a:defRPr sz="1600" kern="1200">
-                <a:solidFill>
-                  <a:schemeClr val="tx1"/>
-                </a:solidFill>
-                <a:latin typeface="+mn-lt"/>
-                <a:ea typeface="+mn-ea"/>
-                <a:cs typeface="+mn-cs"/>
-              </a:defRPr>
-            </a:lvl8pPr>
-            <a:lvl9pPr marL="3657600" indent="0" algn="ctr" defTabSz="914400" rtl="0" eaLnBrk="1" latinLnBrk="0" hangingPunct="1">
-              <a:lnSpc>
-                <a:spcPct val="90000"/>
-              </a:lnSpc>
-              <a:spcBef>
-                <a:spcPts val="500"/>
-              </a:spcBef>
-              <a:buFont typeface="Arial" panose="020B0604020202020204" pitchFamily="34" charset="0"/>
-              <a:buNone/>
-              <a:defRPr sz="1600" kern="1200">
-                <a:solidFill>
-                  <a:schemeClr val="tx1"/>
-                </a:solidFill>
-                <a:latin typeface="+mn-lt"/>
-                <a:ea typeface="+mn-ea"/>
-                <a:cs typeface="+mn-cs"/>
-              </a:defRPr>
-            </a:lvl9pPr>
-          </a:lstStyle>
-          <a:p>
-            <a:endParaRPr lang="de-CH" dirty="0">
-              <a:solidFill>
-                <a:schemeClr val="bg1"/>
-              </a:solidFill>
-              <a:latin typeface="Myriad Pro" panose="020B0503030403020204" pitchFamily="34" charset="0"/>
-            </a:endParaRPr>
-          </a:p>
-          <a:p>
-            <a:endParaRPr lang="de-CH" dirty="0">
-              <a:solidFill>
-                <a:schemeClr val="bg1"/>
-              </a:solidFill>
-              <a:latin typeface="Myriad Pro" panose="020B0503030403020204" pitchFamily="34" charset="0"/>
-            </a:endParaRPr>
-          </a:p>
-          <a:p>
-            <a:r>
-              <a:rPr lang="de-CH" sz="6000" b="1" dirty="0">
-                <a:solidFill>
-                  <a:schemeClr val="bg1"/>
-                </a:solidFill>
-                <a:latin typeface="Myriad Pro" panose="020B0503030403020204" pitchFamily="34" charset="0"/>
-              </a:rPr>
-              <a:t>Projekt Gruppe 16</a:t>
-            </a:r>
-            <a:r>
-              <a:rPr lang="de-CH" sz="6000" b="1" dirty="0">
-                <a:solidFill>
-                  <a:schemeClr val="bg1">
-                    <a:alpha val="0"/>
-                  </a:schemeClr>
-                </a:solidFill>
-                <a:latin typeface="Myriad Pro" panose="020B0503030403020204" pitchFamily="34" charset="0"/>
-              </a:rPr>
-              <a:t>      </a:t>
-            </a:r>
-            <a:r>
-              <a:rPr lang="de-CH" sz="5400" dirty="0">
-                <a:solidFill>
-                  <a:schemeClr val="bg1">
-                    <a:alpha val="0"/>
-                  </a:schemeClr>
-                </a:solidFill>
-                <a:latin typeface="Myriad Pro" panose="020B0503030403020204" pitchFamily="34" charset="0"/>
-              </a:rPr>
-              <a:t>-</a:t>
-            </a:r>
-          </a:p>
-          <a:p>
-            <a:endParaRPr lang="de-CH" dirty="0">
-              <a:solidFill>
-                <a:schemeClr val="bg1"/>
-              </a:solidFill>
-              <a:latin typeface="Myriad Pro" panose="020B0503030403020204" pitchFamily="34" charset="0"/>
-            </a:endParaRPr>
-          </a:p>
-          <a:p>
-            <a:r>
-              <a:rPr lang="de-CH" dirty="0">
-                <a:solidFill>
-                  <a:schemeClr val="bg1"/>
-                </a:solidFill>
-                <a:latin typeface="Myriad Pro" panose="020B0503030403020204" pitchFamily="34" charset="0"/>
-              </a:rPr>
-              <a:t>Reto Mayer, Marco Sutter, Fabian Wipf</a:t>
-            </a:r>
-          </a:p>
-        </p:txBody>
-      </p:sp>
-    </p:spTree>
-    <p:extLst>
-      <p:ext uri="{BB962C8B-B14F-4D97-AF65-F5344CB8AC3E}">
-        <p14:creationId xmlns:p14="http://schemas.microsoft.com/office/powerpoint/2010/main" val="3373570418"/>
-      </p:ext>
-    </p:extLst>
-  </p:cSld>
-  <p:clrMapOvr>
-    <a:masterClrMapping/>
-  </p:clrMapOvr>
-  <mc:AlternateContent xmlns:mc="http://schemas.openxmlformats.org/markup-compatibility/2006">
-    <mc:Choice xmlns:p14="http://schemas.microsoft.com/office/powerpoint/2010/main" Requires="p14">
-      <p:transition p14:dur="0"/>
-    </mc:Choice>
-    <mc:Fallback>
-      <p:transition/>
-    </mc:Fallback>
-  </mc:AlternateContent>
-</p:sld>
-</file>
-
-<file path=ppt/slides/slide2.xml><?xml version="1.0" encoding="utf-8"?>
-<p:sld xmlns:a="http://schemas.openxmlformats.org/drawingml/2006/main" xmlns:r="http://schemas.openxmlformats.org/officeDocument/2006/relationships" xmlns:p="http://schemas.openxmlformats.org/presentationml/2006/main">
-  <p:cSld>
-    <p:bg>
-      <p:bgPr>
-        <a:solidFill>
-          <a:srgbClr val="4063B4"/>
-        </a:solidFill>
-        <a:effectLst/>
-      </p:bgPr>
-    </p:bg>
-    <p:spTree>
-      <p:nvGrpSpPr>
-        <p:cNvPr id="1" name=""/>
-        <p:cNvGrpSpPr/>
-        <p:nvPr/>
-      </p:nvGrpSpPr>
-      <p:grpSpPr>
-        <a:xfrm>
-          <a:off x="0" y="0"/>
-          <a:ext cx="0" cy="0"/>
-          <a:chOff x="0" y="0"/>
-          <a:chExt cx="0" cy="0"/>
-        </a:xfrm>
-      </p:grpSpPr>
-      <p:sp>
-        <p:nvSpPr>
-          <p:cNvPr id="2" name="Titel 1">
-            <a:extLst>
-              <a:ext uri="{FF2B5EF4-FFF2-40B4-BE49-F238E27FC236}">
-                <a16:creationId xmlns:a16="http://schemas.microsoft.com/office/drawing/2014/main" id="{0401B019-F359-4764-A427-8FCE14F81598}"/>
-              </a:ext>
-            </a:extLst>
-          </p:cNvPr>
-          <p:cNvSpPr>
-            <a:spLocks noGrp="1"/>
-          </p:cNvSpPr>
-          <p:nvPr>
-            <p:ph type="title"/>
-          </p:nvPr>
-        </p:nvSpPr>
-        <p:spPr>
-          <a:xfrm>
-            <a:off x="719667" y="135468"/>
-            <a:ext cx="10769600" cy="1266296"/>
-          </a:xfrm>
-        </p:spPr>
-        <p:txBody>
-          <a:bodyPr>
-            <a:normAutofit/>
-          </a:bodyPr>
-          <a:lstStyle/>
-          <a:p>
-            <a:r>
-              <a:rPr lang="de-CH" sz="6000" b="1" dirty="0">
-                <a:solidFill>
-                  <a:schemeClr val="bg1"/>
-                </a:solidFill>
-                <a:latin typeface="Myriad Pro" panose="020B0503030403020204" pitchFamily="34" charset="0"/>
-              </a:rPr>
-              <a:t>Begrüssung</a:t>
-            </a:r>
-          </a:p>
-        </p:txBody>
-      </p:sp>
-      <p:sp>
-        <p:nvSpPr>
-          <p:cNvPr id="3" name="Inhaltsplatzhalter 2">
-            <a:extLst>
-              <a:ext uri="{FF2B5EF4-FFF2-40B4-BE49-F238E27FC236}">
-                <a16:creationId xmlns:a16="http://schemas.microsoft.com/office/drawing/2014/main" id="{D8B19D9F-EE71-4337-A5B0-92F3F6F2E0D7}"/>
-              </a:ext>
-            </a:extLst>
-          </p:cNvPr>
-          <p:cNvSpPr>
-            <a:spLocks noGrp="1"/>
-          </p:cNvSpPr>
-          <p:nvPr>
-            <p:ph idx="1"/>
-          </p:nvPr>
-        </p:nvSpPr>
-        <p:spPr>
-          <a:xfrm>
-            <a:off x="-48861" y="1524000"/>
-            <a:ext cx="12333930" cy="5567835"/>
-          </a:xfrm>
-          <a:solidFill>
-            <a:schemeClr val="bg1"/>
-          </a:solidFill>
-        </p:spPr>
-        <p:txBody>
-          <a:bodyPr>
-            <a:normAutofit/>
-          </a:bodyPr>
-          <a:lstStyle/>
-          <a:p>
-            <a:endParaRPr lang="de-CH" sz="3600" dirty="0">
-              <a:latin typeface="Myriad Pro" panose="020B0503030403020204" pitchFamily="34" charset="0"/>
-            </a:endParaRPr>
-          </a:p>
-          <a:p>
-            <a:pPr marL="1657350" lvl="2" indent="-742950">
-              <a:buFont typeface="+mj-lt"/>
-              <a:buAutoNum type="arabicParenBoth"/>
-            </a:pPr>
-            <a:r>
-              <a:rPr lang="de-CH" sz="800" dirty="0">
-                <a:solidFill>
-                  <a:schemeClr val="bg1"/>
-                </a:solidFill>
-                <a:latin typeface="Myriad Pro" panose="020B0503030403020204" pitchFamily="34" charset="0"/>
-              </a:rPr>
-              <a:t>- </a:t>
-            </a:r>
-          </a:p>
-          <a:p>
-            <a:pPr marL="914400" lvl="2" indent="0">
-              <a:buNone/>
-            </a:pPr>
-            <a:r>
-              <a:rPr lang="de-CH" sz="4000" dirty="0">
-                <a:latin typeface="Myriad Pro" panose="020B0503030403020204" pitchFamily="34" charset="0"/>
-              </a:rPr>
-              <a:t>- Stand Issues</a:t>
-            </a:r>
-          </a:p>
-          <a:p>
-            <a:pPr marL="914400" lvl="2" indent="0">
-              <a:buNone/>
-            </a:pPr>
-            <a:r>
-              <a:rPr lang="de-CH" sz="4000" dirty="0">
-                <a:latin typeface="Myriad Pro" panose="020B0503030403020204" pitchFamily="34" charset="0"/>
-              </a:rPr>
-              <a:t>- Stand des Projektes</a:t>
-            </a:r>
-          </a:p>
-          <a:p>
-            <a:pPr marL="914400" lvl="2" indent="0">
-              <a:buNone/>
-            </a:pPr>
-            <a:r>
-              <a:rPr lang="de-CH" sz="4000" dirty="0">
-                <a:latin typeface="Myriad Pro" panose="020B0503030403020204" pitchFamily="34" charset="0"/>
-              </a:rPr>
-              <a:t>- Ablauf einer Fahrt</a:t>
-            </a:r>
-          </a:p>
-          <a:p>
-            <a:pPr marL="914400" lvl="2" indent="0">
-              <a:buNone/>
-            </a:pPr>
-            <a:r>
-              <a:rPr lang="de-CH" sz="4000" dirty="0">
-                <a:latin typeface="Myriad Pro" panose="020B0503030403020204" pitchFamily="34" charset="0"/>
-              </a:rPr>
-              <a:t>- Ausblick und Pendenzen</a:t>
-            </a:r>
-          </a:p>
-        </p:txBody>
-      </p:sp>
-      <p:pic>
-        <p:nvPicPr>
-          <p:cNvPr id="5" name="Grafik 4">
-            <a:extLst>
-              <a:ext uri="{FF2B5EF4-FFF2-40B4-BE49-F238E27FC236}">
-                <a16:creationId xmlns:a16="http://schemas.microsoft.com/office/drawing/2014/main" id="{66E24A75-8A64-4E03-A0FE-DD247E90F1D2}"/>
-              </a:ext>
-            </a:extLst>
-          </p:cNvPr>
-          <p:cNvPicPr>
-            <a:picLocks noChangeAspect="1"/>
-          </p:cNvPicPr>
-          <p:nvPr/>
-        </p:nvPicPr>
-        <p:blipFill>
-          <a:blip r:embed="rId2">
-            <a:extLst>
-              <a:ext uri="{28A0092B-C50C-407E-A947-70E740481C1C}">
-                <a14:useLocalDpi xmlns:a14="http://schemas.microsoft.com/office/drawing/2010/main" val="0"/>
-              </a:ext>
-            </a:extLst>
-          </a:blip>
-          <a:stretch>
-            <a:fillRect/>
-          </a:stretch>
-        </p:blipFill>
-        <p:spPr>
-          <a:xfrm>
-            <a:off x="10475858" y="241829"/>
-            <a:ext cx="1462142" cy="914400"/>
-          </a:xfrm>
-          <a:prstGeom prst="rect">
-            <a:avLst/>
-          </a:prstGeom>
-        </p:spPr>
-      </p:pic>
-    </p:spTree>
-    <p:extLst>
-      <p:ext uri="{BB962C8B-B14F-4D97-AF65-F5344CB8AC3E}">
-        <p14:creationId xmlns:p14="http://schemas.microsoft.com/office/powerpoint/2010/main" val="3940947018"/>
-      </p:ext>
-    </p:extLst>
-  </p:cSld>
-  <p:clrMapOvr>
-    <a:masterClrMapping/>
-  </p:clrMapOvr>
-  <p:transition>
-    <p:push dir="u"/>
-  </p:transition>
-</p:sld>
-</file>
-
-<file path=ppt/slides/slide3.xml><?xml version="1.0" encoding="utf-8"?>
-<p:sld xmlns:a="http://schemas.openxmlformats.org/drawingml/2006/main" xmlns:r="http://schemas.openxmlformats.org/officeDocument/2006/relationships" xmlns:p="http://schemas.openxmlformats.org/presentationml/2006/main">
-  <p:cSld>
-    <p:bg>
-      <p:bgPr>
-        <a:solidFill>
-          <a:srgbClr val="4063B4"/>
-        </a:solidFill>
-        <a:effectLst/>
-      </p:bgPr>
-    </p:bg>
-    <p:spTree>
-      <p:nvGrpSpPr>
-        <p:cNvPr id="1" name=""/>
-        <p:cNvGrpSpPr/>
-        <p:nvPr/>
-      </p:nvGrpSpPr>
-      <p:grpSpPr>
-        <a:xfrm>
-          <a:off x="0" y="0"/>
-          <a:ext cx="0" cy="0"/>
-          <a:chOff x="0" y="0"/>
-          <a:chExt cx="0" cy="0"/>
-        </a:xfrm>
-      </p:grpSpPr>
-      <p:sp>
-        <p:nvSpPr>
-          <p:cNvPr id="2" name="Titel 1">
-            <a:extLst>
-              <a:ext uri="{FF2B5EF4-FFF2-40B4-BE49-F238E27FC236}">
-                <a16:creationId xmlns:a16="http://schemas.microsoft.com/office/drawing/2014/main" id="{0401B019-F359-4764-A427-8FCE14F81598}"/>
-              </a:ext>
-            </a:extLst>
-          </p:cNvPr>
-          <p:cNvSpPr>
-            <a:spLocks noGrp="1"/>
-          </p:cNvSpPr>
-          <p:nvPr>
-            <p:ph type="title"/>
-          </p:nvPr>
-        </p:nvSpPr>
-        <p:spPr>
-          <a:xfrm>
-            <a:off x="719667" y="135468"/>
-            <a:ext cx="10769600" cy="1266296"/>
-          </a:xfrm>
-        </p:spPr>
-        <p:txBody>
-          <a:bodyPr>
-            <a:normAutofit/>
-          </a:bodyPr>
-          <a:lstStyle/>
-          <a:p>
-            <a:r>
-              <a:rPr lang="de-CH" sz="6000" b="1" dirty="0">
-                <a:solidFill>
-                  <a:schemeClr val="bg1"/>
-                </a:solidFill>
-                <a:latin typeface="Myriad Pro" panose="020B0503030403020204" pitchFamily="34" charset="0"/>
-              </a:rPr>
-              <a:t>Aufwand Meilenstein 3 </a:t>
-            </a:r>
-            <a:r>
-              <a:rPr lang="de-CH" sz="2400" b="1" dirty="0">
-                <a:solidFill>
-                  <a:schemeClr val="bg1"/>
-                </a:solidFill>
-                <a:latin typeface="Myriad Pro" panose="020B0503030403020204" pitchFamily="34" charset="0"/>
-              </a:rPr>
-              <a:t>(26.04.2018)</a:t>
-            </a:r>
-          </a:p>
-        </p:txBody>
-      </p:sp>
-      <p:sp>
-        <p:nvSpPr>
-          <p:cNvPr id="3" name="Inhaltsplatzhalter 2">
-            <a:extLst>
-              <a:ext uri="{FF2B5EF4-FFF2-40B4-BE49-F238E27FC236}">
-                <a16:creationId xmlns:a16="http://schemas.microsoft.com/office/drawing/2014/main" id="{D8B19D9F-EE71-4337-A5B0-92F3F6F2E0D7}"/>
-              </a:ext>
-            </a:extLst>
-          </p:cNvPr>
-          <p:cNvSpPr>
-            <a:spLocks noGrp="1"/>
-          </p:cNvSpPr>
-          <p:nvPr>
-            <p:ph idx="1"/>
-          </p:nvPr>
-        </p:nvSpPr>
-        <p:spPr>
-          <a:xfrm>
-            <a:off x="-169049" y="1524001"/>
-            <a:ext cx="12724760" cy="5468470"/>
-          </a:xfrm>
-          <a:solidFill>
-            <a:schemeClr val="bg1"/>
-          </a:solidFill>
-        </p:spPr>
-        <p:txBody>
-          <a:bodyPr>
-            <a:normAutofit/>
-          </a:bodyPr>
-          <a:lstStyle/>
-          <a:p>
-            <a:endParaRPr lang="de-CH" sz="3600" dirty="0"/>
-          </a:p>
-          <a:p>
-            <a:endParaRPr lang="de-CH" sz="3600" dirty="0"/>
-          </a:p>
-        </p:txBody>
-      </p:sp>
-      <p:pic>
-        <p:nvPicPr>
-          <p:cNvPr id="5" name="Grafik 4">
-            <a:extLst>
-              <a:ext uri="{FF2B5EF4-FFF2-40B4-BE49-F238E27FC236}">
-                <a16:creationId xmlns:a16="http://schemas.microsoft.com/office/drawing/2014/main" id="{66E24A75-8A64-4E03-A0FE-DD247E90F1D2}"/>
-              </a:ext>
-            </a:extLst>
-          </p:cNvPr>
-          <p:cNvPicPr>
-            <a:picLocks noChangeAspect="1"/>
-          </p:cNvPicPr>
-          <p:nvPr/>
-        </p:nvPicPr>
-        <p:blipFill>
-          <a:blip r:embed="rId2">
-            <a:extLst>
-              <a:ext uri="{28A0092B-C50C-407E-A947-70E740481C1C}">
-                <a14:useLocalDpi xmlns:a14="http://schemas.microsoft.com/office/drawing/2010/main" val="0"/>
-              </a:ext>
-            </a:extLst>
-          </a:blip>
-          <a:stretch>
-            <a:fillRect/>
-          </a:stretch>
-        </p:blipFill>
-        <p:spPr>
-          <a:xfrm>
-            <a:off x="10475858" y="241829"/>
-            <a:ext cx="1462142" cy="914400"/>
-          </a:xfrm>
-          <a:prstGeom prst="rect">
-            <a:avLst/>
-          </a:prstGeom>
-        </p:spPr>
-      </p:pic>
-      <p:graphicFrame>
-        <p:nvGraphicFramePr>
-          <p:cNvPr id="4" name="Tabelle 3">
-            <a:extLst>
-              <a:ext uri="{FF2B5EF4-FFF2-40B4-BE49-F238E27FC236}">
-                <a16:creationId xmlns:a16="http://schemas.microsoft.com/office/drawing/2014/main" id="{DF5F0AA4-956C-468F-B501-114AA425E8F0}"/>
-              </a:ext>
-            </a:extLst>
-          </p:cNvPr>
-          <p:cNvGraphicFramePr>
-            <a:graphicFrameLocks noGrp="1"/>
-          </p:cNvGraphicFramePr>
-          <p:nvPr>
-            <p:extLst>
-              <p:ext uri="{D42A27DB-BD31-4B8C-83A1-F6EECF244321}">
-                <p14:modId xmlns:p14="http://schemas.microsoft.com/office/powerpoint/2010/main" val="1850426866"/>
-              </p:ext>
-            </p:extLst>
-          </p:nvPr>
-        </p:nvGraphicFramePr>
-        <p:xfrm>
-          <a:off x="939800" y="1684441"/>
-          <a:ext cx="5545667" cy="4095330"/>
-        </p:xfrm>
-        <a:graphic>
-          <a:graphicData uri="http://schemas.openxmlformats.org/drawingml/2006/table">
-            <a:tbl>
-              <a:tblPr>
-                <a:tableStyleId>{2D5ABB26-0587-4C30-8999-92F81FD0307C}</a:tableStyleId>
-              </a:tblPr>
-              <a:tblGrid>
-                <a:gridCol w="4867687">
-                  <a:extLst>
-                    <a:ext uri="{9D8B030D-6E8A-4147-A177-3AD203B41FA5}">
-                      <a16:colId xmlns:a16="http://schemas.microsoft.com/office/drawing/2014/main" val="2187792830"/>
-                    </a:ext>
-                  </a:extLst>
-                </a:gridCol>
-                <a:gridCol w="677980">
-                  <a:extLst>
-                    <a:ext uri="{9D8B030D-6E8A-4147-A177-3AD203B41FA5}">
-                      <a16:colId xmlns:a16="http://schemas.microsoft.com/office/drawing/2014/main" val="2263850286"/>
-                    </a:ext>
-                  </a:extLst>
-                </a:gridCol>
-              </a:tblGrid>
-              <a:tr h="685242">
-                <a:tc>
-                  <a:txBody>
-                    <a:bodyPr/>
-                    <a:lstStyle/>
-                    <a:p>
-                      <a:pPr algn="l" fontAlgn="b"/>
-                      <a:r>
-                        <a:rPr lang="de-CH" sz="2400" u="none" strike="noStrike" dirty="0">
-                          <a:effectLst/>
-                          <a:latin typeface="Myriad Pro" panose="020B0503030403020204" pitchFamily="34" charset="0"/>
-                        </a:rPr>
-                        <a:t>Projekt in Std</a:t>
-                      </a:r>
-                      <a:endParaRPr lang="de-CH" sz="2400" b="0" i="0" u="none" strike="noStrike" dirty="0">
-                        <a:solidFill>
-                          <a:srgbClr val="000000"/>
-                        </a:solidFill>
-                        <a:effectLst/>
-                        <a:latin typeface="Myriad Pro" panose="020B0503030403020204" pitchFamily="34" charset="0"/>
-                      </a:endParaRPr>
-                    </a:p>
-                  </a:txBody>
-                  <a:tcPr marL="0" marR="0" marT="0" marB="0" anchor="b">
-                    <a:lnR w="12700" cap="flat" cmpd="sng" algn="ctr">
-                      <a:solidFill>
-                        <a:schemeClr val="tx1"/>
-                      </a:solidFill>
-                      <a:prstDash val="solid"/>
-                      <a:round/>
-                      <a:headEnd type="none" w="med" len="med"/>
-                      <a:tailEnd type="none" w="med" len="med"/>
-                    </a:lnR>
-                    <a:lnB w="12700" cap="flat" cmpd="sng" algn="ctr">
-                      <a:solidFill>
-                        <a:schemeClr val="tx1"/>
-                      </a:solidFill>
-                      <a:prstDash val="solid"/>
-                      <a:round/>
-                      <a:headEnd type="none" w="med" len="med"/>
-                      <a:tailEnd type="none" w="med" len="med"/>
-                    </a:lnB>
-                  </a:tcPr>
-                </a:tc>
-                <a:tc>
-                  <a:txBody>
-                    <a:bodyPr/>
-                    <a:lstStyle/>
-                    <a:p>
-                      <a:pPr algn="r" fontAlgn="b"/>
-                      <a:r>
-                        <a:rPr lang="de-CH" sz="2400" u="none" strike="noStrike" kern="1200" dirty="0">
-                          <a:effectLst/>
-                          <a:latin typeface="Myriad Pro" panose="020B0503030403020204" pitchFamily="34" charset="0"/>
-                        </a:rPr>
-                        <a:t>35</a:t>
-                      </a:r>
-                      <a:endParaRPr lang="de-CH" sz="2400" u="none" strike="noStrike" kern="1200" dirty="0">
-                        <a:solidFill>
-                          <a:schemeClr val="dk1"/>
-                        </a:solidFill>
-                        <a:effectLst/>
-                        <a:latin typeface="Myriad Pro" panose="020B0503030403020204" pitchFamily="34" charset="0"/>
-                        <a:ea typeface="+mn-ea"/>
-                        <a:cs typeface="+mn-cs"/>
-                      </a:endParaRPr>
-                    </a:p>
-                  </a:txBody>
-                  <a:tcPr marL="0" marR="0" marT="0" marB="0" anchor="b">
-                    <a:lnL w="12700" cap="flat" cmpd="sng" algn="ctr">
-                      <a:solidFill>
-                        <a:schemeClr val="tx1"/>
-                      </a:solidFill>
-                      <a:prstDash val="solid"/>
-                      <a:round/>
-                      <a:headEnd type="none" w="med" len="med"/>
-                      <a:tailEnd type="none" w="med" len="med"/>
-                    </a:lnL>
-                    <a:lnB w="12700" cap="flat" cmpd="sng" algn="ctr">
-                      <a:solidFill>
-                        <a:schemeClr val="tx1"/>
-                      </a:solidFill>
-                      <a:prstDash val="solid"/>
-                      <a:round/>
-                      <a:headEnd type="none" w="med" len="med"/>
-                      <a:tailEnd type="none" w="med" len="med"/>
-                    </a:lnB>
-                  </a:tcPr>
-                </a:tc>
-                <a:extLst>
-                  <a:ext uri="{0D108BD9-81ED-4DB2-BD59-A6C34878D82A}">
-                    <a16:rowId xmlns:a16="http://schemas.microsoft.com/office/drawing/2014/main" val="1190548086"/>
-                  </a:ext>
-                </a:extLst>
-              </a:tr>
-              <a:tr h="685242">
-                <a:tc>
-                  <a:txBody>
-                    <a:bodyPr/>
-                    <a:lstStyle/>
-                    <a:p>
-                      <a:pPr algn="l" fontAlgn="b"/>
-                      <a:r>
-                        <a:rPr lang="de-CH" sz="2400" u="none" strike="noStrike" dirty="0">
-                          <a:effectLst/>
-                          <a:latin typeface="Myriad Pro" panose="020B0503030403020204" pitchFamily="34" charset="0"/>
-                        </a:rPr>
-                        <a:t>Clean Code</a:t>
-                      </a:r>
-                      <a:endParaRPr lang="de-CH" sz="2400" b="0" i="0" u="none" strike="noStrike" dirty="0">
-                        <a:solidFill>
-                          <a:srgbClr val="000000"/>
-                        </a:solidFill>
-                        <a:effectLst/>
-                        <a:latin typeface="Myriad Pro" panose="020B0503030403020204" pitchFamily="34" charset="0"/>
-                      </a:endParaRPr>
-                    </a:p>
-                  </a:txBody>
-                  <a:tcPr marL="0" marR="0" marT="0" marB="0" anchor="b">
-                    <a:lnR w="12700" cap="flat" cmpd="sng" algn="ctr">
-                      <a:solidFill>
-                        <a:schemeClr val="tx1"/>
-                      </a:solidFill>
-                      <a:prstDash val="solid"/>
-                      <a:round/>
-                      <a:headEnd type="none" w="med" len="med"/>
-                      <a:tailEnd type="none" w="med" len="med"/>
-                    </a:lnR>
-                    <a:lnT w="12700" cap="flat" cmpd="sng" algn="ctr">
-                      <a:solidFill>
-                        <a:schemeClr val="tx1"/>
-                      </a:solidFill>
-                      <a:prstDash val="solid"/>
-                      <a:round/>
-                      <a:headEnd type="none" w="med" len="med"/>
-                      <a:tailEnd type="none" w="med" len="med"/>
-                    </a:lnT>
-                    <a:lnB w="12700" cap="flat" cmpd="sng" algn="ctr">
-                      <a:solidFill>
-                        <a:schemeClr val="tx1"/>
-                      </a:solidFill>
-                      <a:prstDash val="solid"/>
-                      <a:round/>
-                      <a:headEnd type="none" w="med" len="med"/>
-                      <a:tailEnd type="none" w="med" len="med"/>
-                    </a:lnB>
-                  </a:tcPr>
-                </a:tc>
-                <a:tc>
-                  <a:txBody>
-                    <a:bodyPr/>
-                    <a:lstStyle/>
-                    <a:p>
-                      <a:pPr algn="r" fontAlgn="b"/>
-                      <a:r>
-                        <a:rPr lang="de-CH" sz="2400" u="none" strike="noStrike" kern="1200" dirty="0">
-                          <a:effectLst/>
-                          <a:latin typeface="Myriad Pro" panose="020B0503030403020204" pitchFamily="34" charset="0"/>
-                        </a:rPr>
-                        <a:t>20.5</a:t>
-                      </a:r>
-                      <a:endParaRPr lang="de-CH" sz="2400" u="none" strike="noStrike" kern="1200" dirty="0">
-                        <a:solidFill>
-                          <a:schemeClr val="dk1"/>
-                        </a:solidFill>
-                        <a:effectLst/>
-                        <a:latin typeface="Myriad Pro" panose="020B0503030403020204" pitchFamily="34" charset="0"/>
-                        <a:ea typeface="+mn-ea"/>
-                        <a:cs typeface="+mn-cs"/>
-                      </a:endParaRPr>
-                    </a:p>
-                  </a:txBody>
-                  <a:tcPr marL="0" marR="0" marT="0" marB="0" anchor="b">
-                    <a:lnL w="12700" cap="flat" cmpd="sng" algn="ctr">
-                      <a:solidFill>
-                        <a:schemeClr val="tx1"/>
-                      </a:solidFill>
-                      <a:prstDash val="solid"/>
-                      <a:round/>
-                      <a:headEnd type="none" w="med" len="med"/>
-                      <a:tailEnd type="none" w="med" len="med"/>
-                    </a:lnL>
-                    <a:lnT w="12700" cap="flat" cmpd="sng" algn="ctr">
-                      <a:solidFill>
-                        <a:schemeClr val="tx1"/>
-                      </a:solidFill>
-                      <a:prstDash val="solid"/>
-                      <a:round/>
-                      <a:headEnd type="none" w="med" len="med"/>
-                      <a:tailEnd type="none" w="med" len="med"/>
-                    </a:lnT>
-                    <a:lnB w="12700" cap="flat" cmpd="sng" algn="ctr">
-                      <a:solidFill>
-                        <a:schemeClr val="tx1"/>
-                      </a:solidFill>
-                      <a:prstDash val="solid"/>
-                      <a:round/>
-                      <a:headEnd type="none" w="med" len="med"/>
-                      <a:tailEnd type="none" w="med" len="med"/>
-                    </a:lnB>
-                  </a:tcPr>
-                </a:tc>
-                <a:extLst>
-                  <a:ext uri="{0D108BD9-81ED-4DB2-BD59-A6C34878D82A}">
-                    <a16:rowId xmlns:a16="http://schemas.microsoft.com/office/drawing/2014/main" val="2923432542"/>
-                  </a:ext>
-                </a:extLst>
-              </a:tr>
-              <a:tr h="685242">
-                <a:tc>
-                  <a:txBody>
-                    <a:bodyPr/>
-                    <a:lstStyle/>
-                    <a:p>
-                      <a:pPr algn="l" fontAlgn="b"/>
-                      <a:r>
-                        <a:rPr lang="de-CH" sz="2400" u="none" strike="noStrike" dirty="0">
-                          <a:effectLst/>
-                          <a:latin typeface="Myriad Pro" panose="020B0503030403020204" pitchFamily="34" charset="0"/>
-                        </a:rPr>
-                        <a:t>Projekt effektiv</a:t>
-                      </a:r>
-                      <a:endParaRPr lang="de-CH" sz="2400" b="1" i="0" u="none" strike="noStrike" dirty="0">
-                        <a:solidFill>
-                          <a:srgbClr val="000000"/>
-                        </a:solidFill>
-                        <a:effectLst/>
-                        <a:latin typeface="Myriad Pro" panose="020B0503030403020204" pitchFamily="34" charset="0"/>
-                      </a:endParaRPr>
-                    </a:p>
-                  </a:txBody>
-                  <a:tcPr marL="0" marR="0" marT="0" marB="0" anchor="b">
-                    <a:lnR w="12700" cap="flat" cmpd="sng" algn="ctr">
-                      <a:solidFill>
-                        <a:schemeClr val="tx1"/>
-                      </a:solidFill>
-                      <a:prstDash val="solid"/>
-                      <a:round/>
-                      <a:headEnd type="none" w="med" len="med"/>
-                      <a:tailEnd type="none" w="med" len="med"/>
-                    </a:lnR>
-                    <a:lnT w="12700" cap="flat" cmpd="sng" algn="ctr">
-                      <a:solidFill>
-                        <a:schemeClr val="tx1"/>
-                      </a:solidFill>
-                      <a:prstDash val="solid"/>
-                      <a:round/>
-                      <a:headEnd type="none" w="med" len="med"/>
-                      <a:tailEnd type="none" w="med" len="med"/>
-                    </a:lnT>
-                    <a:lnB w="12700" cap="flat" cmpd="sng" algn="ctr">
-                      <a:solidFill>
-                        <a:schemeClr val="tx1"/>
-                      </a:solidFill>
-                      <a:prstDash val="solid"/>
-                      <a:round/>
-                      <a:headEnd type="none" w="med" len="med"/>
-                      <a:tailEnd type="none" w="med" len="med"/>
-                    </a:lnB>
-                  </a:tcPr>
-                </a:tc>
-                <a:tc>
-                  <a:txBody>
-                    <a:bodyPr/>
-                    <a:lstStyle/>
-                    <a:p>
-                      <a:pPr algn="r" fontAlgn="b"/>
-                      <a:r>
-                        <a:rPr lang="de-CH" sz="2400" u="none" strike="noStrike" kern="1200" dirty="0">
-                          <a:effectLst/>
-                          <a:latin typeface="Myriad Pro" panose="020B0503030403020204" pitchFamily="34" charset="0"/>
-                        </a:rPr>
-                        <a:t>60.5</a:t>
-                      </a:r>
-                      <a:endParaRPr lang="de-CH" sz="2400" u="none" strike="noStrike" kern="1200" dirty="0">
-                        <a:solidFill>
-                          <a:schemeClr val="dk1"/>
-                        </a:solidFill>
-                        <a:effectLst/>
-                        <a:latin typeface="Myriad Pro" panose="020B0503030403020204" pitchFamily="34" charset="0"/>
-                        <a:ea typeface="+mn-ea"/>
-                        <a:cs typeface="+mn-cs"/>
-                      </a:endParaRPr>
-                    </a:p>
-                  </a:txBody>
-                  <a:tcPr marL="0" marR="0" marT="0" marB="0" anchor="b">
-                    <a:lnL w="12700" cap="flat" cmpd="sng" algn="ctr">
-                      <a:solidFill>
-                        <a:schemeClr val="tx1"/>
-                      </a:solidFill>
-                      <a:prstDash val="solid"/>
-                      <a:round/>
-                      <a:headEnd type="none" w="med" len="med"/>
-                      <a:tailEnd type="none" w="med" len="med"/>
-                    </a:lnL>
-                    <a:lnT w="12700" cap="flat" cmpd="sng" algn="ctr">
-                      <a:solidFill>
-                        <a:schemeClr val="tx1"/>
-                      </a:solidFill>
-                      <a:prstDash val="solid"/>
-                      <a:round/>
-                      <a:headEnd type="none" w="med" len="med"/>
-                      <a:tailEnd type="none" w="med" len="med"/>
-                    </a:lnT>
-                    <a:lnB w="12700" cap="flat" cmpd="sng" algn="ctr">
-                      <a:solidFill>
-                        <a:schemeClr val="tx1"/>
-                      </a:solidFill>
-                      <a:prstDash val="solid"/>
-                      <a:round/>
-                      <a:headEnd type="none" w="med" len="med"/>
-                      <a:tailEnd type="none" w="med" len="med"/>
-                    </a:lnB>
-                  </a:tcPr>
-                </a:tc>
-                <a:extLst>
-                  <a:ext uri="{0D108BD9-81ED-4DB2-BD59-A6C34878D82A}">
-                    <a16:rowId xmlns:a16="http://schemas.microsoft.com/office/drawing/2014/main" val="507912266"/>
-                  </a:ext>
-                </a:extLst>
-              </a:tr>
-              <a:tr h="679868">
-                <a:tc>
-                  <a:txBody>
-                    <a:bodyPr/>
-                    <a:lstStyle/>
-                    <a:p>
-                      <a:pPr algn="l" fontAlgn="b"/>
-                      <a:r>
-                        <a:rPr lang="de-CH" sz="2400" u="none" strike="noStrike" dirty="0">
-                          <a:effectLst/>
-                          <a:latin typeface="Myriad Pro" panose="020B0503030403020204" pitchFamily="34" charset="0"/>
-                        </a:rPr>
-                        <a:t>Eingeplant</a:t>
-                      </a:r>
-                      <a:endParaRPr lang="de-CH" sz="2400" b="0" i="0" u="none" strike="noStrike" dirty="0">
-                        <a:solidFill>
-                          <a:srgbClr val="000000"/>
-                        </a:solidFill>
-                        <a:effectLst/>
-                        <a:latin typeface="Myriad Pro" panose="020B0503030403020204" pitchFamily="34" charset="0"/>
-                      </a:endParaRPr>
-                    </a:p>
-                  </a:txBody>
-                  <a:tcPr marL="0" marR="0" marT="0" marB="0" anchor="b">
-                    <a:lnR w="12700" cap="flat" cmpd="sng" algn="ctr">
-                      <a:solidFill>
-                        <a:schemeClr val="tx1"/>
-                      </a:solidFill>
-                      <a:prstDash val="solid"/>
-                      <a:round/>
-                      <a:headEnd type="none" w="med" len="med"/>
-                      <a:tailEnd type="none" w="med" len="med"/>
-                    </a:lnR>
-                    <a:lnT w="12700" cap="flat" cmpd="sng" algn="ctr">
-                      <a:solidFill>
-                        <a:schemeClr val="tx1"/>
-                      </a:solidFill>
-                      <a:prstDash val="solid"/>
-                      <a:round/>
-                      <a:headEnd type="none" w="med" len="med"/>
-                      <a:tailEnd type="none" w="med" len="med"/>
-                    </a:lnT>
-                    <a:lnB w="12700" cap="flat" cmpd="sng" algn="ctr">
-                      <a:solidFill>
-                        <a:schemeClr val="tx1"/>
-                      </a:solidFill>
-                      <a:prstDash val="solid"/>
-                      <a:round/>
-                      <a:headEnd type="none" w="med" len="med"/>
-                      <a:tailEnd type="none" w="med" len="med"/>
-                    </a:lnB>
-                  </a:tcPr>
-                </a:tc>
-                <a:tc>
-                  <a:txBody>
-                    <a:bodyPr/>
-                    <a:lstStyle/>
-                    <a:p>
-                      <a:pPr algn="r" fontAlgn="b"/>
-                      <a:r>
-                        <a:rPr lang="de-CH" sz="2400" u="none" strike="noStrike" kern="1200" dirty="0">
-                          <a:effectLst/>
-                          <a:latin typeface="Myriad Pro" panose="020B0503030403020204" pitchFamily="34" charset="0"/>
-                        </a:rPr>
-                        <a:t>80</a:t>
-                      </a:r>
-                      <a:endParaRPr lang="de-CH" sz="2400" u="none" strike="noStrike" kern="1200" dirty="0">
-                        <a:solidFill>
-                          <a:schemeClr val="dk1"/>
-                        </a:solidFill>
-                        <a:effectLst/>
-                        <a:latin typeface="Myriad Pro" panose="020B0503030403020204" pitchFamily="34" charset="0"/>
-                        <a:ea typeface="+mn-ea"/>
-                        <a:cs typeface="+mn-cs"/>
-                      </a:endParaRPr>
-                    </a:p>
-                  </a:txBody>
-                  <a:tcPr marL="0" marR="0" marT="0" marB="0" anchor="b">
-                    <a:lnL w="12700" cap="flat" cmpd="sng" algn="ctr">
-                      <a:solidFill>
-                        <a:schemeClr val="tx1"/>
-                      </a:solidFill>
-                      <a:prstDash val="solid"/>
-                      <a:round/>
-                      <a:headEnd type="none" w="med" len="med"/>
-                      <a:tailEnd type="none" w="med" len="med"/>
-                    </a:lnL>
-                    <a:lnT w="12700" cap="flat" cmpd="sng" algn="ctr">
-                      <a:solidFill>
-                        <a:schemeClr val="tx1"/>
-                      </a:solidFill>
-                      <a:prstDash val="solid"/>
-                      <a:round/>
-                      <a:headEnd type="none" w="med" len="med"/>
-                      <a:tailEnd type="none" w="med" len="med"/>
-                    </a:lnT>
-                    <a:lnB w="12700" cap="flat" cmpd="sng" algn="ctr">
-                      <a:solidFill>
-                        <a:schemeClr val="tx1"/>
-                      </a:solidFill>
-                      <a:prstDash val="solid"/>
-                      <a:round/>
-                      <a:headEnd type="none" w="med" len="med"/>
-                      <a:tailEnd type="none" w="med" len="med"/>
-                    </a:lnB>
-                  </a:tcPr>
-                </a:tc>
-                <a:extLst>
-                  <a:ext uri="{0D108BD9-81ED-4DB2-BD59-A6C34878D82A}">
-                    <a16:rowId xmlns:a16="http://schemas.microsoft.com/office/drawing/2014/main" val="556686000"/>
-                  </a:ext>
-                </a:extLst>
-              </a:tr>
-              <a:tr h="679868">
-                <a:tc>
-                  <a:txBody>
-                    <a:bodyPr/>
-                    <a:lstStyle/>
-                    <a:p>
-                      <a:pPr algn="l" fontAlgn="b"/>
-                      <a:r>
-                        <a:rPr lang="de-CH" sz="2400" u="none" strike="noStrike">
-                          <a:effectLst/>
-                          <a:latin typeface="Myriad Pro" panose="020B0503030403020204" pitchFamily="34" charset="0"/>
-                        </a:rPr>
-                        <a:t>Differenz Planung - Effektiv</a:t>
-                      </a:r>
-                      <a:endParaRPr lang="de-CH" sz="2400" b="1" i="0" u="none" strike="noStrike">
-                        <a:solidFill>
-                          <a:srgbClr val="000000"/>
-                        </a:solidFill>
-                        <a:effectLst/>
-                        <a:latin typeface="Myriad Pro" panose="020B0503030403020204" pitchFamily="34" charset="0"/>
-                      </a:endParaRPr>
-                    </a:p>
-                  </a:txBody>
-                  <a:tcPr marL="0" marR="0" marT="0" marB="0" anchor="b">
-                    <a:lnR w="12700" cap="flat" cmpd="sng" algn="ctr">
-                      <a:solidFill>
-                        <a:schemeClr val="tx1"/>
-                      </a:solidFill>
-                      <a:prstDash val="solid"/>
-                      <a:round/>
-                      <a:headEnd type="none" w="med" len="med"/>
-                      <a:tailEnd type="none" w="med" len="med"/>
-                    </a:lnR>
-                    <a:lnT w="12700" cap="flat" cmpd="sng" algn="ctr">
-                      <a:solidFill>
-                        <a:schemeClr val="tx1"/>
-                      </a:solidFill>
-                      <a:prstDash val="solid"/>
-                      <a:round/>
-                      <a:headEnd type="none" w="med" len="med"/>
-                      <a:tailEnd type="none" w="med" len="med"/>
-                    </a:lnT>
-                    <a:lnB w="12700" cap="flat" cmpd="sng" algn="ctr">
-                      <a:solidFill>
-                        <a:schemeClr val="tx1"/>
-                      </a:solidFill>
-                      <a:prstDash val="solid"/>
-                      <a:round/>
-                      <a:headEnd type="none" w="med" len="med"/>
-                      <a:tailEnd type="none" w="med" len="med"/>
-                    </a:lnB>
-                  </a:tcPr>
-                </a:tc>
-                <a:tc>
-                  <a:txBody>
-                    <a:bodyPr/>
-                    <a:lstStyle/>
-                    <a:p>
-                      <a:pPr algn="r" fontAlgn="b"/>
-                      <a:r>
-                        <a:rPr lang="de-CH" sz="2400" u="none" strike="noStrike" kern="1200" dirty="0">
-                          <a:effectLst/>
-                          <a:latin typeface="Myriad Pro" panose="020B0503030403020204" pitchFamily="34" charset="0"/>
-                        </a:rPr>
-                        <a:t>19.5</a:t>
-                      </a:r>
-                      <a:endParaRPr lang="de-CH" sz="2400" u="none" strike="noStrike" kern="1200" dirty="0">
-                        <a:solidFill>
-                          <a:schemeClr val="dk1"/>
-                        </a:solidFill>
-                        <a:effectLst/>
-                        <a:latin typeface="Myriad Pro" panose="020B0503030403020204" pitchFamily="34" charset="0"/>
-                        <a:ea typeface="+mn-ea"/>
-                        <a:cs typeface="+mn-cs"/>
-                      </a:endParaRPr>
-                    </a:p>
-                  </a:txBody>
-                  <a:tcPr marL="0" marR="0" marT="0" marB="0" anchor="b">
-                    <a:lnL w="12700" cap="flat" cmpd="sng" algn="ctr">
-                      <a:solidFill>
-                        <a:schemeClr val="tx1"/>
-                      </a:solidFill>
-                      <a:prstDash val="solid"/>
-                      <a:round/>
-                      <a:headEnd type="none" w="med" len="med"/>
-                      <a:tailEnd type="none" w="med" len="med"/>
-                    </a:lnL>
-                    <a:lnT w="12700" cap="flat" cmpd="sng" algn="ctr">
-                      <a:solidFill>
-                        <a:schemeClr val="tx1"/>
-                      </a:solidFill>
-                      <a:prstDash val="solid"/>
-                      <a:round/>
-                      <a:headEnd type="none" w="med" len="med"/>
-                      <a:tailEnd type="none" w="med" len="med"/>
-                    </a:lnT>
-                    <a:lnB w="12700" cap="flat" cmpd="sng" algn="ctr">
-                      <a:solidFill>
-                        <a:schemeClr val="tx1"/>
-                      </a:solidFill>
-                      <a:prstDash val="solid"/>
-                      <a:round/>
-                      <a:headEnd type="none" w="med" len="med"/>
-                      <a:tailEnd type="none" w="med" len="med"/>
-                    </a:lnB>
-                  </a:tcPr>
-                </a:tc>
-                <a:extLst>
-                  <a:ext uri="{0D108BD9-81ED-4DB2-BD59-A6C34878D82A}">
-                    <a16:rowId xmlns:a16="http://schemas.microsoft.com/office/drawing/2014/main" val="3570024893"/>
-                  </a:ext>
-                </a:extLst>
-              </a:tr>
-              <a:tr h="679868">
-                <a:tc>
-                  <a:txBody>
-                    <a:bodyPr/>
-                    <a:lstStyle/>
-                    <a:p>
-                      <a:pPr algn="l" fontAlgn="b"/>
-                      <a:r>
-                        <a:rPr lang="de-CH" sz="2400" u="none" strike="noStrike" dirty="0">
-                          <a:effectLst/>
-                          <a:latin typeface="Myriad Pro" panose="020B0503030403020204" pitchFamily="34" charset="0"/>
-                        </a:rPr>
-                        <a:t>Wissenstransfer Total</a:t>
-                      </a:r>
-                      <a:endParaRPr lang="de-CH" sz="2400" b="1" i="0" u="none" strike="noStrike" dirty="0">
-                        <a:solidFill>
-                          <a:srgbClr val="000000"/>
-                        </a:solidFill>
-                        <a:effectLst/>
-                        <a:latin typeface="Myriad Pro" panose="020B0503030403020204" pitchFamily="34" charset="0"/>
-                      </a:endParaRPr>
-                    </a:p>
-                  </a:txBody>
-                  <a:tcPr marL="0" marR="0" marT="0" marB="0" anchor="b">
-                    <a:lnR w="12700" cap="flat" cmpd="sng" algn="ctr">
-                      <a:solidFill>
-                        <a:schemeClr val="tx1"/>
-                      </a:solidFill>
-                      <a:prstDash val="solid"/>
-                      <a:round/>
-                      <a:headEnd type="none" w="med" len="med"/>
-                      <a:tailEnd type="none" w="med" len="med"/>
-                    </a:lnR>
-                    <a:lnT w="12700" cap="flat" cmpd="sng" algn="ctr">
-                      <a:solidFill>
-                        <a:schemeClr val="tx1"/>
-                      </a:solidFill>
-                      <a:prstDash val="solid"/>
-                      <a:round/>
-                      <a:headEnd type="none" w="med" len="med"/>
-                      <a:tailEnd type="none" w="med" len="med"/>
-                    </a:lnT>
-                  </a:tcPr>
-                </a:tc>
-                <a:tc>
-                  <a:txBody>
-                    <a:bodyPr/>
-                    <a:lstStyle/>
-                    <a:p>
-                      <a:pPr algn="r" fontAlgn="b"/>
-                      <a:r>
-                        <a:rPr lang="de-CH" sz="2400" u="none" strike="noStrike" kern="1200" dirty="0">
-                          <a:solidFill>
-                            <a:schemeClr val="dk1"/>
-                          </a:solidFill>
-                          <a:effectLst/>
-                          <a:latin typeface="Myriad Pro" panose="020B0503030403020204" pitchFamily="34" charset="0"/>
-                          <a:ea typeface="+mn-ea"/>
-                          <a:cs typeface="+mn-cs"/>
-                        </a:rPr>
-                        <a:t>8</a:t>
-                      </a:r>
-                    </a:p>
-                  </a:txBody>
-                  <a:tcPr marL="0" marR="0" marT="0" marB="0" anchor="b">
-                    <a:lnL w="12700" cap="flat" cmpd="sng" algn="ctr">
-                      <a:solidFill>
-                        <a:schemeClr val="tx1"/>
-                      </a:solidFill>
-                      <a:prstDash val="solid"/>
-                      <a:round/>
-                      <a:headEnd type="none" w="med" len="med"/>
-                      <a:tailEnd type="none" w="med" len="med"/>
-                    </a:lnL>
-                    <a:lnT w="12700" cap="flat" cmpd="sng" algn="ctr">
-                      <a:solidFill>
-                        <a:schemeClr val="tx1"/>
-                      </a:solidFill>
-                      <a:prstDash val="solid"/>
-                      <a:round/>
-                      <a:headEnd type="none" w="med" len="med"/>
-                      <a:tailEnd type="none" w="med" len="med"/>
-                    </a:lnT>
-                  </a:tcPr>
-                </a:tc>
-                <a:extLst>
-                  <a:ext uri="{0D108BD9-81ED-4DB2-BD59-A6C34878D82A}">
-                    <a16:rowId xmlns:a16="http://schemas.microsoft.com/office/drawing/2014/main" val="3052049270"/>
-                  </a:ext>
-                </a:extLst>
-              </a:tr>
-            </a:tbl>
-          </a:graphicData>
-        </a:graphic>
-      </p:graphicFrame>
-      <p:graphicFrame>
-        <p:nvGraphicFramePr>
-          <p:cNvPr id="9" name="Diagramm 7">
-            <a:extLst>
-              <a:ext uri="{FF2B5EF4-FFF2-40B4-BE49-F238E27FC236}">
-                <a16:creationId xmlns:a16="http://schemas.microsoft.com/office/drawing/2014/main" id="{6F39EE48-F0E8-4FC3-92BE-00F07F5D95BD}"/>
-              </a:ext>
-            </a:extLst>
-          </p:cNvPr>
-          <p:cNvGraphicFramePr>
-            <a:graphicFrameLocks/>
-          </p:cNvGraphicFramePr>
-          <p:nvPr>
-            <p:extLst>
-              <p:ext uri="{D42A27DB-BD31-4B8C-83A1-F6EECF244321}">
-                <p14:modId xmlns:p14="http://schemas.microsoft.com/office/powerpoint/2010/main" val="3384325410"/>
-              </p:ext>
-            </p:extLst>
-          </p:nvPr>
-        </p:nvGraphicFramePr>
-        <p:xfrm>
-          <a:off x="6677425" y="1684442"/>
-          <a:ext cx="5332720" cy="4095330"/>
-        </p:xfrm>
-        <a:graphic>
-          <a:graphicData uri="http://schemas.openxmlformats.org/drawingml/2006/chart">
-            <c:chart xmlns:c="http://schemas.openxmlformats.org/drawingml/2006/chart" xmlns:r="http://schemas.openxmlformats.org/officeDocument/2006/relationships" r:id="rId3"/>
-          </a:graphicData>
-        </a:graphic>
-      </p:graphicFrame>
-    </p:spTree>
-    <p:extLst>
-      <p:ext uri="{BB962C8B-B14F-4D97-AF65-F5344CB8AC3E}">
-        <p14:creationId xmlns:p14="http://schemas.microsoft.com/office/powerpoint/2010/main" val="4141093467"/>
-      </p:ext>
-    </p:extLst>
-  </p:cSld>
-  <p:clrMapOvr>
-    <a:masterClrMapping/>
-  </p:clrMapOvr>
-  <p:transition>
-    <p:push dir="u"/>
-  </p:transition>
-</p:sld>
-</file>
-
-<file path=ppt/slides/slide4.xml><?xml version="1.0" encoding="utf-8"?>
-<p:sld xmlns:a="http://schemas.openxmlformats.org/drawingml/2006/main" xmlns:r="http://schemas.openxmlformats.org/officeDocument/2006/relationships" xmlns:p="http://schemas.openxmlformats.org/presentationml/2006/main">
-  <p:cSld>
-    <p:bg>
-      <p:bgPr>
-        <a:solidFill>
-          <a:srgbClr val="4063B4"/>
-        </a:solidFill>
-        <a:effectLst/>
-      </p:bgPr>
-    </p:bg>
-    <p:spTree>
-      <p:nvGrpSpPr>
-        <p:cNvPr id="1" name=""/>
-        <p:cNvGrpSpPr/>
-        <p:nvPr/>
-      </p:nvGrpSpPr>
-      <p:grpSpPr>
-        <a:xfrm>
-          <a:off x="0" y="0"/>
-          <a:ext cx="0" cy="0"/>
-          <a:chOff x="0" y="0"/>
-          <a:chExt cx="0" cy="0"/>
-        </a:xfrm>
-      </p:grpSpPr>
-      <p:sp>
-        <p:nvSpPr>
-          <p:cNvPr id="2" name="Titel 1">
-            <a:extLst>
-              <a:ext uri="{FF2B5EF4-FFF2-40B4-BE49-F238E27FC236}">
-                <a16:creationId xmlns:a16="http://schemas.microsoft.com/office/drawing/2014/main" id="{0401B019-F359-4764-A427-8FCE14F81598}"/>
-              </a:ext>
-            </a:extLst>
-          </p:cNvPr>
-          <p:cNvSpPr>
-            <a:spLocks noGrp="1"/>
-          </p:cNvSpPr>
-          <p:nvPr>
-            <p:ph type="title"/>
-          </p:nvPr>
-        </p:nvSpPr>
-        <p:spPr>
-          <a:xfrm>
-            <a:off x="719667" y="135468"/>
-            <a:ext cx="10769600" cy="1266296"/>
-          </a:xfrm>
-        </p:spPr>
-        <p:txBody>
-          <a:bodyPr>
-            <a:normAutofit/>
-          </a:bodyPr>
-          <a:lstStyle/>
-          <a:p>
-            <a:r>
-              <a:rPr lang="de-CH" sz="6000" b="1" dirty="0">
-                <a:solidFill>
-                  <a:schemeClr val="bg1"/>
-                </a:solidFill>
-                <a:latin typeface="Myriad Pro" panose="020B0503030403020204" pitchFamily="34" charset="0"/>
-              </a:rPr>
-              <a:t>Stand </a:t>
-            </a:r>
-            <a:r>
-              <a:rPr lang="de-CH" sz="6000" b="1" dirty="0" err="1">
-                <a:solidFill>
-                  <a:schemeClr val="bg1"/>
-                </a:solidFill>
-                <a:latin typeface="Myriad Pro" panose="020B0503030403020204" pitchFamily="34" charset="0"/>
-              </a:rPr>
-              <a:t>Issues</a:t>
-            </a:r>
-            <a:endParaRPr lang="de-CH" sz="6000" b="1" dirty="0">
-              <a:solidFill>
-                <a:schemeClr val="bg1"/>
-              </a:solidFill>
-              <a:latin typeface="Myriad Pro" panose="020B0503030403020204" pitchFamily="34" charset="0"/>
-            </a:endParaRPr>
-          </a:p>
-        </p:txBody>
-      </p:sp>
-      <p:pic>
-        <p:nvPicPr>
-          <p:cNvPr id="5" name="Grafik 4">
-            <a:extLst>
-              <a:ext uri="{FF2B5EF4-FFF2-40B4-BE49-F238E27FC236}">
-                <a16:creationId xmlns:a16="http://schemas.microsoft.com/office/drawing/2014/main" id="{66E24A75-8A64-4E03-A0FE-DD247E90F1D2}"/>
-              </a:ext>
-            </a:extLst>
-          </p:cNvPr>
-          <p:cNvPicPr>
-            <a:picLocks noChangeAspect="1"/>
-          </p:cNvPicPr>
-          <p:nvPr/>
-        </p:nvPicPr>
-        <p:blipFill>
-          <a:blip r:embed="rId2">
-            <a:extLst>
-              <a:ext uri="{28A0092B-C50C-407E-A947-70E740481C1C}">
-                <a14:useLocalDpi xmlns:a14="http://schemas.microsoft.com/office/drawing/2010/main" val="0"/>
-              </a:ext>
-            </a:extLst>
-          </a:blip>
-          <a:stretch>
-            <a:fillRect/>
-          </a:stretch>
-        </p:blipFill>
-        <p:spPr>
-          <a:xfrm>
-            <a:off x="10475858" y="241829"/>
-            <a:ext cx="1462142" cy="914400"/>
-          </a:xfrm>
-          <a:prstGeom prst="rect">
-            <a:avLst/>
-          </a:prstGeom>
-        </p:spPr>
-      </p:pic>
-      <p:sp>
-        <p:nvSpPr>
-          <p:cNvPr id="6" name="Content Placeholder 5">
-            <a:extLst>
-              <a:ext uri="{FF2B5EF4-FFF2-40B4-BE49-F238E27FC236}">
-                <a16:creationId xmlns:a16="http://schemas.microsoft.com/office/drawing/2014/main" id="{766679C0-8112-463D-AC00-BAD5E93F4814}"/>
-              </a:ext>
-            </a:extLst>
-          </p:cNvPr>
-          <p:cNvSpPr>
-            <a:spLocks noGrp="1"/>
-          </p:cNvSpPr>
-          <p:nvPr>
-            <p:ph idx="1"/>
-          </p:nvPr>
-        </p:nvSpPr>
-        <p:spPr/>
-        <p:txBody>
-          <a:bodyPr/>
-          <a:lstStyle/>
-          <a:p>
-            <a:endParaRPr lang="en-US"/>
-          </a:p>
-        </p:txBody>
-      </p:sp>
-      <p:sp>
-        <p:nvSpPr>
-          <p:cNvPr id="7" name="Inhaltsplatzhalter 2">
-            <a:extLst>
-              <a:ext uri="{FF2B5EF4-FFF2-40B4-BE49-F238E27FC236}">
-                <a16:creationId xmlns:a16="http://schemas.microsoft.com/office/drawing/2014/main" id="{0D9830EE-BC8B-49F9-B46C-381802CD0064}"/>
+                <a16:creationId xmlns:a16="http://schemas.microsoft.com/office/drawing/2014/main" id="{5276C7E2-E595-4B23-9A2B-C8A9130E8594}"/>
               </a:ext>
             </a:extLst>
           </p:cNvPr>
@@ -6173,6 +4555,2849 @@
             </a:lvl9pPr>
           </a:lstStyle>
           <a:p>
+            <a:pPr marL="0" indent="0">
+              <a:buNone/>
+            </a:pPr>
+            <a:endParaRPr lang="de-CH" sz="3600" dirty="0">
+              <a:latin typeface="Myriad Pro" panose="020B0503030403020204" pitchFamily="34" charset="0"/>
+            </a:endParaRPr>
+          </a:p>
+        </p:txBody>
+      </p:sp>
+      <p:graphicFrame>
+        <p:nvGraphicFramePr>
+          <p:cNvPr id="7" name="Content Placeholder 6">
+            <a:extLst>
+              <a:ext uri="{FF2B5EF4-FFF2-40B4-BE49-F238E27FC236}">
+                <a16:creationId xmlns:a16="http://schemas.microsoft.com/office/drawing/2014/main" id="{2EC745A7-F88C-47DD-9212-D99257AD5337}"/>
+              </a:ext>
+            </a:extLst>
+          </p:cNvPr>
+          <p:cNvGraphicFramePr>
+            <a:graphicFrameLocks noGrp="1"/>
+          </p:cNvGraphicFramePr>
+          <p:nvPr>
+            <p:ph idx="1"/>
+            <p:extLst>
+              <p:ext uri="{D42A27DB-BD31-4B8C-83A1-F6EECF244321}">
+                <p14:modId xmlns:p14="http://schemas.microsoft.com/office/powerpoint/2010/main" val="3538279525"/>
+              </p:ext>
+            </p:extLst>
+          </p:nvPr>
+        </p:nvGraphicFramePr>
+        <p:xfrm>
+          <a:off x="838200" y="1676043"/>
+          <a:ext cx="10038379" cy="5574395"/>
+        </p:xfrm>
+        <a:graphic>
+          <a:graphicData uri="http://schemas.openxmlformats.org/drawingml/2006/table">
+            <a:tbl>
+              <a:tblPr firstRow="1" bandRow="1">
+                <a:tableStyleId>{5940675A-B579-460E-94D1-54222C63F5DA}</a:tableStyleId>
+              </a:tblPr>
+              <a:tblGrid>
+                <a:gridCol w="3047175">
+                  <a:extLst>
+                    <a:ext uri="{9D8B030D-6E8A-4147-A177-3AD203B41FA5}">
+                      <a16:colId xmlns:a16="http://schemas.microsoft.com/office/drawing/2014/main" val="3752307649"/>
+                    </a:ext>
+                  </a:extLst>
+                </a:gridCol>
+                <a:gridCol w="1649886">
+                  <a:extLst>
+                    <a:ext uri="{9D8B030D-6E8A-4147-A177-3AD203B41FA5}">
+                      <a16:colId xmlns:a16="http://schemas.microsoft.com/office/drawing/2014/main" val="1372082394"/>
+                    </a:ext>
+                  </a:extLst>
+                </a:gridCol>
+                <a:gridCol w="1745038">
+                  <a:extLst>
+                    <a:ext uri="{9D8B030D-6E8A-4147-A177-3AD203B41FA5}">
+                      <a16:colId xmlns:a16="http://schemas.microsoft.com/office/drawing/2014/main" val="191586418"/>
+                    </a:ext>
+                  </a:extLst>
+                </a:gridCol>
+                <a:gridCol w="1765979">
+                  <a:extLst>
+                    <a:ext uri="{9D8B030D-6E8A-4147-A177-3AD203B41FA5}">
+                      <a16:colId xmlns:a16="http://schemas.microsoft.com/office/drawing/2014/main" val="3374700899"/>
+                    </a:ext>
+                  </a:extLst>
+                </a:gridCol>
+                <a:gridCol w="1830301">
+                  <a:extLst>
+                    <a:ext uri="{9D8B030D-6E8A-4147-A177-3AD203B41FA5}">
+                      <a16:colId xmlns:a16="http://schemas.microsoft.com/office/drawing/2014/main" val="3839712443"/>
+                    </a:ext>
+                  </a:extLst>
+                </a:gridCol>
+              </a:tblGrid>
+              <a:tr h="1114879">
+                <a:tc>
+                  <a:txBody>
+                    <a:bodyPr/>
+                    <a:lstStyle/>
+                    <a:p>
+                      <a:r>
+                        <a:rPr lang="de-CH" b="1" dirty="0">
+                          <a:latin typeface="Myriad Pro" panose="020B0503030403020204" pitchFamily="34" charset="0"/>
+                        </a:rPr>
+                        <a:t>Anzahl Teilnehmer: 15</a:t>
+                      </a:r>
+                      <a:br>
+                        <a:rPr lang="de-CH" b="0" dirty="0">
+                          <a:latin typeface="Myriad Pro" panose="020B0503030403020204" pitchFamily="34" charset="0"/>
+                        </a:rPr>
+                      </a:br>
+                      <a:r>
+                        <a:rPr lang="de-CH" sz="1600" b="0" dirty="0">
+                          <a:latin typeface="Myriad Pro" panose="020B0503030403020204" pitchFamily="34" charset="0"/>
+                        </a:rPr>
+                        <a:t>Jede Person durfte pro Kategorie </a:t>
+                      </a:r>
+                      <a:br>
+                        <a:rPr lang="de-CH" sz="1600" b="0" dirty="0">
+                          <a:latin typeface="Myriad Pro" panose="020B0503030403020204" pitchFamily="34" charset="0"/>
+                        </a:rPr>
+                      </a:br>
+                      <a:r>
+                        <a:rPr lang="de-CH" sz="1600" b="0" dirty="0">
+                          <a:latin typeface="Myriad Pro" panose="020B0503030403020204" pitchFamily="34" charset="0"/>
+                        </a:rPr>
+                        <a:t>maximal 10 Punkte vergeben</a:t>
+                      </a:r>
+                      <a:endParaRPr lang="en-US" b="0" dirty="0">
+                        <a:solidFill>
+                          <a:srgbClr val="FF0000"/>
+                        </a:solidFill>
+                      </a:endParaRPr>
+                    </a:p>
+                  </a:txBody>
+                  <a:tcPr>
+                    <a:lnL w="12700" cmpd="sng">
+                      <a:noFill/>
+                    </a:lnL>
+                    <a:lnR w="19050" cap="flat" cmpd="sng" algn="ctr">
+                      <a:noFill/>
+                      <a:prstDash val="solid"/>
+                      <a:round/>
+                      <a:headEnd type="none" w="med" len="med"/>
+                      <a:tailEnd type="none" w="med" len="med"/>
+                    </a:lnR>
+                    <a:lnT w="12700" cmpd="sng">
+                      <a:noFill/>
+                    </a:lnT>
+                    <a:lnB w="19050" cap="flat" cmpd="sng" algn="ctr">
+                      <a:solidFill>
+                        <a:srgbClr val="4063B4"/>
+                      </a:solidFill>
+                      <a:prstDash val="solid"/>
+                      <a:round/>
+                      <a:headEnd type="none" w="med" len="med"/>
+                      <a:tailEnd type="none" w="med" len="med"/>
+                    </a:lnB>
+                    <a:lnTlToBr w="12700" cmpd="sng">
+                      <a:noFill/>
+                      <a:prstDash val="solid"/>
+                    </a:lnTlToBr>
+                    <a:lnBlToTr w="12700" cmpd="sng">
+                      <a:noFill/>
+                      <a:prstDash val="solid"/>
+                    </a:lnBlToTr>
+                  </a:tcPr>
+                </a:tc>
+                <a:tc>
+                  <a:txBody>
+                    <a:bodyPr/>
+                    <a:lstStyle/>
+                    <a:p>
+                      <a:br>
+                        <a:rPr lang="de-CH" b="1" dirty="0">
+                          <a:latin typeface="Myriad Pro" panose="020B0503030403020204" pitchFamily="34" charset="0"/>
+                        </a:rPr>
+                      </a:br>
+                      <a:r>
+                        <a:rPr lang="de-CH" b="1" dirty="0">
+                          <a:latin typeface="Myriad Pro" panose="020B0503030403020204" pitchFamily="34" charset="0"/>
+                        </a:rPr>
+                        <a:t>Benutzer-freundlichkeit</a:t>
+                      </a:r>
+                      <a:endParaRPr lang="en-US" b="1" dirty="0">
+                        <a:latin typeface="Myriad Pro" panose="020B0503030403020204" pitchFamily="34" charset="0"/>
+                      </a:endParaRPr>
+                    </a:p>
+                  </a:txBody>
+                  <a:tcPr>
+                    <a:lnL w="19050" cap="flat" cmpd="sng" algn="ctr">
+                      <a:noFill/>
+                      <a:prstDash val="solid"/>
+                      <a:round/>
+                      <a:headEnd type="none" w="med" len="med"/>
+                      <a:tailEnd type="none" w="med" len="med"/>
+                    </a:lnL>
+                    <a:lnR w="19050" cap="flat" cmpd="sng" algn="ctr">
+                      <a:noFill/>
+                      <a:prstDash val="solid"/>
+                      <a:round/>
+                      <a:headEnd type="none" w="med" len="med"/>
+                      <a:tailEnd type="none" w="med" len="med"/>
+                    </a:lnR>
+                    <a:lnT w="19050" cap="flat" cmpd="sng" algn="ctr">
+                      <a:noFill/>
+                      <a:prstDash val="solid"/>
+                      <a:round/>
+                      <a:headEnd type="none" w="med" len="med"/>
+                      <a:tailEnd type="none" w="med" len="med"/>
+                    </a:lnT>
+                    <a:lnB w="19050" cap="flat" cmpd="sng" algn="ctr">
+                      <a:solidFill>
+                        <a:srgbClr val="4063B4"/>
+                      </a:solidFill>
+                      <a:prstDash val="solid"/>
+                      <a:round/>
+                      <a:headEnd type="none" w="med" len="med"/>
+                      <a:tailEnd type="none" w="med" len="med"/>
+                    </a:lnB>
+                    <a:lnTlToBr w="12700" cmpd="sng">
+                      <a:noFill/>
+                      <a:prstDash val="solid"/>
+                    </a:lnTlToBr>
+                    <a:lnBlToTr w="12700" cmpd="sng">
+                      <a:noFill/>
+                      <a:prstDash val="solid"/>
+                    </a:lnBlToTr>
+                  </a:tcPr>
+                </a:tc>
+                <a:tc>
+                  <a:txBody>
+                    <a:bodyPr/>
+                    <a:lstStyle/>
+                    <a:p>
+                      <a:pPr marL="0" marR="0" lvl="0" indent="0" algn="l" defTabSz="914400" rtl="0" eaLnBrk="1" fontAlgn="auto" latinLnBrk="0" hangingPunct="1">
+                        <a:lnSpc>
+                          <a:spcPct val="100000"/>
+                        </a:lnSpc>
+                        <a:spcBef>
+                          <a:spcPts val="0"/>
+                        </a:spcBef>
+                        <a:spcAft>
+                          <a:spcPts val="0"/>
+                        </a:spcAft>
+                        <a:buClrTx/>
+                        <a:buSzTx/>
+                        <a:buFontTx/>
+                        <a:buNone/>
+                        <a:tabLst/>
+                        <a:defRPr/>
+                      </a:pPr>
+                      <a:br>
+                        <a:rPr lang="de-CH" b="1" dirty="0">
+                          <a:latin typeface="Myriad Pro" panose="020B0503030403020204" pitchFamily="34" charset="0"/>
+                        </a:rPr>
+                      </a:br>
+                      <a:br>
+                        <a:rPr lang="de-CH" b="1" dirty="0">
+                          <a:latin typeface="Myriad Pro" panose="020B0503030403020204" pitchFamily="34" charset="0"/>
+                        </a:rPr>
+                      </a:br>
+                      <a:r>
+                        <a:rPr lang="de-CH" b="1" dirty="0">
+                          <a:latin typeface="Myriad Pro" panose="020B0503030403020204" pitchFamily="34" charset="0"/>
+                        </a:rPr>
+                        <a:t>Funktionalität</a:t>
+                      </a:r>
+                      <a:endParaRPr lang="en-US" b="1" dirty="0">
+                        <a:latin typeface="Myriad Pro" panose="020B0503030403020204" pitchFamily="34" charset="0"/>
+                      </a:endParaRPr>
+                    </a:p>
+                  </a:txBody>
+                  <a:tcPr>
+                    <a:lnL w="19050" cap="flat" cmpd="sng" algn="ctr">
+                      <a:noFill/>
+                      <a:prstDash val="solid"/>
+                      <a:round/>
+                      <a:headEnd type="none" w="med" len="med"/>
+                      <a:tailEnd type="none" w="med" len="med"/>
+                    </a:lnL>
+                    <a:lnR w="19050" cap="flat" cmpd="sng" algn="ctr">
+                      <a:noFill/>
+                      <a:prstDash val="solid"/>
+                      <a:round/>
+                      <a:headEnd type="none" w="med" len="med"/>
+                      <a:tailEnd type="none" w="med" len="med"/>
+                    </a:lnR>
+                    <a:lnT w="12700" cmpd="sng">
+                      <a:noFill/>
+                    </a:lnT>
+                    <a:lnB w="19050" cap="flat" cmpd="sng" algn="ctr">
+                      <a:solidFill>
+                        <a:srgbClr val="4063B4"/>
+                      </a:solidFill>
+                      <a:prstDash val="solid"/>
+                      <a:round/>
+                      <a:headEnd type="none" w="med" len="med"/>
+                      <a:tailEnd type="none" w="med" len="med"/>
+                    </a:lnB>
+                    <a:lnTlToBr w="12700" cmpd="sng">
+                      <a:noFill/>
+                      <a:prstDash val="solid"/>
+                    </a:lnTlToBr>
+                    <a:lnBlToTr w="12700" cmpd="sng">
+                      <a:noFill/>
+                      <a:prstDash val="solid"/>
+                    </a:lnBlToTr>
+                  </a:tcPr>
+                </a:tc>
+                <a:tc>
+                  <a:txBody>
+                    <a:bodyPr/>
+                    <a:lstStyle/>
+                    <a:p>
+                      <a:pPr marL="0" marR="0" lvl="0" indent="0" algn="l" defTabSz="914400" rtl="0" eaLnBrk="1" fontAlgn="auto" latinLnBrk="0" hangingPunct="1">
+                        <a:lnSpc>
+                          <a:spcPct val="100000"/>
+                        </a:lnSpc>
+                        <a:spcBef>
+                          <a:spcPts val="0"/>
+                        </a:spcBef>
+                        <a:spcAft>
+                          <a:spcPts val="0"/>
+                        </a:spcAft>
+                        <a:buClrTx/>
+                        <a:buSzTx/>
+                        <a:buFontTx/>
+                        <a:buNone/>
+                        <a:tabLst/>
+                        <a:defRPr/>
+                      </a:pPr>
+                      <a:br>
+                        <a:rPr lang="de-CH" b="1" dirty="0">
+                          <a:latin typeface="Myriad Pro" panose="020B0503030403020204" pitchFamily="34" charset="0"/>
+                        </a:rPr>
+                      </a:br>
+                      <a:br>
+                        <a:rPr lang="de-CH" b="1" dirty="0">
+                          <a:latin typeface="Myriad Pro" panose="020B0503030403020204" pitchFamily="34" charset="0"/>
+                        </a:rPr>
+                      </a:br>
+                      <a:r>
+                        <a:rPr lang="de-CH" b="1" dirty="0">
+                          <a:latin typeface="Myriad Pro" panose="020B0503030403020204" pitchFamily="34" charset="0"/>
+                        </a:rPr>
+                        <a:t>Konzept</a:t>
+                      </a:r>
+                      <a:endParaRPr lang="en-US" b="1" dirty="0">
+                        <a:latin typeface="Myriad Pro" panose="020B0503030403020204" pitchFamily="34" charset="0"/>
+                      </a:endParaRPr>
+                    </a:p>
+                  </a:txBody>
+                  <a:tcPr>
+                    <a:lnL w="19050" cap="flat" cmpd="sng" algn="ctr">
+                      <a:noFill/>
+                      <a:prstDash val="solid"/>
+                      <a:round/>
+                      <a:headEnd type="none" w="med" len="med"/>
+                      <a:tailEnd type="none" w="med" len="med"/>
+                    </a:lnL>
+                    <a:lnR w="19050" cap="flat" cmpd="sng" algn="ctr">
+                      <a:noFill/>
+                      <a:prstDash val="solid"/>
+                      <a:round/>
+                      <a:headEnd type="none" w="med" len="med"/>
+                      <a:tailEnd type="none" w="med" len="med"/>
+                    </a:lnR>
+                    <a:lnT w="12700" cmpd="sng">
+                      <a:noFill/>
+                    </a:lnT>
+                    <a:lnB w="19050" cap="flat" cmpd="sng" algn="ctr">
+                      <a:solidFill>
+                        <a:srgbClr val="4063B4"/>
+                      </a:solidFill>
+                      <a:prstDash val="solid"/>
+                      <a:round/>
+                      <a:headEnd type="none" w="med" len="med"/>
+                      <a:tailEnd type="none" w="med" len="med"/>
+                    </a:lnB>
+                    <a:lnTlToBr w="12700" cmpd="sng">
+                      <a:noFill/>
+                      <a:prstDash val="solid"/>
+                    </a:lnTlToBr>
+                    <a:lnBlToTr w="12700" cmpd="sng">
+                      <a:noFill/>
+                      <a:prstDash val="solid"/>
+                    </a:lnBlToTr>
+                  </a:tcPr>
+                </a:tc>
+                <a:tc>
+                  <a:txBody>
+                    <a:bodyPr/>
+                    <a:lstStyle/>
+                    <a:p>
+                      <a:pPr marL="0" marR="0" lvl="0" indent="0" algn="l" defTabSz="914400" rtl="0" eaLnBrk="1" fontAlgn="auto" latinLnBrk="0" hangingPunct="1">
+                        <a:lnSpc>
+                          <a:spcPct val="100000"/>
+                        </a:lnSpc>
+                        <a:spcBef>
+                          <a:spcPts val="0"/>
+                        </a:spcBef>
+                        <a:spcAft>
+                          <a:spcPts val="0"/>
+                        </a:spcAft>
+                        <a:buClrTx/>
+                        <a:buSzTx/>
+                        <a:buFontTx/>
+                        <a:buNone/>
+                        <a:tabLst/>
+                        <a:defRPr/>
+                      </a:pPr>
+                      <a:br>
+                        <a:rPr lang="de-CH" b="1" dirty="0">
+                          <a:latin typeface="Myriad Pro" panose="020B0503030403020204" pitchFamily="34" charset="0"/>
+                        </a:rPr>
+                      </a:br>
+                      <a:br>
+                        <a:rPr lang="de-CH" b="1" dirty="0">
+                          <a:latin typeface="Myriad Pro" panose="020B0503030403020204" pitchFamily="34" charset="0"/>
+                        </a:rPr>
+                      </a:br>
+                      <a:r>
+                        <a:rPr lang="de-CH" b="1" dirty="0">
+                          <a:latin typeface="Myriad Pro" panose="020B0503030403020204" pitchFamily="34" charset="0"/>
+                        </a:rPr>
+                        <a:t>Design</a:t>
+                      </a:r>
+                      <a:endParaRPr lang="en-US" b="1" dirty="0">
+                        <a:latin typeface="Myriad Pro" panose="020B0503030403020204" pitchFamily="34" charset="0"/>
+                      </a:endParaRPr>
+                    </a:p>
+                  </a:txBody>
+                  <a:tcPr>
+                    <a:lnL w="19050" cap="flat" cmpd="sng" algn="ctr">
+                      <a:noFill/>
+                      <a:prstDash val="solid"/>
+                      <a:round/>
+                      <a:headEnd type="none" w="med" len="med"/>
+                      <a:tailEnd type="none" w="med" len="med"/>
+                    </a:lnL>
+                    <a:lnR w="12700" cmpd="sng">
+                      <a:noFill/>
+                    </a:lnR>
+                    <a:lnT w="12700" cmpd="sng">
+                      <a:noFill/>
+                    </a:lnT>
+                    <a:lnB w="19050" cap="flat" cmpd="sng" algn="ctr">
+                      <a:solidFill>
+                        <a:srgbClr val="4063B4"/>
+                      </a:solidFill>
+                      <a:prstDash val="solid"/>
+                      <a:round/>
+                      <a:headEnd type="none" w="med" len="med"/>
+                      <a:tailEnd type="none" w="med" len="med"/>
+                    </a:lnB>
+                    <a:lnTlToBr w="12700" cmpd="sng">
+                      <a:noFill/>
+                      <a:prstDash val="solid"/>
+                    </a:lnTlToBr>
+                    <a:lnBlToTr w="12700" cmpd="sng">
+                      <a:noFill/>
+                      <a:prstDash val="solid"/>
+                    </a:lnBlToTr>
+                  </a:tcPr>
+                </a:tc>
+                <a:extLst>
+                  <a:ext uri="{0D108BD9-81ED-4DB2-BD59-A6C34878D82A}">
+                    <a16:rowId xmlns:a16="http://schemas.microsoft.com/office/drawing/2014/main" val="2115961958"/>
+                  </a:ext>
+                </a:extLst>
+              </a:tr>
+              <a:tr h="1114879">
+                <a:tc>
+                  <a:txBody>
+                    <a:bodyPr/>
+                    <a:lstStyle/>
+                    <a:p>
+                      <a:r>
+                        <a:rPr lang="de-CH" sz="1600" b="1" i="1" dirty="0"/>
+                        <a:t>Sehr gut</a:t>
+                      </a:r>
+                      <a:br>
+                        <a:rPr lang="de-CH" sz="1600" i="1" dirty="0"/>
+                      </a:br>
+                      <a:r>
+                        <a:rPr lang="de-CH" sz="1600" i="1" dirty="0"/>
+                        <a:t>125 – 150 Pt.</a:t>
+                      </a:r>
+                      <a:endParaRPr lang="en-US" sz="1600" i="1" dirty="0"/>
+                    </a:p>
+                  </a:txBody>
+                  <a:tcPr>
+                    <a:lnL w="12700" cmpd="sng">
+                      <a:noFill/>
+                    </a:lnL>
+                    <a:lnR w="19050" cap="flat" cmpd="sng" algn="ctr">
+                      <a:noFill/>
+                      <a:prstDash val="solid"/>
+                      <a:round/>
+                      <a:headEnd type="none" w="med" len="med"/>
+                      <a:tailEnd type="none" w="med" len="med"/>
+                    </a:lnR>
+                    <a:lnT w="19050" cap="flat" cmpd="sng" algn="ctr">
+                      <a:solidFill>
+                        <a:srgbClr val="4063B4"/>
+                      </a:solidFill>
+                      <a:prstDash val="solid"/>
+                      <a:round/>
+                      <a:headEnd type="none" w="med" len="med"/>
+                      <a:tailEnd type="none" w="med" len="med"/>
+                    </a:lnT>
+                    <a:lnB w="19050" cap="flat" cmpd="sng" algn="ctr">
+                      <a:solidFill>
+                        <a:srgbClr val="4063B4"/>
+                      </a:solidFill>
+                      <a:prstDash val="solid"/>
+                      <a:round/>
+                      <a:headEnd type="none" w="med" len="med"/>
+                      <a:tailEnd type="none" w="med" len="med"/>
+                    </a:lnB>
+                    <a:lnTlToBr w="12700" cmpd="sng">
+                      <a:noFill/>
+                      <a:prstDash val="solid"/>
+                    </a:lnTlToBr>
+                    <a:lnBlToTr w="12700" cmpd="sng">
+                      <a:noFill/>
+                      <a:prstDash val="solid"/>
+                    </a:lnBlToTr>
+                  </a:tcPr>
+                </a:tc>
+                <a:tc>
+                  <a:txBody>
+                    <a:bodyPr/>
+                    <a:lstStyle/>
+                    <a:p>
+                      <a:endParaRPr lang="en-US" dirty="0"/>
+                    </a:p>
+                  </a:txBody>
+                  <a:tcPr>
+                    <a:lnL w="19050" cap="flat" cmpd="sng" algn="ctr">
+                      <a:noFill/>
+                      <a:prstDash val="solid"/>
+                      <a:round/>
+                      <a:headEnd type="none" w="med" len="med"/>
+                      <a:tailEnd type="none" w="med" len="med"/>
+                    </a:lnL>
+                    <a:lnR w="19050" cap="flat" cmpd="sng" algn="ctr">
+                      <a:noFill/>
+                      <a:prstDash val="solid"/>
+                      <a:round/>
+                      <a:headEnd type="none" w="med" len="med"/>
+                      <a:tailEnd type="none" w="med" len="med"/>
+                    </a:lnR>
+                    <a:lnT w="19050" cap="flat" cmpd="sng" algn="ctr">
+                      <a:solidFill>
+                        <a:srgbClr val="4063B4"/>
+                      </a:solidFill>
+                      <a:prstDash val="solid"/>
+                      <a:round/>
+                      <a:headEnd type="none" w="med" len="med"/>
+                      <a:tailEnd type="none" w="med" len="med"/>
+                    </a:lnT>
+                    <a:lnB w="19050" cap="flat" cmpd="sng" algn="ctr">
+                      <a:solidFill>
+                        <a:srgbClr val="4063B4"/>
+                      </a:solidFill>
+                      <a:prstDash val="solid"/>
+                      <a:round/>
+                      <a:headEnd type="none" w="med" len="med"/>
+                      <a:tailEnd type="none" w="med" len="med"/>
+                    </a:lnB>
+                    <a:lnTlToBr w="12700" cmpd="sng">
+                      <a:noFill/>
+                      <a:prstDash val="solid"/>
+                    </a:lnTlToBr>
+                    <a:lnBlToTr w="12700" cmpd="sng">
+                      <a:noFill/>
+                      <a:prstDash val="solid"/>
+                    </a:lnBlToTr>
+                  </a:tcPr>
+                </a:tc>
+                <a:tc>
+                  <a:txBody>
+                    <a:bodyPr/>
+                    <a:lstStyle/>
+                    <a:p>
+                      <a:endParaRPr lang="en-US" dirty="0"/>
+                    </a:p>
+                  </a:txBody>
+                  <a:tcPr>
+                    <a:lnL w="19050" cap="flat" cmpd="sng" algn="ctr">
+                      <a:noFill/>
+                      <a:prstDash val="solid"/>
+                      <a:round/>
+                      <a:headEnd type="none" w="med" len="med"/>
+                      <a:tailEnd type="none" w="med" len="med"/>
+                    </a:lnL>
+                    <a:lnR w="19050" cap="flat" cmpd="sng" algn="ctr">
+                      <a:noFill/>
+                      <a:prstDash val="solid"/>
+                      <a:round/>
+                      <a:headEnd type="none" w="med" len="med"/>
+                      <a:tailEnd type="none" w="med" len="med"/>
+                    </a:lnR>
+                    <a:lnT w="19050" cap="flat" cmpd="sng" algn="ctr">
+                      <a:solidFill>
+                        <a:srgbClr val="4063B4"/>
+                      </a:solidFill>
+                      <a:prstDash val="solid"/>
+                      <a:round/>
+                      <a:headEnd type="none" w="med" len="med"/>
+                      <a:tailEnd type="none" w="med" len="med"/>
+                    </a:lnT>
+                    <a:lnB w="19050" cap="flat" cmpd="sng" algn="ctr">
+                      <a:solidFill>
+                        <a:srgbClr val="4063B4"/>
+                      </a:solidFill>
+                      <a:prstDash val="solid"/>
+                      <a:round/>
+                      <a:headEnd type="none" w="med" len="med"/>
+                      <a:tailEnd type="none" w="med" len="med"/>
+                    </a:lnB>
+                    <a:lnTlToBr w="12700" cmpd="sng">
+                      <a:noFill/>
+                      <a:prstDash val="solid"/>
+                    </a:lnTlToBr>
+                    <a:lnBlToTr w="12700" cmpd="sng">
+                      <a:noFill/>
+                      <a:prstDash val="solid"/>
+                    </a:lnBlToTr>
+                  </a:tcPr>
+                </a:tc>
+                <a:tc>
+                  <a:txBody>
+                    <a:bodyPr/>
+                    <a:lstStyle/>
+                    <a:p>
+                      <a:endParaRPr lang="en-US" dirty="0"/>
+                    </a:p>
+                  </a:txBody>
+                  <a:tcPr>
+                    <a:lnL w="19050" cap="flat" cmpd="sng" algn="ctr">
+                      <a:noFill/>
+                      <a:prstDash val="solid"/>
+                      <a:round/>
+                      <a:headEnd type="none" w="med" len="med"/>
+                      <a:tailEnd type="none" w="med" len="med"/>
+                    </a:lnL>
+                    <a:lnR w="19050" cap="flat" cmpd="sng" algn="ctr">
+                      <a:noFill/>
+                      <a:prstDash val="solid"/>
+                      <a:round/>
+                      <a:headEnd type="none" w="med" len="med"/>
+                      <a:tailEnd type="none" w="med" len="med"/>
+                    </a:lnR>
+                    <a:lnT w="19050" cap="flat" cmpd="sng" algn="ctr">
+                      <a:solidFill>
+                        <a:srgbClr val="4063B4"/>
+                      </a:solidFill>
+                      <a:prstDash val="solid"/>
+                      <a:round/>
+                      <a:headEnd type="none" w="med" len="med"/>
+                      <a:tailEnd type="none" w="med" len="med"/>
+                    </a:lnT>
+                    <a:lnB w="19050" cap="flat" cmpd="sng" algn="ctr">
+                      <a:solidFill>
+                        <a:srgbClr val="4063B4"/>
+                      </a:solidFill>
+                      <a:prstDash val="solid"/>
+                      <a:round/>
+                      <a:headEnd type="none" w="med" len="med"/>
+                      <a:tailEnd type="none" w="med" len="med"/>
+                    </a:lnB>
+                    <a:lnTlToBr w="12700" cmpd="sng">
+                      <a:noFill/>
+                      <a:prstDash val="solid"/>
+                    </a:lnTlToBr>
+                    <a:lnBlToTr w="12700" cmpd="sng">
+                      <a:noFill/>
+                      <a:prstDash val="solid"/>
+                    </a:lnBlToTr>
+                  </a:tcPr>
+                </a:tc>
+                <a:tc>
+                  <a:txBody>
+                    <a:bodyPr/>
+                    <a:lstStyle/>
+                    <a:p>
+                      <a:endParaRPr lang="en-US" dirty="0"/>
+                    </a:p>
+                  </a:txBody>
+                  <a:tcPr>
+                    <a:lnL w="19050" cap="flat" cmpd="sng" algn="ctr">
+                      <a:noFill/>
+                      <a:prstDash val="solid"/>
+                      <a:round/>
+                      <a:headEnd type="none" w="med" len="med"/>
+                      <a:tailEnd type="none" w="med" len="med"/>
+                    </a:lnL>
+                    <a:lnR w="12700" cmpd="sng">
+                      <a:noFill/>
+                    </a:lnR>
+                    <a:lnT w="19050" cap="flat" cmpd="sng" algn="ctr">
+                      <a:solidFill>
+                        <a:srgbClr val="4063B4"/>
+                      </a:solidFill>
+                      <a:prstDash val="solid"/>
+                      <a:round/>
+                      <a:headEnd type="none" w="med" len="med"/>
+                      <a:tailEnd type="none" w="med" len="med"/>
+                    </a:lnT>
+                    <a:lnB w="19050" cap="flat" cmpd="sng" algn="ctr">
+                      <a:solidFill>
+                        <a:srgbClr val="4063B4"/>
+                      </a:solidFill>
+                      <a:prstDash val="solid"/>
+                      <a:round/>
+                      <a:headEnd type="none" w="med" len="med"/>
+                      <a:tailEnd type="none" w="med" len="med"/>
+                    </a:lnB>
+                    <a:lnTlToBr w="12700" cmpd="sng">
+                      <a:noFill/>
+                      <a:prstDash val="solid"/>
+                    </a:lnTlToBr>
+                    <a:lnBlToTr w="12700" cmpd="sng">
+                      <a:noFill/>
+                      <a:prstDash val="solid"/>
+                    </a:lnBlToTr>
+                  </a:tcPr>
+                </a:tc>
+                <a:extLst>
+                  <a:ext uri="{0D108BD9-81ED-4DB2-BD59-A6C34878D82A}">
+                    <a16:rowId xmlns:a16="http://schemas.microsoft.com/office/drawing/2014/main" val="3830088995"/>
+                  </a:ext>
+                </a:extLst>
+              </a:tr>
+              <a:tr h="1114879">
+                <a:tc>
+                  <a:txBody>
+                    <a:bodyPr/>
+                    <a:lstStyle/>
+                    <a:p>
+                      <a:r>
+                        <a:rPr lang="de-CH" sz="1600" b="1" i="1" dirty="0"/>
+                        <a:t>Gut</a:t>
+                      </a:r>
+                      <a:br>
+                        <a:rPr lang="de-CH" sz="1600" i="1" dirty="0"/>
+                      </a:br>
+                      <a:r>
+                        <a:rPr lang="de-CH" sz="1600" i="1" dirty="0"/>
+                        <a:t>100 – 125 Pt.</a:t>
+                      </a:r>
+                      <a:endParaRPr lang="en-US" sz="1600" dirty="0"/>
+                    </a:p>
+                  </a:txBody>
+                  <a:tcPr>
+                    <a:lnL w="12700" cmpd="sng">
+                      <a:noFill/>
+                    </a:lnL>
+                    <a:lnR w="19050" cap="flat" cmpd="sng" algn="ctr">
+                      <a:noFill/>
+                      <a:prstDash val="solid"/>
+                      <a:round/>
+                      <a:headEnd type="none" w="med" len="med"/>
+                      <a:tailEnd type="none" w="med" len="med"/>
+                    </a:lnR>
+                    <a:lnT w="19050" cap="flat" cmpd="sng" algn="ctr">
+                      <a:solidFill>
+                        <a:srgbClr val="4063B4"/>
+                      </a:solidFill>
+                      <a:prstDash val="solid"/>
+                      <a:round/>
+                      <a:headEnd type="none" w="med" len="med"/>
+                      <a:tailEnd type="none" w="med" len="med"/>
+                    </a:lnT>
+                    <a:lnB w="19050" cap="flat" cmpd="sng" algn="ctr">
+                      <a:solidFill>
+                        <a:srgbClr val="4063B4"/>
+                      </a:solidFill>
+                      <a:prstDash val="solid"/>
+                      <a:round/>
+                      <a:headEnd type="none" w="med" len="med"/>
+                      <a:tailEnd type="none" w="med" len="med"/>
+                    </a:lnB>
+                    <a:lnTlToBr w="12700" cmpd="sng">
+                      <a:noFill/>
+                      <a:prstDash val="solid"/>
+                    </a:lnTlToBr>
+                    <a:lnBlToTr w="12700" cmpd="sng">
+                      <a:noFill/>
+                      <a:prstDash val="solid"/>
+                    </a:lnBlToTr>
+                  </a:tcPr>
+                </a:tc>
+                <a:tc>
+                  <a:txBody>
+                    <a:bodyPr/>
+                    <a:lstStyle/>
+                    <a:p>
+                      <a:endParaRPr lang="en-US" dirty="0"/>
+                    </a:p>
+                  </a:txBody>
+                  <a:tcPr>
+                    <a:lnL w="19050" cap="flat" cmpd="sng" algn="ctr">
+                      <a:noFill/>
+                      <a:prstDash val="solid"/>
+                      <a:round/>
+                      <a:headEnd type="none" w="med" len="med"/>
+                      <a:tailEnd type="none" w="med" len="med"/>
+                    </a:lnL>
+                    <a:lnR w="19050" cap="flat" cmpd="sng" algn="ctr">
+                      <a:noFill/>
+                      <a:prstDash val="solid"/>
+                      <a:round/>
+                      <a:headEnd type="none" w="med" len="med"/>
+                      <a:tailEnd type="none" w="med" len="med"/>
+                    </a:lnR>
+                    <a:lnT w="19050" cap="flat" cmpd="sng" algn="ctr">
+                      <a:solidFill>
+                        <a:srgbClr val="4063B4"/>
+                      </a:solidFill>
+                      <a:prstDash val="solid"/>
+                      <a:round/>
+                      <a:headEnd type="none" w="med" len="med"/>
+                      <a:tailEnd type="none" w="med" len="med"/>
+                    </a:lnT>
+                    <a:lnB w="19050" cap="flat" cmpd="sng" algn="ctr">
+                      <a:solidFill>
+                        <a:srgbClr val="4063B4"/>
+                      </a:solidFill>
+                      <a:prstDash val="solid"/>
+                      <a:round/>
+                      <a:headEnd type="none" w="med" len="med"/>
+                      <a:tailEnd type="none" w="med" len="med"/>
+                    </a:lnB>
+                    <a:lnTlToBr w="12700" cmpd="sng">
+                      <a:noFill/>
+                      <a:prstDash val="solid"/>
+                    </a:lnTlToBr>
+                    <a:lnBlToTr w="12700" cmpd="sng">
+                      <a:noFill/>
+                      <a:prstDash val="solid"/>
+                    </a:lnBlToTr>
+                  </a:tcPr>
+                </a:tc>
+                <a:tc>
+                  <a:txBody>
+                    <a:bodyPr/>
+                    <a:lstStyle/>
+                    <a:p>
+                      <a:endParaRPr lang="en-US" dirty="0"/>
+                    </a:p>
+                  </a:txBody>
+                  <a:tcPr>
+                    <a:lnL w="19050" cap="flat" cmpd="sng" algn="ctr">
+                      <a:noFill/>
+                      <a:prstDash val="solid"/>
+                      <a:round/>
+                      <a:headEnd type="none" w="med" len="med"/>
+                      <a:tailEnd type="none" w="med" len="med"/>
+                    </a:lnL>
+                    <a:lnR w="19050" cap="flat" cmpd="sng" algn="ctr">
+                      <a:noFill/>
+                      <a:prstDash val="solid"/>
+                      <a:round/>
+                      <a:headEnd type="none" w="med" len="med"/>
+                      <a:tailEnd type="none" w="med" len="med"/>
+                    </a:lnR>
+                    <a:lnT w="19050" cap="flat" cmpd="sng" algn="ctr">
+                      <a:solidFill>
+                        <a:srgbClr val="4063B4"/>
+                      </a:solidFill>
+                      <a:prstDash val="solid"/>
+                      <a:round/>
+                      <a:headEnd type="none" w="med" len="med"/>
+                      <a:tailEnd type="none" w="med" len="med"/>
+                    </a:lnT>
+                    <a:lnB w="19050" cap="flat" cmpd="sng" algn="ctr">
+                      <a:solidFill>
+                        <a:srgbClr val="4063B4"/>
+                      </a:solidFill>
+                      <a:prstDash val="solid"/>
+                      <a:round/>
+                      <a:headEnd type="none" w="med" len="med"/>
+                      <a:tailEnd type="none" w="med" len="med"/>
+                    </a:lnB>
+                    <a:lnTlToBr w="12700" cmpd="sng">
+                      <a:noFill/>
+                      <a:prstDash val="solid"/>
+                    </a:lnTlToBr>
+                    <a:lnBlToTr w="12700" cmpd="sng">
+                      <a:noFill/>
+                      <a:prstDash val="solid"/>
+                    </a:lnBlToTr>
+                  </a:tcPr>
+                </a:tc>
+                <a:tc>
+                  <a:txBody>
+                    <a:bodyPr/>
+                    <a:lstStyle/>
+                    <a:p>
+                      <a:endParaRPr lang="en-US" dirty="0"/>
+                    </a:p>
+                  </a:txBody>
+                  <a:tcPr>
+                    <a:lnL w="19050" cap="flat" cmpd="sng" algn="ctr">
+                      <a:noFill/>
+                      <a:prstDash val="solid"/>
+                      <a:round/>
+                      <a:headEnd type="none" w="med" len="med"/>
+                      <a:tailEnd type="none" w="med" len="med"/>
+                    </a:lnL>
+                    <a:lnR w="19050" cap="flat" cmpd="sng" algn="ctr">
+                      <a:noFill/>
+                      <a:prstDash val="solid"/>
+                      <a:round/>
+                      <a:headEnd type="none" w="med" len="med"/>
+                      <a:tailEnd type="none" w="med" len="med"/>
+                    </a:lnR>
+                    <a:lnT w="19050" cap="flat" cmpd="sng" algn="ctr">
+                      <a:solidFill>
+                        <a:srgbClr val="4063B4"/>
+                      </a:solidFill>
+                      <a:prstDash val="solid"/>
+                      <a:round/>
+                      <a:headEnd type="none" w="med" len="med"/>
+                      <a:tailEnd type="none" w="med" len="med"/>
+                    </a:lnT>
+                    <a:lnB w="19050" cap="flat" cmpd="sng" algn="ctr">
+                      <a:solidFill>
+                        <a:srgbClr val="4063B4"/>
+                      </a:solidFill>
+                      <a:prstDash val="solid"/>
+                      <a:round/>
+                      <a:headEnd type="none" w="med" len="med"/>
+                      <a:tailEnd type="none" w="med" len="med"/>
+                    </a:lnB>
+                    <a:lnTlToBr w="12700" cmpd="sng">
+                      <a:noFill/>
+                      <a:prstDash val="solid"/>
+                    </a:lnTlToBr>
+                    <a:lnBlToTr w="12700" cmpd="sng">
+                      <a:noFill/>
+                      <a:prstDash val="solid"/>
+                    </a:lnBlToTr>
+                  </a:tcPr>
+                </a:tc>
+                <a:tc>
+                  <a:txBody>
+                    <a:bodyPr/>
+                    <a:lstStyle/>
+                    <a:p>
+                      <a:endParaRPr lang="en-US" dirty="0"/>
+                    </a:p>
+                  </a:txBody>
+                  <a:tcPr>
+                    <a:lnL w="19050" cap="flat" cmpd="sng" algn="ctr">
+                      <a:noFill/>
+                      <a:prstDash val="solid"/>
+                      <a:round/>
+                      <a:headEnd type="none" w="med" len="med"/>
+                      <a:tailEnd type="none" w="med" len="med"/>
+                    </a:lnL>
+                    <a:lnR w="12700" cmpd="sng">
+                      <a:noFill/>
+                    </a:lnR>
+                    <a:lnT w="19050" cap="flat" cmpd="sng" algn="ctr">
+                      <a:solidFill>
+                        <a:srgbClr val="4063B4"/>
+                      </a:solidFill>
+                      <a:prstDash val="solid"/>
+                      <a:round/>
+                      <a:headEnd type="none" w="med" len="med"/>
+                      <a:tailEnd type="none" w="med" len="med"/>
+                    </a:lnT>
+                    <a:lnB w="19050" cap="flat" cmpd="sng" algn="ctr">
+                      <a:solidFill>
+                        <a:srgbClr val="4063B4"/>
+                      </a:solidFill>
+                      <a:prstDash val="solid"/>
+                      <a:round/>
+                      <a:headEnd type="none" w="med" len="med"/>
+                      <a:tailEnd type="none" w="med" len="med"/>
+                    </a:lnB>
+                    <a:lnTlToBr w="12700" cmpd="sng">
+                      <a:noFill/>
+                      <a:prstDash val="solid"/>
+                    </a:lnTlToBr>
+                    <a:lnBlToTr w="12700" cmpd="sng">
+                      <a:noFill/>
+                      <a:prstDash val="solid"/>
+                    </a:lnBlToTr>
+                  </a:tcPr>
+                </a:tc>
+                <a:extLst>
+                  <a:ext uri="{0D108BD9-81ED-4DB2-BD59-A6C34878D82A}">
+                    <a16:rowId xmlns:a16="http://schemas.microsoft.com/office/drawing/2014/main" val="3417923313"/>
+                  </a:ext>
+                </a:extLst>
+              </a:tr>
+              <a:tr h="1114879">
+                <a:tc>
+                  <a:txBody>
+                    <a:bodyPr/>
+                    <a:lstStyle/>
+                    <a:p>
+                      <a:pPr marL="0" marR="0" lvl="0" indent="0" algn="l" defTabSz="914400" rtl="0" eaLnBrk="1" fontAlgn="auto" latinLnBrk="0" hangingPunct="1">
+                        <a:lnSpc>
+                          <a:spcPct val="100000"/>
+                        </a:lnSpc>
+                        <a:spcBef>
+                          <a:spcPts val="0"/>
+                        </a:spcBef>
+                        <a:spcAft>
+                          <a:spcPts val="0"/>
+                        </a:spcAft>
+                        <a:buClrTx/>
+                        <a:buSzTx/>
+                        <a:buFontTx/>
+                        <a:buNone/>
+                        <a:tabLst/>
+                        <a:defRPr/>
+                      </a:pPr>
+                      <a:r>
+                        <a:rPr lang="de-CH" sz="1600" b="1" i="1" dirty="0"/>
+                        <a:t>Genügend</a:t>
+                      </a:r>
+                      <a:endParaRPr lang="en-US" sz="1600" b="1" dirty="0"/>
+                    </a:p>
+                    <a:p>
+                      <a:r>
+                        <a:rPr lang="de-CH" sz="1600" i="1" dirty="0"/>
+                        <a:t>75 – 100 Pt.</a:t>
+                      </a:r>
+                      <a:endParaRPr lang="en-US" sz="1600" i="1" dirty="0"/>
+                    </a:p>
+                  </a:txBody>
+                  <a:tcPr>
+                    <a:lnL w="12700" cmpd="sng">
+                      <a:noFill/>
+                    </a:lnL>
+                    <a:lnR w="19050" cap="flat" cmpd="sng" algn="ctr">
+                      <a:noFill/>
+                      <a:prstDash val="solid"/>
+                      <a:round/>
+                      <a:headEnd type="none" w="med" len="med"/>
+                      <a:tailEnd type="none" w="med" len="med"/>
+                    </a:lnR>
+                    <a:lnT w="19050" cap="flat" cmpd="sng" algn="ctr">
+                      <a:solidFill>
+                        <a:srgbClr val="4063B4"/>
+                      </a:solidFill>
+                      <a:prstDash val="solid"/>
+                      <a:round/>
+                      <a:headEnd type="none" w="med" len="med"/>
+                      <a:tailEnd type="none" w="med" len="med"/>
+                    </a:lnT>
+                    <a:lnB w="19050" cap="flat" cmpd="sng" algn="ctr">
+                      <a:solidFill>
+                        <a:srgbClr val="4063B4"/>
+                      </a:solidFill>
+                      <a:prstDash val="solid"/>
+                      <a:round/>
+                      <a:headEnd type="none" w="med" len="med"/>
+                      <a:tailEnd type="none" w="med" len="med"/>
+                    </a:lnB>
+                    <a:lnTlToBr w="12700" cmpd="sng">
+                      <a:noFill/>
+                      <a:prstDash val="solid"/>
+                    </a:lnTlToBr>
+                    <a:lnBlToTr w="12700" cmpd="sng">
+                      <a:noFill/>
+                      <a:prstDash val="solid"/>
+                    </a:lnBlToTr>
+                  </a:tcPr>
+                </a:tc>
+                <a:tc>
+                  <a:txBody>
+                    <a:bodyPr/>
+                    <a:lstStyle/>
+                    <a:p>
+                      <a:endParaRPr lang="en-US" dirty="0"/>
+                    </a:p>
+                  </a:txBody>
+                  <a:tcPr>
+                    <a:lnL w="19050" cap="flat" cmpd="sng" algn="ctr">
+                      <a:noFill/>
+                      <a:prstDash val="solid"/>
+                      <a:round/>
+                      <a:headEnd type="none" w="med" len="med"/>
+                      <a:tailEnd type="none" w="med" len="med"/>
+                    </a:lnL>
+                    <a:lnR w="19050" cap="flat" cmpd="sng" algn="ctr">
+                      <a:noFill/>
+                      <a:prstDash val="solid"/>
+                      <a:round/>
+                      <a:headEnd type="none" w="med" len="med"/>
+                      <a:tailEnd type="none" w="med" len="med"/>
+                    </a:lnR>
+                    <a:lnT w="19050" cap="flat" cmpd="sng" algn="ctr">
+                      <a:solidFill>
+                        <a:srgbClr val="4063B4"/>
+                      </a:solidFill>
+                      <a:prstDash val="solid"/>
+                      <a:round/>
+                      <a:headEnd type="none" w="med" len="med"/>
+                      <a:tailEnd type="none" w="med" len="med"/>
+                    </a:lnT>
+                    <a:lnB w="19050" cap="flat" cmpd="sng" algn="ctr">
+                      <a:solidFill>
+                        <a:srgbClr val="4063B4"/>
+                      </a:solidFill>
+                      <a:prstDash val="solid"/>
+                      <a:round/>
+                      <a:headEnd type="none" w="med" len="med"/>
+                      <a:tailEnd type="none" w="med" len="med"/>
+                    </a:lnB>
+                    <a:lnTlToBr w="12700" cmpd="sng">
+                      <a:noFill/>
+                      <a:prstDash val="solid"/>
+                    </a:lnTlToBr>
+                    <a:lnBlToTr w="12700" cmpd="sng">
+                      <a:noFill/>
+                      <a:prstDash val="solid"/>
+                    </a:lnBlToTr>
+                  </a:tcPr>
+                </a:tc>
+                <a:tc>
+                  <a:txBody>
+                    <a:bodyPr/>
+                    <a:lstStyle/>
+                    <a:p>
+                      <a:endParaRPr lang="en-US" dirty="0"/>
+                    </a:p>
+                  </a:txBody>
+                  <a:tcPr>
+                    <a:lnL w="19050" cap="flat" cmpd="sng" algn="ctr">
+                      <a:noFill/>
+                      <a:prstDash val="solid"/>
+                      <a:round/>
+                      <a:headEnd type="none" w="med" len="med"/>
+                      <a:tailEnd type="none" w="med" len="med"/>
+                    </a:lnL>
+                    <a:lnR w="19050" cap="flat" cmpd="sng" algn="ctr">
+                      <a:noFill/>
+                      <a:prstDash val="solid"/>
+                      <a:round/>
+                      <a:headEnd type="none" w="med" len="med"/>
+                      <a:tailEnd type="none" w="med" len="med"/>
+                    </a:lnR>
+                    <a:lnT w="19050" cap="flat" cmpd="sng" algn="ctr">
+                      <a:solidFill>
+                        <a:srgbClr val="4063B4"/>
+                      </a:solidFill>
+                      <a:prstDash val="solid"/>
+                      <a:round/>
+                      <a:headEnd type="none" w="med" len="med"/>
+                      <a:tailEnd type="none" w="med" len="med"/>
+                    </a:lnT>
+                    <a:lnB w="19050" cap="flat" cmpd="sng" algn="ctr">
+                      <a:solidFill>
+                        <a:srgbClr val="4063B4"/>
+                      </a:solidFill>
+                      <a:prstDash val="solid"/>
+                      <a:round/>
+                      <a:headEnd type="none" w="med" len="med"/>
+                      <a:tailEnd type="none" w="med" len="med"/>
+                    </a:lnB>
+                    <a:lnTlToBr w="12700" cmpd="sng">
+                      <a:noFill/>
+                      <a:prstDash val="solid"/>
+                    </a:lnTlToBr>
+                    <a:lnBlToTr w="12700" cmpd="sng">
+                      <a:noFill/>
+                      <a:prstDash val="solid"/>
+                    </a:lnBlToTr>
+                  </a:tcPr>
+                </a:tc>
+                <a:tc>
+                  <a:txBody>
+                    <a:bodyPr/>
+                    <a:lstStyle/>
+                    <a:p>
+                      <a:endParaRPr lang="en-US" dirty="0"/>
+                    </a:p>
+                  </a:txBody>
+                  <a:tcPr>
+                    <a:lnL w="19050" cap="flat" cmpd="sng" algn="ctr">
+                      <a:noFill/>
+                      <a:prstDash val="solid"/>
+                      <a:round/>
+                      <a:headEnd type="none" w="med" len="med"/>
+                      <a:tailEnd type="none" w="med" len="med"/>
+                    </a:lnL>
+                    <a:lnR w="19050" cap="flat" cmpd="sng" algn="ctr">
+                      <a:noFill/>
+                      <a:prstDash val="solid"/>
+                      <a:round/>
+                      <a:headEnd type="none" w="med" len="med"/>
+                      <a:tailEnd type="none" w="med" len="med"/>
+                    </a:lnR>
+                    <a:lnT w="19050" cap="flat" cmpd="sng" algn="ctr">
+                      <a:solidFill>
+                        <a:srgbClr val="4063B4"/>
+                      </a:solidFill>
+                      <a:prstDash val="solid"/>
+                      <a:round/>
+                      <a:headEnd type="none" w="med" len="med"/>
+                      <a:tailEnd type="none" w="med" len="med"/>
+                    </a:lnT>
+                    <a:lnB w="19050" cap="flat" cmpd="sng" algn="ctr">
+                      <a:solidFill>
+                        <a:srgbClr val="4063B4"/>
+                      </a:solidFill>
+                      <a:prstDash val="solid"/>
+                      <a:round/>
+                      <a:headEnd type="none" w="med" len="med"/>
+                      <a:tailEnd type="none" w="med" len="med"/>
+                    </a:lnB>
+                    <a:lnTlToBr w="12700" cmpd="sng">
+                      <a:noFill/>
+                      <a:prstDash val="solid"/>
+                    </a:lnTlToBr>
+                    <a:lnBlToTr w="12700" cmpd="sng">
+                      <a:noFill/>
+                      <a:prstDash val="solid"/>
+                    </a:lnBlToTr>
+                  </a:tcPr>
+                </a:tc>
+                <a:tc>
+                  <a:txBody>
+                    <a:bodyPr/>
+                    <a:lstStyle/>
+                    <a:p>
+                      <a:endParaRPr lang="en-US" dirty="0"/>
+                    </a:p>
+                  </a:txBody>
+                  <a:tcPr>
+                    <a:lnL w="19050" cap="flat" cmpd="sng" algn="ctr">
+                      <a:noFill/>
+                      <a:prstDash val="solid"/>
+                      <a:round/>
+                      <a:headEnd type="none" w="med" len="med"/>
+                      <a:tailEnd type="none" w="med" len="med"/>
+                    </a:lnL>
+                    <a:lnR w="12700" cmpd="sng">
+                      <a:noFill/>
+                    </a:lnR>
+                    <a:lnT w="19050" cap="flat" cmpd="sng" algn="ctr">
+                      <a:solidFill>
+                        <a:srgbClr val="4063B4"/>
+                      </a:solidFill>
+                      <a:prstDash val="solid"/>
+                      <a:round/>
+                      <a:headEnd type="none" w="med" len="med"/>
+                      <a:tailEnd type="none" w="med" len="med"/>
+                    </a:lnT>
+                    <a:lnB w="19050" cap="flat" cmpd="sng" algn="ctr">
+                      <a:solidFill>
+                        <a:srgbClr val="4063B4"/>
+                      </a:solidFill>
+                      <a:prstDash val="solid"/>
+                      <a:round/>
+                      <a:headEnd type="none" w="med" len="med"/>
+                      <a:tailEnd type="none" w="med" len="med"/>
+                    </a:lnB>
+                    <a:lnTlToBr w="12700" cmpd="sng">
+                      <a:noFill/>
+                      <a:prstDash val="solid"/>
+                    </a:lnTlToBr>
+                    <a:lnBlToTr w="12700" cmpd="sng">
+                      <a:noFill/>
+                      <a:prstDash val="solid"/>
+                    </a:lnBlToTr>
+                  </a:tcPr>
+                </a:tc>
+                <a:extLst>
+                  <a:ext uri="{0D108BD9-81ED-4DB2-BD59-A6C34878D82A}">
+                    <a16:rowId xmlns:a16="http://schemas.microsoft.com/office/drawing/2014/main" val="2224131226"/>
+                  </a:ext>
+                </a:extLst>
+              </a:tr>
+              <a:tr h="1114879">
+                <a:tc>
+                  <a:txBody>
+                    <a:bodyPr/>
+                    <a:lstStyle/>
+                    <a:p>
+                      <a:r>
+                        <a:rPr lang="de-CH" sz="1600" b="1" i="1" dirty="0"/>
+                        <a:t>Verbesserungwürdig</a:t>
+                      </a:r>
+                      <a:br>
+                        <a:rPr lang="de-CH" sz="1600" b="1" i="1" dirty="0"/>
+                      </a:br>
+                      <a:r>
+                        <a:rPr lang="de-CH" sz="1600" b="0" i="1" dirty="0"/>
+                        <a:t>0 – 75 Pt.</a:t>
+                      </a:r>
+                      <a:endParaRPr lang="en-US" sz="1600" b="1" i="1" dirty="0"/>
+                    </a:p>
+                  </a:txBody>
+                  <a:tcPr>
+                    <a:lnL w="12700" cmpd="sng">
+                      <a:noFill/>
+                    </a:lnL>
+                    <a:lnR w="19050" cap="flat" cmpd="sng" algn="ctr">
+                      <a:noFill/>
+                      <a:prstDash val="solid"/>
+                      <a:round/>
+                      <a:headEnd type="none" w="med" len="med"/>
+                      <a:tailEnd type="none" w="med" len="med"/>
+                    </a:lnR>
+                    <a:lnT w="19050" cap="flat" cmpd="sng" algn="ctr">
+                      <a:solidFill>
+                        <a:srgbClr val="4063B4"/>
+                      </a:solidFill>
+                      <a:prstDash val="solid"/>
+                      <a:round/>
+                      <a:headEnd type="none" w="med" len="med"/>
+                      <a:tailEnd type="none" w="med" len="med"/>
+                    </a:lnT>
+                    <a:lnB w="12700" cmpd="sng">
+                      <a:noFill/>
+                    </a:lnB>
+                    <a:lnTlToBr w="12700" cmpd="sng">
+                      <a:noFill/>
+                      <a:prstDash val="solid"/>
+                    </a:lnTlToBr>
+                    <a:lnBlToTr w="12700" cmpd="sng">
+                      <a:noFill/>
+                      <a:prstDash val="solid"/>
+                    </a:lnBlToTr>
+                  </a:tcPr>
+                </a:tc>
+                <a:tc>
+                  <a:txBody>
+                    <a:bodyPr/>
+                    <a:lstStyle/>
+                    <a:p>
+                      <a:endParaRPr lang="en-US" dirty="0"/>
+                    </a:p>
+                  </a:txBody>
+                  <a:tcPr>
+                    <a:lnL w="19050" cap="flat" cmpd="sng" algn="ctr">
+                      <a:noFill/>
+                      <a:prstDash val="solid"/>
+                      <a:round/>
+                      <a:headEnd type="none" w="med" len="med"/>
+                      <a:tailEnd type="none" w="med" len="med"/>
+                    </a:lnL>
+                    <a:lnR w="19050" cap="flat" cmpd="sng" algn="ctr">
+                      <a:noFill/>
+                      <a:prstDash val="solid"/>
+                      <a:round/>
+                      <a:headEnd type="none" w="med" len="med"/>
+                      <a:tailEnd type="none" w="med" len="med"/>
+                    </a:lnR>
+                    <a:lnT w="19050" cap="flat" cmpd="sng" algn="ctr">
+                      <a:solidFill>
+                        <a:srgbClr val="4063B4"/>
+                      </a:solidFill>
+                      <a:prstDash val="solid"/>
+                      <a:round/>
+                      <a:headEnd type="none" w="med" len="med"/>
+                      <a:tailEnd type="none" w="med" len="med"/>
+                    </a:lnT>
+                    <a:lnB w="12700" cmpd="sng">
+                      <a:noFill/>
+                    </a:lnB>
+                    <a:lnTlToBr w="12700" cmpd="sng">
+                      <a:noFill/>
+                      <a:prstDash val="solid"/>
+                    </a:lnTlToBr>
+                    <a:lnBlToTr w="12700" cmpd="sng">
+                      <a:noFill/>
+                      <a:prstDash val="solid"/>
+                    </a:lnBlToTr>
+                  </a:tcPr>
+                </a:tc>
+                <a:tc>
+                  <a:txBody>
+                    <a:bodyPr/>
+                    <a:lstStyle/>
+                    <a:p>
+                      <a:endParaRPr lang="en-US" dirty="0"/>
+                    </a:p>
+                  </a:txBody>
+                  <a:tcPr>
+                    <a:lnL w="19050" cap="flat" cmpd="sng" algn="ctr">
+                      <a:noFill/>
+                      <a:prstDash val="solid"/>
+                      <a:round/>
+                      <a:headEnd type="none" w="med" len="med"/>
+                      <a:tailEnd type="none" w="med" len="med"/>
+                    </a:lnL>
+                    <a:lnR w="19050" cap="flat" cmpd="sng" algn="ctr">
+                      <a:noFill/>
+                      <a:prstDash val="solid"/>
+                      <a:round/>
+                      <a:headEnd type="none" w="med" len="med"/>
+                      <a:tailEnd type="none" w="med" len="med"/>
+                    </a:lnR>
+                    <a:lnT w="19050" cap="flat" cmpd="sng" algn="ctr">
+                      <a:solidFill>
+                        <a:srgbClr val="4063B4"/>
+                      </a:solidFill>
+                      <a:prstDash val="solid"/>
+                      <a:round/>
+                      <a:headEnd type="none" w="med" len="med"/>
+                      <a:tailEnd type="none" w="med" len="med"/>
+                    </a:lnT>
+                    <a:lnB w="12700" cmpd="sng">
+                      <a:noFill/>
+                    </a:lnB>
+                    <a:lnTlToBr w="12700" cmpd="sng">
+                      <a:noFill/>
+                      <a:prstDash val="solid"/>
+                    </a:lnTlToBr>
+                    <a:lnBlToTr w="12700" cmpd="sng">
+                      <a:noFill/>
+                      <a:prstDash val="solid"/>
+                    </a:lnBlToTr>
+                  </a:tcPr>
+                </a:tc>
+                <a:tc>
+                  <a:txBody>
+                    <a:bodyPr/>
+                    <a:lstStyle/>
+                    <a:p>
+                      <a:endParaRPr lang="en-US" dirty="0"/>
+                    </a:p>
+                  </a:txBody>
+                  <a:tcPr>
+                    <a:lnL w="19050" cap="flat" cmpd="sng" algn="ctr">
+                      <a:noFill/>
+                      <a:prstDash val="solid"/>
+                      <a:round/>
+                      <a:headEnd type="none" w="med" len="med"/>
+                      <a:tailEnd type="none" w="med" len="med"/>
+                    </a:lnL>
+                    <a:lnR w="19050" cap="flat" cmpd="sng" algn="ctr">
+                      <a:noFill/>
+                      <a:prstDash val="solid"/>
+                      <a:round/>
+                      <a:headEnd type="none" w="med" len="med"/>
+                      <a:tailEnd type="none" w="med" len="med"/>
+                    </a:lnR>
+                    <a:lnT w="19050" cap="flat" cmpd="sng" algn="ctr">
+                      <a:solidFill>
+                        <a:srgbClr val="4063B4"/>
+                      </a:solidFill>
+                      <a:prstDash val="solid"/>
+                      <a:round/>
+                      <a:headEnd type="none" w="med" len="med"/>
+                      <a:tailEnd type="none" w="med" len="med"/>
+                    </a:lnT>
+                    <a:lnB w="12700" cmpd="sng">
+                      <a:noFill/>
+                    </a:lnB>
+                    <a:lnTlToBr w="12700" cmpd="sng">
+                      <a:noFill/>
+                      <a:prstDash val="solid"/>
+                    </a:lnTlToBr>
+                    <a:lnBlToTr w="12700" cmpd="sng">
+                      <a:noFill/>
+                      <a:prstDash val="solid"/>
+                    </a:lnBlToTr>
+                  </a:tcPr>
+                </a:tc>
+                <a:tc>
+                  <a:txBody>
+                    <a:bodyPr/>
+                    <a:lstStyle/>
+                    <a:p>
+                      <a:endParaRPr lang="en-US" dirty="0"/>
+                    </a:p>
+                  </a:txBody>
+                  <a:tcPr>
+                    <a:lnL w="19050" cap="flat" cmpd="sng" algn="ctr">
+                      <a:noFill/>
+                      <a:prstDash val="solid"/>
+                      <a:round/>
+                      <a:headEnd type="none" w="med" len="med"/>
+                      <a:tailEnd type="none" w="med" len="med"/>
+                    </a:lnL>
+                    <a:lnR w="12700" cmpd="sng">
+                      <a:noFill/>
+                    </a:lnR>
+                    <a:lnT w="19050" cap="flat" cmpd="sng" algn="ctr">
+                      <a:solidFill>
+                        <a:srgbClr val="4063B4"/>
+                      </a:solidFill>
+                      <a:prstDash val="solid"/>
+                      <a:round/>
+                      <a:headEnd type="none" w="med" len="med"/>
+                      <a:tailEnd type="none" w="med" len="med"/>
+                    </a:lnT>
+                    <a:lnB w="12700" cmpd="sng">
+                      <a:noFill/>
+                    </a:lnB>
+                    <a:lnTlToBr w="12700" cmpd="sng">
+                      <a:noFill/>
+                      <a:prstDash val="solid"/>
+                    </a:lnTlToBr>
+                    <a:lnBlToTr w="12700" cmpd="sng">
+                      <a:noFill/>
+                      <a:prstDash val="solid"/>
+                    </a:lnBlToTr>
+                  </a:tcPr>
+                </a:tc>
+                <a:extLst>
+                  <a:ext uri="{0D108BD9-81ED-4DB2-BD59-A6C34878D82A}">
+                    <a16:rowId xmlns:a16="http://schemas.microsoft.com/office/drawing/2014/main" val="428768073"/>
+                  </a:ext>
+                </a:extLst>
+              </a:tr>
+            </a:tbl>
+          </a:graphicData>
+        </a:graphic>
+      </p:graphicFrame>
+      <p:sp>
+        <p:nvSpPr>
+          <p:cNvPr id="5" name="Titel 1">
+            <a:extLst>
+              <a:ext uri="{FF2B5EF4-FFF2-40B4-BE49-F238E27FC236}">
+                <a16:creationId xmlns:a16="http://schemas.microsoft.com/office/drawing/2014/main" id="{B872E882-0DD1-4353-899C-BC777DFECA6E}"/>
+              </a:ext>
+            </a:extLst>
+          </p:cNvPr>
+          <p:cNvSpPr txBox="1">
+            <a:spLocks/>
+          </p:cNvSpPr>
+          <p:nvPr/>
+        </p:nvSpPr>
+        <p:spPr>
+          <a:xfrm>
+            <a:off x="719667" y="135468"/>
+            <a:ext cx="10769600" cy="1266296"/>
+          </a:xfrm>
+          <a:prstGeom prst="rect">
+            <a:avLst/>
+          </a:prstGeom>
+        </p:spPr>
+        <p:txBody>
+          <a:bodyPr vert="horz" lIns="91440" tIns="45720" rIns="91440" bIns="45720" rtlCol="0" anchor="ctr">
+            <a:normAutofit/>
+          </a:bodyPr>
+          <a:lstStyle>
+            <a:lvl1pPr algn="l" defTabSz="914400" rtl="0" eaLnBrk="1" latinLnBrk="0" hangingPunct="1">
+              <a:lnSpc>
+                <a:spcPct val="90000"/>
+              </a:lnSpc>
+              <a:spcBef>
+                <a:spcPct val="0"/>
+              </a:spcBef>
+              <a:buNone/>
+              <a:defRPr sz="4400" kern="1200">
+                <a:solidFill>
+                  <a:schemeClr val="tx1"/>
+                </a:solidFill>
+                <a:latin typeface="+mj-lt"/>
+                <a:ea typeface="+mj-ea"/>
+                <a:cs typeface="+mj-cs"/>
+              </a:defRPr>
+            </a:lvl1pPr>
+          </a:lstStyle>
+          <a:p>
+            <a:r>
+              <a:rPr lang="de-CH" sz="6000" b="1" dirty="0">
+                <a:solidFill>
+                  <a:schemeClr val="bg1"/>
+                </a:solidFill>
+                <a:latin typeface="Myriad Pro" panose="020B0503030403020204" pitchFamily="34" charset="0"/>
+              </a:rPr>
+              <a:t>TestUser Feedback</a:t>
+            </a:r>
+          </a:p>
+        </p:txBody>
+      </p:sp>
+      <p:pic>
+        <p:nvPicPr>
+          <p:cNvPr id="6" name="Grafik 4">
+            <a:extLst>
+              <a:ext uri="{FF2B5EF4-FFF2-40B4-BE49-F238E27FC236}">
+                <a16:creationId xmlns:a16="http://schemas.microsoft.com/office/drawing/2014/main" id="{D5BDCD31-97A9-41C5-97ED-E87CC2B18A38}"/>
+              </a:ext>
+            </a:extLst>
+          </p:cNvPr>
+          <p:cNvPicPr>
+            <a:picLocks noChangeAspect="1"/>
+          </p:cNvPicPr>
+          <p:nvPr/>
+        </p:nvPicPr>
+        <p:blipFill>
+          <a:blip r:embed="rId2">
+            <a:extLst>
+              <a:ext uri="{28A0092B-C50C-407E-A947-70E740481C1C}">
+                <a14:useLocalDpi xmlns:a14="http://schemas.microsoft.com/office/drawing/2010/main" val="0"/>
+              </a:ext>
+            </a:extLst>
+          </a:blip>
+          <a:stretch>
+            <a:fillRect/>
+          </a:stretch>
+        </p:blipFill>
+        <p:spPr>
+          <a:xfrm>
+            <a:off x="10475858" y="241829"/>
+            <a:ext cx="1462142" cy="914400"/>
+          </a:xfrm>
+          <a:prstGeom prst="rect">
+            <a:avLst/>
+          </a:prstGeom>
+        </p:spPr>
+      </p:pic>
+      <p:sp>
+        <p:nvSpPr>
+          <p:cNvPr id="8" name="Rectangle 7">
+            <a:extLst>
+              <a:ext uri="{FF2B5EF4-FFF2-40B4-BE49-F238E27FC236}">
+                <a16:creationId xmlns:a16="http://schemas.microsoft.com/office/drawing/2014/main" id="{A62DF100-37AD-41A8-B5B0-E15EB61901D3}"/>
+              </a:ext>
+            </a:extLst>
+          </p:cNvPr>
+          <p:cNvSpPr/>
+          <p:nvPr/>
+        </p:nvSpPr>
+        <p:spPr>
+          <a:xfrm>
+            <a:off x="4152027" y="3487540"/>
+            <a:ext cx="1060983" cy="4695739"/>
+          </a:xfrm>
+          <a:prstGeom prst="rect">
+            <a:avLst/>
+          </a:prstGeom>
+          <a:ln w="28575">
+            <a:solidFill>
+              <a:schemeClr val="bg1"/>
+            </a:solidFill>
+          </a:ln>
+        </p:spPr>
+        <p:style>
+          <a:lnRef idx="2">
+            <a:schemeClr val="accent1">
+              <a:shade val="50000"/>
+            </a:schemeClr>
+          </a:lnRef>
+          <a:fillRef idx="1">
+            <a:schemeClr val="accent1"/>
+          </a:fillRef>
+          <a:effectRef idx="0">
+            <a:schemeClr val="accent1"/>
+          </a:effectRef>
+          <a:fontRef idx="minor">
+            <a:schemeClr val="lt1"/>
+          </a:fontRef>
+        </p:style>
+        <p:txBody>
+          <a:bodyPr rtlCol="0" anchor="ctr"/>
+          <a:lstStyle/>
+          <a:p>
+            <a:pPr algn="ctr"/>
+            <a:endParaRPr lang="en-US"/>
+          </a:p>
+        </p:txBody>
+      </p:sp>
+      <p:sp>
+        <p:nvSpPr>
+          <p:cNvPr id="9" name="Rectangle 8">
+            <a:extLst>
+              <a:ext uri="{FF2B5EF4-FFF2-40B4-BE49-F238E27FC236}">
+                <a16:creationId xmlns:a16="http://schemas.microsoft.com/office/drawing/2014/main" id="{3F5F4D17-180E-4286-8BC6-5FC630761F0B}"/>
+              </a:ext>
+            </a:extLst>
+          </p:cNvPr>
+          <p:cNvSpPr/>
+          <p:nvPr/>
+        </p:nvSpPr>
+        <p:spPr>
+          <a:xfrm>
+            <a:off x="5911029" y="3285117"/>
+            <a:ext cx="1060983" cy="4695739"/>
+          </a:xfrm>
+          <a:prstGeom prst="rect">
+            <a:avLst/>
+          </a:prstGeom>
+          <a:ln w="28575">
+            <a:solidFill>
+              <a:schemeClr val="bg1"/>
+            </a:solidFill>
+          </a:ln>
+        </p:spPr>
+        <p:style>
+          <a:lnRef idx="2">
+            <a:schemeClr val="accent1">
+              <a:shade val="50000"/>
+            </a:schemeClr>
+          </a:lnRef>
+          <a:fillRef idx="1">
+            <a:schemeClr val="accent1"/>
+          </a:fillRef>
+          <a:effectRef idx="0">
+            <a:schemeClr val="accent1"/>
+          </a:effectRef>
+          <a:fontRef idx="minor">
+            <a:schemeClr val="lt1"/>
+          </a:fontRef>
+        </p:style>
+        <p:txBody>
+          <a:bodyPr rtlCol="0" anchor="ctr"/>
+          <a:lstStyle/>
+          <a:p>
+            <a:pPr algn="ctr"/>
+            <a:endParaRPr lang="en-US"/>
+          </a:p>
+        </p:txBody>
+      </p:sp>
+      <p:sp>
+        <p:nvSpPr>
+          <p:cNvPr id="10" name="Rectangle 9">
+            <a:extLst>
+              <a:ext uri="{FF2B5EF4-FFF2-40B4-BE49-F238E27FC236}">
+                <a16:creationId xmlns:a16="http://schemas.microsoft.com/office/drawing/2014/main" id="{E9C238E5-A080-4E4B-BB19-F3F431795172}"/>
+              </a:ext>
+            </a:extLst>
+          </p:cNvPr>
+          <p:cNvSpPr/>
+          <p:nvPr/>
+        </p:nvSpPr>
+        <p:spPr>
+          <a:xfrm>
+            <a:off x="7670025" y="3941250"/>
+            <a:ext cx="1060983" cy="4695739"/>
+          </a:xfrm>
+          <a:prstGeom prst="rect">
+            <a:avLst/>
+          </a:prstGeom>
+          <a:ln w="28575">
+            <a:solidFill>
+              <a:schemeClr val="bg1"/>
+            </a:solidFill>
+          </a:ln>
+        </p:spPr>
+        <p:style>
+          <a:lnRef idx="2">
+            <a:schemeClr val="accent1">
+              <a:shade val="50000"/>
+            </a:schemeClr>
+          </a:lnRef>
+          <a:fillRef idx="1">
+            <a:schemeClr val="accent1"/>
+          </a:fillRef>
+          <a:effectRef idx="0">
+            <a:schemeClr val="accent1"/>
+          </a:effectRef>
+          <a:fontRef idx="minor">
+            <a:schemeClr val="lt1"/>
+          </a:fontRef>
+        </p:style>
+        <p:txBody>
+          <a:bodyPr rtlCol="0" anchor="ctr"/>
+          <a:lstStyle/>
+          <a:p>
+            <a:pPr algn="ctr"/>
+            <a:endParaRPr lang="en-US"/>
+          </a:p>
+        </p:txBody>
+      </p:sp>
+      <p:sp>
+        <p:nvSpPr>
+          <p:cNvPr id="11" name="Rectangle 10">
+            <a:extLst>
+              <a:ext uri="{FF2B5EF4-FFF2-40B4-BE49-F238E27FC236}">
+                <a16:creationId xmlns:a16="http://schemas.microsoft.com/office/drawing/2014/main" id="{BE1344DA-BFB8-4E3C-9F69-82BD11CC1393}"/>
+              </a:ext>
+            </a:extLst>
+          </p:cNvPr>
+          <p:cNvSpPr/>
+          <p:nvPr/>
+        </p:nvSpPr>
+        <p:spPr>
+          <a:xfrm>
+            <a:off x="9444346" y="3062725"/>
+            <a:ext cx="1060983" cy="4695739"/>
+          </a:xfrm>
+          <a:prstGeom prst="rect">
+            <a:avLst/>
+          </a:prstGeom>
+          <a:ln w="28575">
+            <a:solidFill>
+              <a:schemeClr val="bg1"/>
+            </a:solidFill>
+          </a:ln>
+        </p:spPr>
+        <p:style>
+          <a:lnRef idx="2">
+            <a:schemeClr val="accent1">
+              <a:shade val="50000"/>
+            </a:schemeClr>
+          </a:lnRef>
+          <a:fillRef idx="1">
+            <a:schemeClr val="accent1"/>
+          </a:fillRef>
+          <a:effectRef idx="0">
+            <a:schemeClr val="accent1"/>
+          </a:effectRef>
+          <a:fontRef idx="minor">
+            <a:schemeClr val="lt1"/>
+          </a:fontRef>
+        </p:style>
+        <p:txBody>
+          <a:bodyPr rtlCol="0" anchor="ctr"/>
+          <a:lstStyle/>
+          <a:p>
+            <a:pPr algn="ctr"/>
+            <a:endParaRPr lang="en-US"/>
+          </a:p>
+        </p:txBody>
+      </p:sp>
+      <p:cxnSp>
+        <p:nvCxnSpPr>
+          <p:cNvPr id="13" name="Straight Connector 12">
+            <a:extLst>
+              <a:ext uri="{FF2B5EF4-FFF2-40B4-BE49-F238E27FC236}">
+                <a16:creationId xmlns:a16="http://schemas.microsoft.com/office/drawing/2014/main" id="{FC15B0CC-6C5A-4790-9D44-ED2A5F8B07D2}"/>
+              </a:ext>
+            </a:extLst>
+          </p:cNvPr>
+          <p:cNvCxnSpPr>
+            <a:cxnSpLocks/>
+          </p:cNvCxnSpPr>
+          <p:nvPr/>
+        </p:nvCxnSpPr>
+        <p:spPr>
+          <a:xfrm>
+            <a:off x="3929824" y="2045187"/>
+            <a:ext cx="0" cy="481631"/>
+          </a:xfrm>
+          <a:prstGeom prst="line">
+            <a:avLst/>
+          </a:prstGeom>
+          <a:ln w="19050">
+            <a:solidFill>
+              <a:srgbClr val="4063B4"/>
+            </a:solidFill>
+          </a:ln>
+        </p:spPr>
+        <p:style>
+          <a:lnRef idx="1">
+            <a:schemeClr val="accent1"/>
+          </a:lnRef>
+          <a:fillRef idx="0">
+            <a:schemeClr val="accent1"/>
+          </a:fillRef>
+          <a:effectRef idx="0">
+            <a:schemeClr val="accent1"/>
+          </a:effectRef>
+          <a:fontRef idx="minor">
+            <a:schemeClr val="tx1"/>
+          </a:fontRef>
+        </p:style>
+      </p:cxnSp>
+      <p:cxnSp>
+        <p:nvCxnSpPr>
+          <p:cNvPr id="16" name="Straight Connector 15">
+            <a:extLst>
+              <a:ext uri="{FF2B5EF4-FFF2-40B4-BE49-F238E27FC236}">
+                <a16:creationId xmlns:a16="http://schemas.microsoft.com/office/drawing/2014/main" id="{3EFD649A-C7D4-4C9E-9820-6735D64769CA}"/>
+              </a:ext>
+            </a:extLst>
+          </p:cNvPr>
+          <p:cNvCxnSpPr>
+            <a:cxnSpLocks/>
+          </p:cNvCxnSpPr>
+          <p:nvPr/>
+        </p:nvCxnSpPr>
+        <p:spPr>
+          <a:xfrm>
+            <a:off x="5575980" y="2051007"/>
+            <a:ext cx="0" cy="481631"/>
+          </a:xfrm>
+          <a:prstGeom prst="line">
+            <a:avLst/>
+          </a:prstGeom>
+          <a:ln w="19050">
+            <a:solidFill>
+              <a:srgbClr val="4063B4"/>
+            </a:solidFill>
+          </a:ln>
+        </p:spPr>
+        <p:style>
+          <a:lnRef idx="1">
+            <a:schemeClr val="accent1"/>
+          </a:lnRef>
+          <a:fillRef idx="0">
+            <a:schemeClr val="accent1"/>
+          </a:fillRef>
+          <a:effectRef idx="0">
+            <a:schemeClr val="accent1"/>
+          </a:effectRef>
+          <a:fontRef idx="minor">
+            <a:schemeClr val="tx1"/>
+          </a:fontRef>
+        </p:style>
+      </p:cxnSp>
+      <p:cxnSp>
+        <p:nvCxnSpPr>
+          <p:cNvPr id="17" name="Straight Connector 16">
+            <a:extLst>
+              <a:ext uri="{FF2B5EF4-FFF2-40B4-BE49-F238E27FC236}">
+                <a16:creationId xmlns:a16="http://schemas.microsoft.com/office/drawing/2014/main" id="{D54B1320-8B32-4D56-884B-B2063966088E}"/>
+              </a:ext>
+            </a:extLst>
+          </p:cNvPr>
+          <p:cNvCxnSpPr>
+            <a:cxnSpLocks/>
+          </p:cNvCxnSpPr>
+          <p:nvPr/>
+        </p:nvCxnSpPr>
+        <p:spPr>
+          <a:xfrm>
+            <a:off x="7321024" y="2044027"/>
+            <a:ext cx="0" cy="481631"/>
+          </a:xfrm>
+          <a:prstGeom prst="line">
+            <a:avLst/>
+          </a:prstGeom>
+          <a:ln w="19050">
+            <a:solidFill>
+              <a:srgbClr val="4063B4"/>
+            </a:solidFill>
+          </a:ln>
+        </p:spPr>
+        <p:style>
+          <a:lnRef idx="1">
+            <a:schemeClr val="accent1"/>
+          </a:lnRef>
+          <a:fillRef idx="0">
+            <a:schemeClr val="accent1"/>
+          </a:fillRef>
+          <a:effectRef idx="0">
+            <a:schemeClr val="accent1"/>
+          </a:effectRef>
+          <a:fontRef idx="minor">
+            <a:schemeClr val="tx1"/>
+          </a:fontRef>
+        </p:style>
+      </p:cxnSp>
+      <p:cxnSp>
+        <p:nvCxnSpPr>
+          <p:cNvPr id="18" name="Straight Connector 17">
+            <a:extLst>
+              <a:ext uri="{FF2B5EF4-FFF2-40B4-BE49-F238E27FC236}">
+                <a16:creationId xmlns:a16="http://schemas.microsoft.com/office/drawing/2014/main" id="{A64E08E2-90DE-4307-B968-A5D39E0DB045}"/>
+              </a:ext>
+            </a:extLst>
+          </p:cNvPr>
+          <p:cNvCxnSpPr>
+            <a:cxnSpLocks/>
+          </p:cNvCxnSpPr>
+          <p:nvPr/>
+        </p:nvCxnSpPr>
+        <p:spPr>
+          <a:xfrm>
+            <a:off x="9087021" y="2051006"/>
+            <a:ext cx="0" cy="481631"/>
+          </a:xfrm>
+          <a:prstGeom prst="line">
+            <a:avLst/>
+          </a:prstGeom>
+          <a:ln w="19050">
+            <a:solidFill>
+              <a:srgbClr val="4063B4"/>
+            </a:solidFill>
+          </a:ln>
+        </p:spPr>
+        <p:style>
+          <a:lnRef idx="1">
+            <a:schemeClr val="accent1"/>
+          </a:lnRef>
+          <a:fillRef idx="0">
+            <a:schemeClr val="accent1"/>
+          </a:fillRef>
+          <a:effectRef idx="0">
+            <a:schemeClr val="accent1"/>
+          </a:effectRef>
+          <a:fontRef idx="minor">
+            <a:schemeClr val="tx1"/>
+          </a:fontRef>
+        </p:style>
+      </p:cxnSp>
+    </p:spTree>
+    <p:extLst>
+      <p:ext uri="{BB962C8B-B14F-4D97-AF65-F5344CB8AC3E}">
+        <p14:creationId xmlns:p14="http://schemas.microsoft.com/office/powerpoint/2010/main" val="3598478415"/>
+      </p:ext>
+    </p:extLst>
+  </p:cSld>
+  <p:clrMapOvr>
+    <a:masterClrMapping/>
+  </p:clrMapOvr>
+  <p:transition>
+    <p:push dir="u"/>
+  </p:transition>
+  <p:timing>
+    <p:tnLst>
+      <p:par>
+        <p:cTn id="1" dur="indefinite" restart="never" nodeType="tmRoot">
+          <p:childTnLst>
+            <p:seq concurrent="1" nextAc="seek">
+              <p:cTn id="2" dur="indefinite" nodeType="mainSeq">
+                <p:childTnLst>
+                  <p:par>
+                    <p:cTn id="3" fill="hold">
+                      <p:stCondLst>
+                        <p:cond delay="indefinite"/>
+                      </p:stCondLst>
+                      <p:childTnLst>
+                        <p:par>
+                          <p:cTn id="4" fill="hold">
+                            <p:stCondLst>
+                              <p:cond delay="0"/>
+                            </p:stCondLst>
+                            <p:childTnLst>
+                              <p:par>
+                                <p:cTn id="5" presetID="2" presetClass="entr" presetSubtype="4" fill="hold" grpId="0" nodeType="clickEffect">
+                                  <p:stCondLst>
+                                    <p:cond delay="0"/>
+                                  </p:stCondLst>
+                                  <p:childTnLst>
+                                    <p:set>
+                                      <p:cBhvr>
+                                        <p:cTn id="6" dur="1" fill="hold">
+                                          <p:stCondLst>
+                                            <p:cond delay="0"/>
+                                          </p:stCondLst>
+                                        </p:cTn>
+                                        <p:tgtEl>
+                                          <p:spTgt spid="8"/>
+                                        </p:tgtEl>
+                                        <p:attrNameLst>
+                                          <p:attrName>style.visibility</p:attrName>
+                                        </p:attrNameLst>
+                                      </p:cBhvr>
+                                      <p:to>
+                                        <p:strVal val="visible"/>
+                                      </p:to>
+                                    </p:set>
+                                    <p:anim calcmode="lin" valueType="num">
+                                      <p:cBhvr additive="base">
+                                        <p:cTn id="7" dur="500" fill="hold"/>
+                                        <p:tgtEl>
+                                          <p:spTgt spid="8"/>
+                                        </p:tgtEl>
+                                        <p:attrNameLst>
+                                          <p:attrName>ppt_x</p:attrName>
+                                        </p:attrNameLst>
+                                      </p:cBhvr>
+                                      <p:tavLst>
+                                        <p:tav tm="0">
+                                          <p:val>
+                                            <p:strVal val="#ppt_x"/>
+                                          </p:val>
+                                        </p:tav>
+                                        <p:tav tm="100000">
+                                          <p:val>
+                                            <p:strVal val="#ppt_x"/>
+                                          </p:val>
+                                        </p:tav>
+                                      </p:tavLst>
+                                    </p:anim>
+                                    <p:anim calcmode="lin" valueType="num">
+                                      <p:cBhvr additive="base">
+                                        <p:cTn id="8" dur="500" fill="hold"/>
+                                        <p:tgtEl>
+                                          <p:spTgt spid="8"/>
+                                        </p:tgtEl>
+                                        <p:attrNameLst>
+                                          <p:attrName>ppt_y</p:attrName>
+                                        </p:attrNameLst>
+                                      </p:cBhvr>
+                                      <p:tavLst>
+                                        <p:tav tm="0">
+                                          <p:val>
+                                            <p:strVal val="1+#ppt_h/2"/>
+                                          </p:val>
+                                        </p:tav>
+                                        <p:tav tm="100000">
+                                          <p:val>
+                                            <p:strVal val="#ppt_y"/>
+                                          </p:val>
+                                        </p:tav>
+                                      </p:tavLst>
+                                    </p:anim>
+                                  </p:childTnLst>
+                                </p:cTn>
+                              </p:par>
+                              <p:par>
+                                <p:cTn id="9" presetID="2" presetClass="entr" presetSubtype="4" fill="hold" grpId="0" nodeType="withEffect">
+                                  <p:stCondLst>
+                                    <p:cond delay="0"/>
+                                  </p:stCondLst>
+                                  <p:childTnLst>
+                                    <p:set>
+                                      <p:cBhvr>
+                                        <p:cTn id="10" dur="1" fill="hold">
+                                          <p:stCondLst>
+                                            <p:cond delay="0"/>
+                                          </p:stCondLst>
+                                        </p:cTn>
+                                        <p:tgtEl>
+                                          <p:spTgt spid="9"/>
+                                        </p:tgtEl>
+                                        <p:attrNameLst>
+                                          <p:attrName>style.visibility</p:attrName>
+                                        </p:attrNameLst>
+                                      </p:cBhvr>
+                                      <p:to>
+                                        <p:strVal val="visible"/>
+                                      </p:to>
+                                    </p:set>
+                                    <p:anim calcmode="lin" valueType="num">
+                                      <p:cBhvr additive="base">
+                                        <p:cTn id="11" dur="500" fill="hold"/>
+                                        <p:tgtEl>
+                                          <p:spTgt spid="9"/>
+                                        </p:tgtEl>
+                                        <p:attrNameLst>
+                                          <p:attrName>ppt_x</p:attrName>
+                                        </p:attrNameLst>
+                                      </p:cBhvr>
+                                      <p:tavLst>
+                                        <p:tav tm="0">
+                                          <p:val>
+                                            <p:strVal val="#ppt_x"/>
+                                          </p:val>
+                                        </p:tav>
+                                        <p:tav tm="100000">
+                                          <p:val>
+                                            <p:strVal val="#ppt_x"/>
+                                          </p:val>
+                                        </p:tav>
+                                      </p:tavLst>
+                                    </p:anim>
+                                    <p:anim calcmode="lin" valueType="num">
+                                      <p:cBhvr additive="base">
+                                        <p:cTn id="12" dur="500" fill="hold"/>
+                                        <p:tgtEl>
+                                          <p:spTgt spid="9"/>
+                                        </p:tgtEl>
+                                        <p:attrNameLst>
+                                          <p:attrName>ppt_y</p:attrName>
+                                        </p:attrNameLst>
+                                      </p:cBhvr>
+                                      <p:tavLst>
+                                        <p:tav tm="0">
+                                          <p:val>
+                                            <p:strVal val="1+#ppt_h/2"/>
+                                          </p:val>
+                                        </p:tav>
+                                        <p:tav tm="100000">
+                                          <p:val>
+                                            <p:strVal val="#ppt_y"/>
+                                          </p:val>
+                                        </p:tav>
+                                      </p:tavLst>
+                                    </p:anim>
+                                  </p:childTnLst>
+                                </p:cTn>
+                              </p:par>
+                              <p:par>
+                                <p:cTn id="13" presetID="2" presetClass="entr" presetSubtype="4" fill="hold" grpId="0" nodeType="withEffect">
+                                  <p:stCondLst>
+                                    <p:cond delay="0"/>
+                                  </p:stCondLst>
+                                  <p:childTnLst>
+                                    <p:set>
+                                      <p:cBhvr>
+                                        <p:cTn id="14" dur="1" fill="hold">
+                                          <p:stCondLst>
+                                            <p:cond delay="0"/>
+                                          </p:stCondLst>
+                                        </p:cTn>
+                                        <p:tgtEl>
+                                          <p:spTgt spid="10"/>
+                                        </p:tgtEl>
+                                        <p:attrNameLst>
+                                          <p:attrName>style.visibility</p:attrName>
+                                        </p:attrNameLst>
+                                      </p:cBhvr>
+                                      <p:to>
+                                        <p:strVal val="visible"/>
+                                      </p:to>
+                                    </p:set>
+                                    <p:anim calcmode="lin" valueType="num">
+                                      <p:cBhvr additive="base">
+                                        <p:cTn id="15" dur="500" fill="hold"/>
+                                        <p:tgtEl>
+                                          <p:spTgt spid="10"/>
+                                        </p:tgtEl>
+                                        <p:attrNameLst>
+                                          <p:attrName>ppt_x</p:attrName>
+                                        </p:attrNameLst>
+                                      </p:cBhvr>
+                                      <p:tavLst>
+                                        <p:tav tm="0">
+                                          <p:val>
+                                            <p:strVal val="#ppt_x"/>
+                                          </p:val>
+                                        </p:tav>
+                                        <p:tav tm="100000">
+                                          <p:val>
+                                            <p:strVal val="#ppt_x"/>
+                                          </p:val>
+                                        </p:tav>
+                                      </p:tavLst>
+                                    </p:anim>
+                                    <p:anim calcmode="lin" valueType="num">
+                                      <p:cBhvr additive="base">
+                                        <p:cTn id="16" dur="500" fill="hold"/>
+                                        <p:tgtEl>
+                                          <p:spTgt spid="10"/>
+                                        </p:tgtEl>
+                                        <p:attrNameLst>
+                                          <p:attrName>ppt_y</p:attrName>
+                                        </p:attrNameLst>
+                                      </p:cBhvr>
+                                      <p:tavLst>
+                                        <p:tav tm="0">
+                                          <p:val>
+                                            <p:strVal val="1+#ppt_h/2"/>
+                                          </p:val>
+                                        </p:tav>
+                                        <p:tav tm="100000">
+                                          <p:val>
+                                            <p:strVal val="#ppt_y"/>
+                                          </p:val>
+                                        </p:tav>
+                                      </p:tavLst>
+                                    </p:anim>
+                                  </p:childTnLst>
+                                </p:cTn>
+                              </p:par>
+                              <p:par>
+                                <p:cTn id="17" presetID="2" presetClass="entr" presetSubtype="4" fill="hold" grpId="0" nodeType="withEffect">
+                                  <p:stCondLst>
+                                    <p:cond delay="0"/>
+                                  </p:stCondLst>
+                                  <p:childTnLst>
+                                    <p:set>
+                                      <p:cBhvr>
+                                        <p:cTn id="18" dur="1" fill="hold">
+                                          <p:stCondLst>
+                                            <p:cond delay="0"/>
+                                          </p:stCondLst>
+                                        </p:cTn>
+                                        <p:tgtEl>
+                                          <p:spTgt spid="11"/>
+                                        </p:tgtEl>
+                                        <p:attrNameLst>
+                                          <p:attrName>style.visibility</p:attrName>
+                                        </p:attrNameLst>
+                                      </p:cBhvr>
+                                      <p:to>
+                                        <p:strVal val="visible"/>
+                                      </p:to>
+                                    </p:set>
+                                    <p:anim calcmode="lin" valueType="num">
+                                      <p:cBhvr additive="base">
+                                        <p:cTn id="19" dur="500" fill="hold"/>
+                                        <p:tgtEl>
+                                          <p:spTgt spid="11"/>
+                                        </p:tgtEl>
+                                        <p:attrNameLst>
+                                          <p:attrName>ppt_x</p:attrName>
+                                        </p:attrNameLst>
+                                      </p:cBhvr>
+                                      <p:tavLst>
+                                        <p:tav tm="0">
+                                          <p:val>
+                                            <p:strVal val="#ppt_x"/>
+                                          </p:val>
+                                        </p:tav>
+                                        <p:tav tm="100000">
+                                          <p:val>
+                                            <p:strVal val="#ppt_x"/>
+                                          </p:val>
+                                        </p:tav>
+                                      </p:tavLst>
+                                    </p:anim>
+                                    <p:anim calcmode="lin" valueType="num">
+                                      <p:cBhvr additive="base">
+                                        <p:cTn id="20" dur="500" fill="hold"/>
+                                        <p:tgtEl>
+                                          <p:spTgt spid="11"/>
+                                        </p:tgtEl>
+                                        <p:attrNameLst>
+                                          <p:attrName>ppt_y</p:attrName>
+                                        </p:attrNameLst>
+                                      </p:cBhvr>
+                                      <p:tavLst>
+                                        <p:tav tm="0">
+                                          <p:val>
+                                            <p:strVal val="1+#ppt_h/2"/>
+                                          </p:val>
+                                        </p:tav>
+                                        <p:tav tm="100000">
+                                          <p:val>
+                                            <p:strVal val="#ppt_y"/>
+                                          </p:val>
+                                        </p:tav>
+                                      </p:tavLst>
+                                    </p:anim>
+                                  </p:childTnLst>
+                                </p:cTn>
+                              </p:par>
+                            </p:childTnLst>
+                          </p:cTn>
+                        </p:par>
+                      </p:childTnLst>
+                    </p:cTn>
+                  </p:par>
+                </p:childTnLst>
+              </p:cTn>
+              <p:prevCondLst>
+                <p:cond evt="onPrev" delay="0">
+                  <p:tgtEl>
+                    <p:sldTgt/>
+                  </p:tgtEl>
+                </p:cond>
+              </p:prevCondLst>
+              <p:nextCondLst>
+                <p:cond evt="onNext" delay="0">
+                  <p:tgtEl>
+                    <p:sldTgt/>
+                  </p:tgtEl>
+                </p:cond>
+              </p:nextCondLst>
+            </p:seq>
+          </p:childTnLst>
+        </p:cTn>
+      </p:par>
+    </p:tnLst>
+    <p:bldLst>
+      <p:bldP spid="8" grpId="0" animBg="1"/>
+      <p:bldP spid="9" grpId="0" animBg="1"/>
+      <p:bldP spid="10" grpId="0" animBg="1"/>
+      <p:bldP spid="11" grpId="0" animBg="1"/>
+    </p:bldLst>
+  </p:timing>
+</p:sld>
+</file>
+
+<file path=ppt/slides/slide2.xml><?xml version="1.0" encoding="utf-8"?>
+<p:sld xmlns:a="http://schemas.openxmlformats.org/drawingml/2006/main" xmlns:r="http://schemas.openxmlformats.org/officeDocument/2006/relationships" xmlns:p="http://schemas.openxmlformats.org/presentationml/2006/main">
+  <p:cSld>
+    <p:bg>
+      <p:bgPr>
+        <a:solidFill>
+          <a:srgbClr val="4063B4"/>
+        </a:solidFill>
+        <a:effectLst/>
+      </p:bgPr>
+    </p:bg>
+    <p:spTree>
+      <p:nvGrpSpPr>
+        <p:cNvPr id="1" name=""/>
+        <p:cNvGrpSpPr/>
+        <p:nvPr/>
+      </p:nvGrpSpPr>
+      <p:grpSpPr>
+        <a:xfrm>
+          <a:off x="0" y="0"/>
+          <a:ext cx="0" cy="0"/>
+          <a:chOff x="0" y="0"/>
+          <a:chExt cx="0" cy="0"/>
+        </a:xfrm>
+      </p:grpSpPr>
+      <p:sp>
+        <p:nvSpPr>
+          <p:cNvPr id="2" name="Titel 1">
+            <a:extLst>
+              <a:ext uri="{FF2B5EF4-FFF2-40B4-BE49-F238E27FC236}">
+                <a16:creationId xmlns:a16="http://schemas.microsoft.com/office/drawing/2014/main" id="{A062B88F-7C0D-4D82-95F7-03B3368495D4}"/>
+              </a:ext>
+            </a:extLst>
+          </p:cNvPr>
+          <p:cNvSpPr>
+            <a:spLocks noGrp="1"/>
+          </p:cNvSpPr>
+          <p:nvPr>
+            <p:ph type="ctrTitle"/>
+          </p:nvPr>
+        </p:nvSpPr>
+        <p:spPr>
+          <a:xfrm>
+            <a:off x="508001" y="1122363"/>
+            <a:ext cx="11218332" cy="2387600"/>
+          </a:xfrm>
+        </p:spPr>
+        <p:txBody>
+          <a:bodyPr>
+            <a:normAutofit/>
+          </a:bodyPr>
+          <a:lstStyle/>
+          <a:p>
+            <a:r>
+              <a:rPr lang="de-CH" sz="9600" b="1" dirty="0">
+                <a:solidFill>
+                  <a:schemeClr val="bg1"/>
+                </a:solidFill>
+                <a:latin typeface="Myriad Pro" panose="020B0503030403020204" pitchFamily="34" charset="0"/>
+              </a:rPr>
+              <a:t> Meilenstein 3</a:t>
+            </a:r>
+          </a:p>
+        </p:txBody>
+      </p:sp>
+      <p:pic>
+        <p:nvPicPr>
+          <p:cNvPr id="7" name="Grafik 6">
+            <a:extLst>
+              <a:ext uri="{FF2B5EF4-FFF2-40B4-BE49-F238E27FC236}">
+                <a16:creationId xmlns:a16="http://schemas.microsoft.com/office/drawing/2014/main" id="{EF12A104-3A4B-4B58-8C7D-80197AEAD192}"/>
+              </a:ext>
+            </a:extLst>
+          </p:cNvPr>
+          <p:cNvPicPr>
+            <a:picLocks noChangeAspect="1"/>
+          </p:cNvPicPr>
+          <p:nvPr/>
+        </p:nvPicPr>
+        <p:blipFill>
+          <a:blip r:embed="rId2">
+            <a:extLst>
+              <a:ext uri="{28A0092B-C50C-407E-A947-70E740481C1C}">
+                <a14:useLocalDpi xmlns:a14="http://schemas.microsoft.com/office/drawing/2010/main" val="0"/>
+              </a:ext>
+            </a:extLst>
+          </a:blip>
+          <a:stretch>
+            <a:fillRect/>
+          </a:stretch>
+        </p:blipFill>
+        <p:spPr>
+          <a:xfrm>
+            <a:off x="8800626" y="4359719"/>
+            <a:ext cx="2053852" cy="1284446"/>
+          </a:xfrm>
+          <a:prstGeom prst="rect">
+            <a:avLst/>
+          </a:prstGeom>
+        </p:spPr>
+      </p:pic>
+      <p:sp>
+        <p:nvSpPr>
+          <p:cNvPr id="5" name="Subtitle 4">
+            <a:extLst>
+              <a:ext uri="{FF2B5EF4-FFF2-40B4-BE49-F238E27FC236}">
+                <a16:creationId xmlns:a16="http://schemas.microsoft.com/office/drawing/2014/main" id="{40B2F163-FC58-49FB-867B-DB898F05822D}"/>
+              </a:ext>
+            </a:extLst>
+          </p:cNvPr>
+          <p:cNvSpPr>
+            <a:spLocks noGrp="1"/>
+          </p:cNvSpPr>
+          <p:nvPr>
+            <p:ph type="subTitle" idx="1"/>
+          </p:nvPr>
+        </p:nvSpPr>
+        <p:spPr/>
+        <p:txBody>
+          <a:bodyPr/>
+          <a:lstStyle/>
+          <a:p>
+            <a:endParaRPr lang="en-US"/>
+          </a:p>
+        </p:txBody>
+      </p:sp>
+      <p:sp>
+        <p:nvSpPr>
+          <p:cNvPr id="8" name="Untertitel 2">
+            <a:extLst>
+              <a:ext uri="{FF2B5EF4-FFF2-40B4-BE49-F238E27FC236}">
+                <a16:creationId xmlns:a16="http://schemas.microsoft.com/office/drawing/2014/main" id="{6FDFA46A-20F7-4045-B2B5-D388C91CBE13}"/>
+              </a:ext>
+            </a:extLst>
+          </p:cNvPr>
+          <p:cNvSpPr txBox="1">
+            <a:spLocks/>
+          </p:cNvSpPr>
+          <p:nvPr/>
+        </p:nvSpPr>
+        <p:spPr>
+          <a:xfrm>
+            <a:off x="1416940" y="3602037"/>
+            <a:ext cx="9144000" cy="2883429"/>
+          </a:xfrm>
+          <a:prstGeom prst="rect">
+            <a:avLst/>
+          </a:prstGeom>
+        </p:spPr>
+        <p:txBody>
+          <a:bodyPr vert="horz" lIns="91440" tIns="45720" rIns="91440" bIns="45720" rtlCol="0">
+            <a:normAutofit/>
+          </a:bodyPr>
+          <a:lstStyle>
+            <a:lvl1pPr marL="0" indent="0" algn="ctr" defTabSz="914400" rtl="0" eaLnBrk="1" latinLnBrk="0" hangingPunct="1">
+              <a:lnSpc>
+                <a:spcPct val="90000"/>
+              </a:lnSpc>
+              <a:spcBef>
+                <a:spcPts val="1000"/>
+              </a:spcBef>
+              <a:buFont typeface="Arial" panose="020B0604020202020204" pitchFamily="34" charset="0"/>
+              <a:buNone/>
+              <a:defRPr sz="2400" kern="1200">
+                <a:solidFill>
+                  <a:schemeClr val="tx1"/>
+                </a:solidFill>
+                <a:latin typeface="+mn-lt"/>
+                <a:ea typeface="+mn-ea"/>
+                <a:cs typeface="+mn-cs"/>
+              </a:defRPr>
+            </a:lvl1pPr>
+            <a:lvl2pPr marL="457200" indent="0" algn="ctr" defTabSz="914400" rtl="0" eaLnBrk="1" latinLnBrk="0" hangingPunct="1">
+              <a:lnSpc>
+                <a:spcPct val="90000"/>
+              </a:lnSpc>
+              <a:spcBef>
+                <a:spcPts val="500"/>
+              </a:spcBef>
+              <a:buFont typeface="Arial" panose="020B0604020202020204" pitchFamily="34" charset="0"/>
+              <a:buNone/>
+              <a:defRPr sz="2000" kern="1200">
+                <a:solidFill>
+                  <a:schemeClr val="tx1"/>
+                </a:solidFill>
+                <a:latin typeface="+mn-lt"/>
+                <a:ea typeface="+mn-ea"/>
+                <a:cs typeface="+mn-cs"/>
+              </a:defRPr>
+            </a:lvl2pPr>
+            <a:lvl3pPr marL="914400" indent="0" algn="ctr" defTabSz="914400" rtl="0" eaLnBrk="1" latinLnBrk="0" hangingPunct="1">
+              <a:lnSpc>
+                <a:spcPct val="90000"/>
+              </a:lnSpc>
+              <a:spcBef>
+                <a:spcPts val="500"/>
+              </a:spcBef>
+              <a:buFont typeface="Arial" panose="020B0604020202020204" pitchFamily="34" charset="0"/>
+              <a:buNone/>
+              <a:defRPr sz="1800" kern="1200">
+                <a:solidFill>
+                  <a:schemeClr val="tx1"/>
+                </a:solidFill>
+                <a:latin typeface="+mn-lt"/>
+                <a:ea typeface="+mn-ea"/>
+                <a:cs typeface="+mn-cs"/>
+              </a:defRPr>
+            </a:lvl3pPr>
+            <a:lvl4pPr marL="1371600" indent="0" algn="ctr" defTabSz="914400" rtl="0" eaLnBrk="1" latinLnBrk="0" hangingPunct="1">
+              <a:lnSpc>
+                <a:spcPct val="90000"/>
+              </a:lnSpc>
+              <a:spcBef>
+                <a:spcPts val="500"/>
+              </a:spcBef>
+              <a:buFont typeface="Arial" panose="020B0604020202020204" pitchFamily="34" charset="0"/>
+              <a:buNone/>
+              <a:defRPr sz="1600" kern="1200">
+                <a:solidFill>
+                  <a:schemeClr val="tx1"/>
+                </a:solidFill>
+                <a:latin typeface="+mn-lt"/>
+                <a:ea typeface="+mn-ea"/>
+                <a:cs typeface="+mn-cs"/>
+              </a:defRPr>
+            </a:lvl4pPr>
+            <a:lvl5pPr marL="1828800" indent="0" algn="ctr" defTabSz="914400" rtl="0" eaLnBrk="1" latinLnBrk="0" hangingPunct="1">
+              <a:lnSpc>
+                <a:spcPct val="90000"/>
+              </a:lnSpc>
+              <a:spcBef>
+                <a:spcPts val="500"/>
+              </a:spcBef>
+              <a:buFont typeface="Arial" panose="020B0604020202020204" pitchFamily="34" charset="0"/>
+              <a:buNone/>
+              <a:defRPr sz="1600" kern="1200">
+                <a:solidFill>
+                  <a:schemeClr val="tx1"/>
+                </a:solidFill>
+                <a:latin typeface="+mn-lt"/>
+                <a:ea typeface="+mn-ea"/>
+                <a:cs typeface="+mn-cs"/>
+              </a:defRPr>
+            </a:lvl5pPr>
+            <a:lvl6pPr marL="2286000" indent="0" algn="ctr" defTabSz="914400" rtl="0" eaLnBrk="1" latinLnBrk="0" hangingPunct="1">
+              <a:lnSpc>
+                <a:spcPct val="90000"/>
+              </a:lnSpc>
+              <a:spcBef>
+                <a:spcPts val="500"/>
+              </a:spcBef>
+              <a:buFont typeface="Arial" panose="020B0604020202020204" pitchFamily="34" charset="0"/>
+              <a:buNone/>
+              <a:defRPr sz="1600" kern="1200">
+                <a:solidFill>
+                  <a:schemeClr val="tx1"/>
+                </a:solidFill>
+                <a:latin typeface="+mn-lt"/>
+                <a:ea typeface="+mn-ea"/>
+                <a:cs typeface="+mn-cs"/>
+              </a:defRPr>
+            </a:lvl6pPr>
+            <a:lvl7pPr marL="2743200" indent="0" algn="ctr" defTabSz="914400" rtl="0" eaLnBrk="1" latinLnBrk="0" hangingPunct="1">
+              <a:lnSpc>
+                <a:spcPct val="90000"/>
+              </a:lnSpc>
+              <a:spcBef>
+                <a:spcPts val="500"/>
+              </a:spcBef>
+              <a:buFont typeface="Arial" panose="020B0604020202020204" pitchFamily="34" charset="0"/>
+              <a:buNone/>
+              <a:defRPr sz="1600" kern="1200">
+                <a:solidFill>
+                  <a:schemeClr val="tx1"/>
+                </a:solidFill>
+                <a:latin typeface="+mn-lt"/>
+                <a:ea typeface="+mn-ea"/>
+                <a:cs typeface="+mn-cs"/>
+              </a:defRPr>
+            </a:lvl7pPr>
+            <a:lvl8pPr marL="3200400" indent="0" algn="ctr" defTabSz="914400" rtl="0" eaLnBrk="1" latinLnBrk="0" hangingPunct="1">
+              <a:lnSpc>
+                <a:spcPct val="90000"/>
+              </a:lnSpc>
+              <a:spcBef>
+                <a:spcPts val="500"/>
+              </a:spcBef>
+              <a:buFont typeface="Arial" panose="020B0604020202020204" pitchFamily="34" charset="0"/>
+              <a:buNone/>
+              <a:defRPr sz="1600" kern="1200">
+                <a:solidFill>
+                  <a:schemeClr val="tx1"/>
+                </a:solidFill>
+                <a:latin typeface="+mn-lt"/>
+                <a:ea typeface="+mn-ea"/>
+                <a:cs typeface="+mn-cs"/>
+              </a:defRPr>
+            </a:lvl8pPr>
+            <a:lvl9pPr marL="3657600" indent="0" algn="ctr" defTabSz="914400" rtl="0" eaLnBrk="1" latinLnBrk="0" hangingPunct="1">
+              <a:lnSpc>
+                <a:spcPct val="90000"/>
+              </a:lnSpc>
+              <a:spcBef>
+                <a:spcPts val="500"/>
+              </a:spcBef>
+              <a:buFont typeface="Arial" panose="020B0604020202020204" pitchFamily="34" charset="0"/>
+              <a:buNone/>
+              <a:defRPr sz="1600" kern="1200">
+                <a:solidFill>
+                  <a:schemeClr val="tx1"/>
+                </a:solidFill>
+                <a:latin typeface="+mn-lt"/>
+                <a:ea typeface="+mn-ea"/>
+                <a:cs typeface="+mn-cs"/>
+              </a:defRPr>
+            </a:lvl9pPr>
+          </a:lstStyle>
+          <a:p>
+            <a:endParaRPr lang="de-CH" dirty="0">
+              <a:solidFill>
+                <a:schemeClr val="bg1"/>
+              </a:solidFill>
+              <a:latin typeface="Myriad Pro" panose="020B0503030403020204" pitchFamily="34" charset="0"/>
+            </a:endParaRPr>
+          </a:p>
+          <a:p>
+            <a:endParaRPr lang="de-CH" dirty="0">
+              <a:solidFill>
+                <a:schemeClr val="bg1"/>
+              </a:solidFill>
+              <a:latin typeface="Myriad Pro" panose="020B0503030403020204" pitchFamily="34" charset="0"/>
+            </a:endParaRPr>
+          </a:p>
+          <a:p>
+            <a:r>
+              <a:rPr lang="de-CH" sz="6000" b="1" dirty="0">
+                <a:solidFill>
+                  <a:schemeClr val="bg1"/>
+                </a:solidFill>
+                <a:latin typeface="Myriad Pro" panose="020B0503030403020204" pitchFamily="34" charset="0"/>
+              </a:rPr>
+              <a:t>Projekt Gruppe 16</a:t>
+            </a:r>
+            <a:r>
+              <a:rPr lang="de-CH" sz="6000" b="1" dirty="0">
+                <a:solidFill>
+                  <a:schemeClr val="bg1">
+                    <a:alpha val="0"/>
+                  </a:schemeClr>
+                </a:solidFill>
+                <a:latin typeface="Myriad Pro" panose="020B0503030403020204" pitchFamily="34" charset="0"/>
+              </a:rPr>
+              <a:t>      </a:t>
+            </a:r>
+            <a:r>
+              <a:rPr lang="de-CH" sz="5400" dirty="0">
+                <a:solidFill>
+                  <a:schemeClr val="bg1">
+                    <a:alpha val="0"/>
+                  </a:schemeClr>
+                </a:solidFill>
+                <a:latin typeface="Myriad Pro" panose="020B0503030403020204" pitchFamily="34" charset="0"/>
+              </a:rPr>
+              <a:t>-</a:t>
+            </a:r>
+          </a:p>
+          <a:p>
+            <a:endParaRPr lang="de-CH" dirty="0">
+              <a:solidFill>
+                <a:schemeClr val="bg1"/>
+              </a:solidFill>
+              <a:latin typeface="Myriad Pro" panose="020B0503030403020204" pitchFamily="34" charset="0"/>
+            </a:endParaRPr>
+          </a:p>
+          <a:p>
+            <a:r>
+              <a:rPr lang="de-CH" dirty="0">
+                <a:solidFill>
+                  <a:schemeClr val="bg1"/>
+                </a:solidFill>
+                <a:latin typeface="Myriad Pro" panose="020B0503030403020204" pitchFamily="34" charset="0"/>
+              </a:rPr>
+              <a:t>Reto Mayer, Marco Sutter, Fabian Wipf</a:t>
+            </a:r>
+          </a:p>
+        </p:txBody>
+      </p:sp>
+    </p:spTree>
+    <p:extLst>
+      <p:ext uri="{BB962C8B-B14F-4D97-AF65-F5344CB8AC3E}">
+        <p14:creationId xmlns:p14="http://schemas.microsoft.com/office/powerpoint/2010/main" val="3373570418"/>
+      </p:ext>
+    </p:extLst>
+  </p:cSld>
+  <p:clrMapOvr>
+    <a:masterClrMapping/>
+  </p:clrMapOvr>
+  <mc:AlternateContent xmlns:mc="http://schemas.openxmlformats.org/markup-compatibility/2006" xmlns:p14="http://schemas.microsoft.com/office/powerpoint/2010/main">
+    <mc:Choice Requires="p14">
+      <p:transition p14:dur="0"/>
+    </mc:Choice>
+    <mc:Fallback xmlns="">
+      <p:transition/>
+    </mc:Fallback>
+  </mc:AlternateContent>
+</p:sld>
+</file>
+
+<file path=ppt/slides/slide3.xml><?xml version="1.0" encoding="utf-8"?>
+<p:sld xmlns:a="http://schemas.openxmlformats.org/drawingml/2006/main" xmlns:r="http://schemas.openxmlformats.org/officeDocument/2006/relationships" xmlns:p="http://schemas.openxmlformats.org/presentationml/2006/main">
+  <p:cSld>
+    <p:bg>
+      <p:bgPr>
+        <a:solidFill>
+          <a:srgbClr val="4063B4"/>
+        </a:solidFill>
+        <a:effectLst/>
+      </p:bgPr>
+    </p:bg>
+    <p:spTree>
+      <p:nvGrpSpPr>
+        <p:cNvPr id="1" name=""/>
+        <p:cNvGrpSpPr/>
+        <p:nvPr/>
+      </p:nvGrpSpPr>
+      <p:grpSpPr>
+        <a:xfrm>
+          <a:off x="0" y="0"/>
+          <a:ext cx="0" cy="0"/>
+          <a:chOff x="0" y="0"/>
+          <a:chExt cx="0" cy="0"/>
+        </a:xfrm>
+      </p:grpSpPr>
+      <p:sp>
+        <p:nvSpPr>
+          <p:cNvPr id="2" name="Titel 1">
+            <a:extLst>
+              <a:ext uri="{FF2B5EF4-FFF2-40B4-BE49-F238E27FC236}">
+                <a16:creationId xmlns:a16="http://schemas.microsoft.com/office/drawing/2014/main" id="{0401B019-F359-4764-A427-8FCE14F81598}"/>
+              </a:ext>
+            </a:extLst>
+          </p:cNvPr>
+          <p:cNvSpPr>
+            <a:spLocks noGrp="1"/>
+          </p:cNvSpPr>
+          <p:nvPr>
+            <p:ph type="title"/>
+          </p:nvPr>
+        </p:nvSpPr>
+        <p:spPr>
+          <a:xfrm>
+            <a:off x="719667" y="135468"/>
+            <a:ext cx="10769600" cy="1266296"/>
+          </a:xfrm>
+        </p:spPr>
+        <p:txBody>
+          <a:bodyPr>
+            <a:normAutofit/>
+          </a:bodyPr>
+          <a:lstStyle/>
+          <a:p>
+            <a:r>
+              <a:rPr lang="de-CH" sz="6000" b="1" dirty="0">
+                <a:solidFill>
+                  <a:schemeClr val="bg1"/>
+                </a:solidFill>
+                <a:latin typeface="Myriad Pro" panose="020B0503030403020204" pitchFamily="34" charset="0"/>
+              </a:rPr>
+              <a:t>Begrüssung</a:t>
+            </a:r>
+          </a:p>
+        </p:txBody>
+      </p:sp>
+      <p:sp>
+        <p:nvSpPr>
+          <p:cNvPr id="3" name="Inhaltsplatzhalter 2">
+            <a:extLst>
+              <a:ext uri="{FF2B5EF4-FFF2-40B4-BE49-F238E27FC236}">
+                <a16:creationId xmlns:a16="http://schemas.microsoft.com/office/drawing/2014/main" id="{D8B19D9F-EE71-4337-A5B0-92F3F6F2E0D7}"/>
+              </a:ext>
+            </a:extLst>
+          </p:cNvPr>
+          <p:cNvSpPr>
+            <a:spLocks noGrp="1"/>
+          </p:cNvSpPr>
+          <p:nvPr>
+            <p:ph idx="1"/>
+          </p:nvPr>
+        </p:nvSpPr>
+        <p:spPr>
+          <a:xfrm>
+            <a:off x="-48861" y="1524000"/>
+            <a:ext cx="12333930" cy="5567835"/>
+          </a:xfrm>
+          <a:solidFill>
+            <a:schemeClr val="bg1"/>
+          </a:solidFill>
+        </p:spPr>
+        <p:txBody>
+          <a:bodyPr>
+            <a:normAutofit/>
+          </a:bodyPr>
+          <a:lstStyle/>
+          <a:p>
             <a:endParaRPr lang="de-CH" sz="3600" dirty="0">
               <a:latin typeface="Myriad Pro" panose="020B0503030403020204" pitchFamily="34" charset="0"/>
             </a:endParaRPr>
@@ -6194,22 +7419,972 @@
           </a:p>
           <a:p>
             <a:pPr marL="914400" lvl="2" indent="0">
-              <a:buFont typeface="Arial" panose="020B0604020202020204" pitchFamily="34" charset="0"/>
               <a:buNone/>
             </a:pPr>
             <a:r>
               <a:rPr lang="de-CH" sz="4000" dirty="0">
                 <a:latin typeface="Myriad Pro" panose="020B0503030403020204" pitchFamily="34" charset="0"/>
               </a:rPr>
-              <a:t>Meilenstein 3 umgesetzt!</a:t>
+              <a:t>- Stand Issues</a:t>
+            </a:r>
+          </a:p>
+          <a:p>
+            <a:pPr marL="914400" lvl="2" indent="0">
+              <a:buNone/>
+            </a:pPr>
+            <a:r>
+              <a:rPr lang="de-CH" sz="4000" dirty="0">
+                <a:latin typeface="Myriad Pro" panose="020B0503030403020204" pitchFamily="34" charset="0"/>
+              </a:rPr>
+              <a:t>- Stand des Projektes</a:t>
+            </a:r>
+          </a:p>
+          <a:p>
+            <a:pPr marL="914400" lvl="2" indent="0">
+              <a:buNone/>
+            </a:pPr>
+            <a:r>
+              <a:rPr lang="de-CH" sz="4000" dirty="0">
+                <a:latin typeface="Myriad Pro" panose="020B0503030403020204" pitchFamily="34" charset="0"/>
+              </a:rPr>
+              <a:t>- Ablauf einer Fahrt</a:t>
+            </a:r>
+          </a:p>
+          <a:p>
+            <a:pPr marL="914400" lvl="2" indent="0">
+              <a:buNone/>
+            </a:pPr>
+            <a:r>
+              <a:rPr lang="de-CH" sz="4000" dirty="0">
+                <a:latin typeface="Myriad Pro" panose="020B0503030403020204" pitchFamily="34" charset="0"/>
+              </a:rPr>
+              <a:t>- Ausblick und Pendenzen</a:t>
             </a:r>
           </a:p>
         </p:txBody>
       </p:sp>
+      <p:pic>
+        <p:nvPicPr>
+          <p:cNvPr id="5" name="Grafik 4">
+            <a:extLst>
+              <a:ext uri="{FF2B5EF4-FFF2-40B4-BE49-F238E27FC236}">
+                <a16:creationId xmlns:a16="http://schemas.microsoft.com/office/drawing/2014/main" id="{66E24A75-8A64-4E03-A0FE-DD247E90F1D2}"/>
+              </a:ext>
+            </a:extLst>
+          </p:cNvPr>
+          <p:cNvPicPr>
+            <a:picLocks noChangeAspect="1"/>
+          </p:cNvPicPr>
+          <p:nvPr/>
+        </p:nvPicPr>
+        <p:blipFill>
+          <a:blip r:embed="rId2">
+            <a:extLst>
+              <a:ext uri="{28A0092B-C50C-407E-A947-70E740481C1C}">
+                <a14:useLocalDpi xmlns:a14="http://schemas.microsoft.com/office/drawing/2010/main" val="0"/>
+              </a:ext>
+            </a:extLst>
+          </a:blip>
+          <a:stretch>
+            <a:fillRect/>
+          </a:stretch>
+        </p:blipFill>
+        <p:spPr>
+          <a:xfrm>
+            <a:off x="10475858" y="241829"/>
+            <a:ext cx="1462142" cy="914400"/>
+          </a:xfrm>
+          <a:prstGeom prst="rect">
+            <a:avLst/>
+          </a:prstGeom>
+        </p:spPr>
+      </p:pic>
     </p:spTree>
     <p:extLst>
       <p:ext uri="{BB962C8B-B14F-4D97-AF65-F5344CB8AC3E}">
-        <p14:creationId xmlns:p14="http://schemas.microsoft.com/office/powerpoint/2010/main" val="2368555678"/>
+        <p14:creationId xmlns:p14="http://schemas.microsoft.com/office/powerpoint/2010/main" val="3940947018"/>
+      </p:ext>
+    </p:extLst>
+  </p:cSld>
+  <p:clrMapOvr>
+    <a:masterClrMapping/>
+  </p:clrMapOvr>
+  <p:transition>
+    <p:push dir="u"/>
+  </p:transition>
+</p:sld>
+</file>
+
+<file path=ppt/slides/slide4.xml><?xml version="1.0" encoding="utf-8"?>
+<p:sld xmlns:a="http://schemas.openxmlformats.org/drawingml/2006/main" xmlns:r="http://schemas.openxmlformats.org/officeDocument/2006/relationships" xmlns:p="http://schemas.openxmlformats.org/presentationml/2006/main">
+  <p:cSld>
+    <p:bg>
+      <p:bgPr>
+        <a:solidFill>
+          <a:srgbClr val="4063B4"/>
+        </a:solidFill>
+        <a:effectLst/>
+      </p:bgPr>
+    </p:bg>
+    <p:spTree>
+      <p:nvGrpSpPr>
+        <p:cNvPr id="1" name=""/>
+        <p:cNvGrpSpPr/>
+        <p:nvPr/>
+      </p:nvGrpSpPr>
+      <p:grpSpPr>
+        <a:xfrm>
+          <a:off x="0" y="0"/>
+          <a:ext cx="0" cy="0"/>
+          <a:chOff x="0" y="0"/>
+          <a:chExt cx="0" cy="0"/>
+        </a:xfrm>
+      </p:grpSpPr>
+      <p:sp>
+        <p:nvSpPr>
+          <p:cNvPr id="2" name="Titel 1">
+            <a:extLst>
+              <a:ext uri="{FF2B5EF4-FFF2-40B4-BE49-F238E27FC236}">
+                <a16:creationId xmlns:a16="http://schemas.microsoft.com/office/drawing/2014/main" id="{0401B019-F359-4764-A427-8FCE14F81598}"/>
+              </a:ext>
+            </a:extLst>
+          </p:cNvPr>
+          <p:cNvSpPr>
+            <a:spLocks noGrp="1"/>
+          </p:cNvSpPr>
+          <p:nvPr>
+            <p:ph type="title"/>
+          </p:nvPr>
+        </p:nvSpPr>
+        <p:spPr>
+          <a:xfrm>
+            <a:off x="719667" y="135468"/>
+            <a:ext cx="10769600" cy="1266296"/>
+          </a:xfrm>
+        </p:spPr>
+        <p:txBody>
+          <a:bodyPr>
+            <a:normAutofit/>
+          </a:bodyPr>
+          <a:lstStyle/>
+          <a:p>
+            <a:r>
+              <a:rPr lang="de-CH" sz="6000" b="1" dirty="0">
+                <a:solidFill>
+                  <a:schemeClr val="bg1"/>
+                </a:solidFill>
+                <a:latin typeface="Myriad Pro" panose="020B0503030403020204" pitchFamily="34" charset="0"/>
+              </a:rPr>
+              <a:t>Aufwand Meilenstein 3 </a:t>
+            </a:r>
+            <a:r>
+              <a:rPr lang="de-CH" sz="2400" b="1" dirty="0">
+                <a:solidFill>
+                  <a:schemeClr val="bg1"/>
+                </a:solidFill>
+                <a:latin typeface="Myriad Pro" panose="020B0503030403020204" pitchFamily="34" charset="0"/>
+              </a:rPr>
+              <a:t>(26.04.2018)</a:t>
+            </a:r>
+          </a:p>
+        </p:txBody>
+      </p:sp>
+      <p:sp>
+        <p:nvSpPr>
+          <p:cNvPr id="3" name="Inhaltsplatzhalter 2">
+            <a:extLst>
+              <a:ext uri="{FF2B5EF4-FFF2-40B4-BE49-F238E27FC236}">
+                <a16:creationId xmlns:a16="http://schemas.microsoft.com/office/drawing/2014/main" id="{D8B19D9F-EE71-4337-A5B0-92F3F6F2E0D7}"/>
+              </a:ext>
+            </a:extLst>
+          </p:cNvPr>
+          <p:cNvSpPr>
+            <a:spLocks noGrp="1"/>
+          </p:cNvSpPr>
+          <p:nvPr>
+            <p:ph idx="1"/>
+          </p:nvPr>
+        </p:nvSpPr>
+        <p:spPr>
+          <a:xfrm>
+            <a:off x="-169049" y="1524001"/>
+            <a:ext cx="12724760" cy="5468470"/>
+          </a:xfrm>
+          <a:solidFill>
+            <a:schemeClr val="bg1"/>
+          </a:solidFill>
+        </p:spPr>
+        <p:txBody>
+          <a:bodyPr>
+            <a:normAutofit/>
+          </a:bodyPr>
+          <a:lstStyle/>
+          <a:p>
+            <a:endParaRPr lang="de-CH" sz="3600" dirty="0"/>
+          </a:p>
+          <a:p>
+            <a:endParaRPr lang="de-CH" sz="3600" dirty="0"/>
+          </a:p>
+        </p:txBody>
+      </p:sp>
+      <p:pic>
+        <p:nvPicPr>
+          <p:cNvPr id="5" name="Grafik 4">
+            <a:extLst>
+              <a:ext uri="{FF2B5EF4-FFF2-40B4-BE49-F238E27FC236}">
+                <a16:creationId xmlns:a16="http://schemas.microsoft.com/office/drawing/2014/main" id="{66E24A75-8A64-4E03-A0FE-DD247E90F1D2}"/>
+              </a:ext>
+            </a:extLst>
+          </p:cNvPr>
+          <p:cNvPicPr>
+            <a:picLocks noChangeAspect="1"/>
+          </p:cNvPicPr>
+          <p:nvPr/>
+        </p:nvPicPr>
+        <p:blipFill>
+          <a:blip r:embed="rId2">
+            <a:extLst>
+              <a:ext uri="{28A0092B-C50C-407E-A947-70E740481C1C}">
+                <a14:useLocalDpi xmlns:a14="http://schemas.microsoft.com/office/drawing/2010/main" val="0"/>
+              </a:ext>
+            </a:extLst>
+          </a:blip>
+          <a:stretch>
+            <a:fillRect/>
+          </a:stretch>
+        </p:blipFill>
+        <p:spPr>
+          <a:xfrm>
+            <a:off x="10475858" y="241829"/>
+            <a:ext cx="1462142" cy="914400"/>
+          </a:xfrm>
+          <a:prstGeom prst="rect">
+            <a:avLst/>
+          </a:prstGeom>
+        </p:spPr>
+      </p:pic>
+      <p:graphicFrame>
+        <p:nvGraphicFramePr>
+          <p:cNvPr id="4" name="Tabelle 3">
+            <a:extLst>
+              <a:ext uri="{FF2B5EF4-FFF2-40B4-BE49-F238E27FC236}">
+                <a16:creationId xmlns:a16="http://schemas.microsoft.com/office/drawing/2014/main" id="{DF5F0AA4-956C-468F-B501-114AA425E8F0}"/>
+              </a:ext>
+            </a:extLst>
+          </p:cNvPr>
+          <p:cNvGraphicFramePr>
+            <a:graphicFrameLocks noGrp="1"/>
+          </p:cNvGraphicFramePr>
+          <p:nvPr>
+            <p:extLst>
+              <p:ext uri="{D42A27DB-BD31-4B8C-83A1-F6EECF244321}">
+                <p14:modId xmlns:p14="http://schemas.microsoft.com/office/powerpoint/2010/main" val="1850426866"/>
+              </p:ext>
+            </p:extLst>
+          </p:nvPr>
+        </p:nvGraphicFramePr>
+        <p:xfrm>
+          <a:off x="939800" y="1684441"/>
+          <a:ext cx="5545667" cy="4095330"/>
+        </p:xfrm>
+        <a:graphic>
+          <a:graphicData uri="http://schemas.openxmlformats.org/drawingml/2006/table">
+            <a:tbl>
+              <a:tblPr>
+                <a:tableStyleId>{2D5ABB26-0587-4C30-8999-92F81FD0307C}</a:tableStyleId>
+              </a:tblPr>
+              <a:tblGrid>
+                <a:gridCol w="4867687">
+                  <a:extLst>
+                    <a:ext uri="{9D8B030D-6E8A-4147-A177-3AD203B41FA5}">
+                      <a16:colId xmlns:a16="http://schemas.microsoft.com/office/drawing/2014/main" val="2187792830"/>
+                    </a:ext>
+                  </a:extLst>
+                </a:gridCol>
+                <a:gridCol w="677980">
+                  <a:extLst>
+                    <a:ext uri="{9D8B030D-6E8A-4147-A177-3AD203B41FA5}">
+                      <a16:colId xmlns:a16="http://schemas.microsoft.com/office/drawing/2014/main" val="2263850286"/>
+                    </a:ext>
+                  </a:extLst>
+                </a:gridCol>
+              </a:tblGrid>
+              <a:tr h="685242">
+                <a:tc>
+                  <a:txBody>
+                    <a:bodyPr/>
+                    <a:lstStyle/>
+                    <a:p>
+                      <a:pPr algn="l" fontAlgn="b"/>
+                      <a:r>
+                        <a:rPr lang="de-CH" sz="2400" u="none" strike="noStrike" dirty="0">
+                          <a:effectLst/>
+                          <a:latin typeface="Myriad Pro" panose="020B0503030403020204" pitchFamily="34" charset="0"/>
+                        </a:rPr>
+                        <a:t>Projekt in Std</a:t>
+                      </a:r>
+                      <a:endParaRPr lang="de-CH" sz="2400" b="0" i="0" u="none" strike="noStrike" dirty="0">
+                        <a:solidFill>
+                          <a:srgbClr val="000000"/>
+                        </a:solidFill>
+                        <a:effectLst/>
+                        <a:latin typeface="Myriad Pro" panose="020B0503030403020204" pitchFamily="34" charset="0"/>
+                      </a:endParaRPr>
+                    </a:p>
+                  </a:txBody>
+                  <a:tcPr marL="0" marR="0" marT="0" marB="0" anchor="b">
+                    <a:lnR w="12700" cap="flat" cmpd="sng" algn="ctr">
+                      <a:solidFill>
+                        <a:schemeClr val="tx1"/>
+                      </a:solidFill>
+                      <a:prstDash val="solid"/>
+                      <a:round/>
+                      <a:headEnd type="none" w="med" len="med"/>
+                      <a:tailEnd type="none" w="med" len="med"/>
+                    </a:lnR>
+                    <a:lnB w="12700" cap="flat" cmpd="sng" algn="ctr">
+                      <a:solidFill>
+                        <a:schemeClr val="tx1"/>
+                      </a:solidFill>
+                      <a:prstDash val="solid"/>
+                      <a:round/>
+                      <a:headEnd type="none" w="med" len="med"/>
+                      <a:tailEnd type="none" w="med" len="med"/>
+                    </a:lnB>
+                  </a:tcPr>
+                </a:tc>
+                <a:tc>
+                  <a:txBody>
+                    <a:bodyPr/>
+                    <a:lstStyle/>
+                    <a:p>
+                      <a:pPr algn="r" fontAlgn="b"/>
+                      <a:r>
+                        <a:rPr lang="de-CH" sz="2400" u="none" strike="noStrike" kern="1200" dirty="0">
+                          <a:effectLst/>
+                          <a:latin typeface="Myriad Pro" panose="020B0503030403020204" pitchFamily="34" charset="0"/>
+                        </a:rPr>
+                        <a:t>35</a:t>
+                      </a:r>
+                      <a:endParaRPr lang="de-CH" sz="2400" u="none" strike="noStrike" kern="1200" dirty="0">
+                        <a:solidFill>
+                          <a:schemeClr val="dk1"/>
+                        </a:solidFill>
+                        <a:effectLst/>
+                        <a:latin typeface="Myriad Pro" panose="020B0503030403020204" pitchFamily="34" charset="0"/>
+                        <a:ea typeface="+mn-ea"/>
+                        <a:cs typeface="+mn-cs"/>
+                      </a:endParaRPr>
+                    </a:p>
+                  </a:txBody>
+                  <a:tcPr marL="0" marR="0" marT="0" marB="0" anchor="b">
+                    <a:lnL w="12700" cap="flat" cmpd="sng" algn="ctr">
+                      <a:solidFill>
+                        <a:schemeClr val="tx1"/>
+                      </a:solidFill>
+                      <a:prstDash val="solid"/>
+                      <a:round/>
+                      <a:headEnd type="none" w="med" len="med"/>
+                      <a:tailEnd type="none" w="med" len="med"/>
+                    </a:lnL>
+                    <a:lnB w="12700" cap="flat" cmpd="sng" algn="ctr">
+                      <a:solidFill>
+                        <a:schemeClr val="tx1"/>
+                      </a:solidFill>
+                      <a:prstDash val="solid"/>
+                      <a:round/>
+                      <a:headEnd type="none" w="med" len="med"/>
+                      <a:tailEnd type="none" w="med" len="med"/>
+                    </a:lnB>
+                  </a:tcPr>
+                </a:tc>
+                <a:extLst>
+                  <a:ext uri="{0D108BD9-81ED-4DB2-BD59-A6C34878D82A}">
+                    <a16:rowId xmlns:a16="http://schemas.microsoft.com/office/drawing/2014/main" val="1190548086"/>
+                  </a:ext>
+                </a:extLst>
+              </a:tr>
+              <a:tr h="685242">
+                <a:tc>
+                  <a:txBody>
+                    <a:bodyPr/>
+                    <a:lstStyle/>
+                    <a:p>
+                      <a:pPr algn="l" fontAlgn="b"/>
+                      <a:r>
+                        <a:rPr lang="de-CH" sz="2400" u="none" strike="noStrike" dirty="0">
+                          <a:effectLst/>
+                          <a:latin typeface="Myriad Pro" panose="020B0503030403020204" pitchFamily="34" charset="0"/>
+                        </a:rPr>
+                        <a:t>Clean Code</a:t>
+                      </a:r>
+                      <a:endParaRPr lang="de-CH" sz="2400" b="0" i="0" u="none" strike="noStrike" dirty="0">
+                        <a:solidFill>
+                          <a:srgbClr val="000000"/>
+                        </a:solidFill>
+                        <a:effectLst/>
+                        <a:latin typeface="Myriad Pro" panose="020B0503030403020204" pitchFamily="34" charset="0"/>
+                      </a:endParaRPr>
+                    </a:p>
+                  </a:txBody>
+                  <a:tcPr marL="0" marR="0" marT="0" marB="0" anchor="b">
+                    <a:lnR w="12700" cap="flat" cmpd="sng" algn="ctr">
+                      <a:solidFill>
+                        <a:schemeClr val="tx1"/>
+                      </a:solidFill>
+                      <a:prstDash val="solid"/>
+                      <a:round/>
+                      <a:headEnd type="none" w="med" len="med"/>
+                      <a:tailEnd type="none" w="med" len="med"/>
+                    </a:lnR>
+                    <a:lnT w="12700" cap="flat" cmpd="sng" algn="ctr">
+                      <a:solidFill>
+                        <a:schemeClr val="tx1"/>
+                      </a:solidFill>
+                      <a:prstDash val="solid"/>
+                      <a:round/>
+                      <a:headEnd type="none" w="med" len="med"/>
+                      <a:tailEnd type="none" w="med" len="med"/>
+                    </a:lnT>
+                    <a:lnB w="12700" cap="flat" cmpd="sng" algn="ctr">
+                      <a:solidFill>
+                        <a:schemeClr val="tx1"/>
+                      </a:solidFill>
+                      <a:prstDash val="solid"/>
+                      <a:round/>
+                      <a:headEnd type="none" w="med" len="med"/>
+                      <a:tailEnd type="none" w="med" len="med"/>
+                    </a:lnB>
+                  </a:tcPr>
+                </a:tc>
+                <a:tc>
+                  <a:txBody>
+                    <a:bodyPr/>
+                    <a:lstStyle/>
+                    <a:p>
+                      <a:pPr algn="r" fontAlgn="b"/>
+                      <a:r>
+                        <a:rPr lang="de-CH" sz="2400" u="none" strike="noStrike" kern="1200" dirty="0">
+                          <a:effectLst/>
+                          <a:latin typeface="Myriad Pro" panose="020B0503030403020204" pitchFamily="34" charset="0"/>
+                        </a:rPr>
+                        <a:t>20.5</a:t>
+                      </a:r>
+                      <a:endParaRPr lang="de-CH" sz="2400" u="none" strike="noStrike" kern="1200" dirty="0">
+                        <a:solidFill>
+                          <a:schemeClr val="dk1"/>
+                        </a:solidFill>
+                        <a:effectLst/>
+                        <a:latin typeface="Myriad Pro" panose="020B0503030403020204" pitchFamily="34" charset="0"/>
+                        <a:ea typeface="+mn-ea"/>
+                        <a:cs typeface="+mn-cs"/>
+                      </a:endParaRPr>
+                    </a:p>
+                  </a:txBody>
+                  <a:tcPr marL="0" marR="0" marT="0" marB="0" anchor="b">
+                    <a:lnL w="12700" cap="flat" cmpd="sng" algn="ctr">
+                      <a:solidFill>
+                        <a:schemeClr val="tx1"/>
+                      </a:solidFill>
+                      <a:prstDash val="solid"/>
+                      <a:round/>
+                      <a:headEnd type="none" w="med" len="med"/>
+                      <a:tailEnd type="none" w="med" len="med"/>
+                    </a:lnL>
+                    <a:lnT w="12700" cap="flat" cmpd="sng" algn="ctr">
+                      <a:solidFill>
+                        <a:schemeClr val="tx1"/>
+                      </a:solidFill>
+                      <a:prstDash val="solid"/>
+                      <a:round/>
+                      <a:headEnd type="none" w="med" len="med"/>
+                      <a:tailEnd type="none" w="med" len="med"/>
+                    </a:lnT>
+                    <a:lnB w="12700" cap="flat" cmpd="sng" algn="ctr">
+                      <a:solidFill>
+                        <a:schemeClr val="tx1"/>
+                      </a:solidFill>
+                      <a:prstDash val="solid"/>
+                      <a:round/>
+                      <a:headEnd type="none" w="med" len="med"/>
+                      <a:tailEnd type="none" w="med" len="med"/>
+                    </a:lnB>
+                  </a:tcPr>
+                </a:tc>
+                <a:extLst>
+                  <a:ext uri="{0D108BD9-81ED-4DB2-BD59-A6C34878D82A}">
+                    <a16:rowId xmlns:a16="http://schemas.microsoft.com/office/drawing/2014/main" val="2923432542"/>
+                  </a:ext>
+                </a:extLst>
+              </a:tr>
+              <a:tr h="685242">
+                <a:tc>
+                  <a:txBody>
+                    <a:bodyPr/>
+                    <a:lstStyle/>
+                    <a:p>
+                      <a:pPr algn="l" fontAlgn="b"/>
+                      <a:r>
+                        <a:rPr lang="de-CH" sz="2400" u="none" strike="noStrike" dirty="0">
+                          <a:effectLst/>
+                          <a:latin typeface="Myriad Pro" panose="020B0503030403020204" pitchFamily="34" charset="0"/>
+                        </a:rPr>
+                        <a:t>Projekt effektiv</a:t>
+                      </a:r>
+                      <a:endParaRPr lang="de-CH" sz="2400" b="1" i="0" u="none" strike="noStrike" dirty="0">
+                        <a:solidFill>
+                          <a:srgbClr val="000000"/>
+                        </a:solidFill>
+                        <a:effectLst/>
+                        <a:latin typeface="Myriad Pro" panose="020B0503030403020204" pitchFamily="34" charset="0"/>
+                      </a:endParaRPr>
+                    </a:p>
+                  </a:txBody>
+                  <a:tcPr marL="0" marR="0" marT="0" marB="0" anchor="b">
+                    <a:lnR w="12700" cap="flat" cmpd="sng" algn="ctr">
+                      <a:solidFill>
+                        <a:schemeClr val="tx1"/>
+                      </a:solidFill>
+                      <a:prstDash val="solid"/>
+                      <a:round/>
+                      <a:headEnd type="none" w="med" len="med"/>
+                      <a:tailEnd type="none" w="med" len="med"/>
+                    </a:lnR>
+                    <a:lnT w="12700" cap="flat" cmpd="sng" algn="ctr">
+                      <a:solidFill>
+                        <a:schemeClr val="tx1"/>
+                      </a:solidFill>
+                      <a:prstDash val="solid"/>
+                      <a:round/>
+                      <a:headEnd type="none" w="med" len="med"/>
+                      <a:tailEnd type="none" w="med" len="med"/>
+                    </a:lnT>
+                    <a:lnB w="12700" cap="flat" cmpd="sng" algn="ctr">
+                      <a:solidFill>
+                        <a:schemeClr val="tx1"/>
+                      </a:solidFill>
+                      <a:prstDash val="solid"/>
+                      <a:round/>
+                      <a:headEnd type="none" w="med" len="med"/>
+                      <a:tailEnd type="none" w="med" len="med"/>
+                    </a:lnB>
+                  </a:tcPr>
+                </a:tc>
+                <a:tc>
+                  <a:txBody>
+                    <a:bodyPr/>
+                    <a:lstStyle/>
+                    <a:p>
+                      <a:pPr algn="r" fontAlgn="b"/>
+                      <a:r>
+                        <a:rPr lang="de-CH" sz="2400" u="none" strike="noStrike" kern="1200" dirty="0">
+                          <a:effectLst/>
+                          <a:latin typeface="Myriad Pro" panose="020B0503030403020204" pitchFamily="34" charset="0"/>
+                        </a:rPr>
+                        <a:t>60.5</a:t>
+                      </a:r>
+                      <a:endParaRPr lang="de-CH" sz="2400" u="none" strike="noStrike" kern="1200" dirty="0">
+                        <a:solidFill>
+                          <a:schemeClr val="dk1"/>
+                        </a:solidFill>
+                        <a:effectLst/>
+                        <a:latin typeface="Myriad Pro" panose="020B0503030403020204" pitchFamily="34" charset="0"/>
+                        <a:ea typeface="+mn-ea"/>
+                        <a:cs typeface="+mn-cs"/>
+                      </a:endParaRPr>
+                    </a:p>
+                  </a:txBody>
+                  <a:tcPr marL="0" marR="0" marT="0" marB="0" anchor="b">
+                    <a:lnL w="12700" cap="flat" cmpd="sng" algn="ctr">
+                      <a:solidFill>
+                        <a:schemeClr val="tx1"/>
+                      </a:solidFill>
+                      <a:prstDash val="solid"/>
+                      <a:round/>
+                      <a:headEnd type="none" w="med" len="med"/>
+                      <a:tailEnd type="none" w="med" len="med"/>
+                    </a:lnL>
+                    <a:lnT w="12700" cap="flat" cmpd="sng" algn="ctr">
+                      <a:solidFill>
+                        <a:schemeClr val="tx1"/>
+                      </a:solidFill>
+                      <a:prstDash val="solid"/>
+                      <a:round/>
+                      <a:headEnd type="none" w="med" len="med"/>
+                      <a:tailEnd type="none" w="med" len="med"/>
+                    </a:lnT>
+                    <a:lnB w="12700" cap="flat" cmpd="sng" algn="ctr">
+                      <a:solidFill>
+                        <a:schemeClr val="tx1"/>
+                      </a:solidFill>
+                      <a:prstDash val="solid"/>
+                      <a:round/>
+                      <a:headEnd type="none" w="med" len="med"/>
+                      <a:tailEnd type="none" w="med" len="med"/>
+                    </a:lnB>
+                  </a:tcPr>
+                </a:tc>
+                <a:extLst>
+                  <a:ext uri="{0D108BD9-81ED-4DB2-BD59-A6C34878D82A}">
+                    <a16:rowId xmlns:a16="http://schemas.microsoft.com/office/drawing/2014/main" val="507912266"/>
+                  </a:ext>
+                </a:extLst>
+              </a:tr>
+              <a:tr h="679868">
+                <a:tc>
+                  <a:txBody>
+                    <a:bodyPr/>
+                    <a:lstStyle/>
+                    <a:p>
+                      <a:pPr algn="l" fontAlgn="b"/>
+                      <a:r>
+                        <a:rPr lang="de-CH" sz="2400" u="none" strike="noStrike" dirty="0">
+                          <a:effectLst/>
+                          <a:latin typeface="Myriad Pro" panose="020B0503030403020204" pitchFamily="34" charset="0"/>
+                        </a:rPr>
+                        <a:t>Eingeplant</a:t>
+                      </a:r>
+                      <a:endParaRPr lang="de-CH" sz="2400" b="0" i="0" u="none" strike="noStrike" dirty="0">
+                        <a:solidFill>
+                          <a:srgbClr val="000000"/>
+                        </a:solidFill>
+                        <a:effectLst/>
+                        <a:latin typeface="Myriad Pro" panose="020B0503030403020204" pitchFamily="34" charset="0"/>
+                      </a:endParaRPr>
+                    </a:p>
+                  </a:txBody>
+                  <a:tcPr marL="0" marR="0" marT="0" marB="0" anchor="b">
+                    <a:lnR w="12700" cap="flat" cmpd="sng" algn="ctr">
+                      <a:solidFill>
+                        <a:schemeClr val="tx1"/>
+                      </a:solidFill>
+                      <a:prstDash val="solid"/>
+                      <a:round/>
+                      <a:headEnd type="none" w="med" len="med"/>
+                      <a:tailEnd type="none" w="med" len="med"/>
+                    </a:lnR>
+                    <a:lnT w="12700" cap="flat" cmpd="sng" algn="ctr">
+                      <a:solidFill>
+                        <a:schemeClr val="tx1"/>
+                      </a:solidFill>
+                      <a:prstDash val="solid"/>
+                      <a:round/>
+                      <a:headEnd type="none" w="med" len="med"/>
+                      <a:tailEnd type="none" w="med" len="med"/>
+                    </a:lnT>
+                    <a:lnB w="12700" cap="flat" cmpd="sng" algn="ctr">
+                      <a:solidFill>
+                        <a:schemeClr val="tx1"/>
+                      </a:solidFill>
+                      <a:prstDash val="solid"/>
+                      <a:round/>
+                      <a:headEnd type="none" w="med" len="med"/>
+                      <a:tailEnd type="none" w="med" len="med"/>
+                    </a:lnB>
+                  </a:tcPr>
+                </a:tc>
+                <a:tc>
+                  <a:txBody>
+                    <a:bodyPr/>
+                    <a:lstStyle/>
+                    <a:p>
+                      <a:pPr algn="r" fontAlgn="b"/>
+                      <a:r>
+                        <a:rPr lang="de-CH" sz="2400" u="none" strike="noStrike" kern="1200" dirty="0">
+                          <a:effectLst/>
+                          <a:latin typeface="Myriad Pro" panose="020B0503030403020204" pitchFamily="34" charset="0"/>
+                        </a:rPr>
+                        <a:t>80</a:t>
+                      </a:r>
+                      <a:endParaRPr lang="de-CH" sz="2400" u="none" strike="noStrike" kern="1200" dirty="0">
+                        <a:solidFill>
+                          <a:schemeClr val="dk1"/>
+                        </a:solidFill>
+                        <a:effectLst/>
+                        <a:latin typeface="Myriad Pro" panose="020B0503030403020204" pitchFamily="34" charset="0"/>
+                        <a:ea typeface="+mn-ea"/>
+                        <a:cs typeface="+mn-cs"/>
+                      </a:endParaRPr>
+                    </a:p>
+                  </a:txBody>
+                  <a:tcPr marL="0" marR="0" marT="0" marB="0" anchor="b">
+                    <a:lnL w="12700" cap="flat" cmpd="sng" algn="ctr">
+                      <a:solidFill>
+                        <a:schemeClr val="tx1"/>
+                      </a:solidFill>
+                      <a:prstDash val="solid"/>
+                      <a:round/>
+                      <a:headEnd type="none" w="med" len="med"/>
+                      <a:tailEnd type="none" w="med" len="med"/>
+                    </a:lnL>
+                    <a:lnT w="12700" cap="flat" cmpd="sng" algn="ctr">
+                      <a:solidFill>
+                        <a:schemeClr val="tx1"/>
+                      </a:solidFill>
+                      <a:prstDash val="solid"/>
+                      <a:round/>
+                      <a:headEnd type="none" w="med" len="med"/>
+                      <a:tailEnd type="none" w="med" len="med"/>
+                    </a:lnT>
+                    <a:lnB w="12700" cap="flat" cmpd="sng" algn="ctr">
+                      <a:solidFill>
+                        <a:schemeClr val="tx1"/>
+                      </a:solidFill>
+                      <a:prstDash val="solid"/>
+                      <a:round/>
+                      <a:headEnd type="none" w="med" len="med"/>
+                      <a:tailEnd type="none" w="med" len="med"/>
+                    </a:lnB>
+                  </a:tcPr>
+                </a:tc>
+                <a:extLst>
+                  <a:ext uri="{0D108BD9-81ED-4DB2-BD59-A6C34878D82A}">
+                    <a16:rowId xmlns:a16="http://schemas.microsoft.com/office/drawing/2014/main" val="556686000"/>
+                  </a:ext>
+                </a:extLst>
+              </a:tr>
+              <a:tr h="679868">
+                <a:tc>
+                  <a:txBody>
+                    <a:bodyPr/>
+                    <a:lstStyle/>
+                    <a:p>
+                      <a:pPr algn="l" fontAlgn="b"/>
+                      <a:r>
+                        <a:rPr lang="de-CH" sz="2400" u="none" strike="noStrike">
+                          <a:effectLst/>
+                          <a:latin typeface="Myriad Pro" panose="020B0503030403020204" pitchFamily="34" charset="0"/>
+                        </a:rPr>
+                        <a:t>Differenz Planung - Effektiv</a:t>
+                      </a:r>
+                      <a:endParaRPr lang="de-CH" sz="2400" b="1" i="0" u="none" strike="noStrike">
+                        <a:solidFill>
+                          <a:srgbClr val="000000"/>
+                        </a:solidFill>
+                        <a:effectLst/>
+                        <a:latin typeface="Myriad Pro" panose="020B0503030403020204" pitchFamily="34" charset="0"/>
+                      </a:endParaRPr>
+                    </a:p>
+                  </a:txBody>
+                  <a:tcPr marL="0" marR="0" marT="0" marB="0" anchor="b">
+                    <a:lnR w="12700" cap="flat" cmpd="sng" algn="ctr">
+                      <a:solidFill>
+                        <a:schemeClr val="tx1"/>
+                      </a:solidFill>
+                      <a:prstDash val="solid"/>
+                      <a:round/>
+                      <a:headEnd type="none" w="med" len="med"/>
+                      <a:tailEnd type="none" w="med" len="med"/>
+                    </a:lnR>
+                    <a:lnT w="12700" cap="flat" cmpd="sng" algn="ctr">
+                      <a:solidFill>
+                        <a:schemeClr val="tx1"/>
+                      </a:solidFill>
+                      <a:prstDash val="solid"/>
+                      <a:round/>
+                      <a:headEnd type="none" w="med" len="med"/>
+                      <a:tailEnd type="none" w="med" len="med"/>
+                    </a:lnT>
+                    <a:lnB w="12700" cap="flat" cmpd="sng" algn="ctr">
+                      <a:solidFill>
+                        <a:schemeClr val="tx1"/>
+                      </a:solidFill>
+                      <a:prstDash val="solid"/>
+                      <a:round/>
+                      <a:headEnd type="none" w="med" len="med"/>
+                      <a:tailEnd type="none" w="med" len="med"/>
+                    </a:lnB>
+                  </a:tcPr>
+                </a:tc>
+                <a:tc>
+                  <a:txBody>
+                    <a:bodyPr/>
+                    <a:lstStyle/>
+                    <a:p>
+                      <a:pPr algn="r" fontAlgn="b"/>
+                      <a:r>
+                        <a:rPr lang="de-CH" sz="2400" u="none" strike="noStrike" kern="1200" dirty="0">
+                          <a:effectLst/>
+                          <a:latin typeface="Myriad Pro" panose="020B0503030403020204" pitchFamily="34" charset="0"/>
+                        </a:rPr>
+                        <a:t>19.5</a:t>
+                      </a:r>
+                      <a:endParaRPr lang="de-CH" sz="2400" u="none" strike="noStrike" kern="1200" dirty="0">
+                        <a:solidFill>
+                          <a:schemeClr val="dk1"/>
+                        </a:solidFill>
+                        <a:effectLst/>
+                        <a:latin typeface="Myriad Pro" panose="020B0503030403020204" pitchFamily="34" charset="0"/>
+                        <a:ea typeface="+mn-ea"/>
+                        <a:cs typeface="+mn-cs"/>
+                      </a:endParaRPr>
+                    </a:p>
+                  </a:txBody>
+                  <a:tcPr marL="0" marR="0" marT="0" marB="0" anchor="b">
+                    <a:lnL w="12700" cap="flat" cmpd="sng" algn="ctr">
+                      <a:solidFill>
+                        <a:schemeClr val="tx1"/>
+                      </a:solidFill>
+                      <a:prstDash val="solid"/>
+                      <a:round/>
+                      <a:headEnd type="none" w="med" len="med"/>
+                      <a:tailEnd type="none" w="med" len="med"/>
+                    </a:lnL>
+                    <a:lnT w="12700" cap="flat" cmpd="sng" algn="ctr">
+                      <a:solidFill>
+                        <a:schemeClr val="tx1"/>
+                      </a:solidFill>
+                      <a:prstDash val="solid"/>
+                      <a:round/>
+                      <a:headEnd type="none" w="med" len="med"/>
+                      <a:tailEnd type="none" w="med" len="med"/>
+                    </a:lnT>
+                    <a:lnB w="12700" cap="flat" cmpd="sng" algn="ctr">
+                      <a:solidFill>
+                        <a:schemeClr val="tx1"/>
+                      </a:solidFill>
+                      <a:prstDash val="solid"/>
+                      <a:round/>
+                      <a:headEnd type="none" w="med" len="med"/>
+                      <a:tailEnd type="none" w="med" len="med"/>
+                    </a:lnB>
+                  </a:tcPr>
+                </a:tc>
+                <a:extLst>
+                  <a:ext uri="{0D108BD9-81ED-4DB2-BD59-A6C34878D82A}">
+                    <a16:rowId xmlns:a16="http://schemas.microsoft.com/office/drawing/2014/main" val="3570024893"/>
+                  </a:ext>
+                </a:extLst>
+              </a:tr>
+              <a:tr h="679868">
+                <a:tc>
+                  <a:txBody>
+                    <a:bodyPr/>
+                    <a:lstStyle/>
+                    <a:p>
+                      <a:pPr algn="l" fontAlgn="b"/>
+                      <a:r>
+                        <a:rPr lang="de-CH" sz="2400" u="none" strike="noStrike" dirty="0">
+                          <a:effectLst/>
+                          <a:latin typeface="Myriad Pro" panose="020B0503030403020204" pitchFamily="34" charset="0"/>
+                        </a:rPr>
+                        <a:t>Wissenstransfer Total</a:t>
+                      </a:r>
+                      <a:endParaRPr lang="de-CH" sz="2400" b="1" i="0" u="none" strike="noStrike" dirty="0">
+                        <a:solidFill>
+                          <a:srgbClr val="000000"/>
+                        </a:solidFill>
+                        <a:effectLst/>
+                        <a:latin typeface="Myriad Pro" panose="020B0503030403020204" pitchFamily="34" charset="0"/>
+                      </a:endParaRPr>
+                    </a:p>
+                  </a:txBody>
+                  <a:tcPr marL="0" marR="0" marT="0" marB="0" anchor="b">
+                    <a:lnR w="12700" cap="flat" cmpd="sng" algn="ctr">
+                      <a:solidFill>
+                        <a:schemeClr val="tx1"/>
+                      </a:solidFill>
+                      <a:prstDash val="solid"/>
+                      <a:round/>
+                      <a:headEnd type="none" w="med" len="med"/>
+                      <a:tailEnd type="none" w="med" len="med"/>
+                    </a:lnR>
+                    <a:lnT w="12700" cap="flat" cmpd="sng" algn="ctr">
+                      <a:solidFill>
+                        <a:schemeClr val="tx1"/>
+                      </a:solidFill>
+                      <a:prstDash val="solid"/>
+                      <a:round/>
+                      <a:headEnd type="none" w="med" len="med"/>
+                      <a:tailEnd type="none" w="med" len="med"/>
+                    </a:lnT>
+                  </a:tcPr>
+                </a:tc>
+                <a:tc>
+                  <a:txBody>
+                    <a:bodyPr/>
+                    <a:lstStyle/>
+                    <a:p>
+                      <a:pPr algn="r" fontAlgn="b"/>
+                      <a:r>
+                        <a:rPr lang="de-CH" sz="2400" u="none" strike="noStrike" kern="1200" dirty="0">
+                          <a:solidFill>
+                            <a:schemeClr val="dk1"/>
+                          </a:solidFill>
+                          <a:effectLst/>
+                          <a:latin typeface="Myriad Pro" panose="020B0503030403020204" pitchFamily="34" charset="0"/>
+                          <a:ea typeface="+mn-ea"/>
+                          <a:cs typeface="+mn-cs"/>
+                        </a:rPr>
+                        <a:t>8</a:t>
+                      </a:r>
+                    </a:p>
+                  </a:txBody>
+                  <a:tcPr marL="0" marR="0" marT="0" marB="0" anchor="b">
+                    <a:lnL w="12700" cap="flat" cmpd="sng" algn="ctr">
+                      <a:solidFill>
+                        <a:schemeClr val="tx1"/>
+                      </a:solidFill>
+                      <a:prstDash val="solid"/>
+                      <a:round/>
+                      <a:headEnd type="none" w="med" len="med"/>
+                      <a:tailEnd type="none" w="med" len="med"/>
+                    </a:lnL>
+                    <a:lnT w="12700" cap="flat" cmpd="sng" algn="ctr">
+                      <a:solidFill>
+                        <a:schemeClr val="tx1"/>
+                      </a:solidFill>
+                      <a:prstDash val="solid"/>
+                      <a:round/>
+                      <a:headEnd type="none" w="med" len="med"/>
+                      <a:tailEnd type="none" w="med" len="med"/>
+                    </a:lnT>
+                  </a:tcPr>
+                </a:tc>
+                <a:extLst>
+                  <a:ext uri="{0D108BD9-81ED-4DB2-BD59-A6C34878D82A}">
+                    <a16:rowId xmlns:a16="http://schemas.microsoft.com/office/drawing/2014/main" val="3052049270"/>
+                  </a:ext>
+                </a:extLst>
+              </a:tr>
+            </a:tbl>
+          </a:graphicData>
+        </a:graphic>
+      </p:graphicFrame>
+      <p:graphicFrame>
+        <p:nvGraphicFramePr>
+          <p:cNvPr id="9" name="Diagramm 7">
+            <a:extLst>
+              <a:ext uri="{FF2B5EF4-FFF2-40B4-BE49-F238E27FC236}">
+                <a16:creationId xmlns:a16="http://schemas.microsoft.com/office/drawing/2014/main" id="{6F39EE48-F0E8-4FC3-92BE-00F07F5D95BD}"/>
+              </a:ext>
+            </a:extLst>
+          </p:cNvPr>
+          <p:cNvGraphicFramePr>
+            <a:graphicFrameLocks/>
+          </p:cNvGraphicFramePr>
+          <p:nvPr>
+            <p:extLst>
+              <p:ext uri="{D42A27DB-BD31-4B8C-83A1-F6EECF244321}">
+                <p14:modId xmlns:p14="http://schemas.microsoft.com/office/powerpoint/2010/main" val="3384325410"/>
+              </p:ext>
+            </p:extLst>
+          </p:nvPr>
+        </p:nvGraphicFramePr>
+        <p:xfrm>
+          <a:off x="6677425" y="1684442"/>
+          <a:ext cx="5332720" cy="4095330"/>
+        </p:xfrm>
+        <a:graphic>
+          <a:graphicData uri="http://schemas.openxmlformats.org/drawingml/2006/chart">
+            <c:chart xmlns:c="http://schemas.openxmlformats.org/drawingml/2006/chart" xmlns:r="http://schemas.openxmlformats.org/officeDocument/2006/relationships" r:id="rId3"/>
+          </a:graphicData>
+        </a:graphic>
+      </p:graphicFrame>
+    </p:spTree>
+    <p:extLst>
+      <p:ext uri="{BB962C8B-B14F-4D97-AF65-F5344CB8AC3E}">
+        <p14:creationId xmlns:p14="http://schemas.microsoft.com/office/powerpoint/2010/main" val="4141093467"/>
       </p:ext>
     </p:extLst>
   </p:cSld>
@@ -6282,67 +8457,23 @@
                 </a:solidFill>
                 <a:latin typeface="Myriad Pro" panose="020B0503030403020204" pitchFamily="34" charset="0"/>
               </a:rPr>
-              <a:t>Stand des Projektes</a:t>
+              <a:t>Stand </a:t>
             </a:r>
-          </a:p>
-        </p:txBody>
-      </p:sp>
-      <p:sp>
-        <p:nvSpPr>
-          <p:cNvPr id="3" name="Inhaltsplatzhalter 2">
-            <a:extLst>
-              <a:ext uri="{FF2B5EF4-FFF2-40B4-BE49-F238E27FC236}">
-                <a16:creationId xmlns:a16="http://schemas.microsoft.com/office/drawing/2014/main" id="{D8B19D9F-EE71-4337-A5B0-92F3F6F2E0D7}"/>
-              </a:ext>
-            </a:extLst>
-          </p:cNvPr>
-          <p:cNvSpPr>
-            <a:spLocks noGrp="1"/>
-          </p:cNvSpPr>
-          <p:nvPr>
-            <p:ph idx="1"/>
-          </p:nvPr>
-        </p:nvSpPr>
-        <p:spPr>
-          <a:xfrm>
-            <a:off x="838200" y="1524000"/>
-            <a:ext cx="10515600" cy="4842933"/>
-          </a:xfrm>
-          <a:solidFill>
-            <a:schemeClr val="bg1"/>
-          </a:solidFill>
-        </p:spPr>
-        <p:txBody>
-          <a:bodyPr>
-            <a:normAutofit/>
-          </a:bodyPr>
-          <a:lstStyle/>
-          <a:p>
-            <a:endParaRPr lang="de-CH" sz="3600" dirty="0"/>
-          </a:p>
-          <a:p>
             <a:r>
-              <a:rPr lang="de-CH" sz="3600" dirty="0"/>
-              <a:t>Startseite</a:t>
+              <a:rPr lang="de-CH" sz="6000" b="1" dirty="0" err="1">
+                <a:solidFill>
+                  <a:schemeClr val="bg1"/>
+                </a:solidFill>
+                <a:latin typeface="Myriad Pro" panose="020B0503030403020204" pitchFamily="34" charset="0"/>
+              </a:rPr>
+              <a:t>Issues</a:t>
             </a:r>
-          </a:p>
-          <a:p>
-            <a:r>
-              <a:rPr lang="de-CH" sz="3600" dirty="0"/>
-              <a:t>Anmelden</a:t>
-            </a:r>
-          </a:p>
-          <a:p>
-            <a:r>
-              <a:rPr lang="de-CH" sz="3600" dirty="0"/>
-              <a:t>Benutzerverwaltung</a:t>
-            </a:r>
-          </a:p>
-          <a:p>
-            <a:r>
-              <a:rPr lang="de-CH" sz="3600" dirty="0"/>
-              <a:t>Fahrzeugverwaltung</a:t>
-            </a:r>
+            <a:endParaRPr lang="de-CH" sz="6000" b="1" dirty="0">
+              <a:solidFill>
+                <a:schemeClr val="bg1"/>
+              </a:solidFill>
+              <a:latin typeface="Myriad Pro" panose="020B0503030403020204" pitchFamily="34" charset="0"/>
+            </a:endParaRPr>
           </a:p>
         </p:txBody>
       </p:sp>
@@ -6384,10 +8515,35 @@
       </p:pic>
       <p:sp>
         <p:nvSpPr>
-          <p:cNvPr id="6" name="Inhaltsplatzhalter 2">
+          <p:cNvPr id="6" name="Content Placeholder 5">
             <a:extLst>
               <a:ext uri="{FF2B5EF4-FFF2-40B4-BE49-F238E27FC236}">
-                <a16:creationId xmlns:a16="http://schemas.microsoft.com/office/drawing/2014/main" id="{5B1E7FA5-870C-4F75-8026-4D87B34F3458}"/>
+                <a16:creationId xmlns:a16="http://schemas.microsoft.com/office/drawing/2014/main" id="{766679C0-8112-463D-AC00-BAD5E93F4814}"/>
+              </a:ext>
+            </a:extLst>
+          </p:cNvPr>
+          <p:cNvSpPr>
+            <a:spLocks noGrp="1"/>
+          </p:cNvSpPr>
+          <p:nvPr>
+            <p:ph idx="1"/>
+          </p:nvPr>
+        </p:nvSpPr>
+        <p:spPr/>
+        <p:txBody>
+          <a:bodyPr/>
+          <a:lstStyle/>
+          <a:p>
+            <a:endParaRPr lang="en-US"/>
+          </a:p>
+        </p:txBody>
+      </p:sp>
+      <p:sp>
+        <p:nvSpPr>
+          <p:cNvPr id="7" name="Inhaltsplatzhalter 2">
+            <a:extLst>
+              <a:ext uri="{FF2B5EF4-FFF2-40B4-BE49-F238E27FC236}">
+                <a16:creationId xmlns:a16="http://schemas.microsoft.com/office/drawing/2014/main" id="{0D9830EE-BC8B-49F9-B46C-381802CD0064}"/>
               </a:ext>
             </a:extLst>
           </p:cNvPr>
@@ -6597,39 +8753,15 @@
             </a:r>
           </a:p>
           <a:p>
-            <a:pPr lvl="2">
-              <a:buFontTx/>
-              <a:buChar char="-"/>
+            <a:pPr marL="914400" lvl="2" indent="0">
+              <a:buFont typeface="Arial" panose="020B0604020202020204" pitchFamily="34" charset="0"/>
+              <a:buNone/>
             </a:pPr>
             <a:r>
               <a:rPr lang="de-CH" sz="4000" dirty="0">
                 <a:latin typeface="Myriad Pro" panose="020B0503030403020204" pitchFamily="34" charset="0"/>
               </a:rPr>
-              <a:t>Fahrten</a:t>
-            </a:r>
-          </a:p>
-          <a:p>
-            <a:pPr lvl="2">
-              <a:buFontTx/>
-              <a:buChar char="-"/>
-            </a:pPr>
-            <a:r>
-              <a:rPr lang="de-CH" sz="4000" dirty="0">
-                <a:latin typeface="Myriad Pro" panose="020B0503030403020204" pitchFamily="34" charset="0"/>
-              </a:rPr>
-              <a:t>Auswertung</a:t>
-            </a:r>
-          </a:p>
-          <a:p>
-            <a:pPr lvl="2">
-              <a:buFontTx/>
-              <a:buChar char="-"/>
-            </a:pPr>
-            <a:r>
-              <a:rPr lang="de-CH" sz="4000" dirty="0">
-                <a:latin typeface="Myriad Pro" panose="020B0503030403020204" pitchFamily="34" charset="0"/>
-              </a:rPr>
-              <a:t>Testing</a:t>
+              <a:t>Meilenstein 3 umgesetzt!</a:t>
             </a:r>
           </a:p>
         </p:txBody>
@@ -6637,7 +8769,7 @@
     </p:spTree>
     <p:extLst>
       <p:ext uri="{BB962C8B-B14F-4D97-AF65-F5344CB8AC3E}">
-        <p14:creationId xmlns:p14="http://schemas.microsoft.com/office/powerpoint/2010/main" val="433881728"/>
+        <p14:creationId xmlns:p14="http://schemas.microsoft.com/office/powerpoint/2010/main" val="2368555678"/>
       </p:ext>
     </p:extLst>
   </p:cSld>
@@ -6675,6 +8807,105 @@
           <a:chExt cx="0" cy="0"/>
         </a:xfrm>
       </p:grpSpPr>
+      <p:sp>
+        <p:nvSpPr>
+          <p:cNvPr id="2" name="Titel 1">
+            <a:extLst>
+              <a:ext uri="{FF2B5EF4-FFF2-40B4-BE49-F238E27FC236}">
+                <a16:creationId xmlns:a16="http://schemas.microsoft.com/office/drawing/2014/main" id="{0401B019-F359-4764-A427-8FCE14F81598}"/>
+              </a:ext>
+            </a:extLst>
+          </p:cNvPr>
+          <p:cNvSpPr>
+            <a:spLocks noGrp="1"/>
+          </p:cNvSpPr>
+          <p:nvPr>
+            <p:ph type="title"/>
+          </p:nvPr>
+        </p:nvSpPr>
+        <p:spPr>
+          <a:xfrm>
+            <a:off x="719667" y="135468"/>
+            <a:ext cx="10769600" cy="1266296"/>
+          </a:xfrm>
+        </p:spPr>
+        <p:txBody>
+          <a:bodyPr>
+            <a:normAutofit/>
+          </a:bodyPr>
+          <a:lstStyle/>
+          <a:p>
+            <a:r>
+              <a:rPr lang="de-CH" sz="6000" b="1" dirty="0">
+                <a:solidFill>
+                  <a:schemeClr val="bg1"/>
+                </a:solidFill>
+                <a:latin typeface="Myriad Pro" panose="020B0503030403020204" pitchFamily="34" charset="0"/>
+              </a:rPr>
+              <a:t>Stand des Projektes</a:t>
+            </a:r>
+          </a:p>
+        </p:txBody>
+      </p:sp>
+      <p:sp>
+        <p:nvSpPr>
+          <p:cNvPr id="3" name="Inhaltsplatzhalter 2">
+            <a:extLst>
+              <a:ext uri="{FF2B5EF4-FFF2-40B4-BE49-F238E27FC236}">
+                <a16:creationId xmlns:a16="http://schemas.microsoft.com/office/drawing/2014/main" id="{D8B19D9F-EE71-4337-A5B0-92F3F6F2E0D7}"/>
+              </a:ext>
+            </a:extLst>
+          </p:cNvPr>
+          <p:cNvSpPr>
+            <a:spLocks noGrp="1"/>
+          </p:cNvSpPr>
+          <p:nvPr>
+            <p:ph idx="1"/>
+          </p:nvPr>
+        </p:nvSpPr>
+        <p:spPr>
+          <a:xfrm>
+            <a:off x="838200" y="1524000"/>
+            <a:ext cx="10515600" cy="4842933"/>
+          </a:xfrm>
+          <a:solidFill>
+            <a:schemeClr val="bg1"/>
+          </a:solidFill>
+        </p:spPr>
+        <p:txBody>
+          <a:bodyPr>
+            <a:normAutofit/>
+          </a:bodyPr>
+          <a:lstStyle/>
+          <a:p>
+            <a:endParaRPr lang="de-CH" sz="3600" dirty="0"/>
+          </a:p>
+          <a:p>
+            <a:r>
+              <a:rPr lang="de-CH" sz="3600" dirty="0"/>
+              <a:t>Startseite</a:t>
+            </a:r>
+          </a:p>
+          <a:p>
+            <a:r>
+              <a:rPr lang="de-CH" sz="3600" dirty="0"/>
+              <a:t>Anmelden</a:t>
+            </a:r>
+          </a:p>
+          <a:p>
+            <a:r>
+              <a:rPr lang="de-CH" sz="3600" dirty="0"/>
+              <a:t>Benutzerverwaltung</a:t>
+            </a:r>
+          </a:p>
+          <a:p>
+            <a:r>
+              <a:rPr lang="de-CH" sz="3600" dirty="0"/>
+              <a:t>Fahrzeugverwaltung</a:t>
+            </a:r>
+          </a:p>
+        </p:txBody>
+      </p:sp>
       <p:pic>
         <p:nvPicPr>
           <p:cNvPr id="5" name="Grafik 4">
@@ -6713,35 +8944,10 @@
       </p:pic>
       <p:sp>
         <p:nvSpPr>
-          <p:cNvPr id="6" name="Content Placeholder 5">
+          <p:cNvPr id="6" name="Inhaltsplatzhalter 2">
             <a:extLst>
               <a:ext uri="{FF2B5EF4-FFF2-40B4-BE49-F238E27FC236}">
-                <a16:creationId xmlns:a16="http://schemas.microsoft.com/office/drawing/2014/main" id="{EF0E4C4C-27E5-423F-81F6-B3E30AC5BD69}"/>
-              </a:ext>
-            </a:extLst>
-          </p:cNvPr>
-          <p:cNvSpPr>
-            <a:spLocks noGrp="1"/>
-          </p:cNvSpPr>
-          <p:nvPr>
-            <p:ph idx="1"/>
-          </p:nvPr>
-        </p:nvSpPr>
-        <p:spPr/>
-        <p:txBody>
-          <a:bodyPr/>
-          <a:lstStyle/>
-          <a:p>
-            <a:endParaRPr lang="en-US"/>
-          </a:p>
-        </p:txBody>
-      </p:sp>
-      <p:sp>
-        <p:nvSpPr>
-          <p:cNvPr id="7" name="Inhaltsplatzhalter 2">
-            <a:extLst>
-              <a:ext uri="{FF2B5EF4-FFF2-40B4-BE49-F238E27FC236}">
-                <a16:creationId xmlns:a16="http://schemas.microsoft.com/office/drawing/2014/main" id="{DA01F8D5-F09A-42C3-BAB6-B56219B0A7CC}"/>
+                <a16:creationId xmlns:a16="http://schemas.microsoft.com/office/drawing/2014/main" id="{5B1E7FA5-870C-4F75-8026-4D87B34F3458}"/>
               </a:ext>
             </a:extLst>
           </p:cNvPr>
@@ -6931,7 +9137,9 @@
             </a:lvl9pPr>
           </a:lstStyle>
           <a:p>
-            <a:endParaRPr lang="de-CH" sz="3600" dirty="0"/>
+            <a:endParaRPr lang="de-CH" sz="3600" dirty="0">
+              <a:latin typeface="Myriad Pro" panose="020B0503030403020204" pitchFamily="34" charset="0"/>
+            </a:endParaRPr>
           </a:p>
           <a:p>
             <a:pPr marL="1657350" lvl="2" indent="-742950">
@@ -6943,107 +9151,45 @@
                 <a:solidFill>
                   <a:schemeClr val="bg1"/>
                 </a:solidFill>
+                <a:latin typeface="Myriad Pro" panose="020B0503030403020204" pitchFamily="34" charset="0"/>
               </a:rPr>
               <a:t>- </a:t>
             </a:r>
           </a:p>
           <a:p>
-            <a:pPr marL="914400" lvl="2" indent="0">
-              <a:buFont typeface="Arial" panose="020B0604020202020204" pitchFamily="34" charset="0"/>
-              <a:buNone/>
+            <a:pPr lvl="2">
+              <a:buFontTx/>
+              <a:buChar char="-"/>
             </a:pPr>
-            <a:endParaRPr lang="de-CH" sz="4000" dirty="0"/>
-          </a:p>
-        </p:txBody>
-      </p:sp>
-      <p:sp>
-        <p:nvSpPr>
-          <p:cNvPr id="8" name="Rectangle 7">
-            <a:extLst>
-              <a:ext uri="{FF2B5EF4-FFF2-40B4-BE49-F238E27FC236}">
-                <a16:creationId xmlns:a16="http://schemas.microsoft.com/office/drawing/2014/main" id="{1A1AC505-C029-4BB4-8263-A87EB512305A}"/>
-              </a:ext>
-            </a:extLst>
-          </p:cNvPr>
-          <p:cNvSpPr/>
-          <p:nvPr/>
-        </p:nvSpPr>
-        <p:spPr>
-          <a:xfrm>
-            <a:off x="-456112" y="1440184"/>
-            <a:ext cx="13426764" cy="5982592"/>
-          </a:xfrm>
-          <a:prstGeom prst="rect">
-            <a:avLst/>
-          </a:prstGeom>
-          <a:solidFill>
-            <a:srgbClr val="4063B4"/>
-          </a:solidFill>
-          <a:ln>
-            <a:noFill/>
-          </a:ln>
-        </p:spPr>
-        <p:style>
-          <a:lnRef idx="2">
-            <a:schemeClr val="accent1">
-              <a:shade val="50000"/>
-            </a:schemeClr>
-          </a:lnRef>
-          <a:fillRef idx="1">
-            <a:schemeClr val="accent1"/>
-          </a:fillRef>
-          <a:effectRef idx="0">
-            <a:schemeClr val="accent1"/>
-          </a:effectRef>
-          <a:fontRef idx="minor">
-            <a:schemeClr val="lt1"/>
-          </a:fontRef>
-        </p:style>
-        <p:txBody>
-          <a:bodyPr rtlCol="0" anchor="ctr"/>
-          <a:lstStyle/>
-          <a:p>
-            <a:pPr algn="ctr"/>
-            <a:endParaRPr lang="en-US"/>
-          </a:p>
-        </p:txBody>
-      </p:sp>
-      <p:sp>
-        <p:nvSpPr>
-          <p:cNvPr id="2" name="Titel 1">
-            <a:extLst>
-              <a:ext uri="{FF2B5EF4-FFF2-40B4-BE49-F238E27FC236}">
-                <a16:creationId xmlns:a16="http://schemas.microsoft.com/office/drawing/2014/main" id="{0401B019-F359-4764-A427-8FCE14F81598}"/>
-              </a:ext>
-            </a:extLst>
-          </p:cNvPr>
-          <p:cNvSpPr>
-            <a:spLocks noGrp="1"/>
-          </p:cNvSpPr>
-          <p:nvPr>
-            <p:ph type="title"/>
-          </p:nvPr>
-        </p:nvSpPr>
-        <p:spPr>
-          <a:xfrm>
-            <a:off x="4673683" y="2795733"/>
-            <a:ext cx="3119568" cy="1266296"/>
-          </a:xfrm>
-        </p:spPr>
-        <p:txBody>
-          <a:bodyPr>
-            <a:normAutofit fontScale="90000"/>
-          </a:bodyPr>
-          <a:lstStyle/>
-          <a:p>
             <a:r>
-              <a:rPr lang="de-CH" sz="6000" b="1" dirty="0">
-                <a:solidFill>
-                  <a:schemeClr val="bg1"/>
-                </a:solidFill>
+              <a:rPr lang="de-CH" sz="4000" dirty="0">
                 <a:latin typeface="Myriad Pro" panose="020B0503030403020204" pitchFamily="34" charset="0"/>
               </a:rPr>
-              <a:t>Use Case</a:t>
+              <a:t>Fahrten</a:t>
+            </a:r>
+          </a:p>
+          <a:p>
+            <a:pPr lvl="2">
+              <a:buFontTx/>
+              <a:buChar char="-"/>
+            </a:pPr>
+            <a:r>
+              <a:rPr lang="de-CH" sz="4000" dirty="0">
+                <a:latin typeface="Myriad Pro" panose="020B0503030403020204" pitchFamily="34" charset="0"/>
+              </a:rPr>
+              <a:t>Auswertung</a:t>
+            </a:r>
+          </a:p>
+          <a:p>
+            <a:pPr lvl="2">
+              <a:buFontTx/>
+              <a:buChar char="-"/>
+            </a:pPr>
+            <a:r>
+              <a:rPr lang="de-CH" sz="4000" dirty="0">
+                <a:latin typeface="Myriad Pro" panose="020B0503030403020204" pitchFamily="34" charset="0"/>
+              </a:rPr>
+              <a:t>Testing</a:t>
             </a:r>
           </a:p>
         </p:txBody>
@@ -7051,7 +9197,7 @@
     </p:spTree>
     <p:extLst>
       <p:ext uri="{BB962C8B-B14F-4D97-AF65-F5344CB8AC3E}">
-        <p14:creationId xmlns:p14="http://schemas.microsoft.com/office/powerpoint/2010/main" val="3640274808"/>
+        <p14:creationId xmlns:p14="http://schemas.microsoft.com/office/powerpoint/2010/main" val="433881728"/>
       </p:ext>
     </p:extLst>
   </p:cSld>
@@ -7089,46 +9235,6 @@
           <a:chExt cx="0" cy="0"/>
         </a:xfrm>
       </p:grpSpPr>
-      <p:sp>
-        <p:nvSpPr>
-          <p:cNvPr id="2" name="Titel 1">
-            <a:extLst>
-              <a:ext uri="{FF2B5EF4-FFF2-40B4-BE49-F238E27FC236}">
-                <a16:creationId xmlns:a16="http://schemas.microsoft.com/office/drawing/2014/main" id="{0401B019-F359-4764-A427-8FCE14F81598}"/>
-              </a:ext>
-            </a:extLst>
-          </p:cNvPr>
-          <p:cNvSpPr>
-            <a:spLocks noGrp="1"/>
-          </p:cNvSpPr>
-          <p:nvPr>
-            <p:ph type="title"/>
-          </p:nvPr>
-        </p:nvSpPr>
-        <p:spPr>
-          <a:xfrm>
-            <a:off x="719667" y="135468"/>
-            <a:ext cx="10769600" cy="1266296"/>
-          </a:xfrm>
-        </p:spPr>
-        <p:txBody>
-          <a:bodyPr>
-            <a:normAutofit/>
-          </a:bodyPr>
-          <a:lstStyle/>
-          <a:p>
-            <a:r>
-              <a:rPr lang="de-CH" sz="6000" b="1" dirty="0">
-                <a:solidFill>
-                  <a:schemeClr val="bg1"/>
-                </a:solidFill>
-                <a:latin typeface="Myriad Pro" panose="020B0503030403020204" pitchFamily="34" charset="0"/>
-              </a:rPr>
-              <a:t>Ausblick und Pendenzen</a:t>
-            </a:r>
-          </a:p>
-        </p:txBody>
-      </p:sp>
       <p:pic>
         <p:nvPicPr>
           <p:cNvPr id="5" name="Grafik 4">
@@ -7167,10 +9273,35 @@
       </p:pic>
       <p:sp>
         <p:nvSpPr>
-          <p:cNvPr id="6" name="Inhaltsplatzhalter 2">
+          <p:cNvPr id="6" name="Content Placeholder 5">
             <a:extLst>
               <a:ext uri="{FF2B5EF4-FFF2-40B4-BE49-F238E27FC236}">
-                <a16:creationId xmlns:a16="http://schemas.microsoft.com/office/drawing/2014/main" id="{4E081293-B4F6-4746-A1A5-2C90BD979761}"/>
+                <a16:creationId xmlns:a16="http://schemas.microsoft.com/office/drawing/2014/main" id="{EF0E4C4C-27E5-423F-81F6-B3E30AC5BD69}"/>
+              </a:ext>
+            </a:extLst>
+          </p:cNvPr>
+          <p:cNvSpPr>
+            <a:spLocks noGrp="1"/>
+          </p:cNvSpPr>
+          <p:nvPr>
+            <p:ph idx="1"/>
+          </p:nvPr>
+        </p:nvSpPr>
+        <p:spPr/>
+        <p:txBody>
+          <a:bodyPr/>
+          <a:lstStyle/>
+          <a:p>
+            <a:endParaRPr lang="en-US"/>
+          </a:p>
+        </p:txBody>
+      </p:sp>
+      <p:sp>
+        <p:nvSpPr>
+          <p:cNvPr id="7" name="Inhaltsplatzhalter 2">
+            <a:extLst>
+              <a:ext uri="{FF2B5EF4-FFF2-40B4-BE49-F238E27FC236}">
+                <a16:creationId xmlns:a16="http://schemas.microsoft.com/office/drawing/2014/main" id="{DA01F8D5-F09A-42C3-BAB6-B56219B0A7CC}"/>
               </a:ext>
             </a:extLst>
           </p:cNvPr>
@@ -7360,6 +9491,435 @@
             </a:lvl9pPr>
           </a:lstStyle>
           <a:p>
+            <a:endParaRPr lang="de-CH" sz="3600" dirty="0"/>
+          </a:p>
+          <a:p>
+            <a:pPr marL="1657350" lvl="2" indent="-742950">
+              <a:buFont typeface="+mj-lt"/>
+              <a:buAutoNum type="arabicParenBoth"/>
+            </a:pPr>
+            <a:r>
+              <a:rPr lang="de-CH" sz="800" dirty="0">
+                <a:solidFill>
+                  <a:schemeClr val="bg1"/>
+                </a:solidFill>
+              </a:rPr>
+              <a:t>- </a:t>
+            </a:r>
+          </a:p>
+          <a:p>
+            <a:pPr marL="914400" lvl="2" indent="0">
+              <a:buFont typeface="Arial" panose="020B0604020202020204" pitchFamily="34" charset="0"/>
+              <a:buNone/>
+            </a:pPr>
+            <a:endParaRPr lang="de-CH" sz="4000" dirty="0"/>
+          </a:p>
+        </p:txBody>
+      </p:sp>
+      <p:sp>
+        <p:nvSpPr>
+          <p:cNvPr id="8" name="Rectangle 7">
+            <a:extLst>
+              <a:ext uri="{FF2B5EF4-FFF2-40B4-BE49-F238E27FC236}">
+                <a16:creationId xmlns:a16="http://schemas.microsoft.com/office/drawing/2014/main" id="{1A1AC505-C029-4BB4-8263-A87EB512305A}"/>
+              </a:ext>
+            </a:extLst>
+          </p:cNvPr>
+          <p:cNvSpPr/>
+          <p:nvPr/>
+        </p:nvSpPr>
+        <p:spPr>
+          <a:xfrm>
+            <a:off x="-456112" y="1440184"/>
+            <a:ext cx="13426764" cy="5982592"/>
+          </a:xfrm>
+          <a:prstGeom prst="rect">
+            <a:avLst/>
+          </a:prstGeom>
+          <a:solidFill>
+            <a:srgbClr val="4063B4"/>
+          </a:solidFill>
+          <a:ln>
+            <a:noFill/>
+          </a:ln>
+        </p:spPr>
+        <p:style>
+          <a:lnRef idx="2">
+            <a:schemeClr val="accent1">
+              <a:shade val="50000"/>
+            </a:schemeClr>
+          </a:lnRef>
+          <a:fillRef idx="1">
+            <a:schemeClr val="accent1"/>
+          </a:fillRef>
+          <a:effectRef idx="0">
+            <a:schemeClr val="accent1"/>
+          </a:effectRef>
+          <a:fontRef idx="minor">
+            <a:schemeClr val="lt1"/>
+          </a:fontRef>
+        </p:style>
+        <p:txBody>
+          <a:bodyPr rtlCol="0" anchor="ctr"/>
+          <a:lstStyle/>
+          <a:p>
+            <a:pPr algn="ctr"/>
+            <a:endParaRPr lang="en-US"/>
+          </a:p>
+        </p:txBody>
+      </p:sp>
+      <p:sp>
+        <p:nvSpPr>
+          <p:cNvPr id="2" name="Titel 1">
+            <a:extLst>
+              <a:ext uri="{FF2B5EF4-FFF2-40B4-BE49-F238E27FC236}">
+                <a16:creationId xmlns:a16="http://schemas.microsoft.com/office/drawing/2014/main" id="{0401B019-F359-4764-A427-8FCE14F81598}"/>
+              </a:ext>
+            </a:extLst>
+          </p:cNvPr>
+          <p:cNvSpPr>
+            <a:spLocks noGrp="1"/>
+          </p:cNvSpPr>
+          <p:nvPr>
+            <p:ph type="title"/>
+          </p:nvPr>
+        </p:nvSpPr>
+        <p:spPr>
+          <a:xfrm>
+            <a:off x="4673683" y="2795733"/>
+            <a:ext cx="3119568" cy="1266296"/>
+          </a:xfrm>
+        </p:spPr>
+        <p:txBody>
+          <a:bodyPr>
+            <a:normAutofit fontScale="90000"/>
+          </a:bodyPr>
+          <a:lstStyle/>
+          <a:p>
+            <a:r>
+              <a:rPr lang="de-CH" sz="6000" b="1" dirty="0">
+                <a:solidFill>
+                  <a:schemeClr val="bg1"/>
+                </a:solidFill>
+                <a:latin typeface="Myriad Pro" panose="020B0503030403020204" pitchFamily="34" charset="0"/>
+              </a:rPr>
+              <a:t>Use Case</a:t>
+            </a:r>
+          </a:p>
+        </p:txBody>
+      </p:sp>
+    </p:spTree>
+    <p:extLst>
+      <p:ext uri="{BB962C8B-B14F-4D97-AF65-F5344CB8AC3E}">
+        <p14:creationId xmlns:p14="http://schemas.microsoft.com/office/powerpoint/2010/main" val="3640274808"/>
+      </p:ext>
+    </p:extLst>
+  </p:cSld>
+  <p:clrMapOvr>
+    <a:masterClrMapping/>
+  </p:clrMapOvr>
+  <p:transition>
+    <p:push dir="u"/>
+  </p:transition>
+</p:sld>
+</file>
+
+<file path=ppt/slides/slide8.xml><?xml version="1.0" encoding="utf-8"?>
+<p:sld xmlns:a="http://schemas.openxmlformats.org/drawingml/2006/main" xmlns:r="http://schemas.openxmlformats.org/officeDocument/2006/relationships" xmlns:p="http://schemas.openxmlformats.org/presentationml/2006/main">
+  <p:cSld>
+    <p:bg>
+      <p:bgPr>
+        <a:solidFill>
+          <a:srgbClr val="4063B4"/>
+        </a:solidFill>
+        <a:effectLst/>
+      </p:bgPr>
+    </p:bg>
+    <p:spTree>
+      <p:nvGrpSpPr>
+        <p:cNvPr id="1" name=""/>
+        <p:cNvGrpSpPr/>
+        <p:nvPr/>
+      </p:nvGrpSpPr>
+      <p:grpSpPr>
+        <a:xfrm>
+          <a:off x="0" y="0"/>
+          <a:ext cx="0" cy="0"/>
+          <a:chOff x="0" y="0"/>
+          <a:chExt cx="0" cy="0"/>
+        </a:xfrm>
+      </p:grpSpPr>
+      <p:sp>
+        <p:nvSpPr>
+          <p:cNvPr id="2" name="Titel 1">
+            <a:extLst>
+              <a:ext uri="{FF2B5EF4-FFF2-40B4-BE49-F238E27FC236}">
+                <a16:creationId xmlns:a16="http://schemas.microsoft.com/office/drawing/2014/main" id="{0401B019-F359-4764-A427-8FCE14F81598}"/>
+              </a:ext>
+            </a:extLst>
+          </p:cNvPr>
+          <p:cNvSpPr>
+            <a:spLocks noGrp="1"/>
+          </p:cNvSpPr>
+          <p:nvPr>
+            <p:ph type="title"/>
+          </p:nvPr>
+        </p:nvSpPr>
+        <p:spPr>
+          <a:xfrm>
+            <a:off x="719667" y="135468"/>
+            <a:ext cx="10769600" cy="1266296"/>
+          </a:xfrm>
+        </p:spPr>
+        <p:txBody>
+          <a:bodyPr>
+            <a:normAutofit/>
+          </a:bodyPr>
+          <a:lstStyle/>
+          <a:p>
+            <a:r>
+              <a:rPr lang="de-CH" sz="6000" b="1" dirty="0">
+                <a:solidFill>
+                  <a:schemeClr val="bg1"/>
+                </a:solidFill>
+                <a:latin typeface="Myriad Pro" panose="020B0503030403020204" pitchFamily="34" charset="0"/>
+              </a:rPr>
+              <a:t>Ausblick und Pendenzen</a:t>
+            </a:r>
+          </a:p>
+        </p:txBody>
+      </p:sp>
+      <p:pic>
+        <p:nvPicPr>
+          <p:cNvPr id="5" name="Grafik 4">
+            <a:extLst>
+              <a:ext uri="{FF2B5EF4-FFF2-40B4-BE49-F238E27FC236}">
+                <a16:creationId xmlns:a16="http://schemas.microsoft.com/office/drawing/2014/main" id="{66E24A75-8A64-4E03-A0FE-DD247E90F1D2}"/>
+              </a:ext>
+            </a:extLst>
+          </p:cNvPr>
+          <p:cNvPicPr>
+            <a:picLocks noChangeAspect="1"/>
+          </p:cNvPicPr>
+          <p:nvPr/>
+        </p:nvPicPr>
+        <p:blipFill>
+          <a:blip r:embed="rId2">
+            <a:extLst>
+              <a:ext uri="{28A0092B-C50C-407E-A947-70E740481C1C}">
+                <a14:useLocalDpi xmlns:a14="http://schemas.microsoft.com/office/drawing/2010/main" val="0"/>
+              </a:ext>
+            </a:extLst>
+          </a:blip>
+          <a:stretch>
+            <a:fillRect/>
+          </a:stretch>
+        </p:blipFill>
+        <p:spPr>
+          <a:xfrm>
+            <a:off x="10475858" y="241829"/>
+            <a:ext cx="1462142" cy="914400"/>
+          </a:xfrm>
+          <a:prstGeom prst="rect">
+            <a:avLst/>
+          </a:prstGeom>
+        </p:spPr>
+      </p:pic>
+      <p:sp>
+        <p:nvSpPr>
+          <p:cNvPr id="6" name="Inhaltsplatzhalter 2">
+            <a:extLst>
+              <a:ext uri="{FF2B5EF4-FFF2-40B4-BE49-F238E27FC236}">
+                <a16:creationId xmlns:a16="http://schemas.microsoft.com/office/drawing/2014/main" id="{4E081293-B4F6-4746-A1A5-2C90BD979761}"/>
+              </a:ext>
+            </a:extLst>
+          </p:cNvPr>
+          <p:cNvSpPr txBox="1">
+            <a:spLocks/>
+          </p:cNvSpPr>
+          <p:nvPr/>
+        </p:nvSpPr>
+        <p:spPr>
+          <a:xfrm>
+            <a:off x="-48861" y="1524000"/>
+            <a:ext cx="12333930" cy="5567835"/>
+          </a:xfrm>
+          <a:prstGeom prst="rect">
+            <a:avLst/>
+          </a:prstGeom>
+          <a:solidFill>
+            <a:schemeClr val="bg1"/>
+          </a:solidFill>
+        </p:spPr>
+        <p:txBody>
+          <a:bodyPr vert="horz" lIns="91440" tIns="45720" rIns="91440" bIns="45720" rtlCol="0">
+            <a:normAutofit/>
+          </a:bodyPr>
+          <a:lstStyle>
+            <a:lvl1pPr marL="228600" indent="-228600" algn="l" defTabSz="914400" rtl="0" eaLnBrk="1" latinLnBrk="0" hangingPunct="1">
+              <a:lnSpc>
+                <a:spcPct val="90000"/>
+              </a:lnSpc>
+              <a:spcBef>
+                <a:spcPts val="1000"/>
+              </a:spcBef>
+              <a:buFont typeface="Arial" panose="020B0604020202020204" pitchFamily="34" charset="0"/>
+              <a:buChar char="•"/>
+              <a:defRPr sz="2800" kern="1200">
+                <a:solidFill>
+                  <a:schemeClr val="tx1"/>
+                </a:solidFill>
+                <a:latin typeface="+mn-lt"/>
+                <a:ea typeface="+mn-ea"/>
+                <a:cs typeface="+mn-cs"/>
+              </a:defRPr>
+            </a:lvl1pPr>
+            <a:lvl2pPr marL="685800" indent="-228600" algn="l" defTabSz="914400" rtl="0" eaLnBrk="1" latinLnBrk="0" hangingPunct="1">
+              <a:lnSpc>
+                <a:spcPct val="90000"/>
+              </a:lnSpc>
+              <a:spcBef>
+                <a:spcPts val="500"/>
+              </a:spcBef>
+              <a:buFont typeface="Arial" panose="020B0604020202020204" pitchFamily="34" charset="0"/>
+              <a:buChar char="•"/>
+              <a:defRPr sz="2400" kern="1200">
+                <a:solidFill>
+                  <a:schemeClr val="tx1"/>
+                </a:solidFill>
+                <a:latin typeface="+mn-lt"/>
+                <a:ea typeface="+mn-ea"/>
+                <a:cs typeface="+mn-cs"/>
+              </a:defRPr>
+            </a:lvl2pPr>
+            <a:lvl3pPr marL="1143000" indent="-228600" algn="l" defTabSz="914400" rtl="0" eaLnBrk="1" latinLnBrk="0" hangingPunct="1">
+              <a:lnSpc>
+                <a:spcPct val="90000"/>
+              </a:lnSpc>
+              <a:spcBef>
+                <a:spcPts val="500"/>
+              </a:spcBef>
+              <a:buFont typeface="Arial" panose="020B0604020202020204" pitchFamily="34" charset="0"/>
+              <a:buChar char="•"/>
+              <a:defRPr sz="2000" kern="1200">
+                <a:solidFill>
+                  <a:schemeClr val="tx1"/>
+                </a:solidFill>
+                <a:latin typeface="+mn-lt"/>
+                <a:ea typeface="+mn-ea"/>
+                <a:cs typeface="+mn-cs"/>
+              </a:defRPr>
+            </a:lvl3pPr>
+            <a:lvl4pPr marL="1600200" indent="-228600" algn="l" defTabSz="914400" rtl="0" eaLnBrk="1" latinLnBrk="0" hangingPunct="1">
+              <a:lnSpc>
+                <a:spcPct val="90000"/>
+              </a:lnSpc>
+              <a:spcBef>
+                <a:spcPts val="500"/>
+              </a:spcBef>
+              <a:buFont typeface="Arial" panose="020B0604020202020204" pitchFamily="34" charset="0"/>
+              <a:buChar char="•"/>
+              <a:defRPr sz="1800" kern="1200">
+                <a:solidFill>
+                  <a:schemeClr val="tx1"/>
+                </a:solidFill>
+                <a:latin typeface="+mn-lt"/>
+                <a:ea typeface="+mn-ea"/>
+                <a:cs typeface="+mn-cs"/>
+              </a:defRPr>
+            </a:lvl4pPr>
+            <a:lvl5pPr marL="2057400" indent="-228600" algn="l" defTabSz="914400" rtl="0" eaLnBrk="1" latinLnBrk="0" hangingPunct="1">
+              <a:lnSpc>
+                <a:spcPct val="90000"/>
+              </a:lnSpc>
+              <a:spcBef>
+                <a:spcPts val="500"/>
+              </a:spcBef>
+              <a:buFont typeface="Arial" panose="020B0604020202020204" pitchFamily="34" charset="0"/>
+              <a:buChar char="•"/>
+              <a:defRPr sz="1800" kern="1200">
+                <a:solidFill>
+                  <a:schemeClr val="tx1"/>
+                </a:solidFill>
+                <a:latin typeface="+mn-lt"/>
+                <a:ea typeface="+mn-ea"/>
+                <a:cs typeface="+mn-cs"/>
+              </a:defRPr>
+            </a:lvl5pPr>
+            <a:lvl6pPr marL="2514600" indent="-228600" algn="l" defTabSz="914400" rtl="0" eaLnBrk="1" latinLnBrk="0" hangingPunct="1">
+              <a:lnSpc>
+                <a:spcPct val="90000"/>
+              </a:lnSpc>
+              <a:spcBef>
+                <a:spcPts val="500"/>
+              </a:spcBef>
+              <a:buFont typeface="Arial" panose="020B0604020202020204" pitchFamily="34" charset="0"/>
+              <a:buChar char="•"/>
+              <a:defRPr sz="1800" kern="1200">
+                <a:solidFill>
+                  <a:schemeClr val="tx1"/>
+                </a:solidFill>
+                <a:latin typeface="+mn-lt"/>
+                <a:ea typeface="+mn-ea"/>
+                <a:cs typeface="+mn-cs"/>
+              </a:defRPr>
+            </a:lvl6pPr>
+            <a:lvl7pPr marL="2971800" indent="-228600" algn="l" defTabSz="914400" rtl="0" eaLnBrk="1" latinLnBrk="0" hangingPunct="1">
+              <a:lnSpc>
+                <a:spcPct val="90000"/>
+              </a:lnSpc>
+              <a:spcBef>
+                <a:spcPts val="500"/>
+              </a:spcBef>
+              <a:buFont typeface="Arial" panose="020B0604020202020204" pitchFamily="34" charset="0"/>
+              <a:buChar char="•"/>
+              <a:defRPr sz="1800" kern="1200">
+                <a:solidFill>
+                  <a:schemeClr val="tx1"/>
+                </a:solidFill>
+                <a:latin typeface="+mn-lt"/>
+                <a:ea typeface="+mn-ea"/>
+                <a:cs typeface="+mn-cs"/>
+              </a:defRPr>
+            </a:lvl7pPr>
+            <a:lvl8pPr marL="3429000" indent="-228600" algn="l" defTabSz="914400" rtl="0" eaLnBrk="1" latinLnBrk="0" hangingPunct="1">
+              <a:lnSpc>
+                <a:spcPct val="90000"/>
+              </a:lnSpc>
+              <a:spcBef>
+                <a:spcPts val="500"/>
+              </a:spcBef>
+              <a:buFont typeface="Arial" panose="020B0604020202020204" pitchFamily="34" charset="0"/>
+              <a:buChar char="•"/>
+              <a:defRPr sz="1800" kern="1200">
+                <a:solidFill>
+                  <a:schemeClr val="tx1"/>
+                </a:solidFill>
+                <a:latin typeface="+mn-lt"/>
+                <a:ea typeface="+mn-ea"/>
+                <a:cs typeface="+mn-cs"/>
+              </a:defRPr>
+            </a:lvl8pPr>
+            <a:lvl9pPr marL="3886200" indent="-228600" algn="l" defTabSz="914400" rtl="0" eaLnBrk="1" latinLnBrk="0" hangingPunct="1">
+              <a:lnSpc>
+                <a:spcPct val="90000"/>
+              </a:lnSpc>
+              <a:spcBef>
+                <a:spcPts val="500"/>
+              </a:spcBef>
+              <a:buFont typeface="Arial" panose="020B0604020202020204" pitchFamily="34" charset="0"/>
+              <a:buChar char="•"/>
+              <a:defRPr sz="1800" kern="1200">
+                <a:solidFill>
+                  <a:schemeClr val="tx1"/>
+                </a:solidFill>
+                <a:latin typeface="+mn-lt"/>
+                <a:ea typeface="+mn-ea"/>
+                <a:cs typeface="+mn-cs"/>
+              </a:defRPr>
+            </a:lvl9pPr>
+          </a:lstStyle>
+          <a:p>
             <a:endParaRPr lang="de-CH" sz="3600" dirty="0">
               <a:latin typeface="Myriad Pro" panose="020B0503030403020204" pitchFamily="34" charset="0"/>
             </a:endParaRPr>
@@ -7454,7 +10014,7 @@
 </p:sld>
 </file>
 
-<file path=ppt/slides/slide8.xml><?xml version="1.0" encoding="utf-8"?>
+<file path=ppt/slides/slide9.xml><?xml version="1.0" encoding="utf-8"?>
 <p:sld xmlns:a="http://schemas.openxmlformats.org/drawingml/2006/main" xmlns:r="http://schemas.openxmlformats.org/officeDocument/2006/relationships" xmlns:p="http://schemas.openxmlformats.org/presentationml/2006/main">
   <p:cSld>
     <p:bg>

--- a/documents/00_Sitzungen/Milestone_4/Meilenstein4.pptx
+++ b/documents/00_Sitzungen/Milestone_4/Meilenstein4.pptx
@@ -5,12 +5,12 @@
     <p:sldMasterId id="2147483648" r:id="rId1"/>
   </p:sldMasterIdLst>
   <p:sldIdLst>
-    <p:sldId id="269" r:id="rId2"/>
-    <p:sldId id="256" r:id="rId3"/>
-    <p:sldId id="257" r:id="rId4"/>
+    <p:sldId id="256" r:id="rId2"/>
+    <p:sldId id="257" r:id="rId3"/>
+    <p:sldId id="265" r:id="rId4"/>
     <p:sldId id="258" r:id="rId5"/>
-    <p:sldId id="265" r:id="rId6"/>
-    <p:sldId id="267" r:id="rId7"/>
+    <p:sldId id="269" r:id="rId6"/>
+    <p:sldId id="270" r:id="rId7"/>
     <p:sldId id="268" r:id="rId8"/>
     <p:sldId id="263" r:id="rId9"/>
     <p:sldId id="266" r:id="rId10"/>
@@ -120,967 +120,6 @@
 </p:presentation>
 </file>
 
-<file path=ppt/charts/chart1.xml><?xml version="1.0" encoding="utf-8"?>
-<c:chartSpace xmlns:c="http://schemas.openxmlformats.org/drawingml/2006/chart" xmlns:a="http://schemas.openxmlformats.org/drawingml/2006/main" xmlns:r="http://schemas.openxmlformats.org/officeDocument/2006/relationships" xmlns:c16r2="http://schemas.microsoft.com/office/drawing/2015/06/chart">
-  <c:date1904 val="0"/>
-  <c:lang val="en-US"/>
-  <c:roundedCorners val="0"/>
-  <mc:AlternateContent xmlns:mc="http://schemas.openxmlformats.org/markup-compatibility/2006">
-    <mc:Choice xmlns:c14="http://schemas.microsoft.com/office/drawing/2007/8/2/chart" Requires="c14">
-      <c14:style val="102"/>
-    </mc:Choice>
-    <mc:Fallback>
-      <c:style val="2"/>
-    </mc:Fallback>
-  </mc:AlternateContent>
-  <c:chart>
-    <c:title>
-      <c:tx>
-        <c:rich>
-          <a:bodyPr rot="0" spcFirstLastPara="1" vertOverflow="ellipsis" vert="horz" wrap="square" anchor="ctr" anchorCtr="1"/>
-          <a:lstStyle/>
-          <a:p>
-            <a:pPr>
-              <a:defRPr sz="1400" b="0" i="0" u="none" strike="noStrike" kern="1200" spc="0" baseline="0">
-                <a:solidFill>
-                  <a:schemeClr val="tx1">
-                    <a:lumMod val="65000"/>
-                    <a:lumOff val="35000"/>
-                  </a:schemeClr>
-                </a:solidFill>
-                <a:latin typeface="+mn-lt"/>
-                <a:ea typeface="+mn-ea"/>
-                <a:cs typeface="+mn-cs"/>
-              </a:defRPr>
-            </a:pPr>
-            <a:r>
-              <a:rPr lang="de-CH" dirty="0"/>
-              <a:t>Meilenstein 1 Aufwandsverteilung</a:t>
-            </a:r>
-          </a:p>
-        </c:rich>
-      </c:tx>
-      <c:overlay val="0"/>
-      <c:spPr>
-        <a:noFill/>
-        <a:ln>
-          <a:noFill/>
-        </a:ln>
-        <a:effectLst/>
-      </c:spPr>
-      <c:txPr>
-        <a:bodyPr rot="0" spcFirstLastPara="1" vertOverflow="ellipsis" vert="horz" wrap="square" anchor="ctr" anchorCtr="1"/>
-        <a:lstStyle/>
-        <a:p>
-          <a:pPr>
-            <a:defRPr sz="1400" b="0" i="0" u="none" strike="noStrike" kern="1200" spc="0" baseline="0">
-              <a:solidFill>
-                <a:schemeClr val="tx1">
-                  <a:lumMod val="65000"/>
-                  <a:lumOff val="35000"/>
-                </a:schemeClr>
-              </a:solidFill>
-              <a:latin typeface="+mn-lt"/>
-              <a:ea typeface="+mn-ea"/>
-              <a:cs typeface="+mn-cs"/>
-            </a:defRPr>
-          </a:pPr>
-          <a:endParaRPr lang="en-US"/>
-        </a:p>
-      </c:txPr>
-    </c:title>
-    <c:autoTitleDeleted val="0"/>
-    <c:plotArea>
-      <c:layout/>
-      <c:barChart>
-        <c:barDir val="bar"/>
-        <c:grouping val="clustered"/>
-        <c:varyColors val="0"/>
-        <c:ser>
-          <c:idx val="0"/>
-          <c:order val="0"/>
-          <c:spPr>
-            <a:solidFill>
-              <a:srgbClr val="92D050"/>
-            </a:solidFill>
-            <a:ln>
-              <a:solidFill>
-                <a:srgbClr val="00B050"/>
-              </a:solidFill>
-            </a:ln>
-            <a:effectLst/>
-          </c:spPr>
-          <c:invertIfNegative val="0"/>
-          <c:dPt>
-            <c:idx val="0"/>
-            <c:invertIfNegative val="0"/>
-            <c:bubble3D val="0"/>
-            <c:spPr>
-              <a:solidFill>
-                <a:schemeClr val="accent2">
-                  <a:lumMod val="50000"/>
-                </a:schemeClr>
-              </a:solidFill>
-              <a:ln>
-                <a:solidFill>
-                  <a:srgbClr val="00B050"/>
-                </a:solidFill>
-              </a:ln>
-              <a:effectLst/>
-            </c:spPr>
-            <c:extLst>
-              <c:ext xmlns:c16="http://schemas.microsoft.com/office/drawing/2014/chart" uri="{C3380CC4-5D6E-409C-BE32-E72D297353CC}">
-                <c16:uniqueId val="{00000001-F28F-44F9-BFDB-E0BA4CEAA5D8}"/>
-              </c:ext>
-            </c:extLst>
-          </c:dPt>
-          <c:dPt>
-            <c:idx val="1"/>
-            <c:invertIfNegative val="0"/>
-            <c:bubble3D val="0"/>
-            <c:spPr>
-              <a:solidFill>
-                <a:schemeClr val="accent2">
-                  <a:lumMod val="75000"/>
-                </a:schemeClr>
-              </a:solidFill>
-              <a:ln>
-                <a:solidFill>
-                  <a:srgbClr val="00B050"/>
-                </a:solidFill>
-              </a:ln>
-              <a:effectLst/>
-            </c:spPr>
-            <c:extLst>
-              <c:ext xmlns:c16="http://schemas.microsoft.com/office/drawing/2014/chart" uri="{C3380CC4-5D6E-409C-BE32-E72D297353CC}">
-                <c16:uniqueId val="{00000003-F28F-44F9-BFDB-E0BA4CEAA5D8}"/>
-              </c:ext>
-            </c:extLst>
-          </c:dPt>
-          <c:dPt>
-            <c:idx val="2"/>
-            <c:invertIfNegative val="0"/>
-            <c:bubble3D val="0"/>
-            <c:spPr>
-              <a:solidFill>
-                <a:schemeClr val="accent2">
-                  <a:lumMod val="60000"/>
-                  <a:lumOff val="40000"/>
-                </a:schemeClr>
-              </a:solidFill>
-              <a:ln>
-                <a:solidFill>
-                  <a:srgbClr val="00B050"/>
-                </a:solidFill>
-              </a:ln>
-              <a:effectLst/>
-            </c:spPr>
-            <c:extLst>
-              <c:ext xmlns:c16="http://schemas.microsoft.com/office/drawing/2014/chart" uri="{C3380CC4-5D6E-409C-BE32-E72D297353CC}">
-                <c16:uniqueId val="{00000005-F28F-44F9-BFDB-E0BA4CEAA5D8}"/>
-              </c:ext>
-            </c:extLst>
-          </c:dPt>
-          <c:dPt>
-            <c:idx val="3"/>
-            <c:invertIfNegative val="0"/>
-            <c:bubble3D val="0"/>
-            <c:spPr>
-              <a:solidFill>
-                <a:srgbClr val="00B050"/>
-              </a:solidFill>
-              <a:ln>
-                <a:solidFill>
-                  <a:srgbClr val="00B050"/>
-                </a:solidFill>
-              </a:ln>
-              <a:effectLst/>
-            </c:spPr>
-            <c:extLst>
-              <c:ext xmlns:c16="http://schemas.microsoft.com/office/drawing/2014/chart" uri="{C3380CC4-5D6E-409C-BE32-E72D297353CC}">
-                <c16:uniqueId val="{00000007-F28F-44F9-BFDB-E0BA4CEAA5D8}"/>
-              </c:ext>
-            </c:extLst>
-          </c:dPt>
-          <c:dPt>
-            <c:idx val="5"/>
-            <c:invertIfNegative val="0"/>
-            <c:bubble3D val="0"/>
-            <c:spPr>
-              <a:solidFill>
-                <a:schemeClr val="accent2"/>
-              </a:solidFill>
-              <a:ln>
-                <a:solidFill>
-                  <a:schemeClr val="accent1"/>
-                </a:solidFill>
-              </a:ln>
-              <a:effectLst/>
-            </c:spPr>
-            <c:extLst>
-              <c:ext xmlns:c16="http://schemas.microsoft.com/office/drawing/2014/chart" uri="{C3380CC4-5D6E-409C-BE32-E72D297353CC}">
-                <c16:uniqueId val="{00000009-F28F-44F9-BFDB-E0BA4CEAA5D8}"/>
-              </c:ext>
-            </c:extLst>
-          </c:dPt>
-          <c:cat>
-            <c:strRef>
-              <c:f>Total!$A$7:$A$13</c:f>
-              <c:strCache>
-                <c:ptCount val="7"/>
-                <c:pt idx="0">
-                  <c:v>Projekt in Std</c:v>
-                </c:pt>
-                <c:pt idx="1">
-                  <c:v>Clean Code</c:v>
-                </c:pt>
-                <c:pt idx="2">
-                  <c:v>Projekt effektiv</c:v>
-                </c:pt>
-                <c:pt idx="3">
-                  <c:v>Wissenstransfer Total</c:v>
-                </c:pt>
-                <c:pt idx="5">
-                  <c:v>geplanter Aufwand</c:v>
-                </c:pt>
-                <c:pt idx="6">
-                  <c:v>Differenz Planung - Effektiv</c:v>
-                </c:pt>
-              </c:strCache>
-            </c:strRef>
-          </c:cat>
-          <c:val>
-            <c:numRef>
-              <c:f>Total!$B$7:$B$13</c:f>
-              <c:numCache>
-                <c:formatCode>General</c:formatCode>
-                <c:ptCount val="7"/>
-                <c:pt idx="0">
-                  <c:v>35</c:v>
-                </c:pt>
-                <c:pt idx="1">
-                  <c:v>20.5</c:v>
-                </c:pt>
-                <c:pt idx="2">
-                  <c:v>60.5</c:v>
-                </c:pt>
-                <c:pt idx="3">
-                  <c:v>8</c:v>
-                </c:pt>
-                <c:pt idx="5">
-                  <c:v>80</c:v>
-                </c:pt>
-                <c:pt idx="6">
-                  <c:v>19.5</c:v>
-                </c:pt>
-              </c:numCache>
-            </c:numRef>
-          </c:val>
-          <c:extLst>
-            <c:ext xmlns:c16="http://schemas.microsoft.com/office/drawing/2014/chart" uri="{C3380CC4-5D6E-409C-BE32-E72D297353CC}">
-              <c16:uniqueId val="{0000000A-F28F-44F9-BFDB-E0BA4CEAA5D8}"/>
-            </c:ext>
-          </c:extLst>
-        </c:ser>
-        <c:dLbls>
-          <c:showLegendKey val="0"/>
-          <c:showVal val="0"/>
-          <c:showCatName val="0"/>
-          <c:showSerName val="0"/>
-          <c:showPercent val="0"/>
-          <c:showBubbleSize val="0"/>
-        </c:dLbls>
-        <c:gapWidth val="182"/>
-        <c:axId val="609399808"/>
-        <c:axId val="609406696"/>
-      </c:barChart>
-      <c:catAx>
-        <c:axId val="609399808"/>
-        <c:scaling>
-          <c:orientation val="minMax"/>
-        </c:scaling>
-        <c:delete val="0"/>
-        <c:axPos val="l"/>
-        <c:numFmt formatCode="General" sourceLinked="1"/>
-        <c:majorTickMark val="none"/>
-        <c:minorTickMark val="none"/>
-        <c:tickLblPos val="nextTo"/>
-        <c:spPr>
-          <a:noFill/>
-          <a:ln w="9525" cap="flat" cmpd="sng" algn="ctr">
-            <a:solidFill>
-              <a:schemeClr val="tx1">
-                <a:lumMod val="15000"/>
-                <a:lumOff val="85000"/>
-              </a:schemeClr>
-            </a:solidFill>
-            <a:round/>
-          </a:ln>
-          <a:effectLst/>
-        </c:spPr>
-        <c:txPr>
-          <a:bodyPr rot="-60000000" spcFirstLastPara="1" vertOverflow="ellipsis" vert="horz" wrap="square" anchor="ctr" anchorCtr="1"/>
-          <a:lstStyle/>
-          <a:p>
-            <a:pPr>
-              <a:defRPr sz="900" b="0" i="0" u="none" strike="noStrike" kern="1200" baseline="0">
-                <a:solidFill>
-                  <a:schemeClr val="tx1">
-                    <a:lumMod val="65000"/>
-                    <a:lumOff val="35000"/>
-                  </a:schemeClr>
-                </a:solidFill>
-                <a:latin typeface="+mn-lt"/>
-                <a:ea typeface="+mn-ea"/>
-                <a:cs typeface="+mn-cs"/>
-              </a:defRPr>
-            </a:pPr>
-            <a:endParaRPr lang="en-US"/>
-          </a:p>
-        </c:txPr>
-        <c:crossAx val="609406696"/>
-        <c:crosses val="autoZero"/>
-        <c:auto val="1"/>
-        <c:lblAlgn val="ctr"/>
-        <c:lblOffset val="100"/>
-        <c:noMultiLvlLbl val="0"/>
-      </c:catAx>
-      <c:valAx>
-        <c:axId val="609406696"/>
-        <c:scaling>
-          <c:orientation val="minMax"/>
-        </c:scaling>
-        <c:delete val="0"/>
-        <c:axPos val="b"/>
-        <c:majorGridlines>
-          <c:spPr>
-            <a:ln w="9525" cap="flat" cmpd="sng" algn="ctr">
-              <a:solidFill>
-                <a:schemeClr val="tx1">
-                  <a:lumMod val="15000"/>
-                  <a:lumOff val="85000"/>
-                </a:schemeClr>
-              </a:solidFill>
-              <a:round/>
-            </a:ln>
-            <a:effectLst/>
-          </c:spPr>
-        </c:majorGridlines>
-        <c:numFmt formatCode="General" sourceLinked="1"/>
-        <c:majorTickMark val="none"/>
-        <c:minorTickMark val="none"/>
-        <c:tickLblPos val="nextTo"/>
-        <c:spPr>
-          <a:noFill/>
-          <a:ln>
-            <a:noFill/>
-          </a:ln>
-          <a:effectLst/>
-        </c:spPr>
-        <c:txPr>
-          <a:bodyPr rot="-60000000" spcFirstLastPara="1" vertOverflow="ellipsis" vert="horz" wrap="square" anchor="ctr" anchorCtr="1"/>
-          <a:lstStyle/>
-          <a:p>
-            <a:pPr>
-              <a:defRPr sz="900" b="0" i="0" u="none" strike="noStrike" kern="1200" baseline="0">
-                <a:solidFill>
-                  <a:schemeClr val="tx1">
-                    <a:lumMod val="65000"/>
-                    <a:lumOff val="35000"/>
-                  </a:schemeClr>
-                </a:solidFill>
-                <a:latin typeface="+mn-lt"/>
-                <a:ea typeface="+mn-ea"/>
-                <a:cs typeface="+mn-cs"/>
-              </a:defRPr>
-            </a:pPr>
-            <a:endParaRPr lang="en-US"/>
-          </a:p>
-        </c:txPr>
-        <c:crossAx val="609399808"/>
-        <c:crosses val="autoZero"/>
-        <c:crossBetween val="between"/>
-      </c:valAx>
-      <c:spPr>
-        <a:noFill/>
-        <a:ln>
-          <a:noFill/>
-        </a:ln>
-        <a:effectLst/>
-      </c:spPr>
-    </c:plotArea>
-    <c:plotVisOnly val="1"/>
-    <c:dispBlanksAs val="gap"/>
-    <c:showDLblsOverMax val="0"/>
-  </c:chart>
-  <c:spPr>
-    <a:noFill/>
-    <a:ln>
-      <a:noFill/>
-    </a:ln>
-    <a:effectLst/>
-  </c:spPr>
-  <c:txPr>
-    <a:bodyPr/>
-    <a:lstStyle/>
-    <a:p>
-      <a:pPr>
-        <a:defRPr/>
-      </a:pPr>
-      <a:endParaRPr lang="en-US"/>
-    </a:p>
-  </c:txPr>
-  <c:externalData r:id="rId3">
-    <c:autoUpdate val="0"/>
-  </c:externalData>
-</c:chartSpace>
-</file>
-
-<file path=ppt/charts/colors1.xml><?xml version="1.0" encoding="utf-8"?>
-<cs:colorStyle xmlns:cs="http://schemas.microsoft.com/office/drawing/2012/chartStyle" xmlns:a="http://schemas.openxmlformats.org/drawingml/2006/main" meth="cycle" id="10">
-  <a:schemeClr val="accent1"/>
-  <a:schemeClr val="accent2"/>
-  <a:schemeClr val="accent3"/>
-  <a:schemeClr val="accent4"/>
-  <a:schemeClr val="accent5"/>
-  <a:schemeClr val="accent6"/>
-  <cs:variation/>
-  <cs:variation>
-    <a:lumMod val="60000"/>
-  </cs:variation>
-  <cs:variation>
-    <a:lumMod val="80000"/>
-    <a:lumOff val="20000"/>
-  </cs:variation>
-  <cs:variation>
-    <a:lumMod val="80000"/>
-  </cs:variation>
-  <cs:variation>
-    <a:lumMod val="60000"/>
-    <a:lumOff val="40000"/>
-  </cs:variation>
-  <cs:variation>
-    <a:lumMod val="50000"/>
-  </cs:variation>
-  <cs:variation>
-    <a:lumMod val="70000"/>
-    <a:lumOff val="30000"/>
-  </cs:variation>
-  <cs:variation>
-    <a:lumMod val="70000"/>
-  </cs:variation>
-  <cs:variation>
-    <a:lumMod val="50000"/>
-    <a:lumOff val="50000"/>
-  </cs:variation>
-</cs:colorStyle>
-</file>
-
-<file path=ppt/charts/style1.xml><?xml version="1.0" encoding="utf-8"?>
-<cs:chartStyle xmlns:cs="http://schemas.microsoft.com/office/drawing/2012/chartStyle" xmlns:a="http://schemas.openxmlformats.org/drawingml/2006/main" id="216">
-  <cs:axisTitle>
-    <cs:lnRef idx="0"/>
-    <cs:fillRef idx="0"/>
-    <cs:effectRef idx="0"/>
-    <cs:fontRef idx="minor">
-      <a:schemeClr val="tx1">
-        <a:lumMod val="65000"/>
-        <a:lumOff val="35000"/>
-      </a:schemeClr>
-    </cs:fontRef>
-    <cs:defRPr sz="1000" kern="1200"/>
-  </cs:axisTitle>
-  <cs:categoryAxis>
-    <cs:lnRef idx="0"/>
-    <cs:fillRef idx="0"/>
-    <cs:effectRef idx="0"/>
-    <cs:fontRef idx="minor">
-      <a:schemeClr val="tx1">
-        <a:lumMod val="65000"/>
-        <a:lumOff val="35000"/>
-      </a:schemeClr>
-    </cs:fontRef>
-    <cs:spPr>
-      <a:ln w="9525" cap="flat" cmpd="sng" algn="ctr">
-        <a:solidFill>
-          <a:schemeClr val="tx1">
-            <a:lumMod val="15000"/>
-            <a:lumOff val="85000"/>
-          </a:schemeClr>
-        </a:solidFill>
-        <a:round/>
-      </a:ln>
-    </cs:spPr>
-    <cs:defRPr sz="900" kern="1200"/>
-  </cs:categoryAxis>
-  <cs:chartArea mods="allowNoFillOverride allowNoLineOverride">
-    <cs:lnRef idx="0"/>
-    <cs:fillRef idx="0"/>
-    <cs:effectRef idx="0"/>
-    <cs:fontRef idx="minor">
-      <a:schemeClr val="tx1"/>
-    </cs:fontRef>
-    <cs:spPr>
-      <a:solidFill>
-        <a:schemeClr val="bg1"/>
-      </a:solidFill>
-      <a:ln w="9525" cap="flat" cmpd="sng" algn="ctr">
-        <a:solidFill>
-          <a:schemeClr val="tx1">
-            <a:lumMod val="15000"/>
-            <a:lumOff val="85000"/>
-          </a:schemeClr>
-        </a:solidFill>
-        <a:round/>
-      </a:ln>
-    </cs:spPr>
-    <cs:defRPr sz="1000" kern="1200"/>
-  </cs:chartArea>
-  <cs:dataLabel>
-    <cs:lnRef idx="0"/>
-    <cs:fillRef idx="0"/>
-    <cs:effectRef idx="0"/>
-    <cs:fontRef idx="minor">
-      <a:schemeClr val="tx1">
-        <a:lumMod val="75000"/>
-        <a:lumOff val="25000"/>
-      </a:schemeClr>
-    </cs:fontRef>
-    <cs:defRPr sz="900" kern="1200"/>
-  </cs:dataLabel>
-  <cs:dataLabelCallout>
-    <cs:lnRef idx="0"/>
-    <cs:fillRef idx="0"/>
-    <cs:effectRef idx="0"/>
-    <cs:fontRef idx="minor">
-      <a:schemeClr val="dk1">
-        <a:lumMod val="65000"/>
-        <a:lumOff val="35000"/>
-      </a:schemeClr>
-    </cs:fontRef>
-    <cs:spPr>
-      <a:solidFill>
-        <a:schemeClr val="lt1"/>
-      </a:solidFill>
-      <a:ln>
-        <a:solidFill>
-          <a:schemeClr val="dk1">
-            <a:lumMod val="25000"/>
-            <a:lumOff val="75000"/>
-          </a:schemeClr>
-        </a:solidFill>
-      </a:ln>
-    </cs:spPr>
-    <cs:defRPr sz="900" kern="1200"/>
-    <cs:bodyPr rot="0" spcFirstLastPara="1" vertOverflow="clip" horzOverflow="clip" vert="horz" wrap="square" lIns="36576" tIns="18288" rIns="36576" bIns="18288" anchor="ctr" anchorCtr="1">
-      <a:spAutoFit/>
-    </cs:bodyPr>
-  </cs:dataLabelCallout>
-  <cs:dataPoint>
-    <cs:lnRef idx="0"/>
-    <cs:fillRef idx="1">
-      <cs:styleClr val="auto"/>
-    </cs:fillRef>
-    <cs:effectRef idx="0"/>
-    <cs:fontRef idx="minor">
-      <a:schemeClr val="tx1"/>
-    </cs:fontRef>
-  </cs:dataPoint>
-  <cs:dataPoint3D>
-    <cs:lnRef idx="0"/>
-    <cs:fillRef idx="1">
-      <cs:styleClr val="auto"/>
-    </cs:fillRef>
-    <cs:effectRef idx="0"/>
-    <cs:fontRef idx="minor">
-      <a:schemeClr val="tx1"/>
-    </cs:fontRef>
-  </cs:dataPoint3D>
-  <cs:dataPointLine>
-    <cs:lnRef idx="0">
-      <cs:styleClr val="auto"/>
-    </cs:lnRef>
-    <cs:fillRef idx="1"/>
-    <cs:effectRef idx="0"/>
-    <cs:fontRef idx="minor">
-      <a:schemeClr val="tx1"/>
-    </cs:fontRef>
-    <cs:spPr>
-      <a:ln w="28575" cap="rnd">
-        <a:solidFill>
-          <a:schemeClr val="phClr"/>
-        </a:solidFill>
-        <a:round/>
-      </a:ln>
-    </cs:spPr>
-  </cs:dataPointLine>
-  <cs:dataPointMarker>
-    <cs:lnRef idx="0">
-      <cs:styleClr val="auto"/>
-    </cs:lnRef>
-    <cs:fillRef idx="1">
-      <cs:styleClr val="auto"/>
-    </cs:fillRef>
-    <cs:effectRef idx="0"/>
-    <cs:fontRef idx="minor">
-      <a:schemeClr val="tx1"/>
-    </cs:fontRef>
-    <cs:spPr>
-      <a:ln w="9525">
-        <a:solidFill>
-          <a:schemeClr val="phClr"/>
-        </a:solidFill>
-      </a:ln>
-    </cs:spPr>
-  </cs:dataPointMarker>
-  <cs:dataPointMarkerLayout symbol="circle" size="5"/>
-  <cs:dataPointWireframe>
-    <cs:lnRef idx="0">
-      <cs:styleClr val="auto"/>
-    </cs:lnRef>
-    <cs:fillRef idx="1"/>
-    <cs:effectRef idx="0"/>
-    <cs:fontRef idx="minor">
-      <a:schemeClr val="tx1"/>
-    </cs:fontRef>
-    <cs:spPr>
-      <a:ln w="9525" cap="rnd">
-        <a:solidFill>
-          <a:schemeClr val="phClr"/>
-        </a:solidFill>
-        <a:round/>
-      </a:ln>
-    </cs:spPr>
-  </cs:dataPointWireframe>
-  <cs:dataTable>
-    <cs:lnRef idx="0"/>
-    <cs:fillRef idx="0"/>
-    <cs:effectRef idx="0"/>
-    <cs:fontRef idx="minor">
-      <a:schemeClr val="tx1">
-        <a:lumMod val="65000"/>
-        <a:lumOff val="35000"/>
-      </a:schemeClr>
-    </cs:fontRef>
-    <cs:spPr>
-      <a:noFill/>
-      <a:ln w="9525" cap="flat" cmpd="sng" algn="ctr">
-        <a:solidFill>
-          <a:schemeClr val="tx1">
-            <a:lumMod val="15000"/>
-            <a:lumOff val="85000"/>
-          </a:schemeClr>
-        </a:solidFill>
-        <a:round/>
-      </a:ln>
-    </cs:spPr>
-    <cs:defRPr sz="900" kern="1200"/>
-  </cs:dataTable>
-  <cs:downBar>
-    <cs:lnRef idx="0"/>
-    <cs:fillRef idx="0"/>
-    <cs:effectRef idx="0"/>
-    <cs:fontRef idx="minor">
-      <a:schemeClr val="tx1"/>
-    </cs:fontRef>
-    <cs:spPr>
-      <a:solidFill>
-        <a:schemeClr val="dk1">
-          <a:lumMod val="75000"/>
-          <a:lumOff val="25000"/>
-        </a:schemeClr>
-      </a:solidFill>
-      <a:ln w="9525" cap="flat" cmpd="sng" algn="ctr">
-        <a:solidFill>
-          <a:schemeClr val="tx1">
-            <a:lumMod val="65000"/>
-            <a:lumOff val="35000"/>
-          </a:schemeClr>
-        </a:solidFill>
-        <a:round/>
-      </a:ln>
-    </cs:spPr>
-  </cs:downBar>
-  <cs:dropLine>
-    <cs:lnRef idx="0"/>
-    <cs:fillRef idx="0"/>
-    <cs:effectRef idx="0"/>
-    <cs:fontRef idx="minor">
-      <a:schemeClr val="tx1"/>
-    </cs:fontRef>
-    <cs:spPr>
-      <a:ln w="9525" cap="flat" cmpd="sng" algn="ctr">
-        <a:solidFill>
-          <a:schemeClr val="tx1">
-            <a:lumMod val="35000"/>
-            <a:lumOff val="65000"/>
-          </a:schemeClr>
-        </a:solidFill>
-        <a:round/>
-      </a:ln>
-    </cs:spPr>
-  </cs:dropLine>
-  <cs:errorBar>
-    <cs:lnRef idx="0"/>
-    <cs:fillRef idx="0"/>
-    <cs:effectRef idx="0"/>
-    <cs:fontRef idx="minor">
-      <a:schemeClr val="tx1"/>
-    </cs:fontRef>
-    <cs:spPr>
-      <a:ln w="9525" cap="flat" cmpd="sng" algn="ctr">
-        <a:solidFill>
-          <a:schemeClr val="tx1">
-            <a:lumMod val="65000"/>
-            <a:lumOff val="35000"/>
-          </a:schemeClr>
-        </a:solidFill>
-        <a:round/>
-      </a:ln>
-    </cs:spPr>
-  </cs:errorBar>
-  <cs:floor>
-    <cs:lnRef idx="0"/>
-    <cs:fillRef idx="0"/>
-    <cs:effectRef idx="0"/>
-    <cs:fontRef idx="minor">
-      <a:schemeClr val="tx1"/>
-    </cs:fontRef>
-    <cs:spPr>
-      <a:noFill/>
-      <a:ln>
-        <a:noFill/>
-      </a:ln>
-    </cs:spPr>
-  </cs:floor>
-  <cs:gridlineMajor>
-    <cs:lnRef idx="0"/>
-    <cs:fillRef idx="0"/>
-    <cs:effectRef idx="0"/>
-    <cs:fontRef idx="minor">
-      <a:schemeClr val="tx1"/>
-    </cs:fontRef>
-    <cs:spPr>
-      <a:ln w="9525" cap="flat" cmpd="sng" algn="ctr">
-        <a:solidFill>
-          <a:schemeClr val="tx1">
-            <a:lumMod val="15000"/>
-            <a:lumOff val="85000"/>
-          </a:schemeClr>
-        </a:solidFill>
-        <a:round/>
-      </a:ln>
-    </cs:spPr>
-  </cs:gridlineMajor>
-  <cs:gridlineMinor>
-    <cs:lnRef idx="0"/>
-    <cs:fillRef idx="0"/>
-    <cs:effectRef idx="0"/>
-    <cs:fontRef idx="minor">
-      <a:schemeClr val="tx1"/>
-    </cs:fontRef>
-    <cs:spPr>
-      <a:ln w="9525" cap="flat" cmpd="sng" algn="ctr">
-        <a:solidFill>
-          <a:schemeClr val="tx1">
-            <a:lumMod val="5000"/>
-            <a:lumOff val="95000"/>
-          </a:schemeClr>
-        </a:solidFill>
-        <a:round/>
-      </a:ln>
-    </cs:spPr>
-  </cs:gridlineMinor>
-  <cs:hiLoLine>
-    <cs:lnRef idx="0"/>
-    <cs:fillRef idx="0"/>
-    <cs:effectRef idx="0"/>
-    <cs:fontRef idx="minor">
-      <a:schemeClr val="tx1"/>
-    </cs:fontRef>
-    <cs:spPr>
-      <a:ln w="9525" cap="flat" cmpd="sng" algn="ctr">
-        <a:solidFill>
-          <a:schemeClr val="tx1">
-            <a:lumMod val="50000"/>
-            <a:lumOff val="50000"/>
-          </a:schemeClr>
-        </a:solidFill>
-        <a:round/>
-      </a:ln>
-    </cs:spPr>
-  </cs:hiLoLine>
-  <cs:leaderLine>
-    <cs:lnRef idx="0"/>
-    <cs:fillRef idx="0"/>
-    <cs:effectRef idx="0"/>
-    <cs:fontRef idx="minor">
-      <a:schemeClr val="tx1"/>
-    </cs:fontRef>
-    <cs:spPr>
-      <a:ln w="9525" cap="flat" cmpd="sng" algn="ctr">
-        <a:solidFill>
-          <a:schemeClr val="tx1">
-            <a:lumMod val="35000"/>
-            <a:lumOff val="65000"/>
-          </a:schemeClr>
-        </a:solidFill>
-        <a:round/>
-      </a:ln>
-    </cs:spPr>
-  </cs:leaderLine>
-  <cs:legend>
-    <cs:lnRef idx="0"/>
-    <cs:fillRef idx="0"/>
-    <cs:effectRef idx="0"/>
-    <cs:fontRef idx="minor">
-      <a:schemeClr val="tx1">
-        <a:lumMod val="65000"/>
-        <a:lumOff val="35000"/>
-      </a:schemeClr>
-    </cs:fontRef>
-    <cs:defRPr sz="900" kern="1200"/>
-  </cs:legend>
-  <cs:plotArea mods="allowNoFillOverride allowNoLineOverride">
-    <cs:lnRef idx="0"/>
-    <cs:fillRef idx="0"/>
-    <cs:effectRef idx="0"/>
-    <cs:fontRef idx="minor">
-      <a:schemeClr val="tx1"/>
-    </cs:fontRef>
-  </cs:plotArea>
-  <cs:plotArea3D mods="allowNoFillOverride allowNoLineOverride">
-    <cs:lnRef idx="0"/>
-    <cs:fillRef idx="0"/>
-    <cs:effectRef idx="0"/>
-    <cs:fontRef idx="minor">
-      <a:schemeClr val="tx1"/>
-    </cs:fontRef>
-  </cs:plotArea3D>
-  <cs:seriesAxis>
-    <cs:lnRef idx="0"/>
-    <cs:fillRef idx="0"/>
-    <cs:effectRef idx="0"/>
-    <cs:fontRef idx="minor">
-      <a:schemeClr val="tx1">
-        <a:lumMod val="65000"/>
-        <a:lumOff val="35000"/>
-      </a:schemeClr>
-    </cs:fontRef>
-    <cs:defRPr sz="900" kern="1200"/>
-  </cs:seriesAxis>
-  <cs:seriesLine>
-    <cs:lnRef idx="0"/>
-    <cs:fillRef idx="0"/>
-    <cs:effectRef idx="0"/>
-    <cs:fontRef idx="minor">
-      <a:schemeClr val="tx1"/>
-    </cs:fontRef>
-    <cs:spPr>
-      <a:ln w="9525" cap="flat" cmpd="sng" algn="ctr">
-        <a:solidFill>
-          <a:schemeClr val="tx1">
-            <a:lumMod val="35000"/>
-            <a:lumOff val="65000"/>
-          </a:schemeClr>
-        </a:solidFill>
-        <a:round/>
-      </a:ln>
-    </cs:spPr>
-  </cs:seriesLine>
-  <cs:title>
-    <cs:lnRef idx="0"/>
-    <cs:fillRef idx="0"/>
-    <cs:effectRef idx="0"/>
-    <cs:fontRef idx="minor">
-      <a:schemeClr val="tx1">
-        <a:lumMod val="65000"/>
-        <a:lumOff val="35000"/>
-      </a:schemeClr>
-    </cs:fontRef>
-    <cs:defRPr sz="1400" b="0" kern="1200" spc="0" baseline="0"/>
-  </cs:title>
-  <cs:trendline>
-    <cs:lnRef idx="0">
-      <cs:styleClr val="auto"/>
-    </cs:lnRef>
-    <cs:fillRef idx="0"/>
-    <cs:effectRef idx="0"/>
-    <cs:fontRef idx="minor">
-      <a:schemeClr val="tx1"/>
-    </cs:fontRef>
-    <cs:spPr>
-      <a:ln w="19050" cap="rnd">
-        <a:solidFill>
-          <a:schemeClr val="phClr"/>
-        </a:solidFill>
-        <a:prstDash val="sysDot"/>
-      </a:ln>
-    </cs:spPr>
-  </cs:trendline>
-  <cs:trendlineLabel>
-    <cs:lnRef idx="0"/>
-    <cs:fillRef idx="0"/>
-    <cs:effectRef idx="0"/>
-    <cs:fontRef idx="minor">
-      <a:schemeClr val="tx1">
-        <a:lumMod val="65000"/>
-        <a:lumOff val="35000"/>
-      </a:schemeClr>
-    </cs:fontRef>
-    <cs:defRPr sz="900" kern="1200"/>
-  </cs:trendlineLabel>
-  <cs:upBar>
-    <cs:lnRef idx="0"/>
-    <cs:fillRef idx="0"/>
-    <cs:effectRef idx="0"/>
-    <cs:fontRef idx="minor">
-      <a:schemeClr val="tx1"/>
-    </cs:fontRef>
-    <cs:spPr>
-      <a:solidFill>
-        <a:schemeClr val="lt1"/>
-      </a:solidFill>
-      <a:ln w="9525" cap="flat" cmpd="sng" algn="ctr">
-        <a:solidFill>
-          <a:schemeClr val="tx1">
-            <a:lumMod val="65000"/>
-            <a:lumOff val="35000"/>
-          </a:schemeClr>
-        </a:solidFill>
-        <a:round/>
-      </a:ln>
-    </cs:spPr>
-  </cs:upBar>
-  <cs:valueAxis>
-    <cs:lnRef idx="0"/>
-    <cs:fillRef idx="0"/>
-    <cs:effectRef idx="0"/>
-    <cs:fontRef idx="minor">
-      <a:schemeClr val="tx1">
-        <a:lumMod val="65000"/>
-        <a:lumOff val="35000"/>
-      </a:schemeClr>
-    </cs:fontRef>
-    <cs:defRPr sz="900" kern="1200"/>
-  </cs:valueAxis>
-  <cs:wall>
-    <cs:lnRef idx="0"/>
-    <cs:fillRef idx="0"/>
-    <cs:effectRef idx="0"/>
-    <cs:fontRef idx="minor">
-      <a:schemeClr val="tx1"/>
-    </cs:fontRef>
-    <cs:spPr>
-      <a:noFill/>
-      <a:ln>
-        <a:noFill/>
-      </a:ln>
-    </cs:spPr>
-  </cs:wall>
-</cs:chartStyle>
-</file>
-
 <file path=ppt/slideLayouts/slideLayout1.xml><?xml version="1.0" encoding="utf-8"?>
 <p:sldLayout xmlns:a="http://schemas.openxmlformats.org/drawingml/2006/main" xmlns:r="http://schemas.openxmlformats.org/officeDocument/2006/relationships" xmlns:p="http://schemas.openxmlformats.org/presentationml/2006/main" type="title" preserve="1">
   <p:cSld name="Titelfolie">
@@ -1230,7 +269,7 @@
           <a:p>
             <a:fld id="{506EE3B9-BFD3-4836-85E3-38E3B5379BB2}" type="datetimeFigureOut">
               <a:rPr lang="de-CH" smtClean="0"/>
-              <a:t>17.05.2018</a:t>
+              <a:t>18.05.2018</a:t>
             </a:fld>
             <a:endParaRPr lang="de-CH"/>
           </a:p>
@@ -1284,7 +323,7 @@
           <a:p>
             <a:fld id="{CA6135A3-9B34-4BC4-A038-FAAF1A85A28F}" type="slidenum">
               <a:rPr lang="de-CH" smtClean="0"/>
-              <a:t>‹#›</a:t>
+              <a:t>‹Nr.›</a:t>
             </a:fld>
             <a:endParaRPr lang="de-CH"/>
           </a:p>
@@ -1433,7 +472,7 @@
           <a:p>
             <a:fld id="{506EE3B9-BFD3-4836-85E3-38E3B5379BB2}" type="datetimeFigureOut">
               <a:rPr lang="de-CH" smtClean="0"/>
-              <a:t>17.05.2018</a:t>
+              <a:t>18.05.2018</a:t>
             </a:fld>
             <a:endParaRPr lang="de-CH"/>
           </a:p>
@@ -1487,7 +526,7 @@
           <a:p>
             <a:fld id="{CA6135A3-9B34-4BC4-A038-FAAF1A85A28F}" type="slidenum">
               <a:rPr lang="de-CH" smtClean="0"/>
-              <a:t>‹#›</a:t>
+              <a:t>‹Nr.›</a:t>
             </a:fld>
             <a:endParaRPr lang="de-CH"/>
           </a:p>
@@ -1646,7 +685,7 @@
           <a:p>
             <a:fld id="{506EE3B9-BFD3-4836-85E3-38E3B5379BB2}" type="datetimeFigureOut">
               <a:rPr lang="de-CH" smtClean="0"/>
-              <a:t>17.05.2018</a:t>
+              <a:t>18.05.2018</a:t>
             </a:fld>
             <a:endParaRPr lang="de-CH"/>
           </a:p>
@@ -1700,7 +739,7 @@
           <a:p>
             <a:fld id="{CA6135A3-9B34-4BC4-A038-FAAF1A85A28F}" type="slidenum">
               <a:rPr lang="de-CH" smtClean="0"/>
-              <a:t>‹#›</a:t>
+              <a:t>‹Nr.›</a:t>
             </a:fld>
             <a:endParaRPr lang="de-CH"/>
           </a:p>
@@ -1849,7 +888,7 @@
           <a:p>
             <a:fld id="{506EE3B9-BFD3-4836-85E3-38E3B5379BB2}" type="datetimeFigureOut">
               <a:rPr lang="de-CH" smtClean="0"/>
-              <a:t>17.05.2018</a:t>
+              <a:t>18.05.2018</a:t>
             </a:fld>
             <a:endParaRPr lang="de-CH"/>
           </a:p>
@@ -1903,7 +942,7 @@
           <a:p>
             <a:fld id="{CA6135A3-9B34-4BC4-A038-FAAF1A85A28F}" type="slidenum">
               <a:rPr lang="de-CH" smtClean="0"/>
-              <a:t>‹#›</a:t>
+              <a:t>‹Nr.›</a:t>
             </a:fld>
             <a:endParaRPr lang="de-CH"/>
           </a:p>
@@ -2128,7 +1167,7 @@
           <a:p>
             <a:fld id="{506EE3B9-BFD3-4836-85E3-38E3B5379BB2}" type="datetimeFigureOut">
               <a:rPr lang="de-CH" smtClean="0"/>
-              <a:t>17.05.2018</a:t>
+              <a:t>18.05.2018</a:t>
             </a:fld>
             <a:endParaRPr lang="de-CH"/>
           </a:p>
@@ -2182,7 +1221,7 @@
           <a:p>
             <a:fld id="{CA6135A3-9B34-4BC4-A038-FAAF1A85A28F}" type="slidenum">
               <a:rPr lang="de-CH" smtClean="0"/>
-              <a:t>‹#›</a:t>
+              <a:t>‹Nr.›</a:t>
             </a:fld>
             <a:endParaRPr lang="de-CH"/>
           </a:p>
@@ -2399,7 +1438,7 @@
           <a:p>
             <a:fld id="{506EE3B9-BFD3-4836-85E3-38E3B5379BB2}" type="datetimeFigureOut">
               <a:rPr lang="de-CH" smtClean="0"/>
-              <a:t>17.05.2018</a:t>
+              <a:t>18.05.2018</a:t>
             </a:fld>
             <a:endParaRPr lang="de-CH"/>
           </a:p>
@@ -2453,7 +1492,7 @@
           <a:p>
             <a:fld id="{CA6135A3-9B34-4BC4-A038-FAAF1A85A28F}" type="slidenum">
               <a:rPr lang="de-CH" smtClean="0"/>
-              <a:t>‹#›</a:t>
+              <a:t>‹Nr.›</a:t>
             </a:fld>
             <a:endParaRPr lang="de-CH"/>
           </a:p>
@@ -2817,7 +1856,7 @@
           <a:p>
             <a:fld id="{506EE3B9-BFD3-4836-85E3-38E3B5379BB2}" type="datetimeFigureOut">
               <a:rPr lang="de-CH" smtClean="0"/>
-              <a:t>17.05.2018</a:t>
+              <a:t>18.05.2018</a:t>
             </a:fld>
             <a:endParaRPr lang="de-CH"/>
           </a:p>
@@ -2871,7 +1910,7 @@
           <a:p>
             <a:fld id="{CA6135A3-9B34-4BC4-A038-FAAF1A85A28F}" type="slidenum">
               <a:rPr lang="de-CH" smtClean="0"/>
-              <a:t>‹#›</a:t>
+              <a:t>‹Nr.›</a:t>
             </a:fld>
             <a:endParaRPr lang="de-CH"/>
           </a:p>
@@ -2962,7 +2001,7 @@
           <a:p>
             <a:fld id="{506EE3B9-BFD3-4836-85E3-38E3B5379BB2}" type="datetimeFigureOut">
               <a:rPr lang="de-CH" smtClean="0"/>
-              <a:t>17.05.2018</a:t>
+              <a:t>18.05.2018</a:t>
             </a:fld>
             <a:endParaRPr lang="de-CH"/>
           </a:p>
@@ -3016,7 +2055,7 @@
           <a:p>
             <a:fld id="{CA6135A3-9B34-4BC4-A038-FAAF1A85A28F}" type="slidenum">
               <a:rPr lang="de-CH" smtClean="0"/>
-              <a:t>‹#›</a:t>
+              <a:t>‹Nr.›</a:t>
             </a:fld>
             <a:endParaRPr lang="de-CH"/>
           </a:p>
@@ -3078,7 +2117,7 @@
           <a:p>
             <a:fld id="{506EE3B9-BFD3-4836-85E3-38E3B5379BB2}" type="datetimeFigureOut">
               <a:rPr lang="de-CH" smtClean="0"/>
-              <a:t>17.05.2018</a:t>
+              <a:t>18.05.2018</a:t>
             </a:fld>
             <a:endParaRPr lang="de-CH"/>
           </a:p>
@@ -3132,7 +2171,7 @@
           <a:p>
             <a:fld id="{CA6135A3-9B34-4BC4-A038-FAAF1A85A28F}" type="slidenum">
               <a:rPr lang="de-CH" smtClean="0"/>
-              <a:t>‹#›</a:t>
+              <a:t>‹Nr.›</a:t>
             </a:fld>
             <a:endParaRPr lang="de-CH"/>
           </a:p>
@@ -3394,7 +2433,7 @@
           <a:p>
             <a:fld id="{506EE3B9-BFD3-4836-85E3-38E3B5379BB2}" type="datetimeFigureOut">
               <a:rPr lang="de-CH" smtClean="0"/>
-              <a:t>17.05.2018</a:t>
+              <a:t>18.05.2018</a:t>
             </a:fld>
             <a:endParaRPr lang="de-CH"/>
           </a:p>
@@ -3448,7 +2487,7 @@
           <a:p>
             <a:fld id="{CA6135A3-9B34-4BC4-A038-FAAF1A85A28F}" type="slidenum">
               <a:rPr lang="de-CH" smtClean="0"/>
-              <a:t>‹#›</a:t>
+              <a:t>‹Nr.›</a:t>
             </a:fld>
             <a:endParaRPr lang="de-CH"/>
           </a:p>
@@ -3686,7 +2725,7 @@
           <a:p>
             <a:fld id="{506EE3B9-BFD3-4836-85E3-38E3B5379BB2}" type="datetimeFigureOut">
               <a:rPr lang="de-CH" smtClean="0"/>
-              <a:t>17.05.2018</a:t>
+              <a:t>18.05.2018</a:t>
             </a:fld>
             <a:endParaRPr lang="de-CH"/>
           </a:p>
@@ -3740,7 +2779,7 @@
           <a:p>
             <a:fld id="{CA6135A3-9B34-4BC4-A038-FAAF1A85A28F}" type="slidenum">
               <a:rPr lang="de-CH" smtClean="0"/>
-              <a:t>‹#›</a:t>
+              <a:t>‹Nr.›</a:t>
             </a:fld>
             <a:endParaRPr lang="de-CH"/>
           </a:p>
@@ -3932,7 +2971,7 @@
           <a:p>
             <a:fld id="{506EE3B9-BFD3-4836-85E3-38E3B5379BB2}" type="datetimeFigureOut">
               <a:rPr lang="de-CH" smtClean="0"/>
-              <a:t>17.05.2018</a:t>
+              <a:t>18.05.2018</a:t>
             </a:fld>
             <a:endParaRPr lang="de-CH"/>
           </a:p>
@@ -4022,7 +3061,7 @@
           <a:p>
             <a:fld id="{CA6135A3-9B34-4BC4-A038-FAAF1A85A28F}" type="slidenum">
               <a:rPr lang="de-CH" smtClean="0"/>
-              <a:t>‹#›</a:t>
+              <a:t>‹Nr.›</a:t>
             </a:fld>
             <a:endParaRPr lang="de-CH"/>
           </a:p>
@@ -4362,10 +3401,748 @@
       </p:grpSpPr>
       <p:sp>
         <p:nvSpPr>
-          <p:cNvPr id="4" name="Inhaltsplatzhalter 2">
-            <a:extLst>
-              <a:ext uri="{FF2B5EF4-FFF2-40B4-BE49-F238E27FC236}">
-                <a16:creationId xmlns:a16="http://schemas.microsoft.com/office/drawing/2014/main" id="{5276C7E2-E595-4B23-9A2B-C8A9130E8594}"/>
+          <p:cNvPr id="2" name="Titel 1">
+            <a:extLst>
+              <a:ext uri="{FF2B5EF4-FFF2-40B4-BE49-F238E27FC236}">
+                <a16:creationId xmlns:a16="http://schemas.microsoft.com/office/drawing/2014/main" id="{A062B88F-7C0D-4D82-95F7-03B3368495D4}"/>
+              </a:ext>
+            </a:extLst>
+          </p:cNvPr>
+          <p:cNvSpPr>
+            <a:spLocks noGrp="1"/>
+          </p:cNvSpPr>
+          <p:nvPr>
+            <p:ph type="ctrTitle"/>
+          </p:nvPr>
+        </p:nvSpPr>
+        <p:spPr>
+          <a:xfrm>
+            <a:off x="508001" y="1122363"/>
+            <a:ext cx="11218332" cy="2387600"/>
+          </a:xfrm>
+        </p:spPr>
+        <p:txBody>
+          <a:bodyPr>
+            <a:normAutofit/>
+          </a:bodyPr>
+          <a:lstStyle/>
+          <a:p>
+            <a:r>
+              <a:rPr lang="de-CH" sz="9600" b="1" dirty="0">
+                <a:solidFill>
+                  <a:schemeClr val="bg1"/>
+                </a:solidFill>
+                <a:latin typeface="Myriad Pro" panose="020B0503030403020204" pitchFamily="34" charset="0"/>
+              </a:rPr>
+              <a:t> Meilenstein 4</a:t>
+            </a:r>
+          </a:p>
+        </p:txBody>
+      </p:sp>
+      <p:pic>
+        <p:nvPicPr>
+          <p:cNvPr id="7" name="Grafik 6">
+            <a:extLst>
+              <a:ext uri="{FF2B5EF4-FFF2-40B4-BE49-F238E27FC236}">
+                <a16:creationId xmlns:a16="http://schemas.microsoft.com/office/drawing/2014/main" id="{EF12A104-3A4B-4B58-8C7D-80197AEAD192}"/>
+              </a:ext>
+            </a:extLst>
+          </p:cNvPr>
+          <p:cNvPicPr>
+            <a:picLocks noChangeAspect="1"/>
+          </p:cNvPicPr>
+          <p:nvPr/>
+        </p:nvPicPr>
+        <p:blipFill>
+          <a:blip r:embed="rId2">
+            <a:extLst>
+              <a:ext uri="{28A0092B-C50C-407E-A947-70E740481C1C}">
+                <a14:useLocalDpi xmlns:a14="http://schemas.microsoft.com/office/drawing/2010/main" val="0"/>
+              </a:ext>
+            </a:extLst>
+          </a:blip>
+          <a:stretch>
+            <a:fillRect/>
+          </a:stretch>
+        </p:blipFill>
+        <p:spPr>
+          <a:xfrm>
+            <a:off x="8800626" y="4359719"/>
+            <a:ext cx="2053852" cy="1284446"/>
+          </a:xfrm>
+          <a:prstGeom prst="rect">
+            <a:avLst/>
+          </a:prstGeom>
+        </p:spPr>
+      </p:pic>
+      <p:sp>
+        <p:nvSpPr>
+          <p:cNvPr id="5" name="Subtitle 4">
+            <a:extLst>
+              <a:ext uri="{FF2B5EF4-FFF2-40B4-BE49-F238E27FC236}">
+                <a16:creationId xmlns:a16="http://schemas.microsoft.com/office/drawing/2014/main" id="{40B2F163-FC58-49FB-867B-DB898F05822D}"/>
+              </a:ext>
+            </a:extLst>
+          </p:cNvPr>
+          <p:cNvSpPr>
+            <a:spLocks noGrp="1"/>
+          </p:cNvSpPr>
+          <p:nvPr>
+            <p:ph type="subTitle" idx="1"/>
+          </p:nvPr>
+        </p:nvSpPr>
+        <p:spPr/>
+        <p:txBody>
+          <a:bodyPr/>
+          <a:lstStyle/>
+          <a:p>
+            <a:endParaRPr lang="en-US"/>
+          </a:p>
+        </p:txBody>
+      </p:sp>
+      <p:sp>
+        <p:nvSpPr>
+          <p:cNvPr id="8" name="Untertitel 2">
+            <a:extLst>
+              <a:ext uri="{FF2B5EF4-FFF2-40B4-BE49-F238E27FC236}">
+                <a16:creationId xmlns:a16="http://schemas.microsoft.com/office/drawing/2014/main" id="{6FDFA46A-20F7-4045-B2B5-D388C91CBE13}"/>
+              </a:ext>
+            </a:extLst>
+          </p:cNvPr>
+          <p:cNvSpPr txBox="1">
+            <a:spLocks/>
+          </p:cNvSpPr>
+          <p:nvPr/>
+        </p:nvSpPr>
+        <p:spPr>
+          <a:xfrm>
+            <a:off x="1416940" y="3602037"/>
+            <a:ext cx="9144000" cy="2883429"/>
+          </a:xfrm>
+          <a:prstGeom prst="rect">
+            <a:avLst/>
+          </a:prstGeom>
+        </p:spPr>
+        <p:txBody>
+          <a:bodyPr vert="horz" lIns="91440" tIns="45720" rIns="91440" bIns="45720" rtlCol="0">
+            <a:normAutofit/>
+          </a:bodyPr>
+          <a:lstStyle>
+            <a:lvl1pPr marL="0" indent="0" algn="ctr" defTabSz="914400" rtl="0" eaLnBrk="1" latinLnBrk="0" hangingPunct="1">
+              <a:lnSpc>
+                <a:spcPct val="90000"/>
+              </a:lnSpc>
+              <a:spcBef>
+                <a:spcPts val="1000"/>
+              </a:spcBef>
+              <a:buFont typeface="Arial" panose="020B0604020202020204" pitchFamily="34" charset="0"/>
+              <a:buNone/>
+              <a:defRPr sz="2400" kern="1200">
+                <a:solidFill>
+                  <a:schemeClr val="tx1"/>
+                </a:solidFill>
+                <a:latin typeface="+mn-lt"/>
+                <a:ea typeface="+mn-ea"/>
+                <a:cs typeface="+mn-cs"/>
+              </a:defRPr>
+            </a:lvl1pPr>
+            <a:lvl2pPr marL="457200" indent="0" algn="ctr" defTabSz="914400" rtl="0" eaLnBrk="1" latinLnBrk="0" hangingPunct="1">
+              <a:lnSpc>
+                <a:spcPct val="90000"/>
+              </a:lnSpc>
+              <a:spcBef>
+                <a:spcPts val="500"/>
+              </a:spcBef>
+              <a:buFont typeface="Arial" panose="020B0604020202020204" pitchFamily="34" charset="0"/>
+              <a:buNone/>
+              <a:defRPr sz="2000" kern="1200">
+                <a:solidFill>
+                  <a:schemeClr val="tx1"/>
+                </a:solidFill>
+                <a:latin typeface="+mn-lt"/>
+                <a:ea typeface="+mn-ea"/>
+                <a:cs typeface="+mn-cs"/>
+              </a:defRPr>
+            </a:lvl2pPr>
+            <a:lvl3pPr marL="914400" indent="0" algn="ctr" defTabSz="914400" rtl="0" eaLnBrk="1" latinLnBrk="0" hangingPunct="1">
+              <a:lnSpc>
+                <a:spcPct val="90000"/>
+              </a:lnSpc>
+              <a:spcBef>
+                <a:spcPts val="500"/>
+              </a:spcBef>
+              <a:buFont typeface="Arial" panose="020B0604020202020204" pitchFamily="34" charset="0"/>
+              <a:buNone/>
+              <a:defRPr sz="1800" kern="1200">
+                <a:solidFill>
+                  <a:schemeClr val="tx1"/>
+                </a:solidFill>
+                <a:latin typeface="+mn-lt"/>
+                <a:ea typeface="+mn-ea"/>
+                <a:cs typeface="+mn-cs"/>
+              </a:defRPr>
+            </a:lvl3pPr>
+            <a:lvl4pPr marL="1371600" indent="0" algn="ctr" defTabSz="914400" rtl="0" eaLnBrk="1" latinLnBrk="0" hangingPunct="1">
+              <a:lnSpc>
+                <a:spcPct val="90000"/>
+              </a:lnSpc>
+              <a:spcBef>
+                <a:spcPts val="500"/>
+              </a:spcBef>
+              <a:buFont typeface="Arial" panose="020B0604020202020204" pitchFamily="34" charset="0"/>
+              <a:buNone/>
+              <a:defRPr sz="1600" kern="1200">
+                <a:solidFill>
+                  <a:schemeClr val="tx1"/>
+                </a:solidFill>
+                <a:latin typeface="+mn-lt"/>
+                <a:ea typeface="+mn-ea"/>
+                <a:cs typeface="+mn-cs"/>
+              </a:defRPr>
+            </a:lvl4pPr>
+            <a:lvl5pPr marL="1828800" indent="0" algn="ctr" defTabSz="914400" rtl="0" eaLnBrk="1" latinLnBrk="0" hangingPunct="1">
+              <a:lnSpc>
+                <a:spcPct val="90000"/>
+              </a:lnSpc>
+              <a:spcBef>
+                <a:spcPts val="500"/>
+              </a:spcBef>
+              <a:buFont typeface="Arial" panose="020B0604020202020204" pitchFamily="34" charset="0"/>
+              <a:buNone/>
+              <a:defRPr sz="1600" kern="1200">
+                <a:solidFill>
+                  <a:schemeClr val="tx1"/>
+                </a:solidFill>
+                <a:latin typeface="+mn-lt"/>
+                <a:ea typeface="+mn-ea"/>
+                <a:cs typeface="+mn-cs"/>
+              </a:defRPr>
+            </a:lvl5pPr>
+            <a:lvl6pPr marL="2286000" indent="0" algn="ctr" defTabSz="914400" rtl="0" eaLnBrk="1" latinLnBrk="0" hangingPunct="1">
+              <a:lnSpc>
+                <a:spcPct val="90000"/>
+              </a:lnSpc>
+              <a:spcBef>
+                <a:spcPts val="500"/>
+              </a:spcBef>
+              <a:buFont typeface="Arial" panose="020B0604020202020204" pitchFamily="34" charset="0"/>
+              <a:buNone/>
+              <a:defRPr sz="1600" kern="1200">
+                <a:solidFill>
+                  <a:schemeClr val="tx1"/>
+                </a:solidFill>
+                <a:latin typeface="+mn-lt"/>
+                <a:ea typeface="+mn-ea"/>
+                <a:cs typeface="+mn-cs"/>
+              </a:defRPr>
+            </a:lvl6pPr>
+            <a:lvl7pPr marL="2743200" indent="0" algn="ctr" defTabSz="914400" rtl="0" eaLnBrk="1" latinLnBrk="0" hangingPunct="1">
+              <a:lnSpc>
+                <a:spcPct val="90000"/>
+              </a:lnSpc>
+              <a:spcBef>
+                <a:spcPts val="500"/>
+              </a:spcBef>
+              <a:buFont typeface="Arial" panose="020B0604020202020204" pitchFamily="34" charset="0"/>
+              <a:buNone/>
+              <a:defRPr sz="1600" kern="1200">
+                <a:solidFill>
+                  <a:schemeClr val="tx1"/>
+                </a:solidFill>
+                <a:latin typeface="+mn-lt"/>
+                <a:ea typeface="+mn-ea"/>
+                <a:cs typeface="+mn-cs"/>
+              </a:defRPr>
+            </a:lvl7pPr>
+            <a:lvl8pPr marL="3200400" indent="0" algn="ctr" defTabSz="914400" rtl="0" eaLnBrk="1" latinLnBrk="0" hangingPunct="1">
+              <a:lnSpc>
+                <a:spcPct val="90000"/>
+              </a:lnSpc>
+              <a:spcBef>
+                <a:spcPts val="500"/>
+              </a:spcBef>
+              <a:buFont typeface="Arial" panose="020B0604020202020204" pitchFamily="34" charset="0"/>
+              <a:buNone/>
+              <a:defRPr sz="1600" kern="1200">
+                <a:solidFill>
+                  <a:schemeClr val="tx1"/>
+                </a:solidFill>
+                <a:latin typeface="+mn-lt"/>
+                <a:ea typeface="+mn-ea"/>
+                <a:cs typeface="+mn-cs"/>
+              </a:defRPr>
+            </a:lvl8pPr>
+            <a:lvl9pPr marL="3657600" indent="0" algn="ctr" defTabSz="914400" rtl="0" eaLnBrk="1" latinLnBrk="0" hangingPunct="1">
+              <a:lnSpc>
+                <a:spcPct val="90000"/>
+              </a:lnSpc>
+              <a:spcBef>
+                <a:spcPts val="500"/>
+              </a:spcBef>
+              <a:buFont typeface="Arial" panose="020B0604020202020204" pitchFamily="34" charset="0"/>
+              <a:buNone/>
+              <a:defRPr sz="1600" kern="1200">
+                <a:solidFill>
+                  <a:schemeClr val="tx1"/>
+                </a:solidFill>
+                <a:latin typeface="+mn-lt"/>
+                <a:ea typeface="+mn-ea"/>
+                <a:cs typeface="+mn-cs"/>
+              </a:defRPr>
+            </a:lvl9pPr>
+          </a:lstStyle>
+          <a:p>
+            <a:endParaRPr lang="de-CH" dirty="0">
+              <a:solidFill>
+                <a:schemeClr val="bg1"/>
+              </a:solidFill>
+              <a:latin typeface="Myriad Pro" panose="020B0503030403020204" pitchFamily="34" charset="0"/>
+            </a:endParaRPr>
+          </a:p>
+          <a:p>
+            <a:endParaRPr lang="de-CH" dirty="0">
+              <a:solidFill>
+                <a:schemeClr val="bg1"/>
+              </a:solidFill>
+              <a:latin typeface="Myriad Pro" panose="020B0503030403020204" pitchFamily="34" charset="0"/>
+            </a:endParaRPr>
+          </a:p>
+          <a:p>
+            <a:r>
+              <a:rPr lang="de-CH" sz="6000" b="1" dirty="0">
+                <a:solidFill>
+                  <a:schemeClr val="bg1"/>
+                </a:solidFill>
+                <a:latin typeface="Myriad Pro" panose="020B0503030403020204" pitchFamily="34" charset="0"/>
+              </a:rPr>
+              <a:t>Projekt Gruppe 16</a:t>
+            </a:r>
+            <a:r>
+              <a:rPr lang="de-CH" sz="6000" b="1" dirty="0">
+                <a:solidFill>
+                  <a:schemeClr val="bg1">
+                    <a:alpha val="0"/>
+                  </a:schemeClr>
+                </a:solidFill>
+                <a:latin typeface="Myriad Pro" panose="020B0503030403020204" pitchFamily="34" charset="0"/>
+              </a:rPr>
+              <a:t>      </a:t>
+            </a:r>
+            <a:r>
+              <a:rPr lang="de-CH" sz="5400" dirty="0">
+                <a:solidFill>
+                  <a:schemeClr val="bg1">
+                    <a:alpha val="0"/>
+                  </a:schemeClr>
+                </a:solidFill>
+                <a:latin typeface="Myriad Pro" panose="020B0503030403020204" pitchFamily="34" charset="0"/>
+              </a:rPr>
+              <a:t>-</a:t>
+            </a:r>
+          </a:p>
+          <a:p>
+            <a:endParaRPr lang="de-CH" dirty="0">
+              <a:solidFill>
+                <a:schemeClr val="bg1"/>
+              </a:solidFill>
+              <a:latin typeface="Myriad Pro" panose="020B0503030403020204" pitchFamily="34" charset="0"/>
+            </a:endParaRPr>
+          </a:p>
+          <a:p>
+            <a:r>
+              <a:rPr lang="de-CH" dirty="0">
+                <a:solidFill>
+                  <a:schemeClr val="bg1"/>
+                </a:solidFill>
+                <a:latin typeface="Myriad Pro" panose="020B0503030403020204" pitchFamily="34" charset="0"/>
+              </a:rPr>
+              <a:t>Reto Mayer, Marco Sutter, Fabian Wipf</a:t>
+            </a:r>
+          </a:p>
+        </p:txBody>
+      </p:sp>
+    </p:spTree>
+    <p:extLst>
+      <p:ext uri="{BB962C8B-B14F-4D97-AF65-F5344CB8AC3E}">
+        <p14:creationId xmlns:p14="http://schemas.microsoft.com/office/powerpoint/2010/main" val="3373570418"/>
+      </p:ext>
+    </p:extLst>
+  </p:cSld>
+  <p:clrMapOvr>
+    <a:masterClrMapping/>
+  </p:clrMapOvr>
+  <mc:AlternateContent xmlns:mc="http://schemas.openxmlformats.org/markup-compatibility/2006" xmlns:p14="http://schemas.microsoft.com/office/powerpoint/2010/main">
+    <mc:Choice Requires="p14">
+      <p:transition p14:dur="0"/>
+    </mc:Choice>
+    <mc:Fallback xmlns="">
+      <p:transition/>
+    </mc:Fallback>
+  </mc:AlternateContent>
+</p:sld>
+</file>
+
+<file path=ppt/slides/slide2.xml><?xml version="1.0" encoding="utf-8"?>
+<p:sld xmlns:a="http://schemas.openxmlformats.org/drawingml/2006/main" xmlns:r="http://schemas.openxmlformats.org/officeDocument/2006/relationships" xmlns:p="http://schemas.openxmlformats.org/presentationml/2006/main">
+  <p:cSld>
+    <p:bg>
+      <p:bgPr>
+        <a:solidFill>
+          <a:srgbClr val="4063B4"/>
+        </a:solidFill>
+        <a:effectLst/>
+      </p:bgPr>
+    </p:bg>
+    <p:spTree>
+      <p:nvGrpSpPr>
+        <p:cNvPr id="1" name=""/>
+        <p:cNvGrpSpPr/>
+        <p:nvPr/>
+      </p:nvGrpSpPr>
+      <p:grpSpPr>
+        <a:xfrm>
+          <a:off x="0" y="0"/>
+          <a:ext cx="0" cy="0"/>
+          <a:chOff x="0" y="0"/>
+          <a:chExt cx="0" cy="0"/>
+        </a:xfrm>
+      </p:grpSpPr>
+      <p:sp>
+        <p:nvSpPr>
+          <p:cNvPr id="2" name="Titel 1">
+            <a:extLst>
+              <a:ext uri="{FF2B5EF4-FFF2-40B4-BE49-F238E27FC236}">
+                <a16:creationId xmlns:a16="http://schemas.microsoft.com/office/drawing/2014/main" id="{0401B019-F359-4764-A427-8FCE14F81598}"/>
+              </a:ext>
+            </a:extLst>
+          </p:cNvPr>
+          <p:cNvSpPr>
+            <a:spLocks noGrp="1"/>
+          </p:cNvSpPr>
+          <p:nvPr>
+            <p:ph type="title"/>
+          </p:nvPr>
+        </p:nvSpPr>
+        <p:spPr>
+          <a:xfrm>
+            <a:off x="719667" y="135468"/>
+            <a:ext cx="10769600" cy="1266296"/>
+          </a:xfrm>
+        </p:spPr>
+        <p:txBody>
+          <a:bodyPr>
+            <a:normAutofit/>
+          </a:bodyPr>
+          <a:lstStyle/>
+          <a:p>
+            <a:r>
+              <a:rPr lang="de-CH" sz="6000" b="1" dirty="0">
+                <a:solidFill>
+                  <a:schemeClr val="bg1"/>
+                </a:solidFill>
+                <a:latin typeface="Myriad Pro" panose="020B0503030403020204" pitchFamily="34" charset="0"/>
+              </a:rPr>
+              <a:t>Begrüssung</a:t>
+            </a:r>
+          </a:p>
+        </p:txBody>
+      </p:sp>
+      <p:sp>
+        <p:nvSpPr>
+          <p:cNvPr id="3" name="Inhaltsplatzhalter 2">
+            <a:extLst>
+              <a:ext uri="{FF2B5EF4-FFF2-40B4-BE49-F238E27FC236}">
+                <a16:creationId xmlns:a16="http://schemas.microsoft.com/office/drawing/2014/main" id="{D8B19D9F-EE71-4337-A5B0-92F3F6F2E0D7}"/>
+              </a:ext>
+            </a:extLst>
+          </p:cNvPr>
+          <p:cNvSpPr>
+            <a:spLocks noGrp="1"/>
+          </p:cNvSpPr>
+          <p:nvPr>
+            <p:ph idx="1"/>
+          </p:nvPr>
+        </p:nvSpPr>
+        <p:spPr>
+          <a:xfrm>
+            <a:off x="-48861" y="1524000"/>
+            <a:ext cx="12333930" cy="5567835"/>
+          </a:xfrm>
+          <a:solidFill>
+            <a:schemeClr val="bg1"/>
+          </a:solidFill>
+        </p:spPr>
+        <p:txBody>
+          <a:bodyPr>
+            <a:normAutofit/>
+          </a:bodyPr>
+          <a:lstStyle/>
+          <a:p>
+            <a:endParaRPr lang="de-CH" sz="3600" dirty="0">
+              <a:latin typeface="Myriad Pro" panose="020B0503030403020204" pitchFamily="34" charset="0"/>
+            </a:endParaRPr>
+          </a:p>
+          <a:p>
+            <a:pPr marL="1657350" lvl="2" indent="-742950">
+              <a:buFont typeface="+mj-lt"/>
+              <a:buAutoNum type="arabicParenBoth"/>
+            </a:pPr>
+            <a:r>
+              <a:rPr lang="de-CH" sz="800" dirty="0">
+                <a:solidFill>
+                  <a:schemeClr val="bg1"/>
+                </a:solidFill>
+                <a:latin typeface="Myriad Pro" panose="020B0503030403020204" pitchFamily="34" charset="0"/>
+              </a:rPr>
+              <a:t>- </a:t>
+            </a:r>
+          </a:p>
+          <a:p>
+            <a:pPr lvl="2">
+              <a:buFontTx/>
+              <a:buChar char="-"/>
+            </a:pPr>
+            <a:r>
+              <a:rPr lang="de-CH" sz="4000" dirty="0">
+                <a:latin typeface="Myriad Pro" panose="020B0503030403020204" pitchFamily="34" charset="0"/>
+              </a:rPr>
+              <a:t> Protokollabnahme</a:t>
+            </a:r>
+          </a:p>
+          <a:p>
+            <a:pPr marL="914400" lvl="2" indent="0">
+              <a:buNone/>
+            </a:pPr>
+            <a:r>
+              <a:rPr lang="de-CH" sz="4000" dirty="0">
+                <a:latin typeface="Myriad Pro" panose="020B0503030403020204" pitchFamily="34" charset="0"/>
+              </a:rPr>
+              <a:t>- Stand der Arbeit</a:t>
+            </a:r>
+          </a:p>
+          <a:p>
+            <a:pPr marL="914400" lvl="2" indent="0">
+              <a:buNone/>
+            </a:pPr>
+            <a:r>
+              <a:rPr lang="de-CH" sz="4000" dirty="0">
+                <a:latin typeface="Myriad Pro" panose="020B0503030403020204" pitchFamily="34" charset="0"/>
+              </a:rPr>
+              <a:t>- Demonstration</a:t>
+            </a:r>
+          </a:p>
+          <a:p>
+            <a:pPr marL="914400" lvl="2" indent="0">
+              <a:buNone/>
+            </a:pPr>
+            <a:r>
+              <a:rPr lang="de-CH" sz="4000" dirty="0">
+                <a:latin typeface="Myriad Pro" panose="020B0503030403020204" pitchFamily="34" charset="0"/>
+              </a:rPr>
+              <a:t>- Kundenseitiges Feedback/ weiteres Vorgehen</a:t>
+            </a:r>
+          </a:p>
+        </p:txBody>
+      </p:sp>
+      <p:pic>
+        <p:nvPicPr>
+          <p:cNvPr id="5" name="Grafik 4">
+            <a:extLst>
+              <a:ext uri="{FF2B5EF4-FFF2-40B4-BE49-F238E27FC236}">
+                <a16:creationId xmlns:a16="http://schemas.microsoft.com/office/drawing/2014/main" id="{66E24A75-8A64-4E03-A0FE-DD247E90F1D2}"/>
+              </a:ext>
+            </a:extLst>
+          </p:cNvPr>
+          <p:cNvPicPr>
+            <a:picLocks noChangeAspect="1"/>
+          </p:cNvPicPr>
+          <p:nvPr/>
+        </p:nvPicPr>
+        <p:blipFill>
+          <a:blip r:embed="rId2">
+            <a:extLst>
+              <a:ext uri="{28A0092B-C50C-407E-A947-70E740481C1C}">
+                <a14:useLocalDpi xmlns:a14="http://schemas.microsoft.com/office/drawing/2010/main" val="0"/>
+              </a:ext>
+            </a:extLst>
+          </a:blip>
+          <a:stretch>
+            <a:fillRect/>
+          </a:stretch>
+        </p:blipFill>
+        <p:spPr>
+          <a:xfrm>
+            <a:off x="10475858" y="241829"/>
+            <a:ext cx="1462142" cy="914400"/>
+          </a:xfrm>
+          <a:prstGeom prst="rect">
+            <a:avLst/>
+          </a:prstGeom>
+        </p:spPr>
+      </p:pic>
+    </p:spTree>
+    <p:extLst>
+      <p:ext uri="{BB962C8B-B14F-4D97-AF65-F5344CB8AC3E}">
+        <p14:creationId xmlns:p14="http://schemas.microsoft.com/office/powerpoint/2010/main" val="3940947018"/>
+      </p:ext>
+    </p:extLst>
+  </p:cSld>
+  <p:clrMapOvr>
+    <a:masterClrMapping/>
+  </p:clrMapOvr>
+  <p:transition>
+    <p:push dir="u"/>
+  </p:transition>
+</p:sld>
+</file>
+
+<file path=ppt/slides/slide3.xml><?xml version="1.0" encoding="utf-8"?>
+<p:sld xmlns:a="http://schemas.openxmlformats.org/drawingml/2006/main" xmlns:r="http://schemas.openxmlformats.org/officeDocument/2006/relationships" xmlns:p="http://schemas.openxmlformats.org/presentationml/2006/main">
+  <p:cSld>
+    <p:bg>
+      <p:bgPr>
+        <a:solidFill>
+          <a:srgbClr val="4063B4"/>
+        </a:solidFill>
+        <a:effectLst/>
+      </p:bgPr>
+    </p:bg>
+    <p:spTree>
+      <p:nvGrpSpPr>
+        <p:cNvPr id="1" name=""/>
+        <p:cNvGrpSpPr/>
+        <p:nvPr/>
+      </p:nvGrpSpPr>
+      <p:grpSpPr>
+        <a:xfrm>
+          <a:off x="0" y="0"/>
+          <a:ext cx="0" cy="0"/>
+          <a:chOff x="0" y="0"/>
+          <a:chExt cx="0" cy="0"/>
+        </a:xfrm>
+      </p:grpSpPr>
+      <p:sp>
+        <p:nvSpPr>
+          <p:cNvPr id="2" name="Titel 1">
+            <a:extLst>
+              <a:ext uri="{FF2B5EF4-FFF2-40B4-BE49-F238E27FC236}">
+                <a16:creationId xmlns:a16="http://schemas.microsoft.com/office/drawing/2014/main" id="{0401B019-F359-4764-A427-8FCE14F81598}"/>
+              </a:ext>
+            </a:extLst>
+          </p:cNvPr>
+          <p:cNvSpPr>
+            <a:spLocks noGrp="1"/>
+          </p:cNvSpPr>
+          <p:nvPr>
+            <p:ph type="title"/>
+          </p:nvPr>
+        </p:nvSpPr>
+        <p:spPr>
+          <a:xfrm>
+            <a:off x="719667" y="135468"/>
+            <a:ext cx="10769600" cy="1266296"/>
+          </a:xfrm>
+        </p:spPr>
+        <p:txBody>
+          <a:bodyPr>
+            <a:normAutofit/>
+          </a:bodyPr>
+          <a:lstStyle/>
+          <a:p>
+            <a:r>
+              <a:rPr lang="de-CH" sz="6000" b="1" dirty="0">
+                <a:solidFill>
+                  <a:schemeClr val="bg1"/>
+                </a:solidFill>
+                <a:latin typeface="Myriad Pro" panose="020B0503030403020204" pitchFamily="34" charset="0"/>
+              </a:rPr>
+              <a:t>Stand </a:t>
+            </a:r>
+            <a:r>
+              <a:rPr lang="de-CH" sz="6000" b="1" dirty="0" err="1">
+                <a:solidFill>
+                  <a:schemeClr val="bg1"/>
+                </a:solidFill>
+                <a:latin typeface="Myriad Pro" panose="020B0503030403020204" pitchFamily="34" charset="0"/>
+              </a:rPr>
+              <a:t>Issues</a:t>
+            </a:r>
+            <a:endParaRPr lang="de-CH" sz="6000" b="1" dirty="0">
+              <a:solidFill>
+                <a:schemeClr val="bg1"/>
+              </a:solidFill>
+              <a:latin typeface="Myriad Pro" panose="020B0503030403020204" pitchFamily="34" charset="0"/>
+            </a:endParaRPr>
+          </a:p>
+        </p:txBody>
+      </p:sp>
+      <p:pic>
+        <p:nvPicPr>
+          <p:cNvPr id="5" name="Grafik 4">
+            <a:extLst>
+              <a:ext uri="{FF2B5EF4-FFF2-40B4-BE49-F238E27FC236}">
+                <a16:creationId xmlns:a16="http://schemas.microsoft.com/office/drawing/2014/main" id="{66E24A75-8A64-4E03-A0FE-DD247E90F1D2}"/>
+              </a:ext>
+            </a:extLst>
+          </p:cNvPr>
+          <p:cNvPicPr>
+            <a:picLocks noChangeAspect="1"/>
+          </p:cNvPicPr>
+          <p:nvPr/>
+        </p:nvPicPr>
+        <p:blipFill>
+          <a:blip r:embed="rId2">
+            <a:extLst>
+              <a:ext uri="{28A0092B-C50C-407E-A947-70E740481C1C}">
+                <a14:useLocalDpi xmlns:a14="http://schemas.microsoft.com/office/drawing/2010/main" val="0"/>
+              </a:ext>
+            </a:extLst>
+          </a:blip>
+          <a:stretch>
+            <a:fillRect/>
+          </a:stretch>
+        </p:blipFill>
+        <p:spPr>
+          <a:xfrm>
+            <a:off x="10475858" y="241829"/>
+            <a:ext cx="1462142" cy="914400"/>
+          </a:xfrm>
+          <a:prstGeom prst="rect">
+            <a:avLst/>
+          </a:prstGeom>
+        </p:spPr>
+      </p:pic>
+      <p:sp>
+        <p:nvSpPr>
+          <p:cNvPr id="6" name="Content Placeholder 5">
+            <a:extLst>
+              <a:ext uri="{FF2B5EF4-FFF2-40B4-BE49-F238E27FC236}">
+                <a16:creationId xmlns:a16="http://schemas.microsoft.com/office/drawing/2014/main" id="{766679C0-8112-463D-AC00-BAD5E93F4814}"/>
+              </a:ext>
+            </a:extLst>
+          </p:cNvPr>
+          <p:cNvSpPr>
+            <a:spLocks noGrp="1"/>
+          </p:cNvSpPr>
+          <p:nvPr>
+            <p:ph idx="1"/>
+          </p:nvPr>
+        </p:nvSpPr>
+        <p:spPr/>
+        <p:txBody>
+          <a:bodyPr/>
+          <a:lstStyle/>
+          <a:p>
+            <a:endParaRPr lang="en-US"/>
+          </a:p>
+        </p:txBody>
+      </p:sp>
+      <p:sp>
+        <p:nvSpPr>
+          <p:cNvPr id="7" name="Inhaltsplatzhalter 2">
+            <a:extLst>
+              <a:ext uri="{FF2B5EF4-FFF2-40B4-BE49-F238E27FC236}">
+                <a16:creationId xmlns:a16="http://schemas.microsoft.com/office/drawing/2014/main" id="{0D9830EE-BC8B-49F9-B46C-381802CD0064}"/>
               </a:ext>
             </a:extLst>
           </p:cNvPr>
@@ -4555,6 +4332,1230 @@
             </a:lvl9pPr>
           </a:lstStyle>
           <a:p>
+            <a:endParaRPr lang="de-CH" sz="3600" dirty="0">
+              <a:latin typeface="Myriad Pro" panose="020B0503030403020204" pitchFamily="34" charset="0"/>
+            </a:endParaRPr>
+          </a:p>
+          <a:p>
+            <a:pPr marL="1657350" lvl="2" indent="-742950">
+              <a:buFont typeface="+mj-lt"/>
+              <a:buAutoNum type="arabicParenBoth"/>
+            </a:pPr>
+            <a:r>
+              <a:rPr lang="de-CH" sz="800" dirty="0">
+                <a:solidFill>
+                  <a:schemeClr val="bg1"/>
+                </a:solidFill>
+                <a:latin typeface="Myriad Pro" panose="020B0503030403020204" pitchFamily="34" charset="0"/>
+              </a:rPr>
+              <a:t>- </a:t>
+            </a:r>
+          </a:p>
+          <a:p>
+            <a:pPr marL="914400" lvl="2" indent="0">
+              <a:buFont typeface="Arial" panose="020B0604020202020204" pitchFamily="34" charset="0"/>
+              <a:buNone/>
+            </a:pPr>
+            <a:r>
+              <a:rPr lang="de-CH" sz="4000" dirty="0">
+                <a:latin typeface="Myriad Pro" panose="020B0503030403020204" pitchFamily="34" charset="0"/>
+              </a:rPr>
+              <a:t>Meilenstein 4 umgesetzt!</a:t>
+            </a:r>
+          </a:p>
+          <a:p>
+            <a:pPr marL="914400" lvl="2" indent="0">
+              <a:buFont typeface="Arial" panose="020B0604020202020204" pitchFamily="34" charset="0"/>
+              <a:buNone/>
+            </a:pPr>
+            <a:r>
+              <a:rPr lang="de-CH" sz="4000" dirty="0">
+                <a:latin typeface="Myriad Pro" panose="020B0503030403020204" pitchFamily="34" charset="0"/>
+              </a:rPr>
+              <a:t>Neue Funktionalitäten:</a:t>
+            </a:r>
+          </a:p>
+          <a:p>
+            <a:pPr lvl="3">
+              <a:buFont typeface="Symbol" panose="05050102010706020507" pitchFamily="18" charset="2"/>
+              <a:buChar char="-"/>
+            </a:pPr>
+            <a:r>
+              <a:rPr lang="de-CH" sz="3800" dirty="0">
+                <a:latin typeface="Myriad Pro" panose="020B0503030403020204" pitchFamily="34" charset="0"/>
+              </a:rPr>
+              <a:t> kleines Diagramm auf der Auswertungsseite</a:t>
+            </a:r>
+          </a:p>
+          <a:p>
+            <a:pPr lvl="3">
+              <a:buFont typeface="Symbol" panose="05050102010706020507" pitchFamily="18" charset="2"/>
+              <a:buChar char="-"/>
+            </a:pPr>
+            <a:r>
+              <a:rPr lang="de-CH" sz="3800" dirty="0">
+                <a:latin typeface="Myriad Pro" panose="020B0503030403020204" pitchFamily="34" charset="0"/>
+              </a:rPr>
+              <a:t> CSV-Export</a:t>
+            </a:r>
+          </a:p>
+          <a:p>
+            <a:pPr marL="914400" lvl="2" indent="0">
+              <a:buNone/>
+            </a:pPr>
+            <a:r>
+              <a:rPr lang="de-CH" sz="4000" dirty="0">
+                <a:latin typeface="Myriad Pro" panose="020B0503030403020204" pitchFamily="34" charset="0"/>
+              </a:rPr>
+              <a:t>Anpassungen</a:t>
+            </a:r>
+          </a:p>
+          <a:p>
+            <a:pPr lvl="3">
+              <a:buFont typeface="Symbol" panose="05050102010706020507" pitchFamily="18" charset="2"/>
+              <a:buChar char="-"/>
+            </a:pPr>
+            <a:r>
+              <a:rPr lang="de-CH" sz="3800" dirty="0">
+                <a:latin typeface="Myriad Pro" panose="020B0503030403020204" pitchFamily="34" charset="0"/>
+              </a:rPr>
+              <a:t> Fahrten-Logik optimiert</a:t>
+            </a:r>
+          </a:p>
+          <a:p>
+            <a:pPr lvl="3">
+              <a:buFont typeface="Symbol" panose="05050102010706020507" pitchFamily="18" charset="2"/>
+              <a:buChar char="-"/>
+            </a:pPr>
+            <a:r>
+              <a:rPr lang="de-CH" sz="3800" dirty="0">
+                <a:latin typeface="Myriad Pro" panose="020B0503030403020204" pitchFamily="34" charset="0"/>
+              </a:rPr>
+              <a:t> allgemeine Ausbesserungen</a:t>
+            </a:r>
+          </a:p>
+          <a:p>
+            <a:pPr lvl="2"/>
+            <a:endParaRPr lang="de-CH" sz="4000" dirty="0">
+              <a:latin typeface="Myriad Pro" panose="020B0503030403020204" pitchFamily="34" charset="0"/>
+            </a:endParaRPr>
+          </a:p>
+        </p:txBody>
+      </p:sp>
+    </p:spTree>
+    <p:extLst>
+      <p:ext uri="{BB962C8B-B14F-4D97-AF65-F5344CB8AC3E}">
+        <p14:creationId xmlns:p14="http://schemas.microsoft.com/office/powerpoint/2010/main" val="2368555678"/>
+      </p:ext>
+    </p:extLst>
+  </p:cSld>
+  <p:clrMapOvr>
+    <a:masterClrMapping/>
+  </p:clrMapOvr>
+  <p:transition>
+    <p:push dir="u"/>
+  </p:transition>
+</p:sld>
+</file>
+
+<file path=ppt/slides/slide4.xml><?xml version="1.0" encoding="utf-8"?>
+<p:sld xmlns:a="http://schemas.openxmlformats.org/drawingml/2006/main" xmlns:r="http://schemas.openxmlformats.org/officeDocument/2006/relationships" xmlns:p="http://schemas.openxmlformats.org/presentationml/2006/main">
+  <p:cSld>
+    <p:bg>
+      <p:bgPr>
+        <a:solidFill>
+          <a:srgbClr val="4063B4"/>
+        </a:solidFill>
+        <a:effectLst/>
+      </p:bgPr>
+    </p:bg>
+    <p:spTree>
+      <p:nvGrpSpPr>
+        <p:cNvPr id="1" name=""/>
+        <p:cNvGrpSpPr/>
+        <p:nvPr/>
+      </p:nvGrpSpPr>
+      <p:grpSpPr>
+        <a:xfrm>
+          <a:off x="0" y="0"/>
+          <a:ext cx="0" cy="0"/>
+          <a:chOff x="0" y="0"/>
+          <a:chExt cx="0" cy="0"/>
+        </a:xfrm>
+      </p:grpSpPr>
+      <p:sp>
+        <p:nvSpPr>
+          <p:cNvPr id="2" name="Titel 1">
+            <a:extLst>
+              <a:ext uri="{FF2B5EF4-FFF2-40B4-BE49-F238E27FC236}">
+                <a16:creationId xmlns:a16="http://schemas.microsoft.com/office/drawing/2014/main" id="{0401B019-F359-4764-A427-8FCE14F81598}"/>
+              </a:ext>
+            </a:extLst>
+          </p:cNvPr>
+          <p:cNvSpPr>
+            <a:spLocks noGrp="1"/>
+          </p:cNvSpPr>
+          <p:nvPr>
+            <p:ph type="title"/>
+          </p:nvPr>
+        </p:nvSpPr>
+        <p:spPr>
+          <a:xfrm>
+            <a:off x="719667" y="135468"/>
+            <a:ext cx="10769600" cy="1266296"/>
+          </a:xfrm>
+        </p:spPr>
+        <p:txBody>
+          <a:bodyPr>
+            <a:normAutofit/>
+          </a:bodyPr>
+          <a:lstStyle/>
+          <a:p>
+            <a:r>
+              <a:rPr lang="de-CH" sz="6000" b="1" dirty="0">
+                <a:solidFill>
+                  <a:schemeClr val="bg1"/>
+                </a:solidFill>
+                <a:latin typeface="Myriad Pro" panose="020B0503030403020204" pitchFamily="34" charset="0"/>
+              </a:rPr>
+              <a:t>Aufwand Meilenstein 4 </a:t>
+            </a:r>
+            <a:r>
+              <a:rPr lang="de-CH" sz="2400" b="1" dirty="0">
+                <a:solidFill>
+                  <a:schemeClr val="bg1"/>
+                </a:solidFill>
+                <a:latin typeface="Myriad Pro" panose="020B0503030403020204" pitchFamily="34" charset="0"/>
+              </a:rPr>
+              <a:t>(17.05.2018)</a:t>
+            </a:r>
+          </a:p>
+        </p:txBody>
+      </p:sp>
+      <p:sp>
+        <p:nvSpPr>
+          <p:cNvPr id="3" name="Inhaltsplatzhalter 2">
+            <a:extLst>
+              <a:ext uri="{FF2B5EF4-FFF2-40B4-BE49-F238E27FC236}">
+                <a16:creationId xmlns:a16="http://schemas.microsoft.com/office/drawing/2014/main" id="{D8B19D9F-EE71-4337-A5B0-92F3F6F2E0D7}"/>
+              </a:ext>
+            </a:extLst>
+          </p:cNvPr>
+          <p:cNvSpPr>
+            <a:spLocks noGrp="1"/>
+          </p:cNvSpPr>
+          <p:nvPr>
+            <p:ph idx="1"/>
+          </p:nvPr>
+        </p:nvSpPr>
+        <p:spPr>
+          <a:xfrm>
+            <a:off x="-88143" y="1401764"/>
+            <a:ext cx="12724760" cy="5468470"/>
+          </a:xfrm>
+          <a:solidFill>
+            <a:schemeClr val="bg1"/>
+          </a:solidFill>
+        </p:spPr>
+        <p:txBody>
+          <a:bodyPr>
+            <a:normAutofit/>
+          </a:bodyPr>
+          <a:lstStyle/>
+          <a:p>
+            <a:endParaRPr lang="de-CH" sz="3600" dirty="0"/>
+          </a:p>
+          <a:p>
+            <a:endParaRPr lang="de-CH" sz="3600" dirty="0"/>
+          </a:p>
+        </p:txBody>
+      </p:sp>
+      <p:pic>
+        <p:nvPicPr>
+          <p:cNvPr id="5" name="Grafik 4">
+            <a:extLst>
+              <a:ext uri="{FF2B5EF4-FFF2-40B4-BE49-F238E27FC236}">
+                <a16:creationId xmlns:a16="http://schemas.microsoft.com/office/drawing/2014/main" id="{66E24A75-8A64-4E03-A0FE-DD247E90F1D2}"/>
+              </a:ext>
+            </a:extLst>
+          </p:cNvPr>
+          <p:cNvPicPr>
+            <a:picLocks noChangeAspect="1"/>
+          </p:cNvPicPr>
+          <p:nvPr/>
+        </p:nvPicPr>
+        <p:blipFill>
+          <a:blip r:embed="rId2">
+            <a:extLst>
+              <a:ext uri="{28A0092B-C50C-407E-A947-70E740481C1C}">
+                <a14:useLocalDpi xmlns:a14="http://schemas.microsoft.com/office/drawing/2010/main" val="0"/>
+              </a:ext>
+            </a:extLst>
+          </a:blip>
+          <a:stretch>
+            <a:fillRect/>
+          </a:stretch>
+        </p:blipFill>
+        <p:spPr>
+          <a:xfrm>
+            <a:off x="10475858" y="241829"/>
+            <a:ext cx="1462142" cy="914400"/>
+          </a:xfrm>
+          <a:prstGeom prst="rect">
+            <a:avLst/>
+          </a:prstGeom>
+        </p:spPr>
+      </p:pic>
+      <p:graphicFrame>
+        <p:nvGraphicFramePr>
+          <p:cNvPr id="4" name="Tabelle 3">
+            <a:extLst>
+              <a:ext uri="{FF2B5EF4-FFF2-40B4-BE49-F238E27FC236}">
+                <a16:creationId xmlns:a16="http://schemas.microsoft.com/office/drawing/2014/main" id="{DF5F0AA4-956C-468F-B501-114AA425E8F0}"/>
+              </a:ext>
+            </a:extLst>
+          </p:cNvPr>
+          <p:cNvGraphicFramePr>
+            <a:graphicFrameLocks noGrp="1"/>
+          </p:cNvGraphicFramePr>
+          <p:nvPr>
+            <p:extLst>
+              <p:ext uri="{D42A27DB-BD31-4B8C-83A1-F6EECF244321}">
+                <p14:modId xmlns:p14="http://schemas.microsoft.com/office/powerpoint/2010/main" val="1362151924"/>
+              </p:ext>
+            </p:extLst>
+          </p:nvPr>
+        </p:nvGraphicFramePr>
+        <p:xfrm>
+          <a:off x="728570" y="1769203"/>
+          <a:ext cx="5545667" cy="4095330"/>
+        </p:xfrm>
+        <a:graphic>
+          <a:graphicData uri="http://schemas.openxmlformats.org/drawingml/2006/table">
+            <a:tbl>
+              <a:tblPr>
+                <a:tableStyleId>{2D5ABB26-0587-4C30-8999-92F81FD0307C}</a:tableStyleId>
+              </a:tblPr>
+              <a:tblGrid>
+                <a:gridCol w="4867687">
+                  <a:extLst>
+                    <a:ext uri="{9D8B030D-6E8A-4147-A177-3AD203B41FA5}">
+                      <a16:colId xmlns:a16="http://schemas.microsoft.com/office/drawing/2014/main" val="2187792830"/>
+                    </a:ext>
+                  </a:extLst>
+                </a:gridCol>
+                <a:gridCol w="677980">
+                  <a:extLst>
+                    <a:ext uri="{9D8B030D-6E8A-4147-A177-3AD203B41FA5}">
+                      <a16:colId xmlns:a16="http://schemas.microsoft.com/office/drawing/2014/main" val="2263850286"/>
+                    </a:ext>
+                  </a:extLst>
+                </a:gridCol>
+              </a:tblGrid>
+              <a:tr h="685242">
+                <a:tc>
+                  <a:txBody>
+                    <a:bodyPr/>
+                    <a:lstStyle/>
+                    <a:p>
+                      <a:pPr algn="l" fontAlgn="b"/>
+                      <a:r>
+                        <a:rPr lang="de-CH" sz="2400" u="none" strike="noStrike" dirty="0">
+                          <a:effectLst/>
+                          <a:latin typeface="Myriad Pro" panose="020B0503030403020204" pitchFamily="34" charset="0"/>
+                        </a:rPr>
+                        <a:t>Projekt in Std</a:t>
+                      </a:r>
+                      <a:endParaRPr lang="de-CH" sz="2400" b="0" i="0" u="none" strike="noStrike" dirty="0">
+                        <a:solidFill>
+                          <a:srgbClr val="000000"/>
+                        </a:solidFill>
+                        <a:effectLst/>
+                        <a:latin typeface="Myriad Pro" panose="020B0503030403020204" pitchFamily="34" charset="0"/>
+                      </a:endParaRPr>
+                    </a:p>
+                  </a:txBody>
+                  <a:tcPr marL="0" marR="0" marT="0" marB="0" anchor="b">
+                    <a:lnR w="12700" cap="flat" cmpd="sng" algn="ctr">
+                      <a:solidFill>
+                        <a:schemeClr val="tx1"/>
+                      </a:solidFill>
+                      <a:prstDash val="solid"/>
+                      <a:round/>
+                      <a:headEnd type="none" w="med" len="med"/>
+                      <a:tailEnd type="none" w="med" len="med"/>
+                    </a:lnR>
+                    <a:lnB w="12700" cap="flat" cmpd="sng" algn="ctr">
+                      <a:solidFill>
+                        <a:schemeClr val="tx1"/>
+                      </a:solidFill>
+                      <a:prstDash val="solid"/>
+                      <a:round/>
+                      <a:headEnd type="none" w="med" len="med"/>
+                      <a:tailEnd type="none" w="med" len="med"/>
+                    </a:lnB>
+                  </a:tcPr>
+                </a:tc>
+                <a:tc>
+                  <a:txBody>
+                    <a:bodyPr/>
+                    <a:lstStyle/>
+                    <a:p>
+                      <a:pPr algn="r" fontAlgn="b"/>
+                      <a:r>
+                        <a:rPr lang="de-CH" sz="2400" u="none" strike="noStrike" kern="1200" dirty="0">
+                          <a:solidFill>
+                            <a:schemeClr val="dk1"/>
+                          </a:solidFill>
+                          <a:effectLst/>
+                          <a:latin typeface="Myriad Pro" panose="020B0503030403020204" pitchFamily="34" charset="0"/>
+                          <a:ea typeface="+mn-ea"/>
+                          <a:cs typeface="+mn-cs"/>
+                        </a:rPr>
+                        <a:t>29</a:t>
+                      </a:r>
+                    </a:p>
+                  </a:txBody>
+                  <a:tcPr marL="0" marR="0" marT="0" marB="0" anchor="b">
+                    <a:lnL w="12700" cap="flat" cmpd="sng" algn="ctr">
+                      <a:solidFill>
+                        <a:schemeClr val="tx1"/>
+                      </a:solidFill>
+                      <a:prstDash val="solid"/>
+                      <a:round/>
+                      <a:headEnd type="none" w="med" len="med"/>
+                      <a:tailEnd type="none" w="med" len="med"/>
+                    </a:lnL>
+                    <a:lnB w="12700" cap="flat" cmpd="sng" algn="ctr">
+                      <a:solidFill>
+                        <a:schemeClr val="tx1"/>
+                      </a:solidFill>
+                      <a:prstDash val="solid"/>
+                      <a:round/>
+                      <a:headEnd type="none" w="med" len="med"/>
+                      <a:tailEnd type="none" w="med" len="med"/>
+                    </a:lnB>
+                  </a:tcPr>
+                </a:tc>
+                <a:extLst>
+                  <a:ext uri="{0D108BD9-81ED-4DB2-BD59-A6C34878D82A}">
+                    <a16:rowId xmlns:a16="http://schemas.microsoft.com/office/drawing/2014/main" val="1190548086"/>
+                  </a:ext>
+                </a:extLst>
+              </a:tr>
+              <a:tr h="685242">
+                <a:tc>
+                  <a:txBody>
+                    <a:bodyPr/>
+                    <a:lstStyle/>
+                    <a:p>
+                      <a:pPr algn="l" fontAlgn="b"/>
+                      <a:r>
+                        <a:rPr lang="de-CH" sz="2400" u="none" strike="noStrike" dirty="0">
+                          <a:effectLst/>
+                          <a:latin typeface="Myriad Pro" panose="020B0503030403020204" pitchFamily="34" charset="0"/>
+                        </a:rPr>
+                        <a:t>Clean Code</a:t>
+                      </a:r>
+                      <a:endParaRPr lang="de-CH" sz="2400" b="0" i="0" u="none" strike="noStrike" dirty="0">
+                        <a:solidFill>
+                          <a:srgbClr val="000000"/>
+                        </a:solidFill>
+                        <a:effectLst/>
+                        <a:latin typeface="Myriad Pro" panose="020B0503030403020204" pitchFamily="34" charset="0"/>
+                      </a:endParaRPr>
+                    </a:p>
+                  </a:txBody>
+                  <a:tcPr marL="0" marR="0" marT="0" marB="0" anchor="b">
+                    <a:lnR w="12700" cap="flat" cmpd="sng" algn="ctr">
+                      <a:solidFill>
+                        <a:schemeClr val="tx1"/>
+                      </a:solidFill>
+                      <a:prstDash val="solid"/>
+                      <a:round/>
+                      <a:headEnd type="none" w="med" len="med"/>
+                      <a:tailEnd type="none" w="med" len="med"/>
+                    </a:lnR>
+                    <a:lnT w="12700" cap="flat" cmpd="sng" algn="ctr">
+                      <a:solidFill>
+                        <a:schemeClr val="tx1"/>
+                      </a:solidFill>
+                      <a:prstDash val="solid"/>
+                      <a:round/>
+                      <a:headEnd type="none" w="med" len="med"/>
+                      <a:tailEnd type="none" w="med" len="med"/>
+                    </a:lnT>
+                    <a:lnB w="12700" cap="flat" cmpd="sng" algn="ctr">
+                      <a:solidFill>
+                        <a:schemeClr val="tx1"/>
+                      </a:solidFill>
+                      <a:prstDash val="solid"/>
+                      <a:round/>
+                      <a:headEnd type="none" w="med" len="med"/>
+                      <a:tailEnd type="none" w="med" len="med"/>
+                    </a:lnB>
+                  </a:tcPr>
+                </a:tc>
+                <a:tc>
+                  <a:txBody>
+                    <a:bodyPr/>
+                    <a:lstStyle/>
+                    <a:p>
+                      <a:pPr algn="r" fontAlgn="b"/>
+                      <a:r>
+                        <a:rPr lang="de-CH" sz="2400" u="none" strike="noStrike" kern="1200" dirty="0">
+                          <a:effectLst/>
+                          <a:latin typeface="Myriad Pro" panose="020B0503030403020204" pitchFamily="34" charset="0"/>
+                        </a:rPr>
+                        <a:t>7.5</a:t>
+                      </a:r>
+                      <a:endParaRPr lang="de-CH" sz="2400" u="none" strike="noStrike" kern="1200" dirty="0">
+                        <a:solidFill>
+                          <a:schemeClr val="dk1"/>
+                        </a:solidFill>
+                        <a:effectLst/>
+                        <a:latin typeface="Myriad Pro" panose="020B0503030403020204" pitchFamily="34" charset="0"/>
+                        <a:ea typeface="+mn-ea"/>
+                        <a:cs typeface="+mn-cs"/>
+                      </a:endParaRPr>
+                    </a:p>
+                  </a:txBody>
+                  <a:tcPr marL="0" marR="0" marT="0" marB="0" anchor="b">
+                    <a:lnL w="12700" cap="flat" cmpd="sng" algn="ctr">
+                      <a:solidFill>
+                        <a:schemeClr val="tx1"/>
+                      </a:solidFill>
+                      <a:prstDash val="solid"/>
+                      <a:round/>
+                      <a:headEnd type="none" w="med" len="med"/>
+                      <a:tailEnd type="none" w="med" len="med"/>
+                    </a:lnL>
+                    <a:lnT w="12700" cap="flat" cmpd="sng" algn="ctr">
+                      <a:solidFill>
+                        <a:schemeClr val="tx1"/>
+                      </a:solidFill>
+                      <a:prstDash val="solid"/>
+                      <a:round/>
+                      <a:headEnd type="none" w="med" len="med"/>
+                      <a:tailEnd type="none" w="med" len="med"/>
+                    </a:lnT>
+                    <a:lnB w="12700" cap="flat" cmpd="sng" algn="ctr">
+                      <a:solidFill>
+                        <a:schemeClr val="tx1"/>
+                      </a:solidFill>
+                      <a:prstDash val="solid"/>
+                      <a:round/>
+                      <a:headEnd type="none" w="med" len="med"/>
+                      <a:tailEnd type="none" w="med" len="med"/>
+                    </a:lnB>
+                  </a:tcPr>
+                </a:tc>
+                <a:extLst>
+                  <a:ext uri="{0D108BD9-81ED-4DB2-BD59-A6C34878D82A}">
+                    <a16:rowId xmlns:a16="http://schemas.microsoft.com/office/drawing/2014/main" val="2923432542"/>
+                  </a:ext>
+                </a:extLst>
+              </a:tr>
+              <a:tr h="685242">
+                <a:tc>
+                  <a:txBody>
+                    <a:bodyPr/>
+                    <a:lstStyle/>
+                    <a:p>
+                      <a:pPr algn="l" fontAlgn="b"/>
+                      <a:r>
+                        <a:rPr lang="de-CH" sz="2400" u="none" strike="noStrike" dirty="0">
+                          <a:effectLst/>
+                          <a:latin typeface="Myriad Pro" panose="020B0503030403020204" pitchFamily="34" charset="0"/>
+                        </a:rPr>
+                        <a:t>Projekt effektiv</a:t>
+                      </a:r>
+                      <a:endParaRPr lang="de-CH" sz="2400" b="1" i="0" u="none" strike="noStrike" dirty="0">
+                        <a:solidFill>
+                          <a:srgbClr val="000000"/>
+                        </a:solidFill>
+                        <a:effectLst/>
+                        <a:latin typeface="Myriad Pro" panose="020B0503030403020204" pitchFamily="34" charset="0"/>
+                      </a:endParaRPr>
+                    </a:p>
+                  </a:txBody>
+                  <a:tcPr marL="0" marR="0" marT="0" marB="0" anchor="b">
+                    <a:lnR w="12700" cap="flat" cmpd="sng" algn="ctr">
+                      <a:solidFill>
+                        <a:schemeClr val="tx1"/>
+                      </a:solidFill>
+                      <a:prstDash val="solid"/>
+                      <a:round/>
+                      <a:headEnd type="none" w="med" len="med"/>
+                      <a:tailEnd type="none" w="med" len="med"/>
+                    </a:lnR>
+                    <a:lnT w="12700" cap="flat" cmpd="sng" algn="ctr">
+                      <a:solidFill>
+                        <a:schemeClr val="tx1"/>
+                      </a:solidFill>
+                      <a:prstDash val="solid"/>
+                      <a:round/>
+                      <a:headEnd type="none" w="med" len="med"/>
+                      <a:tailEnd type="none" w="med" len="med"/>
+                    </a:lnT>
+                    <a:lnB w="12700" cap="flat" cmpd="sng" algn="ctr">
+                      <a:solidFill>
+                        <a:schemeClr val="tx1"/>
+                      </a:solidFill>
+                      <a:prstDash val="solid"/>
+                      <a:round/>
+                      <a:headEnd type="none" w="med" len="med"/>
+                      <a:tailEnd type="none" w="med" len="med"/>
+                    </a:lnB>
+                  </a:tcPr>
+                </a:tc>
+                <a:tc>
+                  <a:txBody>
+                    <a:bodyPr/>
+                    <a:lstStyle/>
+                    <a:p>
+                      <a:pPr algn="r" fontAlgn="b"/>
+                      <a:r>
+                        <a:rPr lang="de-CH" sz="2400" u="none" strike="noStrike" kern="1200" dirty="0">
+                          <a:effectLst/>
+                          <a:latin typeface="Myriad Pro" panose="020B0503030403020204" pitchFamily="34" charset="0"/>
+                        </a:rPr>
+                        <a:t>36.5</a:t>
+                      </a:r>
+                      <a:endParaRPr lang="de-CH" sz="2400" u="none" strike="noStrike" kern="1200" dirty="0">
+                        <a:solidFill>
+                          <a:schemeClr val="dk1"/>
+                        </a:solidFill>
+                        <a:effectLst/>
+                        <a:latin typeface="Myriad Pro" panose="020B0503030403020204" pitchFamily="34" charset="0"/>
+                        <a:ea typeface="+mn-ea"/>
+                        <a:cs typeface="+mn-cs"/>
+                      </a:endParaRPr>
+                    </a:p>
+                  </a:txBody>
+                  <a:tcPr marL="0" marR="0" marT="0" marB="0" anchor="b">
+                    <a:lnL w="12700" cap="flat" cmpd="sng" algn="ctr">
+                      <a:solidFill>
+                        <a:schemeClr val="tx1"/>
+                      </a:solidFill>
+                      <a:prstDash val="solid"/>
+                      <a:round/>
+                      <a:headEnd type="none" w="med" len="med"/>
+                      <a:tailEnd type="none" w="med" len="med"/>
+                    </a:lnL>
+                    <a:lnT w="12700" cap="flat" cmpd="sng" algn="ctr">
+                      <a:solidFill>
+                        <a:schemeClr val="tx1"/>
+                      </a:solidFill>
+                      <a:prstDash val="solid"/>
+                      <a:round/>
+                      <a:headEnd type="none" w="med" len="med"/>
+                      <a:tailEnd type="none" w="med" len="med"/>
+                    </a:lnT>
+                    <a:lnB w="12700" cap="flat" cmpd="sng" algn="ctr">
+                      <a:solidFill>
+                        <a:schemeClr val="tx1"/>
+                      </a:solidFill>
+                      <a:prstDash val="solid"/>
+                      <a:round/>
+                      <a:headEnd type="none" w="med" len="med"/>
+                      <a:tailEnd type="none" w="med" len="med"/>
+                    </a:lnB>
+                  </a:tcPr>
+                </a:tc>
+                <a:extLst>
+                  <a:ext uri="{0D108BD9-81ED-4DB2-BD59-A6C34878D82A}">
+                    <a16:rowId xmlns:a16="http://schemas.microsoft.com/office/drawing/2014/main" val="507912266"/>
+                  </a:ext>
+                </a:extLst>
+              </a:tr>
+              <a:tr h="679868">
+                <a:tc>
+                  <a:txBody>
+                    <a:bodyPr/>
+                    <a:lstStyle/>
+                    <a:p>
+                      <a:pPr algn="l" fontAlgn="b"/>
+                      <a:r>
+                        <a:rPr lang="de-CH" sz="2400" u="none" strike="noStrike" dirty="0">
+                          <a:effectLst/>
+                          <a:latin typeface="Myriad Pro" panose="020B0503030403020204" pitchFamily="34" charset="0"/>
+                        </a:rPr>
+                        <a:t>Eingeplant</a:t>
+                      </a:r>
+                      <a:endParaRPr lang="de-CH" sz="2400" b="0" i="0" u="none" strike="noStrike" dirty="0">
+                        <a:solidFill>
+                          <a:srgbClr val="000000"/>
+                        </a:solidFill>
+                        <a:effectLst/>
+                        <a:latin typeface="Myriad Pro" panose="020B0503030403020204" pitchFamily="34" charset="0"/>
+                      </a:endParaRPr>
+                    </a:p>
+                  </a:txBody>
+                  <a:tcPr marL="0" marR="0" marT="0" marB="0" anchor="b">
+                    <a:lnR w="12700" cap="flat" cmpd="sng" algn="ctr">
+                      <a:solidFill>
+                        <a:schemeClr val="tx1"/>
+                      </a:solidFill>
+                      <a:prstDash val="solid"/>
+                      <a:round/>
+                      <a:headEnd type="none" w="med" len="med"/>
+                      <a:tailEnd type="none" w="med" len="med"/>
+                    </a:lnR>
+                    <a:lnT w="12700" cap="flat" cmpd="sng" algn="ctr">
+                      <a:solidFill>
+                        <a:schemeClr val="tx1"/>
+                      </a:solidFill>
+                      <a:prstDash val="solid"/>
+                      <a:round/>
+                      <a:headEnd type="none" w="med" len="med"/>
+                      <a:tailEnd type="none" w="med" len="med"/>
+                    </a:lnT>
+                    <a:lnB w="12700" cap="flat" cmpd="sng" algn="ctr">
+                      <a:solidFill>
+                        <a:schemeClr val="tx1"/>
+                      </a:solidFill>
+                      <a:prstDash val="solid"/>
+                      <a:round/>
+                      <a:headEnd type="none" w="med" len="med"/>
+                      <a:tailEnd type="none" w="med" len="med"/>
+                    </a:lnB>
+                  </a:tcPr>
+                </a:tc>
+                <a:tc>
+                  <a:txBody>
+                    <a:bodyPr/>
+                    <a:lstStyle/>
+                    <a:p>
+                      <a:pPr algn="r" fontAlgn="b"/>
+                      <a:r>
+                        <a:rPr lang="de-CH" sz="2400" u="none" strike="noStrike" kern="1200" dirty="0">
+                          <a:effectLst/>
+                          <a:latin typeface="Myriad Pro" panose="020B0503030403020204" pitchFamily="34" charset="0"/>
+                        </a:rPr>
+                        <a:t>60</a:t>
+                      </a:r>
+                      <a:endParaRPr lang="de-CH" sz="2400" u="none" strike="noStrike" kern="1200" dirty="0">
+                        <a:solidFill>
+                          <a:schemeClr val="dk1"/>
+                        </a:solidFill>
+                        <a:effectLst/>
+                        <a:latin typeface="Myriad Pro" panose="020B0503030403020204" pitchFamily="34" charset="0"/>
+                        <a:ea typeface="+mn-ea"/>
+                        <a:cs typeface="+mn-cs"/>
+                      </a:endParaRPr>
+                    </a:p>
+                  </a:txBody>
+                  <a:tcPr marL="0" marR="0" marT="0" marB="0" anchor="b">
+                    <a:lnL w="12700" cap="flat" cmpd="sng" algn="ctr">
+                      <a:solidFill>
+                        <a:schemeClr val="tx1"/>
+                      </a:solidFill>
+                      <a:prstDash val="solid"/>
+                      <a:round/>
+                      <a:headEnd type="none" w="med" len="med"/>
+                      <a:tailEnd type="none" w="med" len="med"/>
+                    </a:lnL>
+                    <a:lnT w="12700" cap="flat" cmpd="sng" algn="ctr">
+                      <a:solidFill>
+                        <a:schemeClr val="tx1"/>
+                      </a:solidFill>
+                      <a:prstDash val="solid"/>
+                      <a:round/>
+                      <a:headEnd type="none" w="med" len="med"/>
+                      <a:tailEnd type="none" w="med" len="med"/>
+                    </a:lnT>
+                    <a:lnB w="12700" cap="flat" cmpd="sng" algn="ctr">
+                      <a:solidFill>
+                        <a:schemeClr val="tx1"/>
+                      </a:solidFill>
+                      <a:prstDash val="solid"/>
+                      <a:round/>
+                      <a:headEnd type="none" w="med" len="med"/>
+                      <a:tailEnd type="none" w="med" len="med"/>
+                    </a:lnB>
+                  </a:tcPr>
+                </a:tc>
+                <a:extLst>
+                  <a:ext uri="{0D108BD9-81ED-4DB2-BD59-A6C34878D82A}">
+                    <a16:rowId xmlns:a16="http://schemas.microsoft.com/office/drawing/2014/main" val="556686000"/>
+                  </a:ext>
+                </a:extLst>
+              </a:tr>
+              <a:tr h="679868">
+                <a:tc>
+                  <a:txBody>
+                    <a:bodyPr/>
+                    <a:lstStyle/>
+                    <a:p>
+                      <a:pPr algn="l" fontAlgn="b"/>
+                      <a:r>
+                        <a:rPr lang="de-CH" sz="2400" u="none" strike="noStrike">
+                          <a:effectLst/>
+                          <a:latin typeface="Myriad Pro" panose="020B0503030403020204" pitchFamily="34" charset="0"/>
+                        </a:rPr>
+                        <a:t>Differenz Planung - Effektiv</a:t>
+                      </a:r>
+                      <a:endParaRPr lang="de-CH" sz="2400" b="1" i="0" u="none" strike="noStrike">
+                        <a:solidFill>
+                          <a:srgbClr val="000000"/>
+                        </a:solidFill>
+                        <a:effectLst/>
+                        <a:latin typeface="Myriad Pro" panose="020B0503030403020204" pitchFamily="34" charset="0"/>
+                      </a:endParaRPr>
+                    </a:p>
+                  </a:txBody>
+                  <a:tcPr marL="0" marR="0" marT="0" marB="0" anchor="b">
+                    <a:lnR w="12700" cap="flat" cmpd="sng" algn="ctr">
+                      <a:solidFill>
+                        <a:schemeClr val="tx1"/>
+                      </a:solidFill>
+                      <a:prstDash val="solid"/>
+                      <a:round/>
+                      <a:headEnd type="none" w="med" len="med"/>
+                      <a:tailEnd type="none" w="med" len="med"/>
+                    </a:lnR>
+                    <a:lnT w="12700" cap="flat" cmpd="sng" algn="ctr">
+                      <a:solidFill>
+                        <a:schemeClr val="tx1"/>
+                      </a:solidFill>
+                      <a:prstDash val="solid"/>
+                      <a:round/>
+                      <a:headEnd type="none" w="med" len="med"/>
+                      <a:tailEnd type="none" w="med" len="med"/>
+                    </a:lnT>
+                    <a:lnB w="12700" cap="flat" cmpd="sng" algn="ctr">
+                      <a:solidFill>
+                        <a:schemeClr val="tx1"/>
+                      </a:solidFill>
+                      <a:prstDash val="solid"/>
+                      <a:round/>
+                      <a:headEnd type="none" w="med" len="med"/>
+                      <a:tailEnd type="none" w="med" len="med"/>
+                    </a:lnB>
+                  </a:tcPr>
+                </a:tc>
+                <a:tc>
+                  <a:txBody>
+                    <a:bodyPr/>
+                    <a:lstStyle/>
+                    <a:p>
+                      <a:pPr algn="r" fontAlgn="b"/>
+                      <a:r>
+                        <a:rPr lang="de-CH" sz="2400" u="none" strike="noStrike" kern="1200" dirty="0">
+                          <a:solidFill>
+                            <a:schemeClr val="dk1"/>
+                          </a:solidFill>
+                          <a:effectLst/>
+                          <a:latin typeface="Myriad Pro" panose="020B0503030403020204" pitchFamily="34" charset="0"/>
+                          <a:ea typeface="+mn-ea"/>
+                          <a:cs typeface="+mn-cs"/>
+                        </a:rPr>
+                        <a:t>23.5</a:t>
+                      </a:r>
+                    </a:p>
+                  </a:txBody>
+                  <a:tcPr marL="0" marR="0" marT="0" marB="0" anchor="b">
+                    <a:lnL w="12700" cap="flat" cmpd="sng" algn="ctr">
+                      <a:solidFill>
+                        <a:schemeClr val="tx1"/>
+                      </a:solidFill>
+                      <a:prstDash val="solid"/>
+                      <a:round/>
+                      <a:headEnd type="none" w="med" len="med"/>
+                      <a:tailEnd type="none" w="med" len="med"/>
+                    </a:lnL>
+                    <a:lnT w="12700" cap="flat" cmpd="sng" algn="ctr">
+                      <a:solidFill>
+                        <a:schemeClr val="tx1"/>
+                      </a:solidFill>
+                      <a:prstDash val="solid"/>
+                      <a:round/>
+                      <a:headEnd type="none" w="med" len="med"/>
+                      <a:tailEnd type="none" w="med" len="med"/>
+                    </a:lnT>
+                    <a:lnB w="12700" cap="flat" cmpd="sng" algn="ctr">
+                      <a:solidFill>
+                        <a:schemeClr val="tx1"/>
+                      </a:solidFill>
+                      <a:prstDash val="solid"/>
+                      <a:round/>
+                      <a:headEnd type="none" w="med" len="med"/>
+                      <a:tailEnd type="none" w="med" len="med"/>
+                    </a:lnB>
+                  </a:tcPr>
+                </a:tc>
+                <a:extLst>
+                  <a:ext uri="{0D108BD9-81ED-4DB2-BD59-A6C34878D82A}">
+                    <a16:rowId xmlns:a16="http://schemas.microsoft.com/office/drawing/2014/main" val="3570024893"/>
+                  </a:ext>
+                </a:extLst>
+              </a:tr>
+              <a:tr h="679868">
+                <a:tc>
+                  <a:txBody>
+                    <a:bodyPr/>
+                    <a:lstStyle/>
+                    <a:p>
+                      <a:pPr algn="l" fontAlgn="b"/>
+                      <a:r>
+                        <a:rPr lang="de-CH" sz="2400" u="none" strike="noStrike" dirty="0">
+                          <a:effectLst/>
+                          <a:latin typeface="Myriad Pro" panose="020B0503030403020204" pitchFamily="34" charset="0"/>
+                        </a:rPr>
+                        <a:t>Wissenstransfer Total</a:t>
+                      </a:r>
+                      <a:endParaRPr lang="de-CH" sz="2400" b="1" i="0" u="none" strike="noStrike" dirty="0">
+                        <a:solidFill>
+                          <a:srgbClr val="000000"/>
+                        </a:solidFill>
+                        <a:effectLst/>
+                        <a:latin typeface="Myriad Pro" panose="020B0503030403020204" pitchFamily="34" charset="0"/>
+                      </a:endParaRPr>
+                    </a:p>
+                  </a:txBody>
+                  <a:tcPr marL="0" marR="0" marT="0" marB="0" anchor="b">
+                    <a:lnR w="12700" cap="flat" cmpd="sng" algn="ctr">
+                      <a:solidFill>
+                        <a:schemeClr val="tx1"/>
+                      </a:solidFill>
+                      <a:prstDash val="solid"/>
+                      <a:round/>
+                      <a:headEnd type="none" w="med" len="med"/>
+                      <a:tailEnd type="none" w="med" len="med"/>
+                    </a:lnR>
+                    <a:lnT w="12700" cap="flat" cmpd="sng" algn="ctr">
+                      <a:solidFill>
+                        <a:schemeClr val="tx1"/>
+                      </a:solidFill>
+                      <a:prstDash val="solid"/>
+                      <a:round/>
+                      <a:headEnd type="none" w="med" len="med"/>
+                      <a:tailEnd type="none" w="med" len="med"/>
+                    </a:lnT>
+                  </a:tcPr>
+                </a:tc>
+                <a:tc>
+                  <a:txBody>
+                    <a:bodyPr/>
+                    <a:lstStyle/>
+                    <a:p>
+                      <a:pPr algn="r" fontAlgn="b"/>
+                      <a:r>
+                        <a:rPr lang="de-CH" sz="2400" u="none" strike="noStrike" kern="1200" dirty="0">
+                          <a:solidFill>
+                            <a:schemeClr val="dk1"/>
+                          </a:solidFill>
+                          <a:effectLst/>
+                          <a:latin typeface="Myriad Pro" panose="020B0503030403020204" pitchFamily="34" charset="0"/>
+                          <a:ea typeface="+mn-ea"/>
+                          <a:cs typeface="+mn-cs"/>
+                        </a:rPr>
+                        <a:t>13</a:t>
+                      </a:r>
+                    </a:p>
+                  </a:txBody>
+                  <a:tcPr marL="0" marR="0" marT="0" marB="0" anchor="b">
+                    <a:lnL w="12700" cap="flat" cmpd="sng" algn="ctr">
+                      <a:solidFill>
+                        <a:schemeClr val="tx1"/>
+                      </a:solidFill>
+                      <a:prstDash val="solid"/>
+                      <a:round/>
+                      <a:headEnd type="none" w="med" len="med"/>
+                      <a:tailEnd type="none" w="med" len="med"/>
+                    </a:lnL>
+                    <a:lnT w="12700" cap="flat" cmpd="sng" algn="ctr">
+                      <a:solidFill>
+                        <a:schemeClr val="tx1"/>
+                      </a:solidFill>
+                      <a:prstDash val="solid"/>
+                      <a:round/>
+                      <a:headEnd type="none" w="med" len="med"/>
+                      <a:tailEnd type="none" w="med" len="med"/>
+                    </a:lnT>
+                  </a:tcPr>
+                </a:tc>
+                <a:extLst>
+                  <a:ext uri="{0D108BD9-81ED-4DB2-BD59-A6C34878D82A}">
+                    <a16:rowId xmlns:a16="http://schemas.microsoft.com/office/drawing/2014/main" val="3052049270"/>
+                  </a:ext>
+                </a:extLst>
+              </a:tr>
+            </a:tbl>
+          </a:graphicData>
+        </a:graphic>
+      </p:graphicFrame>
+      <p:pic>
+        <p:nvPicPr>
+          <p:cNvPr id="8" name="Grafik 7">
+            <a:extLst>
+              <a:ext uri="{FF2B5EF4-FFF2-40B4-BE49-F238E27FC236}">
+                <a16:creationId xmlns:a16="http://schemas.microsoft.com/office/drawing/2014/main" id="{62894212-9E5C-4B32-A02A-A85E6918A897}"/>
+              </a:ext>
+            </a:extLst>
+          </p:cNvPr>
+          <p:cNvPicPr>
+            <a:picLocks noChangeAspect="1"/>
+          </p:cNvPicPr>
+          <p:nvPr/>
+        </p:nvPicPr>
+        <p:blipFill rotWithShape="1">
+          <a:blip r:embed="rId3"/>
+          <a:srcRect r="9228"/>
+          <a:stretch/>
+        </p:blipFill>
+        <p:spPr>
+          <a:xfrm>
+            <a:off x="6573304" y="2183657"/>
+            <a:ext cx="5364696" cy="3680876"/>
+          </a:xfrm>
+          <a:prstGeom prst="rect">
+            <a:avLst/>
+          </a:prstGeom>
+          <a:ln>
+            <a:solidFill>
+              <a:schemeClr val="tx1"/>
+            </a:solidFill>
+          </a:ln>
+        </p:spPr>
+      </p:pic>
+    </p:spTree>
+    <p:extLst>
+      <p:ext uri="{BB962C8B-B14F-4D97-AF65-F5344CB8AC3E}">
+        <p14:creationId xmlns:p14="http://schemas.microsoft.com/office/powerpoint/2010/main" val="4141093467"/>
+      </p:ext>
+    </p:extLst>
+  </p:cSld>
+  <p:clrMapOvr>
+    <a:masterClrMapping/>
+  </p:clrMapOvr>
+  <p:transition>
+    <p:push dir="u"/>
+  </p:transition>
+</p:sld>
+</file>
+
+<file path=ppt/slides/slide5.xml><?xml version="1.0" encoding="utf-8"?>
+<p:sld xmlns:a="http://schemas.openxmlformats.org/drawingml/2006/main" xmlns:r="http://schemas.openxmlformats.org/officeDocument/2006/relationships" xmlns:p="http://schemas.openxmlformats.org/presentationml/2006/main">
+  <p:cSld>
+    <p:bg>
+      <p:bgPr>
+        <a:solidFill>
+          <a:srgbClr val="4063B4"/>
+        </a:solidFill>
+        <a:effectLst/>
+      </p:bgPr>
+    </p:bg>
+    <p:spTree>
+      <p:nvGrpSpPr>
+        <p:cNvPr id="1" name=""/>
+        <p:cNvGrpSpPr/>
+        <p:nvPr/>
+      </p:nvGrpSpPr>
+      <p:grpSpPr>
+        <a:xfrm>
+          <a:off x="0" y="0"/>
+          <a:ext cx="0" cy="0"/>
+          <a:chOff x="0" y="0"/>
+          <a:chExt cx="0" cy="0"/>
+        </a:xfrm>
+      </p:grpSpPr>
+      <p:sp>
+        <p:nvSpPr>
+          <p:cNvPr id="4" name="Inhaltsplatzhalter 2">
+            <a:extLst>
+              <a:ext uri="{FF2B5EF4-FFF2-40B4-BE49-F238E27FC236}">
+                <a16:creationId xmlns:a16="http://schemas.microsoft.com/office/drawing/2014/main" id="{5276C7E2-E595-4B23-9A2B-C8A9130E8594}"/>
+              </a:ext>
+            </a:extLst>
+          </p:cNvPr>
+          <p:cNvSpPr txBox="1">
+            <a:spLocks/>
+          </p:cNvSpPr>
+          <p:nvPr/>
+        </p:nvSpPr>
+        <p:spPr>
+          <a:xfrm>
+            <a:off x="-48861" y="1524000"/>
+            <a:ext cx="12333930" cy="5567835"/>
+          </a:xfrm>
+          <a:prstGeom prst="rect">
+            <a:avLst/>
+          </a:prstGeom>
+          <a:solidFill>
+            <a:schemeClr val="bg1"/>
+          </a:solidFill>
+        </p:spPr>
+        <p:txBody>
+          <a:bodyPr vert="horz" lIns="91440" tIns="45720" rIns="91440" bIns="45720" rtlCol="0">
+            <a:normAutofit/>
+          </a:bodyPr>
+          <a:lstStyle>
+            <a:lvl1pPr marL="228600" indent="-228600" algn="l" defTabSz="914400" rtl="0" eaLnBrk="1" latinLnBrk="0" hangingPunct="1">
+              <a:lnSpc>
+                <a:spcPct val="90000"/>
+              </a:lnSpc>
+              <a:spcBef>
+                <a:spcPts val="1000"/>
+              </a:spcBef>
+              <a:buFont typeface="Arial" panose="020B0604020202020204" pitchFamily="34" charset="0"/>
+              <a:buChar char="•"/>
+              <a:defRPr sz="2800" kern="1200">
+                <a:solidFill>
+                  <a:schemeClr val="tx1"/>
+                </a:solidFill>
+                <a:latin typeface="+mn-lt"/>
+                <a:ea typeface="+mn-ea"/>
+                <a:cs typeface="+mn-cs"/>
+              </a:defRPr>
+            </a:lvl1pPr>
+            <a:lvl2pPr marL="685800" indent="-228600" algn="l" defTabSz="914400" rtl="0" eaLnBrk="1" latinLnBrk="0" hangingPunct="1">
+              <a:lnSpc>
+                <a:spcPct val="90000"/>
+              </a:lnSpc>
+              <a:spcBef>
+                <a:spcPts val="500"/>
+              </a:spcBef>
+              <a:buFont typeface="Arial" panose="020B0604020202020204" pitchFamily="34" charset="0"/>
+              <a:buChar char="•"/>
+              <a:defRPr sz="2400" kern="1200">
+                <a:solidFill>
+                  <a:schemeClr val="tx1"/>
+                </a:solidFill>
+                <a:latin typeface="+mn-lt"/>
+                <a:ea typeface="+mn-ea"/>
+                <a:cs typeface="+mn-cs"/>
+              </a:defRPr>
+            </a:lvl2pPr>
+            <a:lvl3pPr marL="1143000" indent="-228600" algn="l" defTabSz="914400" rtl="0" eaLnBrk="1" latinLnBrk="0" hangingPunct="1">
+              <a:lnSpc>
+                <a:spcPct val="90000"/>
+              </a:lnSpc>
+              <a:spcBef>
+                <a:spcPts val="500"/>
+              </a:spcBef>
+              <a:buFont typeface="Arial" panose="020B0604020202020204" pitchFamily="34" charset="0"/>
+              <a:buChar char="•"/>
+              <a:defRPr sz="2000" kern="1200">
+                <a:solidFill>
+                  <a:schemeClr val="tx1"/>
+                </a:solidFill>
+                <a:latin typeface="+mn-lt"/>
+                <a:ea typeface="+mn-ea"/>
+                <a:cs typeface="+mn-cs"/>
+              </a:defRPr>
+            </a:lvl3pPr>
+            <a:lvl4pPr marL="1600200" indent="-228600" algn="l" defTabSz="914400" rtl="0" eaLnBrk="1" latinLnBrk="0" hangingPunct="1">
+              <a:lnSpc>
+                <a:spcPct val="90000"/>
+              </a:lnSpc>
+              <a:spcBef>
+                <a:spcPts val="500"/>
+              </a:spcBef>
+              <a:buFont typeface="Arial" panose="020B0604020202020204" pitchFamily="34" charset="0"/>
+              <a:buChar char="•"/>
+              <a:defRPr sz="1800" kern="1200">
+                <a:solidFill>
+                  <a:schemeClr val="tx1"/>
+                </a:solidFill>
+                <a:latin typeface="+mn-lt"/>
+                <a:ea typeface="+mn-ea"/>
+                <a:cs typeface="+mn-cs"/>
+              </a:defRPr>
+            </a:lvl4pPr>
+            <a:lvl5pPr marL="2057400" indent="-228600" algn="l" defTabSz="914400" rtl="0" eaLnBrk="1" latinLnBrk="0" hangingPunct="1">
+              <a:lnSpc>
+                <a:spcPct val="90000"/>
+              </a:lnSpc>
+              <a:spcBef>
+                <a:spcPts val="500"/>
+              </a:spcBef>
+              <a:buFont typeface="Arial" panose="020B0604020202020204" pitchFamily="34" charset="0"/>
+              <a:buChar char="•"/>
+              <a:defRPr sz="1800" kern="1200">
+                <a:solidFill>
+                  <a:schemeClr val="tx1"/>
+                </a:solidFill>
+                <a:latin typeface="+mn-lt"/>
+                <a:ea typeface="+mn-ea"/>
+                <a:cs typeface="+mn-cs"/>
+              </a:defRPr>
+            </a:lvl5pPr>
+            <a:lvl6pPr marL="2514600" indent="-228600" algn="l" defTabSz="914400" rtl="0" eaLnBrk="1" latinLnBrk="0" hangingPunct="1">
+              <a:lnSpc>
+                <a:spcPct val="90000"/>
+              </a:lnSpc>
+              <a:spcBef>
+                <a:spcPts val="500"/>
+              </a:spcBef>
+              <a:buFont typeface="Arial" panose="020B0604020202020204" pitchFamily="34" charset="0"/>
+              <a:buChar char="•"/>
+              <a:defRPr sz="1800" kern="1200">
+                <a:solidFill>
+                  <a:schemeClr val="tx1"/>
+                </a:solidFill>
+                <a:latin typeface="+mn-lt"/>
+                <a:ea typeface="+mn-ea"/>
+                <a:cs typeface="+mn-cs"/>
+              </a:defRPr>
+            </a:lvl6pPr>
+            <a:lvl7pPr marL="2971800" indent="-228600" algn="l" defTabSz="914400" rtl="0" eaLnBrk="1" latinLnBrk="0" hangingPunct="1">
+              <a:lnSpc>
+                <a:spcPct val="90000"/>
+              </a:lnSpc>
+              <a:spcBef>
+                <a:spcPts val="500"/>
+              </a:spcBef>
+              <a:buFont typeface="Arial" panose="020B0604020202020204" pitchFamily="34" charset="0"/>
+              <a:buChar char="•"/>
+              <a:defRPr sz="1800" kern="1200">
+                <a:solidFill>
+                  <a:schemeClr val="tx1"/>
+                </a:solidFill>
+                <a:latin typeface="+mn-lt"/>
+                <a:ea typeface="+mn-ea"/>
+                <a:cs typeface="+mn-cs"/>
+              </a:defRPr>
+            </a:lvl7pPr>
+            <a:lvl8pPr marL="3429000" indent="-228600" algn="l" defTabSz="914400" rtl="0" eaLnBrk="1" latinLnBrk="0" hangingPunct="1">
+              <a:lnSpc>
+                <a:spcPct val="90000"/>
+              </a:lnSpc>
+              <a:spcBef>
+                <a:spcPts val="500"/>
+              </a:spcBef>
+              <a:buFont typeface="Arial" panose="020B0604020202020204" pitchFamily="34" charset="0"/>
+              <a:buChar char="•"/>
+              <a:defRPr sz="1800" kern="1200">
+                <a:solidFill>
+                  <a:schemeClr val="tx1"/>
+                </a:solidFill>
+                <a:latin typeface="+mn-lt"/>
+                <a:ea typeface="+mn-ea"/>
+                <a:cs typeface="+mn-cs"/>
+              </a:defRPr>
+            </a:lvl8pPr>
+            <a:lvl9pPr marL="3886200" indent="-228600" algn="l" defTabSz="914400" rtl="0" eaLnBrk="1" latinLnBrk="0" hangingPunct="1">
+              <a:lnSpc>
+                <a:spcPct val="90000"/>
+              </a:lnSpc>
+              <a:spcBef>
+                <a:spcPts val="500"/>
+              </a:spcBef>
+              <a:buFont typeface="Arial" panose="020B0604020202020204" pitchFamily="34" charset="0"/>
+              <a:buChar char="•"/>
+              <a:defRPr sz="1800" kern="1200">
+                <a:solidFill>
+                  <a:schemeClr val="tx1"/>
+                </a:solidFill>
+                <a:latin typeface="+mn-lt"/>
+                <a:ea typeface="+mn-ea"/>
+                <a:cs typeface="+mn-cs"/>
+              </a:defRPr>
+            </a:lvl9pPr>
+          </a:lstStyle>
+          <a:p>
             <a:pPr marL="0" indent="0">
               <a:buNone/>
             </a:pPr>
@@ -4580,7 +5581,7 @@
             <p:ph idx="1"/>
             <p:extLst>
               <p:ext uri="{D42A27DB-BD31-4B8C-83A1-F6EECF244321}">
-                <p14:modId xmlns:p14="http://schemas.microsoft.com/office/powerpoint/2010/main" val="3538279525"/>
+                <p14:modId xmlns:p14="http://schemas.microsoft.com/office/powerpoint/2010/main" val="4107706909"/>
               </p:ext>
             </p:extLst>
           </p:nvPr>
@@ -4642,7 +5643,7 @@
                         <a:rPr lang="de-CH" b="1" dirty="0">
                           <a:latin typeface="Myriad Pro" panose="020B0503030403020204" pitchFamily="34" charset="0"/>
                         </a:rPr>
-                        <a:t>Anzahl Teilnehmer: 15</a:t>
+                        <a:t>Anzahl Teilnehmer: 10</a:t>
                       </a:r>
                       <a:br>
                         <a:rPr lang="de-CH" b="0" dirty="0">
@@ -4712,17 +5713,17 @@
                     <a:lstStyle/>
                     <a:p>
                       <a:br>
-                        <a:rPr lang="de-CH" b="1" dirty="0">
+                        <a:rPr lang="de-CH" sz="1750" b="1" dirty="0">
                           <a:latin typeface="Myriad Pro" panose="020B0503030403020204" pitchFamily="34" charset="0"/>
                         </a:rPr>
                       </a:br>
                       <a:r>
-                        <a:rPr lang="de-CH" b="1" dirty="0">
+                        <a:rPr lang="de-CH" sz="1750" b="1" dirty="0">
                           <a:latin typeface="Myriad Pro" panose="020B0503030403020204" pitchFamily="34" charset="0"/>
                         </a:rPr>
                         <a:t>Benutzer-freundlichkeit</a:t>
                       </a:r>
-                      <a:endParaRPr lang="en-US" b="1" dirty="0">
+                      <a:endParaRPr lang="en-US" sz="1750" b="1" dirty="0">
                         <a:latin typeface="Myriad Pro" panose="020B0503030403020204" pitchFamily="34" charset="0"/>
                       </a:endParaRPr>
                     </a:p>
@@ -4791,22 +5792,22 @@
                         <a:defRPr/>
                       </a:pPr>
                       <a:br>
-                        <a:rPr lang="de-CH" b="1" dirty="0">
+                        <a:rPr lang="de-CH" sz="1750" b="1" dirty="0">
                           <a:latin typeface="Myriad Pro" panose="020B0503030403020204" pitchFamily="34" charset="0"/>
                         </a:rPr>
                       </a:br>
                       <a:br>
-                        <a:rPr lang="de-CH" b="1" dirty="0">
+                        <a:rPr lang="de-CH" sz="1750" b="1" dirty="0">
                           <a:latin typeface="Myriad Pro" panose="020B0503030403020204" pitchFamily="34" charset="0"/>
                         </a:rPr>
                       </a:br>
                       <a:r>
-                        <a:rPr lang="de-CH" b="1" dirty="0">
+                        <a:rPr lang="de-CH" sz="1750" b="1" dirty="0">
                           <a:latin typeface="Myriad Pro" panose="020B0503030403020204" pitchFamily="34" charset="0"/>
                         </a:rPr>
                         <a:t>Funktionalität</a:t>
                       </a:r>
-                      <a:endParaRPr lang="en-US" b="1" dirty="0">
+                      <a:endParaRPr lang="en-US" sz="1750" b="1" dirty="0">
                         <a:latin typeface="Myriad Pro" panose="020B0503030403020204" pitchFamily="34" charset="0"/>
                       </a:endParaRPr>
                     </a:p>
@@ -4871,22 +5872,22 @@
                         <a:defRPr/>
                       </a:pPr>
                       <a:br>
-                        <a:rPr lang="de-CH" b="1" dirty="0">
+                        <a:rPr lang="de-CH" sz="1750" b="1" dirty="0">
                           <a:latin typeface="Myriad Pro" panose="020B0503030403020204" pitchFamily="34" charset="0"/>
                         </a:rPr>
                       </a:br>
                       <a:br>
-                        <a:rPr lang="de-CH" b="1" dirty="0">
+                        <a:rPr lang="de-CH" sz="1750" b="1" dirty="0">
                           <a:latin typeface="Myriad Pro" panose="020B0503030403020204" pitchFamily="34" charset="0"/>
                         </a:rPr>
                       </a:br>
                       <a:r>
-                        <a:rPr lang="de-CH" b="1" dirty="0">
+                        <a:rPr lang="de-CH" sz="1750" b="1" dirty="0">
                           <a:latin typeface="Myriad Pro" panose="020B0503030403020204" pitchFamily="34" charset="0"/>
                         </a:rPr>
-                        <a:t>Konzept</a:t>
+                        <a:t>Stabilität</a:t>
                       </a:r>
-                      <a:endParaRPr lang="en-US" b="1" dirty="0">
+                      <a:endParaRPr lang="en-US" sz="1750" b="1" dirty="0">
                         <a:latin typeface="Myriad Pro" panose="020B0503030403020204" pitchFamily="34" charset="0"/>
                       </a:endParaRPr>
                     </a:p>
@@ -4951,22 +5952,22 @@
                         <a:defRPr/>
                       </a:pPr>
                       <a:br>
-                        <a:rPr lang="de-CH" b="1" dirty="0">
+                        <a:rPr lang="de-CH" sz="1750" b="1" dirty="0">
                           <a:latin typeface="Myriad Pro" panose="020B0503030403020204" pitchFamily="34" charset="0"/>
                         </a:rPr>
                       </a:br>
                       <a:br>
-                        <a:rPr lang="de-CH" b="1" dirty="0">
+                        <a:rPr lang="de-CH" sz="1750" b="1" dirty="0">
                           <a:latin typeface="Myriad Pro" panose="020B0503030403020204" pitchFamily="34" charset="0"/>
                         </a:rPr>
                       </a:br>
                       <a:r>
-                        <a:rPr lang="de-CH" b="1" dirty="0">
+                        <a:rPr lang="de-CH" sz="1750" b="1" dirty="0">
                           <a:latin typeface="Myriad Pro" panose="020B0503030403020204" pitchFamily="34" charset="0"/>
                         </a:rPr>
                         <a:t>Design</a:t>
                       </a:r>
-                      <a:endParaRPr lang="en-US" b="1" dirty="0">
+                      <a:endParaRPr lang="en-US" sz="1750" b="1" dirty="0">
                         <a:latin typeface="Myriad Pro" panose="020B0503030403020204" pitchFamily="34" charset="0"/>
                       </a:endParaRPr>
                     </a:p>
@@ -5025,7 +6026,7 @@
                       </a:br>
                       <a:r>
                         <a:rPr lang="de-CH" sz="1600" i="1" dirty="0"/>
-                        <a:t>125 – 150 Pt.</a:t>
+                        <a:t>75– 100 Pt.</a:t>
                       </a:r>
                       <a:endParaRPr lang="en-US" sz="1600" i="1" dirty="0"/>
                     </a:p>
@@ -5290,7 +6291,7 @@
                       </a:br>
                       <a:r>
                         <a:rPr lang="de-CH" sz="1600" i="1" dirty="0"/>
-                        <a:t>100 – 125 Pt.</a:t>
+                        <a:t>50– 75 Pt.</a:t>
                       </a:r>
                       <a:endParaRPr lang="en-US" sz="1600" dirty="0"/>
                     </a:p>
@@ -5572,7 +6573,7 @@
                     <a:p>
                       <a:r>
                         <a:rPr lang="de-CH" sz="1600" i="1" dirty="0"/>
-                        <a:t>75 – 100 Pt.</a:t>
+                        <a:t>25 – 50 Pt.</a:t>
                       </a:r>
                       <a:endParaRPr lang="en-US" sz="1600" i="1" dirty="0"/>
                     </a:p>
@@ -5837,7 +6838,7 @@
                       </a:br>
                       <a:r>
                         <a:rPr lang="de-CH" sz="1600" b="0" i="1" dirty="0"/>
-                        <a:t>0 – 75 Pt.</a:t>
+                        <a:t>0 –25Pt.</a:t>
                       </a:r>
                       <a:endParaRPr lang="en-US" sz="1600" b="1" i="1" dirty="0"/>
                     </a:p>
@@ -6115,7 +7116,7 @@
                 </a:solidFill>
                 <a:latin typeface="Myriad Pro" panose="020B0503030403020204" pitchFamily="34" charset="0"/>
               </a:rPr>
-              <a:t>TestUser Feedback</a:t>
+              <a:t>Testbericht</a:t>
             </a:r>
           </a:p>
         </p:txBody>
@@ -6272,7 +7273,7 @@
         </p:nvSpPr>
         <p:spPr>
           <a:xfrm>
-            <a:off x="7670025" y="3941250"/>
+            <a:off x="7598186" y="3062724"/>
             <a:ext cx="1060983" cy="4695739"/>
           </a:xfrm>
           <a:prstGeom prst="rect">
@@ -6376,7 +7377,7 @@
         </p:nvCxnSpPr>
         <p:spPr>
           <a:xfrm>
-            <a:off x="3929824" y="2045187"/>
+            <a:off x="3862712" y="2044027"/>
             <a:ext cx="0" cy="481631"/>
           </a:xfrm>
           <a:prstGeom prst="line">
@@ -6894,7 +7895,7 @@
 </p:sld>
 </file>
 
-<file path=ppt/slides/slide2.xml><?xml version="1.0" encoding="utf-8"?>
+<file path=ppt/slides/slide6.xml><?xml version="1.0" encoding="utf-8"?>
 <p:sld xmlns:a="http://schemas.openxmlformats.org/drawingml/2006/main" xmlns:r="http://schemas.openxmlformats.org/officeDocument/2006/relationships" xmlns:p="http://schemas.openxmlformats.org/presentationml/2006/main">
   <p:cSld>
     <p:bg>
@@ -6921,1629 +7922,10 @@
       </p:grpSpPr>
       <p:sp>
         <p:nvSpPr>
-          <p:cNvPr id="2" name="Titel 1">
-            <a:extLst>
-              <a:ext uri="{FF2B5EF4-FFF2-40B4-BE49-F238E27FC236}">
-                <a16:creationId xmlns:a16="http://schemas.microsoft.com/office/drawing/2014/main" id="{A062B88F-7C0D-4D82-95F7-03B3368495D4}"/>
-              </a:ext>
-            </a:extLst>
-          </p:cNvPr>
-          <p:cNvSpPr>
-            <a:spLocks noGrp="1"/>
-          </p:cNvSpPr>
-          <p:nvPr>
-            <p:ph type="ctrTitle"/>
-          </p:nvPr>
-        </p:nvSpPr>
-        <p:spPr>
-          <a:xfrm>
-            <a:off x="508001" y="1122363"/>
-            <a:ext cx="11218332" cy="2387600"/>
-          </a:xfrm>
-        </p:spPr>
-        <p:txBody>
-          <a:bodyPr>
-            <a:normAutofit/>
-          </a:bodyPr>
-          <a:lstStyle/>
-          <a:p>
-            <a:r>
-              <a:rPr lang="de-CH" sz="9600" b="1" dirty="0">
-                <a:solidFill>
-                  <a:schemeClr val="bg1"/>
-                </a:solidFill>
-                <a:latin typeface="Myriad Pro" panose="020B0503030403020204" pitchFamily="34" charset="0"/>
-              </a:rPr>
-              <a:t> Meilenstein 3</a:t>
-            </a:r>
-          </a:p>
-        </p:txBody>
-      </p:sp>
-      <p:pic>
-        <p:nvPicPr>
-          <p:cNvPr id="7" name="Grafik 6">
-            <a:extLst>
-              <a:ext uri="{FF2B5EF4-FFF2-40B4-BE49-F238E27FC236}">
-                <a16:creationId xmlns:a16="http://schemas.microsoft.com/office/drawing/2014/main" id="{EF12A104-3A4B-4B58-8C7D-80197AEAD192}"/>
-              </a:ext>
-            </a:extLst>
-          </p:cNvPr>
-          <p:cNvPicPr>
-            <a:picLocks noChangeAspect="1"/>
-          </p:cNvPicPr>
-          <p:nvPr/>
-        </p:nvPicPr>
-        <p:blipFill>
-          <a:blip r:embed="rId2">
-            <a:extLst>
-              <a:ext uri="{28A0092B-C50C-407E-A947-70E740481C1C}">
-                <a14:useLocalDpi xmlns:a14="http://schemas.microsoft.com/office/drawing/2010/main" val="0"/>
-              </a:ext>
-            </a:extLst>
-          </a:blip>
-          <a:stretch>
-            <a:fillRect/>
-          </a:stretch>
-        </p:blipFill>
-        <p:spPr>
-          <a:xfrm>
-            <a:off x="8800626" y="4359719"/>
-            <a:ext cx="2053852" cy="1284446"/>
-          </a:xfrm>
-          <a:prstGeom prst="rect">
-            <a:avLst/>
-          </a:prstGeom>
-        </p:spPr>
-      </p:pic>
-      <p:sp>
-        <p:nvSpPr>
-          <p:cNvPr id="5" name="Subtitle 4">
-            <a:extLst>
-              <a:ext uri="{FF2B5EF4-FFF2-40B4-BE49-F238E27FC236}">
-                <a16:creationId xmlns:a16="http://schemas.microsoft.com/office/drawing/2014/main" id="{40B2F163-FC58-49FB-867B-DB898F05822D}"/>
-              </a:ext>
-            </a:extLst>
-          </p:cNvPr>
-          <p:cNvSpPr>
-            <a:spLocks noGrp="1"/>
-          </p:cNvSpPr>
-          <p:nvPr>
-            <p:ph type="subTitle" idx="1"/>
-          </p:nvPr>
-        </p:nvSpPr>
-        <p:spPr/>
-        <p:txBody>
-          <a:bodyPr/>
-          <a:lstStyle/>
-          <a:p>
-            <a:endParaRPr lang="en-US"/>
-          </a:p>
-        </p:txBody>
-      </p:sp>
-      <p:sp>
-        <p:nvSpPr>
-          <p:cNvPr id="8" name="Untertitel 2">
-            <a:extLst>
-              <a:ext uri="{FF2B5EF4-FFF2-40B4-BE49-F238E27FC236}">
-                <a16:creationId xmlns:a16="http://schemas.microsoft.com/office/drawing/2014/main" id="{6FDFA46A-20F7-4045-B2B5-D388C91CBE13}"/>
-              </a:ext>
-            </a:extLst>
-          </p:cNvPr>
-          <p:cNvSpPr txBox="1">
-            <a:spLocks/>
-          </p:cNvSpPr>
-          <p:nvPr/>
-        </p:nvSpPr>
-        <p:spPr>
-          <a:xfrm>
-            <a:off x="1416940" y="3602037"/>
-            <a:ext cx="9144000" cy="2883429"/>
-          </a:xfrm>
-          <a:prstGeom prst="rect">
-            <a:avLst/>
-          </a:prstGeom>
-        </p:spPr>
-        <p:txBody>
-          <a:bodyPr vert="horz" lIns="91440" tIns="45720" rIns="91440" bIns="45720" rtlCol="0">
-            <a:normAutofit/>
-          </a:bodyPr>
-          <a:lstStyle>
-            <a:lvl1pPr marL="0" indent="0" algn="ctr" defTabSz="914400" rtl="0" eaLnBrk="1" latinLnBrk="0" hangingPunct="1">
-              <a:lnSpc>
-                <a:spcPct val="90000"/>
-              </a:lnSpc>
-              <a:spcBef>
-                <a:spcPts val="1000"/>
-              </a:spcBef>
-              <a:buFont typeface="Arial" panose="020B0604020202020204" pitchFamily="34" charset="0"/>
-              <a:buNone/>
-              <a:defRPr sz="2400" kern="1200">
-                <a:solidFill>
-                  <a:schemeClr val="tx1"/>
-                </a:solidFill>
-                <a:latin typeface="+mn-lt"/>
-                <a:ea typeface="+mn-ea"/>
-                <a:cs typeface="+mn-cs"/>
-              </a:defRPr>
-            </a:lvl1pPr>
-            <a:lvl2pPr marL="457200" indent="0" algn="ctr" defTabSz="914400" rtl="0" eaLnBrk="1" latinLnBrk="0" hangingPunct="1">
-              <a:lnSpc>
-                <a:spcPct val="90000"/>
-              </a:lnSpc>
-              <a:spcBef>
-                <a:spcPts val="500"/>
-              </a:spcBef>
-              <a:buFont typeface="Arial" panose="020B0604020202020204" pitchFamily="34" charset="0"/>
-              <a:buNone/>
-              <a:defRPr sz="2000" kern="1200">
-                <a:solidFill>
-                  <a:schemeClr val="tx1"/>
-                </a:solidFill>
-                <a:latin typeface="+mn-lt"/>
-                <a:ea typeface="+mn-ea"/>
-                <a:cs typeface="+mn-cs"/>
-              </a:defRPr>
-            </a:lvl2pPr>
-            <a:lvl3pPr marL="914400" indent="0" algn="ctr" defTabSz="914400" rtl="0" eaLnBrk="1" latinLnBrk="0" hangingPunct="1">
-              <a:lnSpc>
-                <a:spcPct val="90000"/>
-              </a:lnSpc>
-              <a:spcBef>
-                <a:spcPts val="500"/>
-              </a:spcBef>
-              <a:buFont typeface="Arial" panose="020B0604020202020204" pitchFamily="34" charset="0"/>
-              <a:buNone/>
-              <a:defRPr sz="1800" kern="1200">
-                <a:solidFill>
-                  <a:schemeClr val="tx1"/>
-                </a:solidFill>
-                <a:latin typeface="+mn-lt"/>
-                <a:ea typeface="+mn-ea"/>
-                <a:cs typeface="+mn-cs"/>
-              </a:defRPr>
-            </a:lvl3pPr>
-            <a:lvl4pPr marL="1371600" indent="0" algn="ctr" defTabSz="914400" rtl="0" eaLnBrk="1" latinLnBrk="0" hangingPunct="1">
-              <a:lnSpc>
-                <a:spcPct val="90000"/>
-              </a:lnSpc>
-              <a:spcBef>
-                <a:spcPts val="500"/>
-              </a:spcBef>
-              <a:buFont typeface="Arial" panose="020B0604020202020204" pitchFamily="34" charset="0"/>
-              <a:buNone/>
-              <a:defRPr sz="1600" kern="1200">
-                <a:solidFill>
-                  <a:schemeClr val="tx1"/>
-                </a:solidFill>
-                <a:latin typeface="+mn-lt"/>
-                <a:ea typeface="+mn-ea"/>
-                <a:cs typeface="+mn-cs"/>
-              </a:defRPr>
-            </a:lvl4pPr>
-            <a:lvl5pPr marL="1828800" indent="0" algn="ctr" defTabSz="914400" rtl="0" eaLnBrk="1" latinLnBrk="0" hangingPunct="1">
-              <a:lnSpc>
-                <a:spcPct val="90000"/>
-              </a:lnSpc>
-              <a:spcBef>
-                <a:spcPts val="500"/>
-              </a:spcBef>
-              <a:buFont typeface="Arial" panose="020B0604020202020204" pitchFamily="34" charset="0"/>
-              <a:buNone/>
-              <a:defRPr sz="1600" kern="1200">
-                <a:solidFill>
-                  <a:schemeClr val="tx1"/>
-                </a:solidFill>
-                <a:latin typeface="+mn-lt"/>
-                <a:ea typeface="+mn-ea"/>
-                <a:cs typeface="+mn-cs"/>
-              </a:defRPr>
-            </a:lvl5pPr>
-            <a:lvl6pPr marL="2286000" indent="0" algn="ctr" defTabSz="914400" rtl="0" eaLnBrk="1" latinLnBrk="0" hangingPunct="1">
-              <a:lnSpc>
-                <a:spcPct val="90000"/>
-              </a:lnSpc>
-              <a:spcBef>
-                <a:spcPts val="500"/>
-              </a:spcBef>
-              <a:buFont typeface="Arial" panose="020B0604020202020204" pitchFamily="34" charset="0"/>
-              <a:buNone/>
-              <a:defRPr sz="1600" kern="1200">
-                <a:solidFill>
-                  <a:schemeClr val="tx1"/>
-                </a:solidFill>
-                <a:latin typeface="+mn-lt"/>
-                <a:ea typeface="+mn-ea"/>
-                <a:cs typeface="+mn-cs"/>
-              </a:defRPr>
-            </a:lvl6pPr>
-            <a:lvl7pPr marL="2743200" indent="0" algn="ctr" defTabSz="914400" rtl="0" eaLnBrk="1" latinLnBrk="0" hangingPunct="1">
-              <a:lnSpc>
-                <a:spcPct val="90000"/>
-              </a:lnSpc>
-              <a:spcBef>
-                <a:spcPts val="500"/>
-              </a:spcBef>
-              <a:buFont typeface="Arial" panose="020B0604020202020204" pitchFamily="34" charset="0"/>
-              <a:buNone/>
-              <a:defRPr sz="1600" kern="1200">
-                <a:solidFill>
-                  <a:schemeClr val="tx1"/>
-                </a:solidFill>
-                <a:latin typeface="+mn-lt"/>
-                <a:ea typeface="+mn-ea"/>
-                <a:cs typeface="+mn-cs"/>
-              </a:defRPr>
-            </a:lvl7pPr>
-            <a:lvl8pPr marL="3200400" indent="0" algn="ctr" defTabSz="914400" rtl="0" eaLnBrk="1" latinLnBrk="0" hangingPunct="1">
-              <a:lnSpc>
-                <a:spcPct val="90000"/>
-              </a:lnSpc>
-              <a:spcBef>
-                <a:spcPts val="500"/>
-              </a:spcBef>
-              <a:buFont typeface="Arial" panose="020B0604020202020204" pitchFamily="34" charset="0"/>
-              <a:buNone/>
-              <a:defRPr sz="1600" kern="1200">
-                <a:solidFill>
-                  <a:schemeClr val="tx1"/>
-                </a:solidFill>
-                <a:latin typeface="+mn-lt"/>
-                <a:ea typeface="+mn-ea"/>
-                <a:cs typeface="+mn-cs"/>
-              </a:defRPr>
-            </a:lvl8pPr>
-            <a:lvl9pPr marL="3657600" indent="0" algn="ctr" defTabSz="914400" rtl="0" eaLnBrk="1" latinLnBrk="0" hangingPunct="1">
-              <a:lnSpc>
-                <a:spcPct val="90000"/>
-              </a:lnSpc>
-              <a:spcBef>
-                <a:spcPts val="500"/>
-              </a:spcBef>
-              <a:buFont typeface="Arial" panose="020B0604020202020204" pitchFamily="34" charset="0"/>
-              <a:buNone/>
-              <a:defRPr sz="1600" kern="1200">
-                <a:solidFill>
-                  <a:schemeClr val="tx1"/>
-                </a:solidFill>
-                <a:latin typeface="+mn-lt"/>
-                <a:ea typeface="+mn-ea"/>
-                <a:cs typeface="+mn-cs"/>
-              </a:defRPr>
-            </a:lvl9pPr>
-          </a:lstStyle>
-          <a:p>
-            <a:endParaRPr lang="de-CH" dirty="0">
-              <a:solidFill>
-                <a:schemeClr val="bg1"/>
-              </a:solidFill>
-              <a:latin typeface="Myriad Pro" panose="020B0503030403020204" pitchFamily="34" charset="0"/>
-            </a:endParaRPr>
-          </a:p>
-          <a:p>
-            <a:endParaRPr lang="de-CH" dirty="0">
-              <a:solidFill>
-                <a:schemeClr val="bg1"/>
-              </a:solidFill>
-              <a:latin typeface="Myriad Pro" panose="020B0503030403020204" pitchFamily="34" charset="0"/>
-            </a:endParaRPr>
-          </a:p>
-          <a:p>
-            <a:r>
-              <a:rPr lang="de-CH" sz="6000" b="1" dirty="0">
-                <a:solidFill>
-                  <a:schemeClr val="bg1"/>
-                </a:solidFill>
-                <a:latin typeface="Myriad Pro" panose="020B0503030403020204" pitchFamily="34" charset="0"/>
-              </a:rPr>
-              <a:t>Projekt Gruppe 16</a:t>
-            </a:r>
-            <a:r>
-              <a:rPr lang="de-CH" sz="6000" b="1" dirty="0">
-                <a:solidFill>
-                  <a:schemeClr val="bg1">
-                    <a:alpha val="0"/>
-                  </a:schemeClr>
-                </a:solidFill>
-                <a:latin typeface="Myriad Pro" panose="020B0503030403020204" pitchFamily="34" charset="0"/>
-              </a:rPr>
-              <a:t>      </a:t>
-            </a:r>
-            <a:r>
-              <a:rPr lang="de-CH" sz="5400" dirty="0">
-                <a:solidFill>
-                  <a:schemeClr val="bg1">
-                    <a:alpha val="0"/>
-                  </a:schemeClr>
-                </a:solidFill>
-                <a:latin typeface="Myriad Pro" panose="020B0503030403020204" pitchFamily="34" charset="0"/>
-              </a:rPr>
-              <a:t>-</a:t>
-            </a:r>
-          </a:p>
-          <a:p>
-            <a:endParaRPr lang="de-CH" dirty="0">
-              <a:solidFill>
-                <a:schemeClr val="bg1"/>
-              </a:solidFill>
-              <a:latin typeface="Myriad Pro" panose="020B0503030403020204" pitchFamily="34" charset="0"/>
-            </a:endParaRPr>
-          </a:p>
-          <a:p>
-            <a:r>
-              <a:rPr lang="de-CH" dirty="0">
-                <a:solidFill>
-                  <a:schemeClr val="bg1"/>
-                </a:solidFill>
-                <a:latin typeface="Myriad Pro" panose="020B0503030403020204" pitchFamily="34" charset="0"/>
-              </a:rPr>
-              <a:t>Reto Mayer, Marco Sutter, Fabian Wipf</a:t>
-            </a:r>
-          </a:p>
-        </p:txBody>
-      </p:sp>
-    </p:spTree>
-    <p:extLst>
-      <p:ext uri="{BB962C8B-B14F-4D97-AF65-F5344CB8AC3E}">
-        <p14:creationId xmlns:p14="http://schemas.microsoft.com/office/powerpoint/2010/main" val="3373570418"/>
-      </p:ext>
-    </p:extLst>
-  </p:cSld>
-  <p:clrMapOvr>
-    <a:masterClrMapping/>
-  </p:clrMapOvr>
-  <mc:AlternateContent xmlns:mc="http://schemas.openxmlformats.org/markup-compatibility/2006" xmlns:p14="http://schemas.microsoft.com/office/powerpoint/2010/main">
-    <mc:Choice Requires="p14">
-      <p:transition p14:dur="0"/>
-    </mc:Choice>
-    <mc:Fallback xmlns="">
-      <p:transition/>
-    </mc:Fallback>
-  </mc:AlternateContent>
-</p:sld>
-</file>
-
-<file path=ppt/slides/slide3.xml><?xml version="1.0" encoding="utf-8"?>
-<p:sld xmlns:a="http://schemas.openxmlformats.org/drawingml/2006/main" xmlns:r="http://schemas.openxmlformats.org/officeDocument/2006/relationships" xmlns:p="http://schemas.openxmlformats.org/presentationml/2006/main">
-  <p:cSld>
-    <p:bg>
-      <p:bgPr>
-        <a:solidFill>
-          <a:srgbClr val="4063B4"/>
-        </a:solidFill>
-        <a:effectLst/>
-      </p:bgPr>
-    </p:bg>
-    <p:spTree>
-      <p:nvGrpSpPr>
-        <p:cNvPr id="1" name=""/>
-        <p:cNvGrpSpPr/>
-        <p:nvPr/>
-      </p:nvGrpSpPr>
-      <p:grpSpPr>
-        <a:xfrm>
-          <a:off x="0" y="0"/>
-          <a:ext cx="0" cy="0"/>
-          <a:chOff x="0" y="0"/>
-          <a:chExt cx="0" cy="0"/>
-        </a:xfrm>
-      </p:grpSpPr>
-      <p:sp>
-        <p:nvSpPr>
-          <p:cNvPr id="2" name="Titel 1">
-            <a:extLst>
-              <a:ext uri="{FF2B5EF4-FFF2-40B4-BE49-F238E27FC236}">
-                <a16:creationId xmlns:a16="http://schemas.microsoft.com/office/drawing/2014/main" id="{0401B019-F359-4764-A427-8FCE14F81598}"/>
-              </a:ext>
-            </a:extLst>
-          </p:cNvPr>
-          <p:cNvSpPr>
-            <a:spLocks noGrp="1"/>
-          </p:cNvSpPr>
-          <p:nvPr>
-            <p:ph type="title"/>
-          </p:nvPr>
-        </p:nvSpPr>
-        <p:spPr>
-          <a:xfrm>
-            <a:off x="719667" y="135468"/>
-            <a:ext cx="10769600" cy="1266296"/>
-          </a:xfrm>
-        </p:spPr>
-        <p:txBody>
-          <a:bodyPr>
-            <a:normAutofit/>
-          </a:bodyPr>
-          <a:lstStyle/>
-          <a:p>
-            <a:r>
-              <a:rPr lang="de-CH" sz="6000" b="1" dirty="0">
-                <a:solidFill>
-                  <a:schemeClr val="bg1"/>
-                </a:solidFill>
-                <a:latin typeface="Myriad Pro" panose="020B0503030403020204" pitchFamily="34" charset="0"/>
-              </a:rPr>
-              <a:t>Begrüssung</a:t>
-            </a:r>
-          </a:p>
-        </p:txBody>
-      </p:sp>
-      <p:sp>
-        <p:nvSpPr>
-          <p:cNvPr id="3" name="Inhaltsplatzhalter 2">
-            <a:extLst>
-              <a:ext uri="{FF2B5EF4-FFF2-40B4-BE49-F238E27FC236}">
-                <a16:creationId xmlns:a16="http://schemas.microsoft.com/office/drawing/2014/main" id="{D8B19D9F-EE71-4337-A5B0-92F3F6F2E0D7}"/>
-              </a:ext>
-            </a:extLst>
-          </p:cNvPr>
-          <p:cNvSpPr>
-            <a:spLocks noGrp="1"/>
-          </p:cNvSpPr>
-          <p:nvPr>
-            <p:ph idx="1"/>
-          </p:nvPr>
-        </p:nvSpPr>
-        <p:spPr>
-          <a:xfrm>
-            <a:off x="-48861" y="1524000"/>
-            <a:ext cx="12333930" cy="5567835"/>
-          </a:xfrm>
-          <a:solidFill>
-            <a:schemeClr val="bg1"/>
-          </a:solidFill>
-        </p:spPr>
-        <p:txBody>
-          <a:bodyPr>
-            <a:normAutofit/>
-          </a:bodyPr>
-          <a:lstStyle/>
-          <a:p>
-            <a:endParaRPr lang="de-CH" sz="3600" dirty="0">
-              <a:latin typeface="Myriad Pro" panose="020B0503030403020204" pitchFamily="34" charset="0"/>
-            </a:endParaRPr>
-          </a:p>
-          <a:p>
-            <a:pPr marL="1657350" lvl="2" indent="-742950">
-              <a:buFont typeface="+mj-lt"/>
-              <a:buAutoNum type="arabicParenBoth"/>
-            </a:pPr>
-            <a:r>
-              <a:rPr lang="de-CH" sz="800" dirty="0">
-                <a:solidFill>
-                  <a:schemeClr val="bg1"/>
-                </a:solidFill>
-                <a:latin typeface="Myriad Pro" panose="020B0503030403020204" pitchFamily="34" charset="0"/>
-              </a:rPr>
-              <a:t>- </a:t>
-            </a:r>
-          </a:p>
-          <a:p>
-            <a:pPr marL="914400" lvl="2" indent="0">
-              <a:buNone/>
-            </a:pPr>
-            <a:r>
-              <a:rPr lang="de-CH" sz="4000" dirty="0">
-                <a:latin typeface="Myriad Pro" panose="020B0503030403020204" pitchFamily="34" charset="0"/>
-              </a:rPr>
-              <a:t>- Stand Issues</a:t>
-            </a:r>
-          </a:p>
-          <a:p>
-            <a:pPr marL="914400" lvl="2" indent="0">
-              <a:buNone/>
-            </a:pPr>
-            <a:r>
-              <a:rPr lang="de-CH" sz="4000" dirty="0">
-                <a:latin typeface="Myriad Pro" panose="020B0503030403020204" pitchFamily="34" charset="0"/>
-              </a:rPr>
-              <a:t>- Stand des Projektes</a:t>
-            </a:r>
-          </a:p>
-          <a:p>
-            <a:pPr marL="914400" lvl="2" indent="0">
-              <a:buNone/>
-            </a:pPr>
-            <a:r>
-              <a:rPr lang="de-CH" sz="4000" dirty="0">
-                <a:latin typeface="Myriad Pro" panose="020B0503030403020204" pitchFamily="34" charset="0"/>
-              </a:rPr>
-              <a:t>- Ablauf einer Fahrt</a:t>
-            </a:r>
-          </a:p>
-          <a:p>
-            <a:pPr marL="914400" lvl="2" indent="0">
-              <a:buNone/>
-            </a:pPr>
-            <a:r>
-              <a:rPr lang="de-CH" sz="4000" dirty="0">
-                <a:latin typeface="Myriad Pro" panose="020B0503030403020204" pitchFamily="34" charset="0"/>
-              </a:rPr>
-              <a:t>- Ausblick und Pendenzen</a:t>
-            </a:r>
-          </a:p>
-        </p:txBody>
-      </p:sp>
-      <p:pic>
-        <p:nvPicPr>
-          <p:cNvPr id="5" name="Grafik 4">
-            <a:extLst>
-              <a:ext uri="{FF2B5EF4-FFF2-40B4-BE49-F238E27FC236}">
-                <a16:creationId xmlns:a16="http://schemas.microsoft.com/office/drawing/2014/main" id="{66E24A75-8A64-4E03-A0FE-DD247E90F1D2}"/>
-              </a:ext>
-            </a:extLst>
-          </p:cNvPr>
-          <p:cNvPicPr>
-            <a:picLocks noChangeAspect="1"/>
-          </p:cNvPicPr>
-          <p:nvPr/>
-        </p:nvPicPr>
-        <p:blipFill>
-          <a:blip r:embed="rId2">
-            <a:extLst>
-              <a:ext uri="{28A0092B-C50C-407E-A947-70E740481C1C}">
-                <a14:useLocalDpi xmlns:a14="http://schemas.microsoft.com/office/drawing/2010/main" val="0"/>
-              </a:ext>
-            </a:extLst>
-          </a:blip>
-          <a:stretch>
-            <a:fillRect/>
-          </a:stretch>
-        </p:blipFill>
-        <p:spPr>
-          <a:xfrm>
-            <a:off x="10475858" y="241829"/>
-            <a:ext cx="1462142" cy="914400"/>
-          </a:xfrm>
-          <a:prstGeom prst="rect">
-            <a:avLst/>
-          </a:prstGeom>
-        </p:spPr>
-      </p:pic>
-    </p:spTree>
-    <p:extLst>
-      <p:ext uri="{BB962C8B-B14F-4D97-AF65-F5344CB8AC3E}">
-        <p14:creationId xmlns:p14="http://schemas.microsoft.com/office/powerpoint/2010/main" val="3940947018"/>
-      </p:ext>
-    </p:extLst>
-  </p:cSld>
-  <p:clrMapOvr>
-    <a:masterClrMapping/>
-  </p:clrMapOvr>
-  <p:transition>
-    <p:push dir="u"/>
-  </p:transition>
-</p:sld>
-</file>
-
-<file path=ppt/slides/slide4.xml><?xml version="1.0" encoding="utf-8"?>
-<p:sld xmlns:a="http://schemas.openxmlformats.org/drawingml/2006/main" xmlns:r="http://schemas.openxmlformats.org/officeDocument/2006/relationships" xmlns:p="http://schemas.openxmlformats.org/presentationml/2006/main">
-  <p:cSld>
-    <p:bg>
-      <p:bgPr>
-        <a:solidFill>
-          <a:srgbClr val="4063B4"/>
-        </a:solidFill>
-        <a:effectLst/>
-      </p:bgPr>
-    </p:bg>
-    <p:spTree>
-      <p:nvGrpSpPr>
-        <p:cNvPr id="1" name=""/>
-        <p:cNvGrpSpPr/>
-        <p:nvPr/>
-      </p:nvGrpSpPr>
-      <p:grpSpPr>
-        <a:xfrm>
-          <a:off x="0" y="0"/>
-          <a:ext cx="0" cy="0"/>
-          <a:chOff x="0" y="0"/>
-          <a:chExt cx="0" cy="0"/>
-        </a:xfrm>
-      </p:grpSpPr>
-      <p:sp>
-        <p:nvSpPr>
-          <p:cNvPr id="2" name="Titel 1">
-            <a:extLst>
-              <a:ext uri="{FF2B5EF4-FFF2-40B4-BE49-F238E27FC236}">
-                <a16:creationId xmlns:a16="http://schemas.microsoft.com/office/drawing/2014/main" id="{0401B019-F359-4764-A427-8FCE14F81598}"/>
-              </a:ext>
-            </a:extLst>
-          </p:cNvPr>
-          <p:cNvSpPr>
-            <a:spLocks noGrp="1"/>
-          </p:cNvSpPr>
-          <p:nvPr>
-            <p:ph type="title"/>
-          </p:nvPr>
-        </p:nvSpPr>
-        <p:spPr>
-          <a:xfrm>
-            <a:off x="719667" y="135468"/>
-            <a:ext cx="10769600" cy="1266296"/>
-          </a:xfrm>
-        </p:spPr>
-        <p:txBody>
-          <a:bodyPr>
-            <a:normAutofit/>
-          </a:bodyPr>
-          <a:lstStyle/>
-          <a:p>
-            <a:r>
-              <a:rPr lang="de-CH" sz="6000" b="1" dirty="0">
-                <a:solidFill>
-                  <a:schemeClr val="bg1"/>
-                </a:solidFill>
-                <a:latin typeface="Myriad Pro" panose="020B0503030403020204" pitchFamily="34" charset="0"/>
-              </a:rPr>
-              <a:t>Aufwand Meilenstein 3 </a:t>
-            </a:r>
-            <a:r>
-              <a:rPr lang="de-CH" sz="2400" b="1" dirty="0">
-                <a:solidFill>
-                  <a:schemeClr val="bg1"/>
-                </a:solidFill>
-                <a:latin typeface="Myriad Pro" panose="020B0503030403020204" pitchFamily="34" charset="0"/>
-              </a:rPr>
-              <a:t>(26.04.2018)</a:t>
-            </a:r>
-          </a:p>
-        </p:txBody>
-      </p:sp>
-      <p:sp>
-        <p:nvSpPr>
-          <p:cNvPr id="3" name="Inhaltsplatzhalter 2">
-            <a:extLst>
-              <a:ext uri="{FF2B5EF4-FFF2-40B4-BE49-F238E27FC236}">
-                <a16:creationId xmlns:a16="http://schemas.microsoft.com/office/drawing/2014/main" id="{D8B19D9F-EE71-4337-A5B0-92F3F6F2E0D7}"/>
-              </a:ext>
-            </a:extLst>
-          </p:cNvPr>
-          <p:cNvSpPr>
-            <a:spLocks noGrp="1"/>
-          </p:cNvSpPr>
-          <p:nvPr>
-            <p:ph idx="1"/>
-          </p:nvPr>
-        </p:nvSpPr>
-        <p:spPr>
-          <a:xfrm>
-            <a:off x="-169049" y="1524001"/>
-            <a:ext cx="12724760" cy="5468470"/>
-          </a:xfrm>
-          <a:solidFill>
-            <a:schemeClr val="bg1"/>
-          </a:solidFill>
-        </p:spPr>
-        <p:txBody>
-          <a:bodyPr>
-            <a:normAutofit/>
-          </a:bodyPr>
-          <a:lstStyle/>
-          <a:p>
-            <a:endParaRPr lang="de-CH" sz="3600" dirty="0"/>
-          </a:p>
-          <a:p>
-            <a:endParaRPr lang="de-CH" sz="3600" dirty="0"/>
-          </a:p>
-        </p:txBody>
-      </p:sp>
-      <p:pic>
-        <p:nvPicPr>
-          <p:cNvPr id="5" name="Grafik 4">
-            <a:extLst>
-              <a:ext uri="{FF2B5EF4-FFF2-40B4-BE49-F238E27FC236}">
-                <a16:creationId xmlns:a16="http://schemas.microsoft.com/office/drawing/2014/main" id="{66E24A75-8A64-4E03-A0FE-DD247E90F1D2}"/>
-              </a:ext>
-            </a:extLst>
-          </p:cNvPr>
-          <p:cNvPicPr>
-            <a:picLocks noChangeAspect="1"/>
-          </p:cNvPicPr>
-          <p:nvPr/>
-        </p:nvPicPr>
-        <p:blipFill>
-          <a:blip r:embed="rId2">
-            <a:extLst>
-              <a:ext uri="{28A0092B-C50C-407E-A947-70E740481C1C}">
-                <a14:useLocalDpi xmlns:a14="http://schemas.microsoft.com/office/drawing/2010/main" val="0"/>
-              </a:ext>
-            </a:extLst>
-          </a:blip>
-          <a:stretch>
-            <a:fillRect/>
-          </a:stretch>
-        </p:blipFill>
-        <p:spPr>
-          <a:xfrm>
-            <a:off x="10475858" y="241829"/>
-            <a:ext cx="1462142" cy="914400"/>
-          </a:xfrm>
-          <a:prstGeom prst="rect">
-            <a:avLst/>
-          </a:prstGeom>
-        </p:spPr>
-      </p:pic>
-      <p:graphicFrame>
-        <p:nvGraphicFramePr>
-          <p:cNvPr id="4" name="Tabelle 3">
-            <a:extLst>
-              <a:ext uri="{FF2B5EF4-FFF2-40B4-BE49-F238E27FC236}">
-                <a16:creationId xmlns:a16="http://schemas.microsoft.com/office/drawing/2014/main" id="{DF5F0AA4-956C-468F-B501-114AA425E8F0}"/>
-              </a:ext>
-            </a:extLst>
-          </p:cNvPr>
-          <p:cNvGraphicFramePr>
-            <a:graphicFrameLocks noGrp="1"/>
-          </p:cNvGraphicFramePr>
-          <p:nvPr>
-            <p:extLst>
-              <p:ext uri="{D42A27DB-BD31-4B8C-83A1-F6EECF244321}">
-                <p14:modId xmlns:p14="http://schemas.microsoft.com/office/powerpoint/2010/main" val="1850426866"/>
-              </p:ext>
-            </p:extLst>
-          </p:nvPr>
-        </p:nvGraphicFramePr>
-        <p:xfrm>
-          <a:off x="939800" y="1684441"/>
-          <a:ext cx="5545667" cy="4095330"/>
-        </p:xfrm>
-        <a:graphic>
-          <a:graphicData uri="http://schemas.openxmlformats.org/drawingml/2006/table">
-            <a:tbl>
-              <a:tblPr>
-                <a:tableStyleId>{2D5ABB26-0587-4C30-8999-92F81FD0307C}</a:tableStyleId>
-              </a:tblPr>
-              <a:tblGrid>
-                <a:gridCol w="4867687">
-                  <a:extLst>
-                    <a:ext uri="{9D8B030D-6E8A-4147-A177-3AD203B41FA5}">
-                      <a16:colId xmlns:a16="http://schemas.microsoft.com/office/drawing/2014/main" val="2187792830"/>
-                    </a:ext>
-                  </a:extLst>
-                </a:gridCol>
-                <a:gridCol w="677980">
-                  <a:extLst>
-                    <a:ext uri="{9D8B030D-6E8A-4147-A177-3AD203B41FA5}">
-                      <a16:colId xmlns:a16="http://schemas.microsoft.com/office/drawing/2014/main" val="2263850286"/>
-                    </a:ext>
-                  </a:extLst>
-                </a:gridCol>
-              </a:tblGrid>
-              <a:tr h="685242">
-                <a:tc>
-                  <a:txBody>
-                    <a:bodyPr/>
-                    <a:lstStyle/>
-                    <a:p>
-                      <a:pPr algn="l" fontAlgn="b"/>
-                      <a:r>
-                        <a:rPr lang="de-CH" sz="2400" u="none" strike="noStrike" dirty="0">
-                          <a:effectLst/>
-                          <a:latin typeface="Myriad Pro" panose="020B0503030403020204" pitchFamily="34" charset="0"/>
-                        </a:rPr>
-                        <a:t>Projekt in Std</a:t>
-                      </a:r>
-                      <a:endParaRPr lang="de-CH" sz="2400" b="0" i="0" u="none" strike="noStrike" dirty="0">
-                        <a:solidFill>
-                          <a:srgbClr val="000000"/>
-                        </a:solidFill>
-                        <a:effectLst/>
-                        <a:latin typeface="Myriad Pro" panose="020B0503030403020204" pitchFamily="34" charset="0"/>
-                      </a:endParaRPr>
-                    </a:p>
-                  </a:txBody>
-                  <a:tcPr marL="0" marR="0" marT="0" marB="0" anchor="b">
-                    <a:lnR w="12700" cap="flat" cmpd="sng" algn="ctr">
-                      <a:solidFill>
-                        <a:schemeClr val="tx1"/>
-                      </a:solidFill>
-                      <a:prstDash val="solid"/>
-                      <a:round/>
-                      <a:headEnd type="none" w="med" len="med"/>
-                      <a:tailEnd type="none" w="med" len="med"/>
-                    </a:lnR>
-                    <a:lnB w="12700" cap="flat" cmpd="sng" algn="ctr">
-                      <a:solidFill>
-                        <a:schemeClr val="tx1"/>
-                      </a:solidFill>
-                      <a:prstDash val="solid"/>
-                      <a:round/>
-                      <a:headEnd type="none" w="med" len="med"/>
-                      <a:tailEnd type="none" w="med" len="med"/>
-                    </a:lnB>
-                  </a:tcPr>
-                </a:tc>
-                <a:tc>
-                  <a:txBody>
-                    <a:bodyPr/>
-                    <a:lstStyle/>
-                    <a:p>
-                      <a:pPr algn="r" fontAlgn="b"/>
-                      <a:r>
-                        <a:rPr lang="de-CH" sz="2400" u="none" strike="noStrike" kern="1200" dirty="0">
-                          <a:effectLst/>
-                          <a:latin typeface="Myriad Pro" panose="020B0503030403020204" pitchFamily="34" charset="0"/>
-                        </a:rPr>
-                        <a:t>35</a:t>
-                      </a:r>
-                      <a:endParaRPr lang="de-CH" sz="2400" u="none" strike="noStrike" kern="1200" dirty="0">
-                        <a:solidFill>
-                          <a:schemeClr val="dk1"/>
-                        </a:solidFill>
-                        <a:effectLst/>
-                        <a:latin typeface="Myriad Pro" panose="020B0503030403020204" pitchFamily="34" charset="0"/>
-                        <a:ea typeface="+mn-ea"/>
-                        <a:cs typeface="+mn-cs"/>
-                      </a:endParaRPr>
-                    </a:p>
-                  </a:txBody>
-                  <a:tcPr marL="0" marR="0" marT="0" marB="0" anchor="b">
-                    <a:lnL w="12700" cap="flat" cmpd="sng" algn="ctr">
-                      <a:solidFill>
-                        <a:schemeClr val="tx1"/>
-                      </a:solidFill>
-                      <a:prstDash val="solid"/>
-                      <a:round/>
-                      <a:headEnd type="none" w="med" len="med"/>
-                      <a:tailEnd type="none" w="med" len="med"/>
-                    </a:lnL>
-                    <a:lnB w="12700" cap="flat" cmpd="sng" algn="ctr">
-                      <a:solidFill>
-                        <a:schemeClr val="tx1"/>
-                      </a:solidFill>
-                      <a:prstDash val="solid"/>
-                      <a:round/>
-                      <a:headEnd type="none" w="med" len="med"/>
-                      <a:tailEnd type="none" w="med" len="med"/>
-                    </a:lnB>
-                  </a:tcPr>
-                </a:tc>
-                <a:extLst>
-                  <a:ext uri="{0D108BD9-81ED-4DB2-BD59-A6C34878D82A}">
-                    <a16:rowId xmlns:a16="http://schemas.microsoft.com/office/drawing/2014/main" val="1190548086"/>
-                  </a:ext>
-                </a:extLst>
-              </a:tr>
-              <a:tr h="685242">
-                <a:tc>
-                  <a:txBody>
-                    <a:bodyPr/>
-                    <a:lstStyle/>
-                    <a:p>
-                      <a:pPr algn="l" fontAlgn="b"/>
-                      <a:r>
-                        <a:rPr lang="de-CH" sz="2400" u="none" strike="noStrike" dirty="0">
-                          <a:effectLst/>
-                          <a:latin typeface="Myriad Pro" panose="020B0503030403020204" pitchFamily="34" charset="0"/>
-                        </a:rPr>
-                        <a:t>Clean Code</a:t>
-                      </a:r>
-                      <a:endParaRPr lang="de-CH" sz="2400" b="0" i="0" u="none" strike="noStrike" dirty="0">
-                        <a:solidFill>
-                          <a:srgbClr val="000000"/>
-                        </a:solidFill>
-                        <a:effectLst/>
-                        <a:latin typeface="Myriad Pro" panose="020B0503030403020204" pitchFamily="34" charset="0"/>
-                      </a:endParaRPr>
-                    </a:p>
-                  </a:txBody>
-                  <a:tcPr marL="0" marR="0" marT="0" marB="0" anchor="b">
-                    <a:lnR w="12700" cap="flat" cmpd="sng" algn="ctr">
-                      <a:solidFill>
-                        <a:schemeClr val="tx1"/>
-                      </a:solidFill>
-                      <a:prstDash val="solid"/>
-                      <a:round/>
-                      <a:headEnd type="none" w="med" len="med"/>
-                      <a:tailEnd type="none" w="med" len="med"/>
-                    </a:lnR>
-                    <a:lnT w="12700" cap="flat" cmpd="sng" algn="ctr">
-                      <a:solidFill>
-                        <a:schemeClr val="tx1"/>
-                      </a:solidFill>
-                      <a:prstDash val="solid"/>
-                      <a:round/>
-                      <a:headEnd type="none" w="med" len="med"/>
-                      <a:tailEnd type="none" w="med" len="med"/>
-                    </a:lnT>
-                    <a:lnB w="12700" cap="flat" cmpd="sng" algn="ctr">
-                      <a:solidFill>
-                        <a:schemeClr val="tx1"/>
-                      </a:solidFill>
-                      <a:prstDash val="solid"/>
-                      <a:round/>
-                      <a:headEnd type="none" w="med" len="med"/>
-                      <a:tailEnd type="none" w="med" len="med"/>
-                    </a:lnB>
-                  </a:tcPr>
-                </a:tc>
-                <a:tc>
-                  <a:txBody>
-                    <a:bodyPr/>
-                    <a:lstStyle/>
-                    <a:p>
-                      <a:pPr algn="r" fontAlgn="b"/>
-                      <a:r>
-                        <a:rPr lang="de-CH" sz="2400" u="none" strike="noStrike" kern="1200" dirty="0">
-                          <a:effectLst/>
-                          <a:latin typeface="Myriad Pro" panose="020B0503030403020204" pitchFamily="34" charset="0"/>
-                        </a:rPr>
-                        <a:t>20.5</a:t>
-                      </a:r>
-                      <a:endParaRPr lang="de-CH" sz="2400" u="none" strike="noStrike" kern="1200" dirty="0">
-                        <a:solidFill>
-                          <a:schemeClr val="dk1"/>
-                        </a:solidFill>
-                        <a:effectLst/>
-                        <a:latin typeface="Myriad Pro" panose="020B0503030403020204" pitchFamily="34" charset="0"/>
-                        <a:ea typeface="+mn-ea"/>
-                        <a:cs typeface="+mn-cs"/>
-                      </a:endParaRPr>
-                    </a:p>
-                  </a:txBody>
-                  <a:tcPr marL="0" marR="0" marT="0" marB="0" anchor="b">
-                    <a:lnL w="12700" cap="flat" cmpd="sng" algn="ctr">
-                      <a:solidFill>
-                        <a:schemeClr val="tx1"/>
-                      </a:solidFill>
-                      <a:prstDash val="solid"/>
-                      <a:round/>
-                      <a:headEnd type="none" w="med" len="med"/>
-                      <a:tailEnd type="none" w="med" len="med"/>
-                    </a:lnL>
-                    <a:lnT w="12700" cap="flat" cmpd="sng" algn="ctr">
-                      <a:solidFill>
-                        <a:schemeClr val="tx1"/>
-                      </a:solidFill>
-                      <a:prstDash val="solid"/>
-                      <a:round/>
-                      <a:headEnd type="none" w="med" len="med"/>
-                      <a:tailEnd type="none" w="med" len="med"/>
-                    </a:lnT>
-                    <a:lnB w="12700" cap="flat" cmpd="sng" algn="ctr">
-                      <a:solidFill>
-                        <a:schemeClr val="tx1"/>
-                      </a:solidFill>
-                      <a:prstDash val="solid"/>
-                      <a:round/>
-                      <a:headEnd type="none" w="med" len="med"/>
-                      <a:tailEnd type="none" w="med" len="med"/>
-                    </a:lnB>
-                  </a:tcPr>
-                </a:tc>
-                <a:extLst>
-                  <a:ext uri="{0D108BD9-81ED-4DB2-BD59-A6C34878D82A}">
-                    <a16:rowId xmlns:a16="http://schemas.microsoft.com/office/drawing/2014/main" val="2923432542"/>
-                  </a:ext>
-                </a:extLst>
-              </a:tr>
-              <a:tr h="685242">
-                <a:tc>
-                  <a:txBody>
-                    <a:bodyPr/>
-                    <a:lstStyle/>
-                    <a:p>
-                      <a:pPr algn="l" fontAlgn="b"/>
-                      <a:r>
-                        <a:rPr lang="de-CH" sz="2400" u="none" strike="noStrike" dirty="0">
-                          <a:effectLst/>
-                          <a:latin typeface="Myriad Pro" panose="020B0503030403020204" pitchFamily="34" charset="0"/>
-                        </a:rPr>
-                        <a:t>Projekt effektiv</a:t>
-                      </a:r>
-                      <a:endParaRPr lang="de-CH" sz="2400" b="1" i="0" u="none" strike="noStrike" dirty="0">
-                        <a:solidFill>
-                          <a:srgbClr val="000000"/>
-                        </a:solidFill>
-                        <a:effectLst/>
-                        <a:latin typeface="Myriad Pro" panose="020B0503030403020204" pitchFamily="34" charset="0"/>
-                      </a:endParaRPr>
-                    </a:p>
-                  </a:txBody>
-                  <a:tcPr marL="0" marR="0" marT="0" marB="0" anchor="b">
-                    <a:lnR w="12700" cap="flat" cmpd="sng" algn="ctr">
-                      <a:solidFill>
-                        <a:schemeClr val="tx1"/>
-                      </a:solidFill>
-                      <a:prstDash val="solid"/>
-                      <a:round/>
-                      <a:headEnd type="none" w="med" len="med"/>
-                      <a:tailEnd type="none" w="med" len="med"/>
-                    </a:lnR>
-                    <a:lnT w="12700" cap="flat" cmpd="sng" algn="ctr">
-                      <a:solidFill>
-                        <a:schemeClr val="tx1"/>
-                      </a:solidFill>
-                      <a:prstDash val="solid"/>
-                      <a:round/>
-                      <a:headEnd type="none" w="med" len="med"/>
-                      <a:tailEnd type="none" w="med" len="med"/>
-                    </a:lnT>
-                    <a:lnB w="12700" cap="flat" cmpd="sng" algn="ctr">
-                      <a:solidFill>
-                        <a:schemeClr val="tx1"/>
-                      </a:solidFill>
-                      <a:prstDash val="solid"/>
-                      <a:round/>
-                      <a:headEnd type="none" w="med" len="med"/>
-                      <a:tailEnd type="none" w="med" len="med"/>
-                    </a:lnB>
-                  </a:tcPr>
-                </a:tc>
-                <a:tc>
-                  <a:txBody>
-                    <a:bodyPr/>
-                    <a:lstStyle/>
-                    <a:p>
-                      <a:pPr algn="r" fontAlgn="b"/>
-                      <a:r>
-                        <a:rPr lang="de-CH" sz="2400" u="none" strike="noStrike" kern="1200" dirty="0">
-                          <a:effectLst/>
-                          <a:latin typeface="Myriad Pro" panose="020B0503030403020204" pitchFamily="34" charset="0"/>
-                        </a:rPr>
-                        <a:t>60.5</a:t>
-                      </a:r>
-                      <a:endParaRPr lang="de-CH" sz="2400" u="none" strike="noStrike" kern="1200" dirty="0">
-                        <a:solidFill>
-                          <a:schemeClr val="dk1"/>
-                        </a:solidFill>
-                        <a:effectLst/>
-                        <a:latin typeface="Myriad Pro" panose="020B0503030403020204" pitchFamily="34" charset="0"/>
-                        <a:ea typeface="+mn-ea"/>
-                        <a:cs typeface="+mn-cs"/>
-                      </a:endParaRPr>
-                    </a:p>
-                  </a:txBody>
-                  <a:tcPr marL="0" marR="0" marT="0" marB="0" anchor="b">
-                    <a:lnL w="12700" cap="flat" cmpd="sng" algn="ctr">
-                      <a:solidFill>
-                        <a:schemeClr val="tx1"/>
-                      </a:solidFill>
-                      <a:prstDash val="solid"/>
-                      <a:round/>
-                      <a:headEnd type="none" w="med" len="med"/>
-                      <a:tailEnd type="none" w="med" len="med"/>
-                    </a:lnL>
-                    <a:lnT w="12700" cap="flat" cmpd="sng" algn="ctr">
-                      <a:solidFill>
-                        <a:schemeClr val="tx1"/>
-                      </a:solidFill>
-                      <a:prstDash val="solid"/>
-                      <a:round/>
-                      <a:headEnd type="none" w="med" len="med"/>
-                      <a:tailEnd type="none" w="med" len="med"/>
-                    </a:lnT>
-                    <a:lnB w="12700" cap="flat" cmpd="sng" algn="ctr">
-                      <a:solidFill>
-                        <a:schemeClr val="tx1"/>
-                      </a:solidFill>
-                      <a:prstDash val="solid"/>
-                      <a:round/>
-                      <a:headEnd type="none" w="med" len="med"/>
-                      <a:tailEnd type="none" w="med" len="med"/>
-                    </a:lnB>
-                  </a:tcPr>
-                </a:tc>
-                <a:extLst>
-                  <a:ext uri="{0D108BD9-81ED-4DB2-BD59-A6C34878D82A}">
-                    <a16:rowId xmlns:a16="http://schemas.microsoft.com/office/drawing/2014/main" val="507912266"/>
-                  </a:ext>
-                </a:extLst>
-              </a:tr>
-              <a:tr h="679868">
-                <a:tc>
-                  <a:txBody>
-                    <a:bodyPr/>
-                    <a:lstStyle/>
-                    <a:p>
-                      <a:pPr algn="l" fontAlgn="b"/>
-                      <a:r>
-                        <a:rPr lang="de-CH" sz="2400" u="none" strike="noStrike" dirty="0">
-                          <a:effectLst/>
-                          <a:latin typeface="Myriad Pro" panose="020B0503030403020204" pitchFamily="34" charset="0"/>
-                        </a:rPr>
-                        <a:t>Eingeplant</a:t>
-                      </a:r>
-                      <a:endParaRPr lang="de-CH" sz="2400" b="0" i="0" u="none" strike="noStrike" dirty="0">
-                        <a:solidFill>
-                          <a:srgbClr val="000000"/>
-                        </a:solidFill>
-                        <a:effectLst/>
-                        <a:latin typeface="Myriad Pro" panose="020B0503030403020204" pitchFamily="34" charset="0"/>
-                      </a:endParaRPr>
-                    </a:p>
-                  </a:txBody>
-                  <a:tcPr marL="0" marR="0" marT="0" marB="0" anchor="b">
-                    <a:lnR w="12700" cap="flat" cmpd="sng" algn="ctr">
-                      <a:solidFill>
-                        <a:schemeClr val="tx1"/>
-                      </a:solidFill>
-                      <a:prstDash val="solid"/>
-                      <a:round/>
-                      <a:headEnd type="none" w="med" len="med"/>
-                      <a:tailEnd type="none" w="med" len="med"/>
-                    </a:lnR>
-                    <a:lnT w="12700" cap="flat" cmpd="sng" algn="ctr">
-                      <a:solidFill>
-                        <a:schemeClr val="tx1"/>
-                      </a:solidFill>
-                      <a:prstDash val="solid"/>
-                      <a:round/>
-                      <a:headEnd type="none" w="med" len="med"/>
-                      <a:tailEnd type="none" w="med" len="med"/>
-                    </a:lnT>
-                    <a:lnB w="12700" cap="flat" cmpd="sng" algn="ctr">
-                      <a:solidFill>
-                        <a:schemeClr val="tx1"/>
-                      </a:solidFill>
-                      <a:prstDash val="solid"/>
-                      <a:round/>
-                      <a:headEnd type="none" w="med" len="med"/>
-                      <a:tailEnd type="none" w="med" len="med"/>
-                    </a:lnB>
-                  </a:tcPr>
-                </a:tc>
-                <a:tc>
-                  <a:txBody>
-                    <a:bodyPr/>
-                    <a:lstStyle/>
-                    <a:p>
-                      <a:pPr algn="r" fontAlgn="b"/>
-                      <a:r>
-                        <a:rPr lang="de-CH" sz="2400" u="none" strike="noStrike" kern="1200" dirty="0">
-                          <a:effectLst/>
-                          <a:latin typeface="Myriad Pro" panose="020B0503030403020204" pitchFamily="34" charset="0"/>
-                        </a:rPr>
-                        <a:t>80</a:t>
-                      </a:r>
-                      <a:endParaRPr lang="de-CH" sz="2400" u="none" strike="noStrike" kern="1200" dirty="0">
-                        <a:solidFill>
-                          <a:schemeClr val="dk1"/>
-                        </a:solidFill>
-                        <a:effectLst/>
-                        <a:latin typeface="Myriad Pro" panose="020B0503030403020204" pitchFamily="34" charset="0"/>
-                        <a:ea typeface="+mn-ea"/>
-                        <a:cs typeface="+mn-cs"/>
-                      </a:endParaRPr>
-                    </a:p>
-                  </a:txBody>
-                  <a:tcPr marL="0" marR="0" marT="0" marB="0" anchor="b">
-                    <a:lnL w="12700" cap="flat" cmpd="sng" algn="ctr">
-                      <a:solidFill>
-                        <a:schemeClr val="tx1"/>
-                      </a:solidFill>
-                      <a:prstDash val="solid"/>
-                      <a:round/>
-                      <a:headEnd type="none" w="med" len="med"/>
-                      <a:tailEnd type="none" w="med" len="med"/>
-                    </a:lnL>
-                    <a:lnT w="12700" cap="flat" cmpd="sng" algn="ctr">
-                      <a:solidFill>
-                        <a:schemeClr val="tx1"/>
-                      </a:solidFill>
-                      <a:prstDash val="solid"/>
-                      <a:round/>
-                      <a:headEnd type="none" w="med" len="med"/>
-                      <a:tailEnd type="none" w="med" len="med"/>
-                    </a:lnT>
-                    <a:lnB w="12700" cap="flat" cmpd="sng" algn="ctr">
-                      <a:solidFill>
-                        <a:schemeClr val="tx1"/>
-                      </a:solidFill>
-                      <a:prstDash val="solid"/>
-                      <a:round/>
-                      <a:headEnd type="none" w="med" len="med"/>
-                      <a:tailEnd type="none" w="med" len="med"/>
-                    </a:lnB>
-                  </a:tcPr>
-                </a:tc>
-                <a:extLst>
-                  <a:ext uri="{0D108BD9-81ED-4DB2-BD59-A6C34878D82A}">
-                    <a16:rowId xmlns:a16="http://schemas.microsoft.com/office/drawing/2014/main" val="556686000"/>
-                  </a:ext>
-                </a:extLst>
-              </a:tr>
-              <a:tr h="679868">
-                <a:tc>
-                  <a:txBody>
-                    <a:bodyPr/>
-                    <a:lstStyle/>
-                    <a:p>
-                      <a:pPr algn="l" fontAlgn="b"/>
-                      <a:r>
-                        <a:rPr lang="de-CH" sz="2400" u="none" strike="noStrike">
-                          <a:effectLst/>
-                          <a:latin typeface="Myriad Pro" panose="020B0503030403020204" pitchFamily="34" charset="0"/>
-                        </a:rPr>
-                        <a:t>Differenz Planung - Effektiv</a:t>
-                      </a:r>
-                      <a:endParaRPr lang="de-CH" sz="2400" b="1" i="0" u="none" strike="noStrike">
-                        <a:solidFill>
-                          <a:srgbClr val="000000"/>
-                        </a:solidFill>
-                        <a:effectLst/>
-                        <a:latin typeface="Myriad Pro" panose="020B0503030403020204" pitchFamily="34" charset="0"/>
-                      </a:endParaRPr>
-                    </a:p>
-                  </a:txBody>
-                  <a:tcPr marL="0" marR="0" marT="0" marB="0" anchor="b">
-                    <a:lnR w="12700" cap="flat" cmpd="sng" algn="ctr">
-                      <a:solidFill>
-                        <a:schemeClr val="tx1"/>
-                      </a:solidFill>
-                      <a:prstDash val="solid"/>
-                      <a:round/>
-                      <a:headEnd type="none" w="med" len="med"/>
-                      <a:tailEnd type="none" w="med" len="med"/>
-                    </a:lnR>
-                    <a:lnT w="12700" cap="flat" cmpd="sng" algn="ctr">
-                      <a:solidFill>
-                        <a:schemeClr val="tx1"/>
-                      </a:solidFill>
-                      <a:prstDash val="solid"/>
-                      <a:round/>
-                      <a:headEnd type="none" w="med" len="med"/>
-                      <a:tailEnd type="none" w="med" len="med"/>
-                    </a:lnT>
-                    <a:lnB w="12700" cap="flat" cmpd="sng" algn="ctr">
-                      <a:solidFill>
-                        <a:schemeClr val="tx1"/>
-                      </a:solidFill>
-                      <a:prstDash val="solid"/>
-                      <a:round/>
-                      <a:headEnd type="none" w="med" len="med"/>
-                      <a:tailEnd type="none" w="med" len="med"/>
-                    </a:lnB>
-                  </a:tcPr>
-                </a:tc>
-                <a:tc>
-                  <a:txBody>
-                    <a:bodyPr/>
-                    <a:lstStyle/>
-                    <a:p>
-                      <a:pPr algn="r" fontAlgn="b"/>
-                      <a:r>
-                        <a:rPr lang="de-CH" sz="2400" u="none" strike="noStrike" kern="1200" dirty="0">
-                          <a:effectLst/>
-                          <a:latin typeface="Myriad Pro" panose="020B0503030403020204" pitchFamily="34" charset="0"/>
-                        </a:rPr>
-                        <a:t>19.5</a:t>
-                      </a:r>
-                      <a:endParaRPr lang="de-CH" sz="2400" u="none" strike="noStrike" kern="1200" dirty="0">
-                        <a:solidFill>
-                          <a:schemeClr val="dk1"/>
-                        </a:solidFill>
-                        <a:effectLst/>
-                        <a:latin typeface="Myriad Pro" panose="020B0503030403020204" pitchFamily="34" charset="0"/>
-                        <a:ea typeface="+mn-ea"/>
-                        <a:cs typeface="+mn-cs"/>
-                      </a:endParaRPr>
-                    </a:p>
-                  </a:txBody>
-                  <a:tcPr marL="0" marR="0" marT="0" marB="0" anchor="b">
-                    <a:lnL w="12700" cap="flat" cmpd="sng" algn="ctr">
-                      <a:solidFill>
-                        <a:schemeClr val="tx1"/>
-                      </a:solidFill>
-                      <a:prstDash val="solid"/>
-                      <a:round/>
-                      <a:headEnd type="none" w="med" len="med"/>
-                      <a:tailEnd type="none" w="med" len="med"/>
-                    </a:lnL>
-                    <a:lnT w="12700" cap="flat" cmpd="sng" algn="ctr">
-                      <a:solidFill>
-                        <a:schemeClr val="tx1"/>
-                      </a:solidFill>
-                      <a:prstDash val="solid"/>
-                      <a:round/>
-                      <a:headEnd type="none" w="med" len="med"/>
-                      <a:tailEnd type="none" w="med" len="med"/>
-                    </a:lnT>
-                    <a:lnB w="12700" cap="flat" cmpd="sng" algn="ctr">
-                      <a:solidFill>
-                        <a:schemeClr val="tx1"/>
-                      </a:solidFill>
-                      <a:prstDash val="solid"/>
-                      <a:round/>
-                      <a:headEnd type="none" w="med" len="med"/>
-                      <a:tailEnd type="none" w="med" len="med"/>
-                    </a:lnB>
-                  </a:tcPr>
-                </a:tc>
-                <a:extLst>
-                  <a:ext uri="{0D108BD9-81ED-4DB2-BD59-A6C34878D82A}">
-                    <a16:rowId xmlns:a16="http://schemas.microsoft.com/office/drawing/2014/main" val="3570024893"/>
-                  </a:ext>
-                </a:extLst>
-              </a:tr>
-              <a:tr h="679868">
-                <a:tc>
-                  <a:txBody>
-                    <a:bodyPr/>
-                    <a:lstStyle/>
-                    <a:p>
-                      <a:pPr algn="l" fontAlgn="b"/>
-                      <a:r>
-                        <a:rPr lang="de-CH" sz="2400" u="none" strike="noStrike" dirty="0">
-                          <a:effectLst/>
-                          <a:latin typeface="Myriad Pro" panose="020B0503030403020204" pitchFamily="34" charset="0"/>
-                        </a:rPr>
-                        <a:t>Wissenstransfer Total</a:t>
-                      </a:r>
-                      <a:endParaRPr lang="de-CH" sz="2400" b="1" i="0" u="none" strike="noStrike" dirty="0">
-                        <a:solidFill>
-                          <a:srgbClr val="000000"/>
-                        </a:solidFill>
-                        <a:effectLst/>
-                        <a:latin typeface="Myriad Pro" panose="020B0503030403020204" pitchFamily="34" charset="0"/>
-                      </a:endParaRPr>
-                    </a:p>
-                  </a:txBody>
-                  <a:tcPr marL="0" marR="0" marT="0" marB="0" anchor="b">
-                    <a:lnR w="12700" cap="flat" cmpd="sng" algn="ctr">
-                      <a:solidFill>
-                        <a:schemeClr val="tx1"/>
-                      </a:solidFill>
-                      <a:prstDash val="solid"/>
-                      <a:round/>
-                      <a:headEnd type="none" w="med" len="med"/>
-                      <a:tailEnd type="none" w="med" len="med"/>
-                    </a:lnR>
-                    <a:lnT w="12700" cap="flat" cmpd="sng" algn="ctr">
-                      <a:solidFill>
-                        <a:schemeClr val="tx1"/>
-                      </a:solidFill>
-                      <a:prstDash val="solid"/>
-                      <a:round/>
-                      <a:headEnd type="none" w="med" len="med"/>
-                      <a:tailEnd type="none" w="med" len="med"/>
-                    </a:lnT>
-                  </a:tcPr>
-                </a:tc>
-                <a:tc>
-                  <a:txBody>
-                    <a:bodyPr/>
-                    <a:lstStyle/>
-                    <a:p>
-                      <a:pPr algn="r" fontAlgn="b"/>
-                      <a:r>
-                        <a:rPr lang="de-CH" sz="2400" u="none" strike="noStrike" kern="1200" dirty="0">
-                          <a:solidFill>
-                            <a:schemeClr val="dk1"/>
-                          </a:solidFill>
-                          <a:effectLst/>
-                          <a:latin typeface="Myriad Pro" panose="020B0503030403020204" pitchFamily="34" charset="0"/>
-                          <a:ea typeface="+mn-ea"/>
-                          <a:cs typeface="+mn-cs"/>
-                        </a:rPr>
-                        <a:t>8</a:t>
-                      </a:r>
-                    </a:p>
-                  </a:txBody>
-                  <a:tcPr marL="0" marR="0" marT="0" marB="0" anchor="b">
-                    <a:lnL w="12700" cap="flat" cmpd="sng" algn="ctr">
-                      <a:solidFill>
-                        <a:schemeClr val="tx1"/>
-                      </a:solidFill>
-                      <a:prstDash val="solid"/>
-                      <a:round/>
-                      <a:headEnd type="none" w="med" len="med"/>
-                      <a:tailEnd type="none" w="med" len="med"/>
-                    </a:lnL>
-                    <a:lnT w="12700" cap="flat" cmpd="sng" algn="ctr">
-                      <a:solidFill>
-                        <a:schemeClr val="tx1"/>
-                      </a:solidFill>
-                      <a:prstDash val="solid"/>
-                      <a:round/>
-                      <a:headEnd type="none" w="med" len="med"/>
-                      <a:tailEnd type="none" w="med" len="med"/>
-                    </a:lnT>
-                  </a:tcPr>
-                </a:tc>
-                <a:extLst>
-                  <a:ext uri="{0D108BD9-81ED-4DB2-BD59-A6C34878D82A}">
-                    <a16:rowId xmlns:a16="http://schemas.microsoft.com/office/drawing/2014/main" val="3052049270"/>
-                  </a:ext>
-                </a:extLst>
-              </a:tr>
-            </a:tbl>
-          </a:graphicData>
-        </a:graphic>
-      </p:graphicFrame>
-      <p:graphicFrame>
-        <p:nvGraphicFramePr>
-          <p:cNvPr id="9" name="Diagramm 7">
-            <a:extLst>
-              <a:ext uri="{FF2B5EF4-FFF2-40B4-BE49-F238E27FC236}">
-                <a16:creationId xmlns:a16="http://schemas.microsoft.com/office/drawing/2014/main" id="{6F39EE48-F0E8-4FC3-92BE-00F07F5D95BD}"/>
-              </a:ext>
-            </a:extLst>
-          </p:cNvPr>
-          <p:cNvGraphicFramePr>
-            <a:graphicFrameLocks/>
-          </p:cNvGraphicFramePr>
-          <p:nvPr>
-            <p:extLst>
-              <p:ext uri="{D42A27DB-BD31-4B8C-83A1-F6EECF244321}">
-                <p14:modId xmlns:p14="http://schemas.microsoft.com/office/powerpoint/2010/main" val="3384325410"/>
-              </p:ext>
-            </p:extLst>
-          </p:nvPr>
-        </p:nvGraphicFramePr>
-        <p:xfrm>
-          <a:off x="6677425" y="1684442"/>
-          <a:ext cx="5332720" cy="4095330"/>
-        </p:xfrm>
-        <a:graphic>
-          <a:graphicData uri="http://schemas.openxmlformats.org/drawingml/2006/chart">
-            <c:chart xmlns:c="http://schemas.openxmlformats.org/drawingml/2006/chart" xmlns:r="http://schemas.openxmlformats.org/officeDocument/2006/relationships" r:id="rId3"/>
-          </a:graphicData>
-        </a:graphic>
-      </p:graphicFrame>
-    </p:spTree>
-    <p:extLst>
-      <p:ext uri="{BB962C8B-B14F-4D97-AF65-F5344CB8AC3E}">
-        <p14:creationId xmlns:p14="http://schemas.microsoft.com/office/powerpoint/2010/main" val="4141093467"/>
-      </p:ext>
-    </p:extLst>
-  </p:cSld>
-  <p:clrMapOvr>
-    <a:masterClrMapping/>
-  </p:clrMapOvr>
-  <p:transition>
-    <p:push dir="u"/>
-  </p:transition>
-</p:sld>
-</file>
-
-<file path=ppt/slides/slide5.xml><?xml version="1.0" encoding="utf-8"?>
-<p:sld xmlns:a="http://schemas.openxmlformats.org/drawingml/2006/main" xmlns:r="http://schemas.openxmlformats.org/officeDocument/2006/relationships" xmlns:p="http://schemas.openxmlformats.org/presentationml/2006/main">
-  <p:cSld>
-    <p:bg>
-      <p:bgPr>
-        <a:solidFill>
-          <a:srgbClr val="4063B4"/>
-        </a:solidFill>
-        <a:effectLst/>
-      </p:bgPr>
-    </p:bg>
-    <p:spTree>
-      <p:nvGrpSpPr>
-        <p:cNvPr id="1" name=""/>
-        <p:cNvGrpSpPr/>
-        <p:nvPr/>
-      </p:nvGrpSpPr>
-      <p:grpSpPr>
-        <a:xfrm>
-          <a:off x="0" y="0"/>
-          <a:ext cx="0" cy="0"/>
-          <a:chOff x="0" y="0"/>
-          <a:chExt cx="0" cy="0"/>
-        </a:xfrm>
-      </p:grpSpPr>
-      <p:sp>
-        <p:nvSpPr>
-          <p:cNvPr id="2" name="Titel 1">
-            <a:extLst>
-              <a:ext uri="{FF2B5EF4-FFF2-40B4-BE49-F238E27FC236}">
-                <a16:creationId xmlns:a16="http://schemas.microsoft.com/office/drawing/2014/main" id="{0401B019-F359-4764-A427-8FCE14F81598}"/>
-              </a:ext>
-            </a:extLst>
-          </p:cNvPr>
-          <p:cNvSpPr>
-            <a:spLocks noGrp="1"/>
-          </p:cNvSpPr>
-          <p:nvPr>
-            <p:ph type="title"/>
-          </p:nvPr>
-        </p:nvSpPr>
-        <p:spPr>
-          <a:xfrm>
-            <a:off x="719667" y="135468"/>
-            <a:ext cx="10769600" cy="1266296"/>
-          </a:xfrm>
-        </p:spPr>
-        <p:txBody>
-          <a:bodyPr>
-            <a:normAutofit/>
-          </a:bodyPr>
-          <a:lstStyle/>
-          <a:p>
-            <a:r>
-              <a:rPr lang="de-CH" sz="6000" b="1" dirty="0">
-                <a:solidFill>
-                  <a:schemeClr val="bg1"/>
-                </a:solidFill>
-                <a:latin typeface="Myriad Pro" panose="020B0503030403020204" pitchFamily="34" charset="0"/>
-              </a:rPr>
-              <a:t>Stand </a:t>
-            </a:r>
-            <a:r>
-              <a:rPr lang="de-CH" sz="6000" b="1" dirty="0" err="1">
-                <a:solidFill>
-                  <a:schemeClr val="bg1"/>
-                </a:solidFill>
-                <a:latin typeface="Myriad Pro" panose="020B0503030403020204" pitchFamily="34" charset="0"/>
-              </a:rPr>
-              <a:t>Issues</a:t>
-            </a:r>
-            <a:endParaRPr lang="de-CH" sz="6000" b="1" dirty="0">
-              <a:solidFill>
-                <a:schemeClr val="bg1"/>
-              </a:solidFill>
-              <a:latin typeface="Myriad Pro" panose="020B0503030403020204" pitchFamily="34" charset="0"/>
-            </a:endParaRPr>
-          </a:p>
-        </p:txBody>
-      </p:sp>
-      <p:pic>
-        <p:nvPicPr>
-          <p:cNvPr id="5" name="Grafik 4">
-            <a:extLst>
-              <a:ext uri="{FF2B5EF4-FFF2-40B4-BE49-F238E27FC236}">
-                <a16:creationId xmlns:a16="http://schemas.microsoft.com/office/drawing/2014/main" id="{66E24A75-8A64-4E03-A0FE-DD247E90F1D2}"/>
-              </a:ext>
-            </a:extLst>
-          </p:cNvPr>
-          <p:cNvPicPr>
-            <a:picLocks noChangeAspect="1"/>
-          </p:cNvPicPr>
-          <p:nvPr/>
-        </p:nvPicPr>
-        <p:blipFill>
-          <a:blip r:embed="rId2">
-            <a:extLst>
-              <a:ext uri="{28A0092B-C50C-407E-A947-70E740481C1C}">
-                <a14:useLocalDpi xmlns:a14="http://schemas.microsoft.com/office/drawing/2010/main" val="0"/>
-              </a:ext>
-            </a:extLst>
-          </a:blip>
-          <a:stretch>
-            <a:fillRect/>
-          </a:stretch>
-        </p:blipFill>
-        <p:spPr>
-          <a:xfrm>
-            <a:off x="10475858" y="241829"/>
-            <a:ext cx="1462142" cy="914400"/>
-          </a:xfrm>
-          <a:prstGeom prst="rect">
-            <a:avLst/>
-          </a:prstGeom>
-        </p:spPr>
-      </p:pic>
-      <p:sp>
-        <p:nvSpPr>
-          <p:cNvPr id="6" name="Content Placeholder 5">
-            <a:extLst>
-              <a:ext uri="{FF2B5EF4-FFF2-40B4-BE49-F238E27FC236}">
-                <a16:creationId xmlns:a16="http://schemas.microsoft.com/office/drawing/2014/main" id="{766679C0-8112-463D-AC00-BAD5E93F4814}"/>
-              </a:ext>
-            </a:extLst>
-          </p:cNvPr>
-          <p:cNvSpPr>
-            <a:spLocks noGrp="1"/>
-          </p:cNvSpPr>
-          <p:nvPr>
-            <p:ph idx="1"/>
-          </p:nvPr>
-        </p:nvSpPr>
-        <p:spPr/>
-        <p:txBody>
-          <a:bodyPr/>
-          <a:lstStyle/>
-          <a:p>
-            <a:endParaRPr lang="en-US"/>
-          </a:p>
-        </p:txBody>
-      </p:sp>
-      <p:sp>
-        <p:nvSpPr>
-          <p:cNvPr id="7" name="Inhaltsplatzhalter 2">
-            <a:extLst>
-              <a:ext uri="{FF2B5EF4-FFF2-40B4-BE49-F238E27FC236}">
-                <a16:creationId xmlns:a16="http://schemas.microsoft.com/office/drawing/2014/main" id="{0D9830EE-BC8B-49F9-B46C-381802CD0064}"/>
+          <p:cNvPr id="4" name="Inhaltsplatzhalter 2">
+            <a:extLst>
+              <a:ext uri="{FF2B5EF4-FFF2-40B4-BE49-F238E27FC236}">
+                <a16:creationId xmlns:a16="http://schemas.microsoft.com/office/drawing/2014/main" id="{5276C7E2-E595-4B23-9A2B-C8A9130E8594}"/>
               </a:ext>
             </a:extLst>
           </p:cNvPr>
@@ -8733,185 +8115,89 @@
             </a:lvl9pPr>
           </a:lstStyle>
           <a:p>
+            <a:pPr marL="0" indent="0">
+              <a:buNone/>
+            </a:pPr>
             <a:endParaRPr lang="de-CH" sz="3600" dirty="0">
               <a:latin typeface="Myriad Pro" panose="020B0503030403020204" pitchFamily="34" charset="0"/>
             </a:endParaRPr>
           </a:p>
-          <a:p>
-            <a:pPr marL="1657350" lvl="2" indent="-742950">
-              <a:buFont typeface="+mj-lt"/>
-              <a:buAutoNum type="arabicParenBoth"/>
-            </a:pPr>
-            <a:r>
-              <a:rPr lang="de-CH" sz="800" dirty="0">
-                <a:solidFill>
-                  <a:schemeClr val="bg1"/>
-                </a:solidFill>
-                <a:latin typeface="Myriad Pro" panose="020B0503030403020204" pitchFamily="34" charset="0"/>
-              </a:rPr>
-              <a:t>- </a:t>
-            </a:r>
-          </a:p>
-          <a:p>
-            <a:pPr marL="914400" lvl="2" indent="0">
-              <a:buFont typeface="Arial" panose="020B0604020202020204" pitchFamily="34" charset="0"/>
-              <a:buNone/>
-            </a:pPr>
-            <a:r>
-              <a:rPr lang="de-CH" sz="4000" dirty="0">
-                <a:latin typeface="Myriad Pro" panose="020B0503030403020204" pitchFamily="34" charset="0"/>
-              </a:rPr>
-              <a:t>Meilenstein 3 umgesetzt!</a:t>
-            </a:r>
-          </a:p>
         </p:txBody>
       </p:sp>
-    </p:spTree>
-    <p:extLst>
-      <p:ext uri="{BB962C8B-B14F-4D97-AF65-F5344CB8AC3E}">
-        <p14:creationId xmlns:p14="http://schemas.microsoft.com/office/powerpoint/2010/main" val="2368555678"/>
-      </p:ext>
-    </p:extLst>
-  </p:cSld>
-  <p:clrMapOvr>
-    <a:masterClrMapping/>
-  </p:clrMapOvr>
-  <p:transition>
-    <p:push dir="u"/>
-  </p:transition>
-</p:sld>
-</file>
-
-<file path=ppt/slides/slide6.xml><?xml version="1.0" encoding="utf-8"?>
-<p:sld xmlns:a="http://schemas.openxmlformats.org/drawingml/2006/main" xmlns:r="http://schemas.openxmlformats.org/officeDocument/2006/relationships" xmlns:p="http://schemas.openxmlformats.org/presentationml/2006/main">
-  <p:cSld>
-    <p:bg>
-      <p:bgPr>
-        <a:solidFill>
-          <a:srgbClr val="4063B4"/>
-        </a:solidFill>
-        <a:effectLst/>
-      </p:bgPr>
-    </p:bg>
-    <p:spTree>
-      <p:nvGrpSpPr>
-        <p:cNvPr id="1" name=""/>
-        <p:cNvGrpSpPr/>
-        <p:nvPr/>
-      </p:nvGrpSpPr>
-      <p:grpSpPr>
-        <a:xfrm>
-          <a:off x="0" y="0"/>
-          <a:ext cx="0" cy="0"/>
-          <a:chOff x="0" y="0"/>
-          <a:chExt cx="0" cy="0"/>
-        </a:xfrm>
-      </p:grpSpPr>
       <p:sp>
         <p:nvSpPr>
-          <p:cNvPr id="2" name="Titel 1">
-            <a:extLst>
-              <a:ext uri="{FF2B5EF4-FFF2-40B4-BE49-F238E27FC236}">
-                <a16:creationId xmlns:a16="http://schemas.microsoft.com/office/drawing/2014/main" id="{0401B019-F359-4764-A427-8FCE14F81598}"/>
-              </a:ext>
-            </a:extLst>
-          </p:cNvPr>
-          <p:cNvSpPr>
-            <a:spLocks noGrp="1"/>
+          <p:cNvPr id="5" name="Titel 1">
+            <a:extLst>
+              <a:ext uri="{FF2B5EF4-FFF2-40B4-BE49-F238E27FC236}">
+                <a16:creationId xmlns:a16="http://schemas.microsoft.com/office/drawing/2014/main" id="{B872E882-0DD1-4353-899C-BC777DFECA6E}"/>
+              </a:ext>
+            </a:extLst>
+          </p:cNvPr>
+          <p:cNvSpPr txBox="1">
+            <a:spLocks/>
           </p:cNvSpPr>
-          <p:nvPr>
-            <p:ph type="title"/>
-          </p:nvPr>
+          <p:nvPr/>
         </p:nvSpPr>
         <p:spPr>
           <a:xfrm>
             <a:off x="719667" y="135468"/>
             <a:ext cx="10769600" cy="1266296"/>
           </a:xfrm>
+          <a:prstGeom prst="rect">
+            <a:avLst/>
+          </a:prstGeom>
         </p:spPr>
         <p:txBody>
-          <a:bodyPr>
+          <a:bodyPr vert="horz" lIns="91440" tIns="45720" rIns="91440" bIns="45720" rtlCol="0" anchor="ctr">
             <a:normAutofit/>
           </a:bodyPr>
-          <a:lstStyle/>
-          <a:p>
-            <a:r>
-              <a:rPr lang="de-CH" sz="6000" b="1" dirty="0">
+          <a:lstStyle>
+            <a:lvl1pPr algn="l" defTabSz="914400" rtl="0" eaLnBrk="1" latinLnBrk="0" hangingPunct="1">
+              <a:lnSpc>
+                <a:spcPct val="90000"/>
+              </a:lnSpc>
+              <a:spcBef>
+                <a:spcPct val="0"/>
+              </a:spcBef>
+              <a:buNone/>
+              <a:defRPr sz="4400" kern="1200">
+                <a:solidFill>
+                  <a:schemeClr val="tx1"/>
+                </a:solidFill>
+                <a:latin typeface="+mj-lt"/>
+                <a:ea typeface="+mj-ea"/>
+                <a:cs typeface="+mj-cs"/>
+              </a:defRPr>
+            </a:lvl1pPr>
+          </a:lstStyle>
+          <a:p>
+            <a:r>
+              <a:rPr lang="de-CH" sz="6000" b="1" dirty="0" err="1">
                 <a:solidFill>
                   <a:schemeClr val="bg1"/>
                 </a:solidFill>
                 <a:latin typeface="Myriad Pro" panose="020B0503030403020204" pitchFamily="34" charset="0"/>
               </a:rPr>
-              <a:t>Stand des Projektes</a:t>
-            </a:r>
-          </a:p>
-        </p:txBody>
-      </p:sp>
-      <p:sp>
-        <p:nvSpPr>
-          <p:cNvPr id="3" name="Inhaltsplatzhalter 2">
-            <a:extLst>
-              <a:ext uri="{FF2B5EF4-FFF2-40B4-BE49-F238E27FC236}">
-                <a16:creationId xmlns:a16="http://schemas.microsoft.com/office/drawing/2014/main" id="{D8B19D9F-EE71-4337-A5B0-92F3F6F2E0D7}"/>
-              </a:ext>
-            </a:extLst>
-          </p:cNvPr>
-          <p:cNvSpPr>
-            <a:spLocks noGrp="1"/>
-          </p:cNvSpPr>
-          <p:nvPr>
-            <p:ph idx="1"/>
-          </p:nvPr>
-        </p:nvSpPr>
-        <p:spPr>
-          <a:xfrm>
-            <a:off x="838200" y="1524000"/>
-            <a:ext cx="10515600" cy="4842933"/>
-          </a:xfrm>
-          <a:solidFill>
-            <a:schemeClr val="bg1"/>
-          </a:solidFill>
-        </p:spPr>
-        <p:txBody>
-          <a:bodyPr>
-            <a:normAutofit/>
-          </a:bodyPr>
-          <a:lstStyle/>
-          <a:p>
-            <a:endParaRPr lang="de-CH" sz="3600" dirty="0"/>
-          </a:p>
-          <a:p>
-            <a:r>
-              <a:rPr lang="de-CH" sz="3600" dirty="0"/>
-              <a:t>Startseite</a:t>
-            </a:r>
-          </a:p>
-          <a:p>
-            <a:r>
-              <a:rPr lang="de-CH" sz="3600" dirty="0"/>
-              <a:t>Anmelden</a:t>
-            </a:r>
-          </a:p>
-          <a:p>
-            <a:r>
-              <a:rPr lang="de-CH" sz="3600" dirty="0"/>
-              <a:t>Benutzerverwaltung</a:t>
-            </a:r>
-          </a:p>
-          <a:p>
-            <a:r>
-              <a:rPr lang="de-CH" sz="3600" dirty="0"/>
-              <a:t>Fahrzeugverwaltung</a:t>
+              <a:t>TestUser</a:t>
+            </a:r>
+            <a:r>
+              <a:rPr lang="de-CH" sz="6000" b="1" dirty="0">
+                <a:solidFill>
+                  <a:schemeClr val="bg1"/>
+                </a:solidFill>
+                <a:latin typeface="Myriad Pro" panose="020B0503030403020204" pitchFamily="34" charset="0"/>
+              </a:rPr>
+              <a:t> Rückmeldungen</a:t>
             </a:r>
           </a:p>
         </p:txBody>
       </p:sp>
       <p:pic>
         <p:nvPicPr>
-          <p:cNvPr id="5" name="Grafik 4">
-            <a:extLst>
-              <a:ext uri="{FF2B5EF4-FFF2-40B4-BE49-F238E27FC236}">
-                <a16:creationId xmlns:a16="http://schemas.microsoft.com/office/drawing/2014/main" id="{66E24A75-8A64-4E03-A0FE-DD247E90F1D2}"/>
+          <p:cNvPr id="6" name="Grafik 4">
+            <a:extLst>
+              <a:ext uri="{FF2B5EF4-FFF2-40B4-BE49-F238E27FC236}">
+                <a16:creationId xmlns:a16="http://schemas.microsoft.com/office/drawing/2014/main" id="{D5BDCD31-97A9-41C5-97ED-E87CC2B18A38}"/>
               </a:ext>
             </a:extLst>
           </p:cNvPr>
@@ -8944,252 +8230,71 @@
       </p:pic>
       <p:sp>
         <p:nvSpPr>
-          <p:cNvPr id="6" name="Inhaltsplatzhalter 2">
-            <a:extLst>
-              <a:ext uri="{FF2B5EF4-FFF2-40B4-BE49-F238E27FC236}">
-                <a16:creationId xmlns:a16="http://schemas.microsoft.com/office/drawing/2014/main" id="{5B1E7FA5-870C-4F75-8026-4D87B34F3458}"/>
-              </a:ext>
-            </a:extLst>
-          </p:cNvPr>
-          <p:cNvSpPr txBox="1">
-            <a:spLocks/>
+          <p:cNvPr id="3" name="Inhaltsplatzhalter 2">
+            <a:extLst>
+              <a:ext uri="{FF2B5EF4-FFF2-40B4-BE49-F238E27FC236}">
+                <a16:creationId xmlns:a16="http://schemas.microsoft.com/office/drawing/2014/main" id="{50ED5911-A39D-48C3-8DFB-323FEBBFFBB8}"/>
+              </a:ext>
+            </a:extLst>
+          </p:cNvPr>
+          <p:cNvSpPr>
+            <a:spLocks noGrp="1"/>
           </p:cNvSpPr>
-          <p:nvPr/>
+          <p:nvPr>
+            <p:ph idx="1"/>
+          </p:nvPr>
         </p:nvSpPr>
         <p:spPr>
           <a:xfrm>
-            <a:off x="-48861" y="1524000"/>
-            <a:ext cx="12333930" cy="5567835"/>
+            <a:off x="846667" y="2132248"/>
+            <a:ext cx="10515600" cy="4351338"/>
           </a:xfrm>
-          <a:prstGeom prst="rect">
-            <a:avLst/>
-          </a:prstGeom>
-          <a:solidFill>
-            <a:schemeClr val="bg1"/>
-          </a:solidFill>
         </p:spPr>
         <p:txBody>
-          <a:bodyPr vert="horz" lIns="91440" tIns="45720" rIns="91440" bIns="45720" rtlCol="0">
-            <a:normAutofit/>
-          </a:bodyPr>
-          <a:lstStyle>
-            <a:lvl1pPr marL="228600" indent="-228600" algn="l" defTabSz="914400" rtl="0" eaLnBrk="1" latinLnBrk="0" hangingPunct="1">
-              <a:lnSpc>
-                <a:spcPct val="90000"/>
-              </a:lnSpc>
-              <a:spcBef>
-                <a:spcPts val="1000"/>
-              </a:spcBef>
-              <a:buFont typeface="Arial" panose="020B0604020202020204" pitchFamily="34" charset="0"/>
-              <a:buChar char="•"/>
-              <a:defRPr sz="2800" kern="1200">
-                <a:solidFill>
-                  <a:schemeClr val="tx1"/>
-                </a:solidFill>
-                <a:latin typeface="+mn-lt"/>
-                <a:ea typeface="+mn-ea"/>
-                <a:cs typeface="+mn-cs"/>
-              </a:defRPr>
-            </a:lvl1pPr>
-            <a:lvl2pPr marL="685800" indent="-228600" algn="l" defTabSz="914400" rtl="0" eaLnBrk="1" latinLnBrk="0" hangingPunct="1">
-              <a:lnSpc>
-                <a:spcPct val="90000"/>
-              </a:lnSpc>
-              <a:spcBef>
-                <a:spcPts val="500"/>
-              </a:spcBef>
-              <a:buFont typeface="Arial" panose="020B0604020202020204" pitchFamily="34" charset="0"/>
-              <a:buChar char="•"/>
-              <a:defRPr sz="2400" kern="1200">
-                <a:solidFill>
-                  <a:schemeClr val="tx1"/>
-                </a:solidFill>
-                <a:latin typeface="+mn-lt"/>
-                <a:ea typeface="+mn-ea"/>
-                <a:cs typeface="+mn-cs"/>
-              </a:defRPr>
-            </a:lvl2pPr>
-            <a:lvl3pPr marL="1143000" indent="-228600" algn="l" defTabSz="914400" rtl="0" eaLnBrk="1" latinLnBrk="0" hangingPunct="1">
-              <a:lnSpc>
-                <a:spcPct val="90000"/>
-              </a:lnSpc>
-              <a:spcBef>
-                <a:spcPts val="500"/>
-              </a:spcBef>
-              <a:buFont typeface="Arial" panose="020B0604020202020204" pitchFamily="34" charset="0"/>
-              <a:buChar char="•"/>
-              <a:defRPr sz="2000" kern="1200">
-                <a:solidFill>
-                  <a:schemeClr val="tx1"/>
-                </a:solidFill>
-                <a:latin typeface="+mn-lt"/>
-                <a:ea typeface="+mn-ea"/>
-                <a:cs typeface="+mn-cs"/>
-              </a:defRPr>
-            </a:lvl3pPr>
-            <a:lvl4pPr marL="1600200" indent="-228600" algn="l" defTabSz="914400" rtl="0" eaLnBrk="1" latinLnBrk="0" hangingPunct="1">
-              <a:lnSpc>
-                <a:spcPct val="90000"/>
-              </a:lnSpc>
-              <a:spcBef>
-                <a:spcPts val="500"/>
-              </a:spcBef>
-              <a:buFont typeface="Arial" panose="020B0604020202020204" pitchFamily="34" charset="0"/>
-              <a:buChar char="•"/>
-              <a:defRPr sz="1800" kern="1200">
-                <a:solidFill>
-                  <a:schemeClr val="tx1"/>
-                </a:solidFill>
-                <a:latin typeface="+mn-lt"/>
-                <a:ea typeface="+mn-ea"/>
-                <a:cs typeface="+mn-cs"/>
-              </a:defRPr>
-            </a:lvl4pPr>
-            <a:lvl5pPr marL="2057400" indent="-228600" algn="l" defTabSz="914400" rtl="0" eaLnBrk="1" latinLnBrk="0" hangingPunct="1">
-              <a:lnSpc>
-                <a:spcPct val="90000"/>
-              </a:lnSpc>
-              <a:spcBef>
-                <a:spcPts val="500"/>
-              </a:spcBef>
-              <a:buFont typeface="Arial" panose="020B0604020202020204" pitchFamily="34" charset="0"/>
-              <a:buChar char="•"/>
-              <a:defRPr sz="1800" kern="1200">
-                <a:solidFill>
-                  <a:schemeClr val="tx1"/>
-                </a:solidFill>
-                <a:latin typeface="+mn-lt"/>
-                <a:ea typeface="+mn-ea"/>
-                <a:cs typeface="+mn-cs"/>
-              </a:defRPr>
-            </a:lvl5pPr>
-            <a:lvl6pPr marL="2514600" indent="-228600" algn="l" defTabSz="914400" rtl="0" eaLnBrk="1" latinLnBrk="0" hangingPunct="1">
-              <a:lnSpc>
-                <a:spcPct val="90000"/>
-              </a:lnSpc>
-              <a:spcBef>
-                <a:spcPts val="500"/>
-              </a:spcBef>
-              <a:buFont typeface="Arial" panose="020B0604020202020204" pitchFamily="34" charset="0"/>
-              <a:buChar char="•"/>
-              <a:defRPr sz="1800" kern="1200">
-                <a:solidFill>
-                  <a:schemeClr val="tx1"/>
-                </a:solidFill>
-                <a:latin typeface="+mn-lt"/>
-                <a:ea typeface="+mn-ea"/>
-                <a:cs typeface="+mn-cs"/>
-              </a:defRPr>
-            </a:lvl6pPr>
-            <a:lvl7pPr marL="2971800" indent="-228600" algn="l" defTabSz="914400" rtl="0" eaLnBrk="1" latinLnBrk="0" hangingPunct="1">
-              <a:lnSpc>
-                <a:spcPct val="90000"/>
-              </a:lnSpc>
-              <a:spcBef>
-                <a:spcPts val="500"/>
-              </a:spcBef>
-              <a:buFont typeface="Arial" panose="020B0604020202020204" pitchFamily="34" charset="0"/>
-              <a:buChar char="•"/>
-              <a:defRPr sz="1800" kern="1200">
-                <a:solidFill>
-                  <a:schemeClr val="tx1"/>
-                </a:solidFill>
-                <a:latin typeface="+mn-lt"/>
-                <a:ea typeface="+mn-ea"/>
-                <a:cs typeface="+mn-cs"/>
-              </a:defRPr>
-            </a:lvl7pPr>
-            <a:lvl8pPr marL="3429000" indent="-228600" algn="l" defTabSz="914400" rtl="0" eaLnBrk="1" latinLnBrk="0" hangingPunct="1">
-              <a:lnSpc>
-                <a:spcPct val="90000"/>
-              </a:lnSpc>
-              <a:spcBef>
-                <a:spcPts val="500"/>
-              </a:spcBef>
-              <a:buFont typeface="Arial" panose="020B0604020202020204" pitchFamily="34" charset="0"/>
-              <a:buChar char="•"/>
-              <a:defRPr sz="1800" kern="1200">
-                <a:solidFill>
-                  <a:schemeClr val="tx1"/>
-                </a:solidFill>
-                <a:latin typeface="+mn-lt"/>
-                <a:ea typeface="+mn-ea"/>
-                <a:cs typeface="+mn-cs"/>
-              </a:defRPr>
-            </a:lvl8pPr>
-            <a:lvl9pPr marL="3886200" indent="-228600" algn="l" defTabSz="914400" rtl="0" eaLnBrk="1" latinLnBrk="0" hangingPunct="1">
-              <a:lnSpc>
-                <a:spcPct val="90000"/>
-              </a:lnSpc>
-              <a:spcBef>
-                <a:spcPts val="500"/>
-              </a:spcBef>
-              <a:buFont typeface="Arial" panose="020B0604020202020204" pitchFamily="34" charset="0"/>
-              <a:buChar char="•"/>
-              <a:defRPr sz="1800" kern="1200">
-                <a:solidFill>
-                  <a:schemeClr val="tx1"/>
-                </a:solidFill>
-                <a:latin typeface="+mn-lt"/>
-                <a:ea typeface="+mn-ea"/>
-                <a:cs typeface="+mn-cs"/>
-              </a:defRPr>
-            </a:lvl9pPr>
-          </a:lstStyle>
-          <a:p>
-            <a:endParaRPr lang="de-CH" sz="3600" dirty="0">
-              <a:latin typeface="Myriad Pro" panose="020B0503030403020204" pitchFamily="34" charset="0"/>
-            </a:endParaRPr>
-          </a:p>
-          <a:p>
-            <a:pPr marL="1657350" lvl="2" indent="-742950">
-              <a:buFont typeface="+mj-lt"/>
-              <a:buAutoNum type="arabicParenBoth"/>
-            </a:pPr>
-            <a:r>
-              <a:rPr lang="de-CH" sz="800" dirty="0">
-                <a:solidFill>
-                  <a:schemeClr val="bg1"/>
-                </a:solidFill>
-                <a:latin typeface="Myriad Pro" panose="020B0503030403020204" pitchFamily="34" charset="0"/>
-              </a:rPr>
-              <a:t>- </a:t>
-            </a:r>
-          </a:p>
-          <a:p>
-            <a:pPr lvl="2">
-              <a:buFontTx/>
-              <a:buChar char="-"/>
-            </a:pPr>
-            <a:r>
-              <a:rPr lang="de-CH" sz="4000" dirty="0">
-                <a:latin typeface="Myriad Pro" panose="020B0503030403020204" pitchFamily="34" charset="0"/>
-              </a:rPr>
-              <a:t>Fahrten</a:t>
-            </a:r>
-          </a:p>
-          <a:p>
-            <a:pPr lvl="2">
-              <a:buFontTx/>
-              <a:buChar char="-"/>
-            </a:pPr>
-            <a:r>
-              <a:rPr lang="de-CH" sz="4000" dirty="0">
-                <a:latin typeface="Myriad Pro" panose="020B0503030403020204" pitchFamily="34" charset="0"/>
-              </a:rPr>
-              <a:t>Auswertung</a:t>
-            </a:r>
-          </a:p>
-          <a:p>
-            <a:pPr lvl="2">
-              <a:buFontTx/>
-              <a:buChar char="-"/>
-            </a:pPr>
-            <a:r>
-              <a:rPr lang="de-CH" sz="4000" dirty="0">
-                <a:latin typeface="Myriad Pro" panose="020B0503030403020204" pitchFamily="34" charset="0"/>
-              </a:rPr>
-              <a:t>Testing</a:t>
+          <a:bodyPr/>
+          <a:lstStyle/>
+          <a:p>
+            <a:r>
+              <a:rPr lang="de-CH" dirty="0"/>
+              <a:t>Schönes Design</a:t>
+            </a:r>
+          </a:p>
+          <a:p>
+            <a:r>
+              <a:rPr lang="de-CH" dirty="0"/>
+              <a:t>Fahrt starten/ stoppen Funktion würde ich lieber auf der Fahrtenseite haben</a:t>
+            </a:r>
+          </a:p>
+          <a:p>
+            <a:r>
+              <a:rPr lang="de-CH" dirty="0"/>
+              <a:t>Wäre toll auf der Auswertungsseite ein Diagramm zu haben</a:t>
+            </a:r>
+          </a:p>
+          <a:p>
+            <a:r>
+              <a:rPr lang="de-CH" dirty="0"/>
+              <a:t>Komische Buttonnamen </a:t>
+            </a:r>
+          </a:p>
+          <a:p>
+            <a:r>
+              <a:rPr lang="de-CH" dirty="0"/>
+              <a:t>Stabilität</a:t>
+            </a:r>
+          </a:p>
+          <a:p>
+            <a:pPr lvl="1"/>
+            <a:r>
+              <a:rPr lang="de-CH" dirty="0"/>
+              <a:t>Absturz beim Logout auf der Auswertungsseite</a:t>
+            </a:r>
+          </a:p>
+          <a:p>
+            <a:pPr lvl="1"/>
+            <a:r>
+              <a:rPr lang="de-CH" dirty="0"/>
+              <a:t>CSV-Export: falsche Zeichencodierung</a:t>
             </a:r>
           </a:p>
         </p:txBody>
@@ -9197,7 +8302,7 @@
     </p:spTree>
     <p:extLst>
       <p:ext uri="{BB962C8B-B14F-4D97-AF65-F5344CB8AC3E}">
-        <p14:creationId xmlns:p14="http://schemas.microsoft.com/office/powerpoint/2010/main" val="433881728"/>
+        <p14:creationId xmlns:p14="http://schemas.microsoft.com/office/powerpoint/2010/main" val="2478817151"/>
       </p:ext>
     </p:extLst>
   </p:cSld>
@@ -9678,13 +8783,13 @@
           <a:lstStyle/>
           <a:p>
             <a:r>
-              <a:rPr lang="de-CH" sz="6000" b="1" dirty="0">
+              <a:rPr lang="de-CH" sz="5400" b="1" dirty="0">
                 <a:solidFill>
                   <a:schemeClr val="bg1"/>
                 </a:solidFill>
                 <a:latin typeface="Myriad Pro" panose="020B0503030403020204" pitchFamily="34" charset="0"/>
               </a:rPr>
-              <a:t>Ausblick und Pendenzen</a:t>
+              <a:t>Weiteres Vorgehen/Feedback</a:t>
             </a:r>
           </a:p>
         </p:txBody>
@@ -9741,7 +8846,7 @@
         </p:nvSpPr>
         <p:spPr>
           <a:xfrm>
-            <a:off x="-48861" y="1524000"/>
+            <a:off x="-70965" y="1508125"/>
             <a:ext cx="12333930" cy="5567835"/>
           </a:xfrm>
           <a:prstGeom prst="rect">
@@ -9932,72 +9037,244 @@
               <a:rPr lang="de-CH" sz="3600" dirty="0">
                 <a:latin typeface="Myriad Pro" panose="020B0503030403020204" pitchFamily="34" charset="0"/>
               </a:rPr>
-              <a:t>	Meilenstein 4 </a:t>
-            </a:r>
-            <a:br>
+              <a:t>	Tool ist nun einsatzbereit</a:t>
+            </a:r>
+          </a:p>
+          <a:p>
+            <a:pPr marL="0" indent="0">
+              <a:buNone/>
+            </a:pPr>
+            <a:r>
               <a:rPr lang="de-CH" sz="3600" dirty="0">
                 <a:latin typeface="Myriad Pro" panose="020B0503030403020204" pitchFamily="34" charset="0"/>
               </a:rPr>
-            </a:br>
-            <a:r>
-              <a:rPr lang="de-CH" sz="3600" dirty="0">
-                <a:latin typeface="Myriad Pro" panose="020B0503030403020204" pitchFamily="34" charset="0"/>
-              </a:rPr>
-              <a:t>	Sitzungsleiter: Marco Sutter</a:t>
-            </a:r>
-            <a:endParaRPr lang="de-CH" sz="1200" dirty="0">
-              <a:latin typeface="Myriad Pro" panose="020B0503030403020204" pitchFamily="34" charset="0"/>
-            </a:endParaRPr>
-          </a:p>
-          <a:p>
-            <a:pPr marL="457200" lvl="1" indent="0">
-              <a:buNone/>
-            </a:pPr>
-            <a:r>
-              <a:rPr lang="de-CH" sz="1200" dirty="0">
-                <a:latin typeface="Myriad Pro" panose="020B0503030403020204" pitchFamily="34" charset="0"/>
-              </a:rPr>
-              <a:t>		</a:t>
-            </a:r>
-            <a:br>
-              <a:rPr lang="de-CH" sz="1200" dirty="0">
-                <a:latin typeface="Myriad Pro" panose="020B0503030403020204" pitchFamily="34" charset="0"/>
-              </a:rPr>
-            </a:br>
-            <a:r>
-              <a:rPr lang="de-CH" sz="1200" dirty="0">
-                <a:latin typeface="Myriad Pro" panose="020B0503030403020204" pitchFamily="34" charset="0"/>
-              </a:rPr>
-              <a:t>		</a:t>
-            </a:r>
-            <a:r>
-              <a:rPr lang="de-CH" sz="3200" dirty="0">
-                <a:latin typeface="Myriad Pro" panose="020B0503030403020204" pitchFamily="34" charset="0"/>
-              </a:rPr>
-              <a:t>- Testing</a:t>
-            </a:r>
-          </a:p>
-          <a:p>
-            <a:pPr marL="457200" lvl="1" indent="0">
-              <a:buNone/>
-            </a:pPr>
-            <a:r>
-              <a:rPr lang="de-CH" sz="3200" dirty="0">
-                <a:latin typeface="Myriad Pro" panose="020B0503030403020204" pitchFamily="34" charset="0"/>
-              </a:rPr>
-              <a:t>		- Übergabe</a:t>
+              <a:t>	</a:t>
+            </a:r>
+            <a:r>
+              <a:rPr lang="de-CH" b="1" dirty="0"/>
+              <a:t>Benutzerverwaltung: /F01**/</a:t>
             </a:r>
           </a:p>
           <a:p>
             <a:pPr marL="0" indent="0">
               <a:buNone/>
             </a:pPr>
+            <a:r>
+              <a:rPr lang="de-CH" b="1" dirty="0"/>
+              <a:t>	Fahrzeugverwaltung: /F02**/</a:t>
+            </a:r>
+          </a:p>
+          <a:p>
+            <a:pPr marL="0" indent="0">
+              <a:buNone/>
+            </a:pPr>
+            <a:r>
+              <a:rPr lang="de-CH" b="1" dirty="0"/>
+              <a:t>	Datenerfassung (Fahrt): /F03**/</a:t>
+            </a:r>
+          </a:p>
+          <a:p>
+            <a:pPr marL="0" indent="0">
+              <a:buNone/>
+            </a:pPr>
+            <a:r>
+              <a:rPr lang="de-CH" b="1" dirty="0"/>
+              <a:t>	Auswertung: /F04**/</a:t>
+            </a:r>
             <a:endParaRPr lang="de-CH" sz="3600" dirty="0">
               <a:latin typeface="Myriad Pro" panose="020B0503030403020204" pitchFamily="34" charset="0"/>
             </a:endParaRPr>
           </a:p>
         </p:txBody>
       </p:sp>
+      <p:pic>
+        <p:nvPicPr>
+          <p:cNvPr id="1026" name="Picture 2" descr="Bildergebnis fÃ¼r grÃ¼nes hÃ¤kchen">
+            <a:extLst>
+              <a:ext uri="{FF2B5EF4-FFF2-40B4-BE49-F238E27FC236}">
+                <a16:creationId xmlns:a16="http://schemas.microsoft.com/office/drawing/2014/main" id="{F94EC043-4815-4C2A-A4DC-D544A7DD08D7}"/>
+              </a:ext>
+            </a:extLst>
+          </p:cNvPr>
+          <p:cNvPicPr>
+            <a:picLocks noChangeAspect="1" noChangeArrowheads="1"/>
+          </p:cNvPicPr>
+          <p:nvPr/>
+        </p:nvPicPr>
+        <p:blipFill>
+          <a:blip r:embed="rId3">
+            <a:extLst>
+              <a:ext uri="{28A0092B-C50C-407E-A947-70E740481C1C}">
+                <a14:useLocalDpi xmlns:a14="http://schemas.microsoft.com/office/drawing/2010/main" val="0"/>
+              </a:ext>
+            </a:extLst>
+          </a:blip>
+          <a:srcRect/>
+          <a:stretch>
+            <a:fillRect/>
+          </a:stretch>
+        </p:blipFill>
+        <p:spPr bwMode="auto">
+          <a:xfrm>
+            <a:off x="8874855" y="2530681"/>
+            <a:ext cx="898319" cy="898319"/>
+          </a:xfrm>
+          <a:prstGeom prst="rect">
+            <a:avLst/>
+          </a:prstGeom>
+          <a:noFill/>
+          <a:extLst>
+            <a:ext uri="{909E8E84-426E-40DD-AFC4-6F175D3DCCD1}">
+              <a14:hiddenFill xmlns:a14="http://schemas.microsoft.com/office/drawing/2010/main">
+                <a:solidFill>
+                  <a:srgbClr val="FFFFFF"/>
+                </a:solidFill>
+              </a14:hiddenFill>
+            </a:ext>
+          </a:extLst>
+        </p:spPr>
+      </p:pic>
+      <p:pic>
+        <p:nvPicPr>
+          <p:cNvPr id="7" name="Picture 2" descr="Bildergebnis fÃ¼r grÃ¼nes hÃ¤kchen">
+            <a:extLst>
+              <a:ext uri="{FF2B5EF4-FFF2-40B4-BE49-F238E27FC236}">
+                <a16:creationId xmlns:a16="http://schemas.microsoft.com/office/drawing/2014/main" id="{D0D9EAD6-F216-4337-8C99-C90F46A7AC81}"/>
+              </a:ext>
+            </a:extLst>
+          </p:cNvPr>
+          <p:cNvPicPr>
+            <a:picLocks noChangeAspect="1" noChangeArrowheads="1"/>
+          </p:cNvPicPr>
+          <p:nvPr/>
+        </p:nvPicPr>
+        <p:blipFill>
+          <a:blip r:embed="rId3">
+            <a:extLst>
+              <a:ext uri="{28A0092B-C50C-407E-A947-70E740481C1C}">
+                <a14:useLocalDpi xmlns:a14="http://schemas.microsoft.com/office/drawing/2010/main" val="0"/>
+              </a:ext>
+            </a:extLst>
+          </a:blip>
+          <a:srcRect/>
+          <a:stretch>
+            <a:fillRect/>
+          </a:stretch>
+        </p:blipFill>
+        <p:spPr bwMode="auto">
+          <a:xfrm>
+            <a:off x="8874855" y="2979840"/>
+            <a:ext cx="898319" cy="898319"/>
+          </a:xfrm>
+          <a:prstGeom prst="rect">
+            <a:avLst/>
+          </a:prstGeom>
+          <a:noFill/>
+          <a:extLst>
+            <a:ext uri="{909E8E84-426E-40DD-AFC4-6F175D3DCCD1}">
+              <a14:hiddenFill xmlns:a14="http://schemas.microsoft.com/office/drawing/2010/main">
+                <a:solidFill>
+                  <a:srgbClr val="FFFFFF"/>
+                </a:solidFill>
+              </a14:hiddenFill>
+            </a:ext>
+          </a:extLst>
+        </p:spPr>
+      </p:pic>
+      <p:pic>
+        <p:nvPicPr>
+          <p:cNvPr id="8" name="Picture 2" descr="Bildergebnis fÃ¼r grÃ¼nes hÃ¤kchen">
+            <a:extLst>
+              <a:ext uri="{FF2B5EF4-FFF2-40B4-BE49-F238E27FC236}">
+                <a16:creationId xmlns:a16="http://schemas.microsoft.com/office/drawing/2014/main" id="{F26530EE-E82B-422E-886D-3D67CE717370}"/>
+              </a:ext>
+            </a:extLst>
+          </p:cNvPr>
+          <p:cNvPicPr>
+            <a:picLocks noChangeAspect="1" noChangeArrowheads="1"/>
+          </p:cNvPicPr>
+          <p:nvPr/>
+        </p:nvPicPr>
+        <p:blipFill>
+          <a:blip r:embed="rId3">
+            <a:extLst>
+              <a:ext uri="{28A0092B-C50C-407E-A947-70E740481C1C}">
+                <a14:useLocalDpi xmlns:a14="http://schemas.microsoft.com/office/drawing/2010/main" val="0"/>
+              </a:ext>
+            </a:extLst>
+          </a:blip>
+          <a:srcRect/>
+          <a:stretch>
+            <a:fillRect/>
+          </a:stretch>
+        </p:blipFill>
+        <p:spPr bwMode="auto">
+          <a:xfrm>
+            <a:off x="8874855" y="3393723"/>
+            <a:ext cx="898319" cy="898319"/>
+          </a:xfrm>
+          <a:prstGeom prst="rect">
+            <a:avLst/>
+          </a:prstGeom>
+          <a:noFill/>
+          <a:extLst>
+            <a:ext uri="{909E8E84-426E-40DD-AFC4-6F175D3DCCD1}">
+              <a14:hiddenFill xmlns:a14="http://schemas.microsoft.com/office/drawing/2010/main">
+                <a:solidFill>
+                  <a:srgbClr val="FFFFFF"/>
+                </a:solidFill>
+              </a14:hiddenFill>
+            </a:ext>
+          </a:extLst>
+        </p:spPr>
+      </p:pic>
+      <p:pic>
+        <p:nvPicPr>
+          <p:cNvPr id="9" name="Picture 2" descr="Bildergebnis fÃ¼r grÃ¼nes hÃ¤kchen">
+            <a:extLst>
+              <a:ext uri="{FF2B5EF4-FFF2-40B4-BE49-F238E27FC236}">
+                <a16:creationId xmlns:a16="http://schemas.microsoft.com/office/drawing/2014/main" id="{F0720C00-A8A2-4B21-A418-B613B000678E}"/>
+              </a:ext>
+            </a:extLst>
+          </p:cNvPr>
+          <p:cNvPicPr>
+            <a:picLocks noChangeAspect="1" noChangeArrowheads="1"/>
+          </p:cNvPicPr>
+          <p:nvPr/>
+        </p:nvPicPr>
+        <p:blipFill>
+          <a:blip r:embed="rId3">
+            <a:extLst>
+              <a:ext uri="{28A0092B-C50C-407E-A947-70E740481C1C}">
+                <a14:useLocalDpi xmlns:a14="http://schemas.microsoft.com/office/drawing/2010/main" val="0"/>
+              </a:ext>
+            </a:extLst>
+          </a:blip>
+          <a:srcRect/>
+          <a:stretch>
+            <a:fillRect/>
+          </a:stretch>
+        </p:blipFill>
+        <p:spPr bwMode="auto">
+          <a:xfrm>
+            <a:off x="8874854" y="3878159"/>
+            <a:ext cx="898319" cy="898319"/>
+          </a:xfrm>
+          <a:prstGeom prst="rect">
+            <a:avLst/>
+          </a:prstGeom>
+          <a:noFill/>
+          <a:extLst>
+            <a:ext uri="{909E8E84-426E-40DD-AFC4-6F175D3DCCD1}">
+              <a14:hiddenFill xmlns:a14="http://schemas.microsoft.com/office/drawing/2010/main">
+                <a:solidFill>
+                  <a:srgbClr val="FFFFFF"/>
+                </a:solidFill>
+              </a14:hiddenFill>
+            </a:ext>
+          </a:extLst>
+        </p:spPr>
+      </p:pic>
     </p:spTree>
     <p:extLst>
       <p:ext uri="{BB962C8B-B14F-4D97-AF65-F5344CB8AC3E}">
